--- a/Notebooks/EngineeringNotebook/MS-PowerPoint-Files/tsWxGTUI_PyVx/UseCase_5_Graphical_User_Interface.pptx
+++ b/Notebooks/EngineeringNotebook/MS-PowerPoint-Files/tsWxGTUI_PyVx/UseCase_5_Graphical_User_Interface.pptx
@@ -306,7 +306,7 @@
               <a:pPr>
                 <a:defRPr/>
               </a:pPr>
-              <a:t>11/29/2015</a:t>
+              <a:t>12/2/2015</a:t>
             </a:fld>
             <a:endParaRPr lang="en-US"/>
           </a:p>
@@ -543,7 +543,7 @@
               <a:pPr>
                 <a:defRPr/>
               </a:pPr>
-              <a:t>11/29/2015</a:t>
+              <a:t>12/2/2015</a:t>
             </a:fld>
             <a:endParaRPr lang="en-US"/>
           </a:p>
@@ -2662,7 +2662,7 @@
             </a:pPr>
             <a:fld id="{B5B52024-79AA-4062-8229-397D9E214550}" type="datetime1">
               <a:rPr lang="en-US" smtClean="0"/>
-              <a:t>11/29/2015</a:t>
+              <a:t>12/2/2015</a:t>
             </a:fld>
             <a:endParaRPr lang="en-US"/>
           </a:p>
@@ -2868,7 +2868,7 @@
             </a:pPr>
             <a:fld id="{5534B48B-48D4-4D1F-B98F-2ED8E1B04ED0}" type="datetime1">
               <a:rPr lang="en-US" smtClean="0"/>
-              <a:t>11/29/2015</a:t>
+              <a:t>12/2/2015</a:t>
             </a:fld>
             <a:endParaRPr lang="en-US"/>
           </a:p>
@@ -3070,7 +3070,7 @@
             </a:pPr>
             <a:fld id="{C3557E2B-7DD4-4DCF-9DDD-7786167218C6}" type="datetime1">
               <a:rPr lang="en-US" smtClean="0"/>
-              <a:t>11/29/2015</a:t>
+              <a:t>12/2/2015</a:t>
             </a:fld>
             <a:endParaRPr lang="en-US"/>
           </a:p>
@@ -3262,7 +3262,7 @@
             </a:pPr>
             <a:fld id="{65B11A62-63AA-4067-ACEB-AA6A42CE3A38}" type="datetime1">
               <a:rPr lang="en-US" smtClean="0"/>
-              <a:t>11/29/2015</a:t>
+              <a:t>12/2/2015</a:t>
             </a:fld>
             <a:endParaRPr lang="en-US"/>
           </a:p>
@@ -3477,7 +3477,7 @@
             </a:pPr>
             <a:fld id="{013FB6F9-CFEF-47AA-A08B-D90CED01DE9A}" type="datetime1">
               <a:rPr lang="en-US" smtClean="0"/>
-              <a:t>11/29/2015</a:t>
+              <a:t>12/2/2015</a:t>
             </a:fld>
             <a:endParaRPr lang="en-US"/>
           </a:p>
@@ -3786,7 +3786,7 @@
             </a:pPr>
             <a:fld id="{44D06F95-D493-494F-B0EB-3EDFAA385886}" type="datetime1">
               <a:rPr lang="en-US" smtClean="0"/>
-              <a:t>11/29/2015</a:t>
+              <a:t>12/2/2015</a:t>
             </a:fld>
             <a:endParaRPr lang="en-US"/>
           </a:p>
@@ -4234,7 +4234,7 @@
             </a:pPr>
             <a:fld id="{26FA81D3-96E1-4758-9306-72CE9F6E2F25}" type="datetime1">
               <a:rPr lang="en-US" smtClean="0"/>
-              <a:t>11/29/2015</a:t>
+              <a:t>12/2/2015</a:t>
             </a:fld>
             <a:endParaRPr lang="en-US"/>
           </a:p>
@@ -4375,7 +4375,7 @@
             </a:pPr>
             <a:fld id="{C22C02A3-FDB2-4B02-8110-311DDD8475C2}" type="datetime1">
               <a:rPr lang="en-US" smtClean="0"/>
-              <a:t>11/29/2015</a:t>
+              <a:t>12/2/2015</a:t>
             </a:fld>
             <a:endParaRPr lang="en-US"/>
           </a:p>
@@ -4492,7 +4492,7 @@
             </a:pPr>
             <a:fld id="{FB277746-3C8E-4161-A66B-B97D4FD5213A}" type="datetime1">
               <a:rPr lang="en-US" smtClean="0"/>
-              <a:t>11/29/2015</a:t>
+              <a:t>12/2/2015</a:t>
             </a:fld>
             <a:endParaRPr lang="en-US"/>
           </a:p>
@@ -4786,7 +4786,7 @@
             </a:pPr>
             <a:fld id="{86B778C6-FEB5-4910-BBA7-BBA76466D3B2}" type="datetime1">
               <a:rPr lang="en-US" smtClean="0"/>
-              <a:t>11/29/2015</a:t>
+              <a:t>12/2/2015</a:t>
             </a:fld>
             <a:endParaRPr lang="en-US"/>
           </a:p>
@@ -5063,7 +5063,7 @@
             </a:pPr>
             <a:fld id="{7A68BEE5-7335-4799-9F53-F65CFD274630}" type="datetime1">
               <a:rPr lang="en-US" smtClean="0"/>
-              <a:t>11/29/2015</a:t>
+              <a:t>12/2/2015</a:t>
             </a:fld>
             <a:endParaRPr lang="en-US"/>
           </a:p>
@@ -5597,7 +5597,7 @@
             </a:pPr>
             <a:fld id="{45A933D1-86C7-45FF-B83F-CA5ED825AD11}" type="datetime1">
               <a:rPr lang="en-US" smtClean="0"/>
-              <a:t>11/29/2015</a:t>
+              <a:t>12/2/2015</a:t>
             </a:fld>
             <a:endParaRPr lang="en-US"/>
           </a:p>
@@ -6237,7 +6237,7 @@
           <a:p>
             <a:fld id="{878D0E70-D567-4EAD-BEEC-D30EFDF84A73}" type="datetime1">
               <a:rPr lang="en-US" smtClean="0"/>
-              <a:t>11/29/2015</a:t>
+              <a:t>12/2/2015</a:t>
             </a:fld>
             <a:endParaRPr lang="en-US" smtClean="0"/>
           </a:p>
@@ -6497,7 +6497,7 @@
             </a:pPr>
             <a:fld id="{44D06F95-D493-494F-B0EB-3EDFAA385886}" type="datetime1">
               <a:rPr lang="en-US" smtClean="0"/>
-              <a:t>11/29/2015</a:t>
+              <a:t>12/2/2015</a:t>
             </a:fld>
             <a:endParaRPr lang="en-US"/>
           </a:p>
@@ -7305,7 +7305,7 @@
           <a:p>
             <a:fld id="{82CC87A2-1781-440A-9FCF-DC78272C75A5}" type="datetime1">
               <a:rPr lang="en-US" smtClean="0"/>
-              <a:t>11/29/2015</a:t>
+              <a:t>12/2/2015</a:t>
             </a:fld>
             <a:endParaRPr lang="en-US" dirty="0" smtClean="0"/>
           </a:p>
@@ -7941,7 +7941,7 @@
           <a:p>
             <a:fld id="{82CC87A2-1781-440A-9FCF-DC78272C75A5}" type="datetime1">
               <a:rPr lang="en-US" smtClean="0"/>
-              <a:t>11/29/2015</a:t>
+              <a:t>12/2/2015</a:t>
             </a:fld>
             <a:endParaRPr lang="en-US" dirty="0" smtClean="0"/>
           </a:p>
@@ -8599,7 +8599,7 @@
           <a:p>
             <a:fld id="{82CC87A2-1781-440A-9FCF-DC78272C75A5}" type="datetime1">
               <a:rPr lang="en-US" smtClean="0"/>
-              <a:t>11/29/2015</a:t>
+              <a:t>12/2/2015</a:t>
             </a:fld>
             <a:endParaRPr lang="en-US" dirty="0" smtClean="0"/>
           </a:p>
@@ -9144,11 +9144,7 @@
             </a:r>
             <a:r>
               <a:rPr lang="en-US" sz="1200" dirty="0" smtClean="0"/>
-              <a:t> </a:t>
-            </a:r>
-            <a:r>
-              <a:rPr lang="en-US" sz="1200" dirty="0" smtClean="0"/>
-              <a:t>2.8.9.2 Color16DataBase.py</a:t>
+              <a:t> 2.8.9.2 Color16DataBase.py</a:t>
             </a:r>
             <a:endParaRPr lang="en-US" sz="1200" dirty="0"/>
           </a:p>
@@ -9164,11 +9160,7 @@
             </a:r>
             <a:r>
               <a:rPr lang="en-US" sz="1200" dirty="0" smtClean="0"/>
-              <a:t> </a:t>
-            </a:r>
-            <a:r>
-              <a:rPr lang="en-US" sz="1200" dirty="0" smtClean="0"/>
-              <a:t>2.8.9.2 Color16SubstitutionMap.py</a:t>
+              <a:t> 2.8.9.2 Color16SubstitutionMap.py</a:t>
             </a:r>
             <a:endParaRPr lang="en-US" sz="1200" dirty="0"/>
           </a:p>
@@ -9184,11 +9176,7 @@
             </a:r>
             <a:r>
               <a:rPr lang="en-US" sz="1200" dirty="0" smtClean="0"/>
-              <a:t> </a:t>
-            </a:r>
-            <a:r>
-              <a:rPr lang="en-US" sz="1200" dirty="0" smtClean="0"/>
-              <a:t>2.8.9.2 Color256DataBase.py</a:t>
+              <a:t> 2.8.9.2 Color256DataBase.py</a:t>
             </a:r>
             <a:endParaRPr lang="en-US" sz="1200" dirty="0"/>
           </a:p>
@@ -9204,11 +9192,7 @@
             </a:r>
             <a:r>
               <a:rPr lang="en-US" sz="1200" dirty="0" smtClean="0"/>
-              <a:t> </a:t>
-            </a:r>
-            <a:r>
-              <a:rPr lang="en-US" sz="1200" dirty="0" smtClean="0"/>
-              <a:t>2.8.9.2 Color88DataBase.py</a:t>
+              <a:t> 2.8.9.2 Color88DataBase.py</a:t>
             </a:r>
             <a:endParaRPr lang="en-US" sz="1200" dirty="0"/>
           </a:p>
@@ -9224,11 +9208,7 @@
             </a:r>
             <a:r>
               <a:rPr lang="en-US" sz="1200" dirty="0" smtClean="0"/>
-              <a:t> </a:t>
-            </a:r>
-            <a:r>
-              <a:rPr lang="en-US" sz="1200" dirty="0" smtClean="0"/>
-              <a:t>2.8.9.2 Color8DataBase.py</a:t>
+              <a:t> 2.8.9.2 Color8DataBase.py</a:t>
             </a:r>
             <a:endParaRPr lang="en-US" sz="1200" dirty="0"/>
           </a:p>
@@ -9244,11 +9224,7 @@
             </a:r>
             <a:r>
               <a:rPr lang="en-US" sz="1200" dirty="0" smtClean="0"/>
-              <a:t> </a:t>
-            </a:r>
-            <a:r>
-              <a:rPr lang="en-US" sz="1200" dirty="0" smtClean="0"/>
-              <a:t>2.8.9.2 Color8SubstitutionMap.py</a:t>
+              <a:t> 2.8.9.2 Color8SubstitutionMap.py</a:t>
             </a:r>
             <a:endParaRPr lang="en-US" sz="1200" dirty="0"/>
           </a:p>
@@ -9264,11 +9240,7 @@
             </a:r>
             <a:r>
               <a:rPr lang="en-US" sz="1200" dirty="0" smtClean="0"/>
-              <a:t> </a:t>
-            </a:r>
-            <a:r>
-              <a:rPr lang="en-US" sz="1200" dirty="0" smtClean="0"/>
-              <a:t>2.8.9.2 ColorDataBaseRGB.py</a:t>
+              <a:t> 2.8.9.2 ColorDataBaseRGB.py</a:t>
             </a:r>
             <a:endParaRPr lang="en-US" sz="1200" dirty="0"/>
           </a:p>
@@ -9284,11 +9256,7 @@
             </a:r>
             <a:r>
               <a:rPr lang="en-US" sz="1200" dirty="0" smtClean="0"/>
-              <a:t> </a:t>
-            </a:r>
-            <a:r>
-              <a:rPr lang="en-US" sz="1200" dirty="0" smtClean="0"/>
-              <a:t>2.8.9.2 ColorNames.py</a:t>
+              <a:t> 2.8.9.2 ColorNames.py</a:t>
             </a:r>
             <a:endParaRPr lang="en-US" sz="1200" dirty="0"/>
           </a:p>
@@ -9304,11 +9272,7 @@
             </a:r>
             <a:r>
               <a:rPr lang="en-US" sz="1200" dirty="0" smtClean="0"/>
-              <a:t> </a:t>
-            </a:r>
-            <a:r>
-              <a:rPr lang="en-US" sz="1200" dirty="0" smtClean="0"/>
-              <a:t>2.8.9.2 ColorRGBNames.py</a:t>
+              <a:t> 2.8.9.2 ColorRGBNames.py</a:t>
             </a:r>
             <a:endParaRPr lang="en-US" sz="1200" dirty="0"/>
           </a:p>
@@ -9324,11 +9288,7 @@
             </a:r>
             <a:r>
               <a:rPr lang="en-US" sz="1200" dirty="0" smtClean="0"/>
-              <a:t> </a:t>
-            </a:r>
-            <a:r>
-              <a:rPr lang="en-US" sz="1200" dirty="0" smtClean="0"/>
-              <a:t>2.8.9.2 ColorRGBValues.py</a:t>
+              <a:t> 2.8.9.2 ColorRGBValues.py</a:t>
             </a:r>
             <a:endParaRPr lang="en-US" sz="1200" dirty="0"/>
           </a:p>
@@ -9344,11 +9304,7 @@
             </a:r>
             <a:r>
               <a:rPr lang="en-US" sz="1200" dirty="0" smtClean="0"/>
-              <a:t> </a:t>
-            </a:r>
-            <a:r>
-              <a:rPr lang="en-US" sz="1200" dirty="0" smtClean="0"/>
-              <a:t>2.8.9.2 MonochromeDataBase.py</a:t>
+              <a:t> 2.8.9.2 MonochromeDataBase.py</a:t>
             </a:r>
             <a:endParaRPr lang="en-US" sz="1200" dirty="0"/>
           </a:p>
@@ -9373,7 +9329,7 @@
           <a:p>
             <a:fld id="{82CC87A2-1781-440A-9FCF-DC78272C75A5}" type="datetime1">
               <a:rPr lang="en-US" smtClean="0"/>
-              <a:t>11/29/2015</a:t>
+              <a:t>12/2/2015</a:t>
             </a:fld>
             <a:endParaRPr lang="en-US" smtClean="0"/>
           </a:p>
@@ -9845,7 +9801,7 @@
           <a:p>
             <a:fld id="{82CC87A2-1781-440A-9FCF-DC78272C75A5}" type="datetime1">
               <a:rPr lang="en-US" smtClean="0"/>
-              <a:t>11/29/2015</a:t>
+              <a:t>12/2/2015</a:t>
             </a:fld>
             <a:endParaRPr lang="en-US" smtClean="0"/>
           </a:p>
@@ -10168,7 +10124,7 @@
           <a:p>
             <a:fld id="{82CC87A2-1781-440A-9FCF-DC78272C75A5}" type="datetime1">
               <a:rPr lang="en-US" smtClean="0"/>
-              <a:t>11/29/2015</a:t>
+              <a:t>12/2/2015</a:t>
             </a:fld>
             <a:endParaRPr lang="en-US" smtClean="0"/>
           </a:p>
@@ -10675,7 +10631,7 @@
           <a:p>
             <a:fld id="{82CC87A2-1781-440A-9FCF-DC78272C75A5}" type="datetime1">
               <a:rPr lang="en-US" smtClean="0"/>
-              <a:t>11/29/2015</a:t>
+              <a:t>12/2/2015</a:t>
             </a:fld>
             <a:endParaRPr lang="en-US" dirty="0" smtClean="0"/>
           </a:p>
@@ -11075,7 +11031,7 @@
           <a:p>
             <a:fld id="{82CC87A2-1781-440A-9FCF-DC78272C75A5}" type="datetime1">
               <a:rPr lang="en-US" smtClean="0"/>
-              <a:t>11/29/2015</a:t>
+              <a:t>12/2/2015</a:t>
             </a:fld>
             <a:endParaRPr lang="en-US" smtClean="0"/>
           </a:p>
@@ -11421,7 +11377,7 @@
           <a:p>
             <a:fld id="{82CC87A2-1781-440A-9FCF-DC78272C75A5}" type="datetime1">
               <a:rPr lang="en-US" smtClean="0"/>
-              <a:t>11/29/2015</a:t>
+              <a:t>12/2/2015</a:t>
             </a:fld>
             <a:endParaRPr lang="en-US" smtClean="0"/>
           </a:p>
@@ -11881,7 +11837,7 @@
           <a:p>
             <a:fld id="{594743C1-DE31-4E12-9F9F-1BA9DE6E7B96}" type="datetime1">
               <a:rPr lang="en-US" smtClean="0"/>
-              <a:t>11/29/2015</a:t>
+              <a:t>12/2/2015</a:t>
             </a:fld>
             <a:endParaRPr lang="en-US" dirty="0" smtClean="0"/>
           </a:p>
@@ -12500,7 +12456,7 @@
           <a:p>
             <a:fld id="{82CC87A2-1781-440A-9FCF-DC78272C75A5}" type="datetime1">
               <a:rPr lang="en-US" smtClean="0"/>
-              <a:t>11/29/2015</a:t>
+              <a:t>12/2/2015</a:t>
             </a:fld>
             <a:endParaRPr lang="en-US" smtClean="0"/>
           </a:p>
@@ -12939,7 +12895,7 @@
           <a:p>
             <a:fld id="{82CC87A2-1781-440A-9FCF-DC78272C75A5}" type="datetime1">
               <a:rPr lang="en-US" smtClean="0"/>
-              <a:t>11/29/2015</a:t>
+              <a:t>12/2/2015</a:t>
             </a:fld>
             <a:endParaRPr lang="en-US" smtClean="0"/>
           </a:p>
@@ -13537,7 +13493,7 @@
           <a:p>
             <a:fld id="{82CC87A2-1781-440A-9FCF-DC78272C75A5}" type="datetime1">
               <a:rPr lang="en-US" smtClean="0"/>
-              <a:t>11/29/2015</a:t>
+              <a:t>12/2/2015</a:t>
             </a:fld>
             <a:endParaRPr lang="en-US" smtClean="0"/>
           </a:p>
@@ -13759,11 +13715,7 @@
             </a:r>
             <a:r>
               <a:rPr lang="en-US" sz="2000" dirty="0" smtClean="0"/>
-              <a:t> </a:t>
-            </a:r>
-            <a:r>
-              <a:rPr lang="en-US" sz="2000" dirty="0" smtClean="0"/>
-              <a:t>2.8.9.2 Color16DataBase.py</a:t>
+              <a:t> 2.8.9.2 Color16DataBase.py</a:t>
             </a:r>
             <a:endParaRPr lang="en-US" sz="2000" dirty="0"/>
           </a:p>
@@ -13779,11 +13731,7 @@
             </a:r>
             <a:r>
               <a:rPr lang="en-US" sz="2000" dirty="0" smtClean="0"/>
-              <a:t> </a:t>
-            </a:r>
-            <a:r>
-              <a:rPr lang="en-US" sz="2000" dirty="0" smtClean="0"/>
-              <a:t>2.8.9.2 Color16SubstitutionMap.py</a:t>
+              <a:t> 2.8.9.2 Color16SubstitutionMap.py</a:t>
             </a:r>
             <a:endParaRPr lang="en-US" sz="2000" dirty="0"/>
           </a:p>
@@ -13799,11 +13747,7 @@
             </a:r>
             <a:r>
               <a:rPr lang="en-US" sz="2000" dirty="0" smtClean="0"/>
-              <a:t> </a:t>
-            </a:r>
-            <a:r>
-              <a:rPr lang="en-US" sz="2000" dirty="0" smtClean="0"/>
-              <a:t>2.8.9.2 Color256DataBase.py</a:t>
+              <a:t> 2.8.9.2 Color256DataBase.py</a:t>
             </a:r>
             <a:endParaRPr lang="en-US" sz="2000" dirty="0"/>
           </a:p>
@@ -13819,11 +13763,7 @@
             </a:r>
             <a:r>
               <a:rPr lang="en-US" sz="2000" dirty="0" smtClean="0"/>
-              <a:t> </a:t>
-            </a:r>
-            <a:r>
-              <a:rPr lang="en-US" sz="2000" dirty="0" smtClean="0"/>
-              <a:t>2.8.9.2 Color88DataBase.py</a:t>
+              <a:t> 2.8.9.2 Color88DataBase.py</a:t>
             </a:r>
             <a:endParaRPr lang="en-US" sz="2000" dirty="0"/>
           </a:p>
@@ -13839,11 +13779,7 @@
             </a:r>
             <a:r>
               <a:rPr lang="en-US" sz="2000" dirty="0" smtClean="0"/>
-              <a:t> </a:t>
-            </a:r>
-            <a:r>
-              <a:rPr lang="en-US" sz="2000" dirty="0" smtClean="0"/>
-              <a:t>2.8.9.2 Color8DataBase.py</a:t>
+              <a:t> 2.8.9.2 Color8DataBase.py</a:t>
             </a:r>
             <a:endParaRPr lang="en-US" sz="2000" dirty="0"/>
           </a:p>
@@ -13859,11 +13795,7 @@
             </a:r>
             <a:r>
               <a:rPr lang="en-US" sz="2000" dirty="0" smtClean="0"/>
-              <a:t> </a:t>
-            </a:r>
-            <a:r>
-              <a:rPr lang="en-US" sz="2000" dirty="0" smtClean="0"/>
-              <a:t>2.8.9.2 Color8SubstitutionMap.py</a:t>
+              <a:t> 2.8.9.2 Color8SubstitutionMap.py</a:t>
             </a:r>
             <a:endParaRPr lang="en-US" sz="2000" dirty="0"/>
           </a:p>
@@ -13879,11 +13811,7 @@
             </a:r>
             <a:r>
               <a:rPr lang="en-US" sz="2000" dirty="0" smtClean="0"/>
-              <a:t> </a:t>
-            </a:r>
-            <a:r>
-              <a:rPr lang="en-US" sz="2000" dirty="0" smtClean="0"/>
-              <a:t>2.8.9.2 ColorDataBaseRGB.py</a:t>
+              <a:t> 2.8.9.2 ColorDataBaseRGB.py</a:t>
             </a:r>
             <a:endParaRPr lang="en-US" sz="2000" dirty="0"/>
           </a:p>
@@ -13899,11 +13827,7 @@
             </a:r>
             <a:r>
               <a:rPr lang="en-US" sz="2000" dirty="0" smtClean="0"/>
-              <a:t> </a:t>
-            </a:r>
-            <a:r>
-              <a:rPr lang="en-US" sz="2000" dirty="0" smtClean="0"/>
-              <a:t>2.8.9.2 ColorNames.py</a:t>
+              <a:t> 2.8.9.2 ColorNames.py</a:t>
             </a:r>
             <a:endParaRPr lang="en-US" sz="2000" dirty="0"/>
           </a:p>
@@ -13919,11 +13843,7 @@
             </a:r>
             <a:r>
               <a:rPr lang="en-US" sz="2000" dirty="0" smtClean="0"/>
-              <a:t> </a:t>
-            </a:r>
-            <a:r>
-              <a:rPr lang="en-US" sz="2000" dirty="0" smtClean="0"/>
-              <a:t>2.8.9.2 ColorRGBNames.py</a:t>
+              <a:t> 2.8.9.2 ColorRGBNames.py</a:t>
             </a:r>
             <a:endParaRPr lang="en-US" sz="2000" dirty="0"/>
           </a:p>
@@ -13939,11 +13859,7 @@
             </a:r>
             <a:r>
               <a:rPr lang="en-US" sz="2000" dirty="0" smtClean="0"/>
-              <a:t> </a:t>
-            </a:r>
-            <a:r>
-              <a:rPr lang="en-US" sz="2000" dirty="0" smtClean="0"/>
-              <a:t>2.8.9.2 ColorRGBValues.py</a:t>
+              <a:t> 2.8.9.2 ColorRGBValues.py</a:t>
             </a:r>
             <a:endParaRPr lang="en-US" sz="2000" dirty="0"/>
           </a:p>
@@ -13959,11 +13875,7 @@
             </a:r>
             <a:r>
               <a:rPr lang="en-US" sz="2000" smtClean="0"/>
-              <a:t> </a:t>
-            </a:r>
-            <a:r>
-              <a:rPr lang="en-US" sz="2000" smtClean="0"/>
-              <a:t>2.8.9.2 MonochromeDataBase.py</a:t>
+              <a:t> 2.8.9.2 MonochromeDataBase.py</a:t>
             </a:r>
             <a:endParaRPr lang="en-US" sz="2000" dirty="0"/>
           </a:p>
@@ -13988,7 +13900,7 @@
           <a:p>
             <a:fld id="{82CC87A2-1781-440A-9FCF-DC78272C75A5}" type="datetime1">
               <a:rPr lang="en-US" smtClean="0"/>
-              <a:t>11/29/2015</a:t>
+              <a:t>12/2/2015</a:t>
             </a:fld>
             <a:endParaRPr lang="en-US" smtClean="0"/>
           </a:p>
@@ -14332,7 +14244,7 @@
             </a:pPr>
             <a:fld id="{65B11A62-63AA-4067-ACEB-AA6A42CE3A38}" type="datetime1">
               <a:rPr lang="en-US" smtClean="0"/>
-              <a:t>11/29/2015</a:t>
+              <a:t>12/2/2015</a:t>
             </a:fld>
             <a:endParaRPr lang="en-US"/>
           </a:p>
@@ -14751,7 +14663,7 @@
             </a:pPr>
             <a:fld id="{65B11A62-63AA-4067-ACEB-AA6A42CE3A38}" type="datetime1">
               <a:rPr lang="en-US" smtClean="0"/>
-              <a:t>11/29/2015</a:t>
+              <a:t>12/2/2015</a:t>
             </a:fld>
             <a:endParaRPr lang="en-US" dirty="0"/>
           </a:p>
@@ -15205,7 +15117,7 @@
           <a:p>
             <a:fld id="{C4CD0F24-D883-406C-B918-66E9EB5E340B}" type="datetime1">
               <a:rPr lang="en-US" smtClean="0"/>
-              <a:t>11/29/2015</a:t>
+              <a:t>12/2/2015</a:t>
             </a:fld>
             <a:endParaRPr lang="en-US" smtClean="0"/>
           </a:p>
@@ -15737,7 +15649,7 @@
           <a:p>
             <a:fld id="{C3FB1654-67BB-4BFC-9431-2E9085587B48}" type="datetime1">
               <a:rPr lang="en-US" smtClean="0"/>
-              <a:t>11/29/2015</a:t>
+              <a:t>12/2/2015</a:t>
             </a:fld>
             <a:endParaRPr lang="en-US" smtClean="0"/>
           </a:p>
@@ -16492,7 +16404,7 @@
           <a:p>
             <a:fld id="{82CC87A2-1781-440A-9FCF-DC78272C75A5}" type="datetime1">
               <a:rPr lang="en-US" smtClean="0"/>
-              <a:t>11/29/2015</a:t>
+              <a:t>12/2/2015</a:t>
             </a:fld>
             <a:endParaRPr lang="en-US" smtClean="0"/>
           </a:p>
@@ -16668,152 +16580,152 @@
           <a:p>
             <a:pPr eaLnBrk="1" hangingPunct="1"/>
             <a:r>
-              <a:rPr lang="en-US" sz="1400" b="1" dirty="0" smtClean="0"/>
+              <a:rPr lang="en-US" sz="1200" b="1" dirty="0" smtClean="0"/>
               <a:t>Output to the user via a terminal display device</a:t>
             </a:r>
             <a:r>
-              <a:rPr lang="en-US" sz="1400" dirty="0" smtClean="0"/>
+              <a:rPr lang="en-US" sz="1200" dirty="0" smtClean="0"/>
               <a:t>:</a:t>
             </a:r>
           </a:p>
           <a:p>
             <a:pPr lvl="1" eaLnBrk="1" hangingPunct="1"/>
             <a:r>
-              <a:rPr lang="en-US" sz="1100" b="1" dirty="0" smtClean="0"/>
+              <a:rPr lang="en-US" sz="1050" b="1" dirty="0" smtClean="0"/>
               <a:t>Pixel-mode Icons </a:t>
             </a:r>
             <a:r>
-              <a:rPr lang="en-US" sz="1100" b="1" dirty="0"/>
+              <a:rPr lang="en-US" sz="1050" b="1" dirty="0"/>
               <a:t>are pictograms </a:t>
             </a:r>
             <a:r>
-              <a:rPr lang="en-US" sz="1100" dirty="0"/>
+              <a:rPr lang="en-US" sz="1050" dirty="0"/>
               <a:t>(more like a traffic sign than a detailed illustration of the actual entity it represents) which help the user monitor and control computer operation. Icons can optionally serve as an electronic hyperlink or file shortcut to trigger a program or access data</a:t>
             </a:r>
           </a:p>
           <a:p>
             <a:pPr lvl="1" eaLnBrk="1" hangingPunct="1"/>
             <a:r>
-              <a:rPr lang="en-US" sz="1100" b="1" dirty="0" smtClean="0"/>
+              <a:rPr lang="en-US" sz="1050" b="1" dirty="0" smtClean="0"/>
               <a:t>Character-mode “wxPython 2.8.9.2” </a:t>
             </a:r>
             <a:r>
-              <a:rPr lang="en-US" sz="1100" b="1" dirty="0"/>
+              <a:rPr lang="en-US" sz="1050" b="1" dirty="0"/>
               <a:t>API </a:t>
             </a:r>
             <a:r>
-              <a:rPr lang="en-US" sz="1100" b="1" dirty="0" smtClean="0"/>
+              <a:rPr lang="en-US" sz="1050" b="1" dirty="0" smtClean="0"/>
               <a:t>Emulation </a:t>
             </a:r>
             <a:r>
-              <a:rPr lang="en-US" sz="1100" dirty="0" smtClean="0"/>
+              <a:rPr lang="en-US" sz="1050" dirty="0" smtClean="0"/>
               <a:t>uses its host platform’s native Curses services to input from terminal pointing &amp; keyboard devices and to output icon characters </a:t>
             </a:r>
             <a:r>
-              <a:rPr lang="en-US" sz="1100" dirty="0"/>
+              <a:rPr lang="en-US" sz="1050" dirty="0"/>
               <a:t>and </a:t>
             </a:r>
             <a:r>
-              <a:rPr lang="en-US" sz="1100" dirty="0" smtClean="0"/>
+              <a:rPr lang="en-US" sz="1050" dirty="0" smtClean="0"/>
               <a:t>text composed of pre-defined fixed-size character cells (hardware generated array of pixels) to </a:t>
             </a:r>
             <a:r>
-              <a:rPr lang="en-US" sz="1100" dirty="0"/>
+              <a:rPr lang="en-US" sz="1050" dirty="0"/>
               <a:t>application-specified </a:t>
             </a:r>
             <a:r>
-              <a:rPr lang="en-US" sz="1100" dirty="0" smtClean="0"/>
+              <a:rPr lang="en-US" sz="1050" dirty="0" smtClean="0"/>
               <a:t>character </a:t>
             </a:r>
             <a:r>
-              <a:rPr lang="en-US" sz="1100" dirty="0"/>
+              <a:rPr lang="en-US" sz="1050" dirty="0"/>
               <a:t>c</a:t>
             </a:r>
             <a:r>
-              <a:rPr lang="en-US" sz="1100" dirty="0" smtClean="0"/>
+              <a:rPr lang="en-US" sz="1050" dirty="0" smtClean="0"/>
               <a:t>ell column </a:t>
             </a:r>
             <a:r>
-              <a:rPr lang="en-US" sz="1100" dirty="0"/>
+              <a:rPr lang="en-US" sz="1050" dirty="0"/>
               <a:t>and row (line) fields on a computer terminal display</a:t>
             </a:r>
             <a:r>
-              <a:rPr lang="en-US" sz="1100" dirty="0" smtClean="0"/>
+              <a:rPr lang="en-US" sz="1050" dirty="0" smtClean="0"/>
               <a:t>.</a:t>
             </a:r>
           </a:p>
           <a:p>
             <a:pPr eaLnBrk="1" hangingPunct="1"/>
             <a:r>
-              <a:rPr lang="en-US" sz="1400" b="1" dirty="0" smtClean="0"/>
+              <a:rPr lang="en-US" sz="1200" b="1" dirty="0" smtClean="0"/>
               <a:t>Input </a:t>
             </a:r>
             <a:r>
-              <a:rPr lang="en-US" sz="1400" b="1" dirty="0"/>
+              <a:rPr lang="en-US" sz="1200" b="1" dirty="0"/>
               <a:t>from the user via a </a:t>
             </a:r>
             <a:r>
-              <a:rPr lang="en-US" sz="1400" b="1" dirty="0" smtClean="0"/>
+              <a:rPr lang="en-US" sz="1200" b="1" dirty="0" smtClean="0"/>
               <a:t>terminal </a:t>
             </a:r>
             <a:r>
-              <a:rPr lang="en-US" sz="1400" b="1" dirty="0"/>
+              <a:rPr lang="en-US" sz="1200" b="1" dirty="0"/>
               <a:t>device:</a:t>
             </a:r>
           </a:p>
           <a:p>
             <a:pPr lvl="1" eaLnBrk="1" hangingPunct="1"/>
             <a:r>
-              <a:rPr lang="en-US" sz="1100" b="1" dirty="0"/>
+              <a:rPr lang="en-US" sz="1050" b="1" dirty="0"/>
               <a:t>Pointing Device (mouse, trackball, </a:t>
             </a:r>
             <a:r>
-              <a:rPr lang="en-US" sz="1100" b="1" dirty="0" smtClean="0"/>
+              <a:rPr lang="en-US" sz="1050" b="1" dirty="0" smtClean="0"/>
               <a:t>touch pad </a:t>
             </a:r>
             <a:r>
-              <a:rPr lang="en-US" sz="1100" b="1" dirty="0"/>
+              <a:rPr lang="en-US" sz="1050" b="1" dirty="0"/>
               <a:t>or </a:t>
             </a:r>
             <a:r>
-              <a:rPr lang="en-US" sz="1100" b="1" dirty="0" smtClean="0"/>
+              <a:rPr lang="en-US" sz="1050" b="1" dirty="0" smtClean="0"/>
               <a:t>screen</a:t>
             </a:r>
             <a:r>
-              <a:rPr lang="en-US" sz="1100" b="1" dirty="0"/>
+              <a:rPr lang="en-US" sz="1050" b="1" dirty="0"/>
               <a:t>)</a:t>
             </a:r>
           </a:p>
           <a:p>
             <a:pPr lvl="2" eaLnBrk="1" hangingPunct="1"/>
             <a:r>
-              <a:rPr lang="en-US" sz="1100" dirty="0"/>
+              <a:rPr lang="en-US" sz="1050" dirty="0"/>
               <a:t>Device is moved into a position by its operator before a mouse button is clicked to trigger a function button, radio button, checkbox or keyboard input operation.</a:t>
             </a:r>
           </a:p>
           <a:p>
             <a:pPr lvl="1" eaLnBrk="1" hangingPunct="1"/>
             <a:r>
-              <a:rPr lang="en-US" sz="1100" b="1" dirty="0"/>
+              <a:rPr lang="en-US" sz="1050" b="1" dirty="0"/>
               <a:t>Keyboard Device:</a:t>
             </a:r>
           </a:p>
           <a:p>
             <a:pPr lvl="2" eaLnBrk="1" hangingPunct="1"/>
             <a:r>
-              <a:rPr lang="en-US" sz="1100" dirty="0"/>
+              <a:rPr lang="en-US" sz="1050" dirty="0"/>
               <a:t>Input</a:t>
             </a:r>
             <a:r>
-              <a:rPr lang="en-US" sz="1100" b="1" dirty="0"/>
+              <a:rPr lang="en-US" sz="1050" b="1" dirty="0"/>
               <a:t> </a:t>
             </a:r>
             <a:r>
-              <a:rPr lang="en-US" sz="1100" dirty="0"/>
+              <a:rPr lang="en-US" sz="1050" dirty="0"/>
               <a:t>may be echoed as output to a reserved area of the display that is written from top to bottom and then scrolling off the top as each new line is written to the bottom of the reserved </a:t>
             </a:r>
             <a:r>
-              <a:rPr lang="en-US" sz="1100" dirty="0" smtClean="0"/>
+              <a:rPr lang="en-US" sz="1050" dirty="0" smtClean="0"/>
               <a:t>area</a:t>
             </a:r>
           </a:p>
@@ -16847,189 +16759,222 @@
           <a:p>
             <a:pPr eaLnBrk="1" hangingPunct="1"/>
             <a:r>
-              <a:rPr lang="en-US" sz="1400" b="1" dirty="0" smtClean="0"/>
+              <a:rPr lang="en-US" sz="1200" b="1" dirty="0" smtClean="0"/>
               <a:t>Comparison of Pixel-mode with Character-mode Emulation</a:t>
             </a:r>
           </a:p>
           <a:p>
             <a:pPr lvl="1" eaLnBrk="1" hangingPunct="1"/>
             <a:r>
-              <a:rPr lang="en-US" sz="1100" b="1" dirty="0"/>
+              <a:rPr lang="en-US" sz="1050" b="1" dirty="0"/>
               <a:t>P</a:t>
             </a:r>
             <a:r>
-              <a:rPr lang="en-US" sz="1100" b="1" dirty="0" smtClean="0"/>
+              <a:rPr lang="en-US" sz="1050" b="1" dirty="0" smtClean="0"/>
               <a:t>ixel-mode “wxPython 2.8.9.2” API u</a:t>
             </a:r>
             <a:r>
-              <a:rPr lang="en-US" sz="1100" dirty="0" smtClean="0"/>
+              <a:rPr lang="en-US" sz="1050" dirty="0" smtClean="0"/>
               <a:t>ses</a:t>
             </a:r>
             <a:r>
-              <a:rPr lang="en-US" sz="1100" b="1" dirty="0" smtClean="0"/>
+              <a:rPr lang="en-US" sz="1050" b="1" dirty="0" smtClean="0"/>
               <a:t> </a:t>
             </a:r>
             <a:r>
-              <a:rPr lang="en-US" sz="1100" dirty="0"/>
+              <a:rPr lang="en-US" sz="1050" dirty="0"/>
               <a:t>its host platform’s native GUI  services to input from terminal pointing &amp; keyboard devices and to output icons and text strings composed of dot-based picture elements (pixels) to application-specified pixel cell column and row (line) fields on a computer terminal display.</a:t>
             </a:r>
           </a:p>
           <a:p>
             <a:pPr lvl="1" eaLnBrk="1" hangingPunct="1"/>
             <a:r>
-              <a:rPr lang="en-US" sz="1100" b="1" dirty="0"/>
+              <a:rPr lang="en-US" sz="1050" b="1" dirty="0"/>
               <a:t>Character-mode </a:t>
             </a:r>
             <a:r>
-              <a:rPr lang="en-US" sz="1100" b="1" dirty="0" smtClean="0"/>
+              <a:rPr lang="en-US" sz="1050" b="1" dirty="0" smtClean="0"/>
               <a:t>“wxPython 2.8.9.2” </a:t>
             </a:r>
             <a:r>
-              <a:rPr lang="en-US" sz="1100" b="1" dirty="0"/>
+              <a:rPr lang="en-US" sz="1050" b="1" dirty="0"/>
               <a:t>API Emulation </a:t>
             </a:r>
             <a:r>
-              <a:rPr lang="en-US" sz="1100" b="1" dirty="0" smtClean="0"/>
+              <a:rPr lang="en-US" sz="1050" b="1" dirty="0" smtClean="0"/>
               <a:t>c</a:t>
             </a:r>
             <a:r>
-              <a:rPr lang="en-US" sz="1100" dirty="0" smtClean="0"/>
+              <a:rPr lang="en-US" sz="1050" dirty="0" smtClean="0"/>
               <a:t>onsumes </a:t>
             </a:r>
             <a:r>
-              <a:rPr lang="en-US" sz="1100" dirty="0"/>
+              <a:rPr lang="en-US" sz="1050" dirty="0"/>
               <a:t>significantly less memory, processor time and communication bandwidth than Pixel-mode</a:t>
             </a:r>
             <a:r>
-              <a:rPr lang="en-US" sz="1100" dirty="0" smtClean="0"/>
+              <a:rPr lang="en-US" sz="1050" dirty="0" smtClean="0"/>
               <a:t>. For a simplified example:</a:t>
             </a:r>
           </a:p>
           <a:p>
             <a:pPr lvl="2" eaLnBrk="1" hangingPunct="1"/>
             <a:r>
-              <a:rPr lang="en-US" sz="1100" dirty="0" smtClean="0"/>
+              <a:rPr lang="en-US" sz="1050" dirty="0" smtClean="0"/>
               <a:t>In Character-mode, one 8-bit-byte character </a:t>
             </a:r>
             <a:r>
-              <a:rPr lang="en-US" sz="1100" dirty="0"/>
+              <a:rPr lang="en-US" sz="1050" dirty="0"/>
               <a:t>code can designate one of 256 </a:t>
             </a:r>
             <a:r>
-              <a:rPr lang="en-US" sz="1100" dirty="0" smtClean="0"/>
+              <a:rPr lang="en-US" sz="1050" dirty="0" smtClean="0"/>
               <a:t>alphanumeric</a:t>
             </a:r>
             <a:r>
-              <a:rPr lang="en-US" sz="1100" dirty="0"/>
+              <a:rPr lang="en-US" sz="1050" dirty="0"/>
               <a:t>, punctuation or line –drawing characters (in an 8x12 pixel font) </a:t>
             </a:r>
             <a:r>
-              <a:rPr lang="en-US" sz="1100" dirty="0" smtClean="0"/>
+              <a:rPr lang="en-US" sz="1050" dirty="0" smtClean="0"/>
               <a:t>plus a </a:t>
             </a:r>
             <a:r>
-              <a:rPr lang="en-US" sz="1100" dirty="0"/>
+              <a:rPr lang="en-US" sz="1050" dirty="0"/>
               <a:t>second </a:t>
             </a:r>
             <a:r>
-              <a:rPr lang="en-US" sz="1100" dirty="0" smtClean="0"/>
+              <a:rPr lang="en-US" sz="1050" dirty="0" smtClean="0"/>
               <a:t>8-bit-byte character </a:t>
             </a:r>
             <a:r>
-              <a:rPr lang="en-US" sz="1100" dirty="0"/>
+              <a:rPr lang="en-US" sz="1050" dirty="0"/>
               <a:t>can represent the foreground-background color pair in a 16-color </a:t>
             </a:r>
             <a:r>
-              <a:rPr lang="en-US" sz="1100" dirty="0" smtClean="0"/>
+              <a:rPr lang="en-US" sz="1050" dirty="0" smtClean="0"/>
               <a:t>palette. As a consequence, computer-terminal communication bandwidth </a:t>
             </a:r>
             <a:r>
-              <a:rPr lang="en-US" sz="1100" dirty="0"/>
+              <a:rPr lang="en-US" sz="1050" dirty="0"/>
               <a:t>consumes 2 Character-mode </a:t>
             </a:r>
             <a:r>
-              <a:rPr lang="en-US" sz="1100" dirty="0" smtClean="0"/>
+              <a:rPr lang="en-US" sz="1050" dirty="0" smtClean="0"/>
               <a:t>bytes per </a:t>
             </a:r>
             <a:r>
-              <a:rPr lang="en-US" sz="1100" dirty="0"/>
+              <a:rPr lang="en-US" sz="1050" dirty="0"/>
               <a:t>8x12 pixel font </a:t>
             </a:r>
             <a:r>
-              <a:rPr lang="en-US" sz="1100" dirty="0" smtClean="0"/>
-              <a:t>character cell.</a:t>
-            </a:r>
+              <a:rPr lang="en-US" sz="1050" dirty="0" smtClean="0"/>
+              <a:t>character cell</a:t>
+            </a:r>
+            <a:r>
+              <a:rPr lang="en-US" sz="1050" dirty="0" smtClean="0"/>
+              <a:t>. </a:t>
+            </a:r>
+            <a:r>
+              <a:rPr lang="en-US" sz="1050" b="1" i="1" dirty="0" smtClean="0"/>
+              <a:t>A display update will NOT occur until a “</a:t>
+            </a:r>
+            <a:r>
+              <a:rPr lang="en-US" sz="1050" b="1" i="1" dirty="0" err="1" smtClean="0"/>
+              <a:t>wxPython</a:t>
+            </a:r>
+            <a:r>
+              <a:rPr lang="en-US" sz="1050" b="1" i="1" dirty="0" smtClean="0"/>
+              <a:t>”  application or event handler invokes </a:t>
+            </a:r>
+            <a:r>
+              <a:rPr lang="en-US" sz="1050" b="1" i="1" smtClean="0"/>
+              <a:t>the  emulation’s “Show</a:t>
+            </a:r>
+            <a:r>
+              <a:rPr lang="en-US" sz="1050" b="1" i="1" dirty="0" smtClean="0"/>
+              <a:t>’ method, which in turn invokes the “curses” “</a:t>
+            </a:r>
+            <a:r>
+              <a:rPr lang="en-US" sz="1050" b="1" i="1" dirty="0" err="1" smtClean="0"/>
+              <a:t>window.refresh</a:t>
+            </a:r>
+            <a:r>
+              <a:rPr lang="en-US" sz="1050" b="1" i="1" dirty="0" smtClean="0"/>
+              <a:t>” method.</a:t>
+            </a:r>
+            <a:endParaRPr lang="en-US" sz="1050" b="1" i="1" dirty="0" smtClean="0"/>
           </a:p>
           <a:p>
             <a:pPr lvl="2" eaLnBrk="1" hangingPunct="1"/>
             <a:r>
-              <a:rPr lang="en-US" sz="1100" dirty="0" smtClean="0"/>
+              <a:rPr lang="en-US" sz="1050" dirty="0" smtClean="0"/>
               <a:t>In Pixel-mode, one 8-bit-byte code sets the intensity of three individual Red-Green-Blue color subpixels (for a 16-million color palette) associated with each pixel in an 8x12 font cell</a:t>
             </a:r>
             <a:r>
-              <a:rPr lang="en-US" sz="1100" dirty="0"/>
+              <a:rPr lang="en-US" sz="1050" dirty="0"/>
               <a:t>. As a consequence, computer-terminal communication bandwidth consumes </a:t>
             </a:r>
             <a:r>
-              <a:rPr lang="en-US" sz="1100" dirty="0" smtClean="0"/>
+              <a:rPr lang="en-US" sz="1050" dirty="0" smtClean="0"/>
               <a:t>288 Pixel-mode bytes </a:t>
             </a:r>
             <a:r>
-              <a:rPr lang="en-US" sz="1100" dirty="0"/>
+              <a:rPr lang="en-US" sz="1050" dirty="0"/>
               <a:t>per 8x12 pixel font </a:t>
             </a:r>
             <a:r>
-              <a:rPr lang="en-US" sz="1100" dirty="0" smtClean="0"/>
+              <a:rPr lang="en-US" sz="1050" dirty="0" smtClean="0"/>
               <a:t>character </a:t>
             </a:r>
             <a:r>
-              <a:rPr lang="en-US" sz="1100" dirty="0"/>
+              <a:rPr lang="en-US" sz="1050" dirty="0"/>
               <a:t>cell</a:t>
             </a:r>
             <a:r>
-              <a:rPr lang="en-US" sz="1100" dirty="0" smtClean="0"/>
+              <a:rPr lang="en-US" sz="1050" dirty="0" smtClean="0"/>
               <a:t>.</a:t>
             </a:r>
           </a:p>
           <a:p>
             <a:pPr lvl="2" eaLnBrk="1" hangingPunct="1"/>
             <a:r>
-              <a:rPr lang="en-US" sz="1100" dirty="0"/>
+              <a:rPr lang="en-US" sz="1050" dirty="0"/>
               <a:t>Retains names of original </a:t>
             </a:r>
             <a:r>
-              <a:rPr lang="en-US" sz="1100" dirty="0" smtClean="0"/>
+              <a:rPr lang="en-US" sz="1050" dirty="0" smtClean="0"/>
               <a:t>“wxPython 2.8.9.2” </a:t>
             </a:r>
             <a:r>
-              <a:rPr lang="en-US" sz="1100" dirty="0"/>
+              <a:rPr lang="en-US" sz="1050" dirty="0"/>
               <a:t>classes, methods, functions, constants and variables.</a:t>
             </a:r>
           </a:p>
           <a:p>
             <a:pPr lvl="2" eaLnBrk="1" hangingPunct="1"/>
             <a:r>
-              <a:rPr lang="en-US" sz="1100" dirty="0"/>
+              <a:rPr lang="en-US" sz="1050" dirty="0"/>
               <a:t>Uses “</a:t>
             </a:r>
             <a:r>
-              <a:rPr lang="en-US" sz="1100" dirty="0" err="1"/>
+              <a:rPr lang="en-US" sz="1050" dirty="0" err="1"/>
               <a:t>tsWx</a:t>
             </a:r>
             <a:r>
-              <a:rPr lang="en-US" sz="1100" dirty="0"/>
+              <a:rPr lang="en-US" sz="1050" dirty="0"/>
               <a:t>” prefix to file names and “</a:t>
             </a:r>
             <a:r>
-              <a:rPr lang="en-US" sz="1100" dirty="0" err="1"/>
+              <a:rPr lang="en-US" sz="1050" dirty="0" err="1"/>
               <a:t>ts</a:t>
             </a:r>
             <a:r>
-              <a:rPr lang="en-US" sz="1100" dirty="0"/>
+              <a:rPr lang="en-US" sz="1050" dirty="0"/>
               <a:t>” prefix to names of internal classes, methods, functions, constants and variables</a:t>
             </a:r>
             <a:r>
-              <a:rPr lang="en-US" sz="1100" dirty="0" smtClean="0"/>
+              <a:rPr lang="en-US" sz="1050" dirty="0" smtClean="0"/>
               <a:t>.</a:t>
             </a:r>
           </a:p>
@@ -17054,7 +16999,7 @@
           <a:p>
             <a:fld id="{A628D7B9-A196-43FB-98FC-214F3C36C725}" type="datetime1">
               <a:rPr lang="en-US" smtClean="0"/>
-              <a:t>11/29/2015</a:t>
+              <a:t>12/2/2015</a:t>
             </a:fld>
             <a:endParaRPr lang="en-US" dirty="0" smtClean="0"/>
           </a:p>
@@ -17750,7 +17695,7 @@
           <a:p>
             <a:fld id="{82CC87A2-1781-440A-9FCF-DC78272C75A5}" type="datetime1">
               <a:rPr lang="en-US" smtClean="0"/>
-              <a:t>11/29/2015</a:t>
+              <a:t>12/2/2015</a:t>
             </a:fld>
             <a:endParaRPr lang="en-US" dirty="0" smtClean="0"/>
           </a:p>

--- a/Notebooks/EngineeringNotebook/MS-PowerPoint-Files/tsWxGTUI_PyVx/UseCase_5_Graphical_User_Interface.pptx
+++ b/Notebooks/EngineeringNotebook/MS-PowerPoint-Files/tsWxGTUI_PyVx/UseCase_5_Graphical_User_Interface.pptx
@@ -306,7 +306,7 @@
               <a:pPr>
                 <a:defRPr/>
               </a:pPr>
-              <a:t>12/2/2015</a:t>
+              <a:t>12/4/2015</a:t>
             </a:fld>
             <a:endParaRPr lang="en-US"/>
           </a:p>
@@ -543,7 +543,7 @@
               <a:pPr>
                 <a:defRPr/>
               </a:pPr>
-              <a:t>12/2/2015</a:t>
+              <a:t>12/4/2015</a:t>
             </a:fld>
             <a:endParaRPr lang="en-US"/>
           </a:p>
@@ -2662,7 +2662,7 @@
             </a:pPr>
             <a:fld id="{B5B52024-79AA-4062-8229-397D9E214550}" type="datetime1">
               <a:rPr lang="en-US" smtClean="0"/>
-              <a:t>12/2/2015</a:t>
+              <a:t>12/4/2015</a:t>
             </a:fld>
             <a:endParaRPr lang="en-US"/>
           </a:p>
@@ -2868,7 +2868,7 @@
             </a:pPr>
             <a:fld id="{5534B48B-48D4-4D1F-B98F-2ED8E1B04ED0}" type="datetime1">
               <a:rPr lang="en-US" smtClean="0"/>
-              <a:t>12/2/2015</a:t>
+              <a:t>12/4/2015</a:t>
             </a:fld>
             <a:endParaRPr lang="en-US"/>
           </a:p>
@@ -3070,7 +3070,7 @@
             </a:pPr>
             <a:fld id="{C3557E2B-7DD4-4DCF-9DDD-7786167218C6}" type="datetime1">
               <a:rPr lang="en-US" smtClean="0"/>
-              <a:t>12/2/2015</a:t>
+              <a:t>12/4/2015</a:t>
             </a:fld>
             <a:endParaRPr lang="en-US"/>
           </a:p>
@@ -3262,7 +3262,7 @@
             </a:pPr>
             <a:fld id="{65B11A62-63AA-4067-ACEB-AA6A42CE3A38}" type="datetime1">
               <a:rPr lang="en-US" smtClean="0"/>
-              <a:t>12/2/2015</a:t>
+              <a:t>12/4/2015</a:t>
             </a:fld>
             <a:endParaRPr lang="en-US"/>
           </a:p>
@@ -3477,7 +3477,7 @@
             </a:pPr>
             <a:fld id="{013FB6F9-CFEF-47AA-A08B-D90CED01DE9A}" type="datetime1">
               <a:rPr lang="en-US" smtClean="0"/>
-              <a:t>12/2/2015</a:t>
+              <a:t>12/4/2015</a:t>
             </a:fld>
             <a:endParaRPr lang="en-US"/>
           </a:p>
@@ -3786,7 +3786,7 @@
             </a:pPr>
             <a:fld id="{44D06F95-D493-494F-B0EB-3EDFAA385886}" type="datetime1">
               <a:rPr lang="en-US" smtClean="0"/>
-              <a:t>12/2/2015</a:t>
+              <a:t>12/4/2015</a:t>
             </a:fld>
             <a:endParaRPr lang="en-US"/>
           </a:p>
@@ -4234,7 +4234,7 @@
             </a:pPr>
             <a:fld id="{26FA81D3-96E1-4758-9306-72CE9F6E2F25}" type="datetime1">
               <a:rPr lang="en-US" smtClean="0"/>
-              <a:t>12/2/2015</a:t>
+              <a:t>12/4/2015</a:t>
             </a:fld>
             <a:endParaRPr lang="en-US"/>
           </a:p>
@@ -4375,7 +4375,7 @@
             </a:pPr>
             <a:fld id="{C22C02A3-FDB2-4B02-8110-311DDD8475C2}" type="datetime1">
               <a:rPr lang="en-US" smtClean="0"/>
-              <a:t>12/2/2015</a:t>
+              <a:t>12/4/2015</a:t>
             </a:fld>
             <a:endParaRPr lang="en-US"/>
           </a:p>
@@ -4492,7 +4492,7 @@
             </a:pPr>
             <a:fld id="{FB277746-3C8E-4161-A66B-B97D4FD5213A}" type="datetime1">
               <a:rPr lang="en-US" smtClean="0"/>
-              <a:t>12/2/2015</a:t>
+              <a:t>12/4/2015</a:t>
             </a:fld>
             <a:endParaRPr lang="en-US"/>
           </a:p>
@@ -4786,7 +4786,7 @@
             </a:pPr>
             <a:fld id="{86B778C6-FEB5-4910-BBA7-BBA76466D3B2}" type="datetime1">
               <a:rPr lang="en-US" smtClean="0"/>
-              <a:t>12/2/2015</a:t>
+              <a:t>12/4/2015</a:t>
             </a:fld>
             <a:endParaRPr lang="en-US"/>
           </a:p>
@@ -5063,7 +5063,7 @@
             </a:pPr>
             <a:fld id="{7A68BEE5-7335-4799-9F53-F65CFD274630}" type="datetime1">
               <a:rPr lang="en-US" smtClean="0"/>
-              <a:t>12/2/2015</a:t>
+              <a:t>12/4/2015</a:t>
             </a:fld>
             <a:endParaRPr lang="en-US"/>
           </a:p>
@@ -5597,7 +5597,7 @@
             </a:pPr>
             <a:fld id="{45A933D1-86C7-45FF-B83F-CA5ED825AD11}" type="datetime1">
               <a:rPr lang="en-US" smtClean="0"/>
-              <a:t>12/2/2015</a:t>
+              <a:t>12/4/2015</a:t>
             </a:fld>
             <a:endParaRPr lang="en-US"/>
           </a:p>
@@ -6237,7 +6237,7 @@
           <a:p>
             <a:fld id="{878D0E70-D567-4EAD-BEEC-D30EFDF84A73}" type="datetime1">
               <a:rPr lang="en-US" smtClean="0"/>
-              <a:t>12/2/2015</a:t>
+              <a:t>12/4/2015</a:t>
             </a:fld>
             <a:endParaRPr lang="en-US" smtClean="0"/>
           </a:p>
@@ -6497,7 +6497,7 @@
             </a:pPr>
             <a:fld id="{44D06F95-D493-494F-B0EB-3EDFAA385886}" type="datetime1">
               <a:rPr lang="en-US" smtClean="0"/>
-              <a:t>12/2/2015</a:t>
+              <a:t>12/4/2015</a:t>
             </a:fld>
             <a:endParaRPr lang="en-US"/>
           </a:p>
@@ -7305,7 +7305,7 @@
           <a:p>
             <a:fld id="{82CC87A2-1781-440A-9FCF-DC78272C75A5}" type="datetime1">
               <a:rPr lang="en-US" smtClean="0"/>
-              <a:t>12/2/2015</a:t>
+              <a:t>12/4/2015</a:t>
             </a:fld>
             <a:endParaRPr lang="en-US" dirty="0" smtClean="0"/>
           </a:p>
@@ -7941,7 +7941,7 @@
           <a:p>
             <a:fld id="{82CC87A2-1781-440A-9FCF-DC78272C75A5}" type="datetime1">
               <a:rPr lang="en-US" smtClean="0"/>
-              <a:t>12/2/2015</a:t>
+              <a:t>12/4/2015</a:t>
             </a:fld>
             <a:endParaRPr lang="en-US" dirty="0" smtClean="0"/>
           </a:p>
@@ -8599,7 +8599,7 @@
           <a:p>
             <a:fld id="{82CC87A2-1781-440A-9FCF-DC78272C75A5}" type="datetime1">
               <a:rPr lang="en-US" smtClean="0"/>
-              <a:t>12/2/2015</a:t>
+              <a:t>12/4/2015</a:t>
             </a:fld>
             <a:endParaRPr lang="en-US" dirty="0" smtClean="0"/>
           </a:p>
@@ -9329,7 +9329,7 @@
           <a:p>
             <a:fld id="{82CC87A2-1781-440A-9FCF-DC78272C75A5}" type="datetime1">
               <a:rPr lang="en-US" smtClean="0"/>
-              <a:t>12/2/2015</a:t>
+              <a:t>12/4/2015</a:t>
             </a:fld>
             <a:endParaRPr lang="en-US" smtClean="0"/>
           </a:p>
@@ -9801,7 +9801,7 @@
           <a:p>
             <a:fld id="{82CC87A2-1781-440A-9FCF-DC78272C75A5}" type="datetime1">
               <a:rPr lang="en-US" smtClean="0"/>
-              <a:t>12/2/2015</a:t>
+              <a:t>12/4/2015</a:t>
             </a:fld>
             <a:endParaRPr lang="en-US" smtClean="0"/>
           </a:p>
@@ -10124,7 +10124,7 @@
           <a:p>
             <a:fld id="{82CC87A2-1781-440A-9FCF-DC78272C75A5}" type="datetime1">
               <a:rPr lang="en-US" smtClean="0"/>
-              <a:t>12/2/2015</a:t>
+              <a:t>12/4/2015</a:t>
             </a:fld>
             <a:endParaRPr lang="en-US" smtClean="0"/>
           </a:p>
@@ -10631,7 +10631,7 @@
           <a:p>
             <a:fld id="{82CC87A2-1781-440A-9FCF-DC78272C75A5}" type="datetime1">
               <a:rPr lang="en-US" smtClean="0"/>
-              <a:t>12/2/2015</a:t>
+              <a:t>12/4/2015</a:t>
             </a:fld>
             <a:endParaRPr lang="en-US" dirty="0" smtClean="0"/>
           </a:p>
@@ -11031,7 +11031,7 @@
           <a:p>
             <a:fld id="{82CC87A2-1781-440A-9FCF-DC78272C75A5}" type="datetime1">
               <a:rPr lang="en-US" smtClean="0"/>
-              <a:t>12/2/2015</a:t>
+              <a:t>12/4/2015</a:t>
             </a:fld>
             <a:endParaRPr lang="en-US" smtClean="0"/>
           </a:p>
@@ -11377,7 +11377,7 @@
           <a:p>
             <a:fld id="{82CC87A2-1781-440A-9FCF-DC78272C75A5}" type="datetime1">
               <a:rPr lang="en-US" smtClean="0"/>
-              <a:t>12/2/2015</a:t>
+              <a:t>12/4/2015</a:t>
             </a:fld>
             <a:endParaRPr lang="en-US" smtClean="0"/>
           </a:p>
@@ -11837,7 +11837,7 @@
           <a:p>
             <a:fld id="{594743C1-DE31-4E12-9F9F-1BA9DE6E7B96}" type="datetime1">
               <a:rPr lang="en-US" smtClean="0"/>
-              <a:t>12/2/2015</a:t>
+              <a:t>12/4/2015</a:t>
             </a:fld>
             <a:endParaRPr lang="en-US" dirty="0" smtClean="0"/>
           </a:p>
@@ -12456,7 +12456,7 @@
           <a:p>
             <a:fld id="{82CC87A2-1781-440A-9FCF-DC78272C75A5}" type="datetime1">
               <a:rPr lang="en-US" smtClean="0"/>
-              <a:t>12/2/2015</a:t>
+              <a:t>12/4/2015</a:t>
             </a:fld>
             <a:endParaRPr lang="en-US" smtClean="0"/>
           </a:p>
@@ -12895,7 +12895,7 @@
           <a:p>
             <a:fld id="{82CC87A2-1781-440A-9FCF-DC78272C75A5}" type="datetime1">
               <a:rPr lang="en-US" smtClean="0"/>
-              <a:t>12/2/2015</a:t>
+              <a:t>12/4/2015</a:t>
             </a:fld>
             <a:endParaRPr lang="en-US" smtClean="0"/>
           </a:p>
@@ -13493,7 +13493,7 @@
           <a:p>
             <a:fld id="{82CC87A2-1781-440A-9FCF-DC78272C75A5}" type="datetime1">
               <a:rPr lang="en-US" smtClean="0"/>
-              <a:t>12/2/2015</a:t>
+              <a:t>12/4/2015</a:t>
             </a:fld>
             <a:endParaRPr lang="en-US" smtClean="0"/>
           </a:p>
@@ -13900,7 +13900,7 @@
           <a:p>
             <a:fld id="{82CC87A2-1781-440A-9FCF-DC78272C75A5}" type="datetime1">
               <a:rPr lang="en-US" smtClean="0"/>
-              <a:t>12/2/2015</a:t>
+              <a:t>12/4/2015</a:t>
             </a:fld>
             <a:endParaRPr lang="en-US" smtClean="0"/>
           </a:p>
@@ -14244,7 +14244,7 @@
             </a:pPr>
             <a:fld id="{65B11A62-63AA-4067-ACEB-AA6A42CE3A38}" type="datetime1">
               <a:rPr lang="en-US" smtClean="0"/>
-              <a:t>12/2/2015</a:t>
+              <a:t>12/4/2015</a:t>
             </a:fld>
             <a:endParaRPr lang="en-US"/>
           </a:p>
@@ -14663,7 +14663,7 @@
             </a:pPr>
             <a:fld id="{65B11A62-63AA-4067-ACEB-AA6A42CE3A38}" type="datetime1">
               <a:rPr lang="en-US" smtClean="0"/>
-              <a:t>12/2/2015</a:t>
+              <a:t>12/4/2015</a:t>
             </a:fld>
             <a:endParaRPr lang="en-US" dirty="0"/>
           </a:p>
@@ -15117,7 +15117,7 @@
           <a:p>
             <a:fld id="{C4CD0F24-D883-406C-B918-66E9EB5E340B}" type="datetime1">
               <a:rPr lang="en-US" smtClean="0"/>
-              <a:t>12/2/2015</a:t>
+              <a:t>12/4/2015</a:t>
             </a:fld>
             <a:endParaRPr lang="en-US" smtClean="0"/>
           </a:p>
@@ -15649,7 +15649,7 @@
           <a:p>
             <a:fld id="{C3FB1654-67BB-4BFC-9431-2E9085587B48}" type="datetime1">
               <a:rPr lang="en-US" smtClean="0"/>
-              <a:t>12/2/2015</a:t>
+              <a:t>12/4/2015</a:t>
             </a:fld>
             <a:endParaRPr lang="en-US" smtClean="0"/>
           </a:p>
@@ -16404,7 +16404,7 @@
           <a:p>
             <a:fld id="{82CC87A2-1781-440A-9FCF-DC78272C75A5}" type="datetime1">
               <a:rPr lang="en-US" smtClean="0"/>
-              <a:t>12/2/2015</a:t>
+              <a:t>12/4/2015</a:t>
             </a:fld>
             <a:endParaRPr lang="en-US" smtClean="0"/>
           </a:p>
@@ -16869,11 +16869,7 @@
             </a:r>
             <a:r>
               <a:rPr lang="en-US" sz="1050" dirty="0" smtClean="0"/>
-              <a:t>character cell</a:t>
-            </a:r>
-            <a:r>
-              <a:rPr lang="en-US" sz="1050" dirty="0" smtClean="0"/>
-              <a:t>. </a:t>
+              <a:t>character cell. </a:t>
             </a:r>
             <a:r>
               <a:rPr lang="en-US" sz="1050" b="1" i="1" dirty="0" smtClean="0"/>
@@ -16903,7 +16899,6 @@
               <a:rPr lang="en-US" sz="1050" b="1" i="1" dirty="0" smtClean="0"/>
               <a:t>” method.</a:t>
             </a:r>
-            <a:endParaRPr lang="en-US" sz="1050" b="1" i="1" dirty="0" smtClean="0"/>
           </a:p>
           <a:p>
             <a:pPr lvl="2" eaLnBrk="1" hangingPunct="1"/>
@@ -16999,7 +16994,7 @@
           <a:p>
             <a:fld id="{A628D7B9-A196-43FB-98FC-214F3C36C725}" type="datetime1">
               <a:rPr lang="en-US" smtClean="0"/>
-              <a:t>12/2/2015</a:t>
+              <a:t>12/4/2015</a:t>
             </a:fld>
             <a:endParaRPr lang="en-US" dirty="0" smtClean="0"/>
           </a:p>
@@ -17304,11 +17299,15 @@
             </a:pPr>
             <a:r>
               <a:rPr lang="en-US" sz="1400" dirty="0" smtClean="0"/>
-              <a:t>Data such as “ID_ANY” via “</a:t>
+              <a:t>Data such as “ID_ANY” via </a:t>
+            </a:r>
+            <a:r>
+              <a:rPr lang="en-US" sz="1400" dirty="0" smtClean="0"/>
+              <a:t>“</a:t>
             </a:r>
             <a:r>
               <a:rPr lang="en-US" sz="1400" dirty="0" err="1" smtClean="0"/>
-              <a:t>wx,ID_ANY</a:t>
+              <a:t>wx.ID_ANY</a:t>
             </a:r>
             <a:r>
               <a:rPr lang="en-US" sz="1400" dirty="0" smtClean="0"/>
@@ -17571,11 +17570,15 @@
             </a:pPr>
             <a:r>
               <a:rPr lang="en-US" sz="1400" dirty="0"/>
-              <a:t>Data such as “ID_ANY” via “</a:t>
-            </a:r>
-            <a:r>
-              <a:rPr lang="en-US" sz="1400" dirty="0" err="1"/>
-              <a:t>wx,ID_ANY</a:t>
+              <a:t>Data such as “ID_ANY” via </a:t>
+            </a:r>
+            <a:r>
+              <a:rPr lang="en-US" sz="1400" dirty="0" smtClean="0"/>
+              <a:t>“</a:t>
+            </a:r>
+            <a:r>
+              <a:rPr lang="en-US" sz="1400" smtClean="0"/>
+              <a:t>wx.ID_ANY</a:t>
             </a:r>
             <a:r>
               <a:rPr lang="en-US" sz="1400" dirty="0"/>
@@ -17695,7 +17698,7 @@
           <a:p>
             <a:fld id="{82CC87A2-1781-440A-9FCF-DC78272C75A5}" type="datetime1">
               <a:rPr lang="en-US" smtClean="0"/>
-              <a:t>12/2/2015</a:t>
+              <a:t>12/4/2015</a:t>
             </a:fld>
             <a:endParaRPr lang="en-US" dirty="0" smtClean="0"/>
           </a:p>

--- a/Notebooks/EngineeringNotebook/MS-PowerPoint-Files/tsWxGTUI_PyVx/UseCase_5_Graphical_User_Interface.pptx
+++ b/Notebooks/EngineeringNotebook/MS-PowerPoint-Files/tsWxGTUI_PyVx/UseCase_5_Graphical_User_Interface.pptx
@@ -306,7 +306,7 @@
               <a:pPr>
                 <a:defRPr/>
               </a:pPr>
-              <a:t>12/4/2015</a:t>
+              <a:t>12/23/2016</a:t>
             </a:fld>
             <a:endParaRPr lang="en-US"/>
           </a:p>
@@ -543,7 +543,7 @@
               <a:pPr>
                 <a:defRPr/>
               </a:pPr>
-              <a:t>12/4/2015</a:t>
+              <a:t>12/23/2016</a:t>
             </a:fld>
             <a:endParaRPr lang="en-US"/>
           </a:p>
@@ -615,35 +615,35 @@
           <a:p>
             <a:pPr lvl="0"/>
             <a:r>
-              <a:rPr lang="en-US" noProof="0" smtClean="0"/>
+              <a:rPr lang="en-US" noProof="0"/>
               <a:t>Click to edit Master text styles</a:t>
             </a:r>
           </a:p>
           <a:p>
             <a:pPr lvl="1"/>
             <a:r>
-              <a:rPr lang="en-US" noProof="0" smtClean="0"/>
+              <a:rPr lang="en-US" noProof="0"/>
               <a:t>Second level</a:t>
             </a:r>
           </a:p>
           <a:p>
             <a:pPr lvl="2"/>
             <a:r>
-              <a:rPr lang="en-US" noProof="0" smtClean="0"/>
+              <a:rPr lang="en-US" noProof="0"/>
               <a:t>Third level</a:t>
             </a:r>
           </a:p>
           <a:p>
             <a:pPr lvl="3"/>
             <a:r>
-              <a:rPr lang="en-US" noProof="0" smtClean="0"/>
+              <a:rPr lang="en-US" noProof="0"/>
               <a:t>Fourth level</a:t>
             </a:r>
           </a:p>
           <a:p>
             <a:pPr lvl="4"/>
             <a:r>
-              <a:rPr lang="en-US" noProof="0" smtClean="0"/>
+              <a:rPr lang="en-US" noProof="0"/>
               <a:t>Fifth level</a:t>
             </a:r>
           </a:p>
@@ -930,7 +930,7 @@
           <a:lstStyle/>
           <a:p>
             <a:pPr eaLnBrk="1" hangingPunct="1"/>
-            <a:endParaRPr lang="en-US" smtClean="0"/>
+            <a:endParaRPr lang="en-US"/>
           </a:p>
         </p:txBody>
       </p:sp>
@@ -997,7 +997,7 @@
           <a:lstStyle/>
           <a:p>
             <a:pPr eaLnBrk="1" hangingPunct="1"/>
-            <a:endParaRPr lang="en-US" smtClean="0"/>
+            <a:endParaRPr lang="en-US"/>
           </a:p>
         </p:txBody>
       </p:sp>
@@ -1064,7 +1064,7 @@
           <a:lstStyle/>
           <a:p>
             <a:pPr eaLnBrk="1" hangingPunct="1"/>
-            <a:endParaRPr lang="en-US" smtClean="0"/>
+            <a:endParaRPr lang="en-US"/>
           </a:p>
         </p:txBody>
       </p:sp>
@@ -1131,7 +1131,7 @@
           <a:lstStyle/>
           <a:p>
             <a:pPr eaLnBrk="1" hangingPunct="1"/>
-            <a:endParaRPr lang="en-US" smtClean="0"/>
+            <a:endParaRPr lang="en-US"/>
           </a:p>
         </p:txBody>
       </p:sp>
@@ -1198,7 +1198,7 @@
           <a:lstStyle/>
           <a:p>
             <a:pPr eaLnBrk="1" hangingPunct="1"/>
-            <a:endParaRPr lang="en-US" smtClean="0"/>
+            <a:endParaRPr lang="en-US"/>
           </a:p>
         </p:txBody>
       </p:sp>
@@ -1265,7 +1265,7 @@
           <a:lstStyle/>
           <a:p>
             <a:pPr eaLnBrk="1" hangingPunct="1"/>
-            <a:endParaRPr lang="en-US" smtClean="0"/>
+            <a:endParaRPr lang="en-US"/>
           </a:p>
         </p:txBody>
       </p:sp>
@@ -1332,7 +1332,7 @@
           <a:lstStyle/>
           <a:p>
             <a:pPr eaLnBrk="1" hangingPunct="1"/>
-            <a:endParaRPr lang="en-US" smtClean="0"/>
+            <a:endParaRPr lang="en-US"/>
           </a:p>
         </p:txBody>
       </p:sp>
@@ -1399,7 +1399,7 @@
           <a:lstStyle/>
           <a:p>
             <a:pPr eaLnBrk="1" hangingPunct="1"/>
-            <a:endParaRPr lang="en-US" smtClean="0"/>
+            <a:endParaRPr lang="en-US"/>
           </a:p>
         </p:txBody>
       </p:sp>
@@ -1466,7 +1466,7 @@
           <a:lstStyle/>
           <a:p>
             <a:pPr eaLnBrk="1" hangingPunct="1"/>
-            <a:endParaRPr lang="en-US" smtClean="0"/>
+            <a:endParaRPr lang="en-US"/>
           </a:p>
         </p:txBody>
       </p:sp>
@@ -1533,7 +1533,7 @@
           <a:lstStyle/>
           <a:p>
             <a:pPr eaLnBrk="1" hangingPunct="1"/>
-            <a:endParaRPr lang="en-US" smtClean="0"/>
+            <a:endParaRPr lang="en-US"/>
           </a:p>
         </p:txBody>
       </p:sp>
@@ -1600,7 +1600,7 @@
           <a:lstStyle/>
           <a:p>
             <a:pPr eaLnBrk="1" hangingPunct="1"/>
-            <a:endParaRPr lang="en-US" smtClean="0"/>
+            <a:endParaRPr lang="en-US"/>
           </a:p>
         </p:txBody>
       </p:sp>
@@ -1667,7 +1667,7 @@
           <a:lstStyle/>
           <a:p>
             <a:pPr eaLnBrk="1" hangingPunct="1"/>
-            <a:endParaRPr lang="en-US" smtClean="0"/>
+            <a:endParaRPr lang="en-US"/>
           </a:p>
         </p:txBody>
       </p:sp>
@@ -1734,7 +1734,7 @@
           <a:lstStyle/>
           <a:p>
             <a:pPr eaLnBrk="1" hangingPunct="1"/>
-            <a:endParaRPr lang="en-US" smtClean="0"/>
+            <a:endParaRPr lang="en-US"/>
           </a:p>
         </p:txBody>
       </p:sp>
@@ -1801,7 +1801,7 @@
           <a:lstStyle/>
           <a:p>
             <a:pPr eaLnBrk="1" hangingPunct="1"/>
-            <a:endParaRPr lang="en-US" smtClean="0"/>
+            <a:endParaRPr lang="en-US"/>
           </a:p>
         </p:txBody>
       </p:sp>
@@ -1868,7 +1868,7 @@
           <a:lstStyle/>
           <a:p>
             <a:pPr eaLnBrk="1" hangingPunct="1"/>
-            <a:endParaRPr lang="en-US" smtClean="0"/>
+            <a:endParaRPr lang="en-US"/>
           </a:p>
         </p:txBody>
       </p:sp>
@@ -1935,7 +1935,7 @@
           <a:lstStyle/>
           <a:p>
             <a:pPr eaLnBrk="1" hangingPunct="1"/>
-            <a:endParaRPr lang="en-US" smtClean="0"/>
+            <a:endParaRPr lang="en-US"/>
           </a:p>
         </p:txBody>
       </p:sp>
@@ -2002,7 +2002,7 @@
           <a:lstStyle/>
           <a:p>
             <a:pPr eaLnBrk="1" hangingPunct="1"/>
-            <a:endParaRPr lang="en-US" smtClean="0"/>
+            <a:endParaRPr lang="en-US"/>
           </a:p>
         </p:txBody>
       </p:sp>
@@ -2069,7 +2069,7 @@
           <a:lstStyle/>
           <a:p>
             <a:pPr eaLnBrk="1" hangingPunct="1"/>
-            <a:endParaRPr lang="en-US" smtClean="0"/>
+            <a:endParaRPr lang="en-US"/>
           </a:p>
         </p:txBody>
       </p:sp>
@@ -2136,7 +2136,7 @@
           <a:lstStyle/>
           <a:p>
             <a:pPr eaLnBrk="1" hangingPunct="1"/>
-            <a:endParaRPr lang="en-US" smtClean="0"/>
+            <a:endParaRPr lang="en-US"/>
           </a:p>
         </p:txBody>
       </p:sp>
@@ -2203,7 +2203,7 @@
           <a:lstStyle/>
           <a:p>
             <a:pPr eaLnBrk="1" hangingPunct="1"/>
-            <a:endParaRPr lang="en-US" smtClean="0"/>
+            <a:endParaRPr lang="en-US"/>
           </a:p>
         </p:txBody>
       </p:sp>
@@ -2662,7 +2662,7 @@
             </a:pPr>
             <a:fld id="{B5B52024-79AA-4062-8229-397D9E214550}" type="datetime1">
               <a:rPr lang="en-US" smtClean="0"/>
-              <a:t>12/4/2015</a:t>
+              <a:t>12/23/2016</a:t>
             </a:fld>
             <a:endParaRPr lang="en-US"/>
           </a:p>
@@ -2700,10 +2700,9 @@
               <a:defRPr/>
             </a:pPr>
             <a:r>
-              <a:rPr lang="en-US" dirty="0" smtClean="0"/>
+              <a:rPr lang="en-US" dirty="0"/>
               <a:t>TeamSTARS "tsWxGTUI_PyVx" Toolkit prepared &amp; presented by Richard S. Gordon</a:t>
             </a:r>
-            <a:endParaRPr lang="en-US" dirty="0"/>
           </a:p>
         </p:txBody>
       </p:sp>
@@ -2868,7 +2867,7 @@
             </a:pPr>
             <a:fld id="{5534B48B-48D4-4D1F-B98F-2ED8E1B04ED0}" type="datetime1">
               <a:rPr lang="en-US" smtClean="0"/>
-              <a:t>12/4/2015</a:t>
+              <a:t>12/23/2016</a:t>
             </a:fld>
             <a:endParaRPr lang="en-US"/>
           </a:p>
@@ -2899,10 +2898,9 @@
               <a:defRPr/>
             </a:pPr>
             <a:r>
-              <a:rPr lang="en-US" dirty="0" smtClean="0"/>
+              <a:rPr lang="en-US" dirty="0"/>
               <a:t>TeamSTARS "tsWxGTUI_PyVx" Toolkit prepared &amp; presented by Richard S. Gordon</a:t>
             </a:r>
-            <a:endParaRPr lang="en-US" dirty="0"/>
           </a:p>
         </p:txBody>
       </p:sp>
@@ -3070,7 +3068,7 @@
             </a:pPr>
             <a:fld id="{C3557E2B-7DD4-4DCF-9DDD-7786167218C6}" type="datetime1">
               <a:rPr lang="en-US" smtClean="0"/>
-              <a:t>12/4/2015</a:t>
+              <a:t>12/23/2016</a:t>
             </a:fld>
             <a:endParaRPr lang="en-US"/>
           </a:p>
@@ -3101,10 +3099,9 @@
               <a:defRPr/>
             </a:pPr>
             <a:r>
-              <a:rPr lang="en-US" dirty="0" smtClean="0"/>
+              <a:rPr lang="en-US" dirty="0"/>
               <a:t>TeamSTARS "tsWxGTUI_PyVx" Toolkit prepared &amp; presented by Richard S. Gordon</a:t>
             </a:r>
-            <a:endParaRPr lang="en-US" dirty="0"/>
           </a:p>
         </p:txBody>
       </p:sp>
@@ -3262,7 +3259,7 @@
             </a:pPr>
             <a:fld id="{65B11A62-63AA-4067-ACEB-AA6A42CE3A38}" type="datetime1">
               <a:rPr lang="en-US" smtClean="0"/>
-              <a:t>12/4/2015</a:t>
+              <a:t>12/23/2016</a:t>
             </a:fld>
             <a:endParaRPr lang="en-US"/>
           </a:p>
@@ -3293,10 +3290,9 @@
               <a:defRPr/>
             </a:pPr>
             <a:r>
-              <a:rPr lang="en-US" dirty="0" smtClean="0"/>
+              <a:rPr lang="en-US" dirty="0"/>
               <a:t>TeamSTARS "tsWxGTUI_PyVx" Toolkit prepared &amp; presented by Richard S. Gordon</a:t>
             </a:r>
-            <a:endParaRPr lang="en-US" dirty="0"/>
           </a:p>
         </p:txBody>
       </p:sp>
@@ -3477,7 +3473,7 @@
             </a:pPr>
             <a:fld id="{013FB6F9-CFEF-47AA-A08B-D90CED01DE9A}" type="datetime1">
               <a:rPr lang="en-US" smtClean="0"/>
-              <a:t>12/4/2015</a:t>
+              <a:t>12/23/2016</a:t>
             </a:fld>
             <a:endParaRPr lang="en-US"/>
           </a:p>
@@ -3508,10 +3504,9 @@
               <a:defRPr/>
             </a:pPr>
             <a:r>
-              <a:rPr lang="en-US" dirty="0" smtClean="0"/>
+              <a:rPr lang="en-US" dirty="0"/>
               <a:t>TeamSTARS "tsWxGTUI_PyVx" Toolkit prepared &amp; presented by Richard S. Gordon</a:t>
             </a:r>
-            <a:endParaRPr lang="en-US" dirty="0"/>
           </a:p>
         </p:txBody>
       </p:sp>
@@ -3786,7 +3781,7 @@
             </a:pPr>
             <a:fld id="{44D06F95-D493-494F-B0EB-3EDFAA385886}" type="datetime1">
               <a:rPr lang="en-US" smtClean="0"/>
-              <a:t>12/4/2015</a:t>
+              <a:t>12/23/2016</a:t>
             </a:fld>
             <a:endParaRPr lang="en-US"/>
           </a:p>
@@ -3817,10 +3812,9 @@
               <a:defRPr/>
             </a:pPr>
             <a:r>
-              <a:rPr lang="en-US" dirty="0" smtClean="0"/>
+              <a:rPr lang="en-US" dirty="0"/>
               <a:t>TeamSTARS "tsWxGTUI_PyVx" Toolkit prepared &amp; presented by Richard S. Gordon</a:t>
             </a:r>
-            <a:endParaRPr lang="en-US" dirty="0"/>
           </a:p>
         </p:txBody>
       </p:sp>
@@ -4234,7 +4228,7 @@
             </a:pPr>
             <a:fld id="{26FA81D3-96E1-4758-9306-72CE9F6E2F25}" type="datetime1">
               <a:rPr lang="en-US" smtClean="0"/>
-              <a:t>12/4/2015</a:t>
+              <a:t>12/23/2016</a:t>
             </a:fld>
             <a:endParaRPr lang="en-US"/>
           </a:p>
@@ -4265,10 +4259,9 @@
               <a:defRPr/>
             </a:pPr>
             <a:r>
-              <a:rPr lang="en-US" dirty="0" smtClean="0"/>
+              <a:rPr lang="en-US" dirty="0"/>
               <a:t>TeamSTARS "tsWxGTUI_PyVx" Toolkit prepared &amp; presented by Richard S. Gordon</a:t>
             </a:r>
-            <a:endParaRPr lang="en-US" dirty="0"/>
           </a:p>
         </p:txBody>
       </p:sp>
@@ -4375,7 +4368,7 @@
             </a:pPr>
             <a:fld id="{C22C02A3-FDB2-4B02-8110-311DDD8475C2}" type="datetime1">
               <a:rPr lang="en-US" smtClean="0"/>
-              <a:t>12/4/2015</a:t>
+              <a:t>12/23/2016</a:t>
             </a:fld>
             <a:endParaRPr lang="en-US"/>
           </a:p>
@@ -4406,10 +4399,9 @@
               <a:defRPr/>
             </a:pPr>
             <a:r>
-              <a:rPr lang="en-US" dirty="0" smtClean="0"/>
+              <a:rPr lang="en-US" dirty="0"/>
               <a:t>TeamSTARS "tsWxGTUI_PyVx" Toolkit prepared &amp; presented by Richard S. Gordon</a:t>
             </a:r>
-            <a:endParaRPr lang="en-US" dirty="0"/>
           </a:p>
         </p:txBody>
       </p:sp>
@@ -4492,7 +4484,7 @@
             </a:pPr>
             <a:fld id="{FB277746-3C8E-4161-A66B-B97D4FD5213A}" type="datetime1">
               <a:rPr lang="en-US" smtClean="0"/>
-              <a:t>12/4/2015</a:t>
+              <a:t>12/23/2016</a:t>
             </a:fld>
             <a:endParaRPr lang="en-US"/>
           </a:p>
@@ -4786,7 +4778,7 @@
             </a:pPr>
             <a:fld id="{86B778C6-FEB5-4910-BBA7-BBA76466D3B2}" type="datetime1">
               <a:rPr lang="en-US" smtClean="0"/>
-              <a:t>12/4/2015</a:t>
+              <a:t>12/23/2016</a:t>
             </a:fld>
             <a:endParaRPr lang="en-US"/>
           </a:p>
@@ -4817,10 +4809,9 @@
               <a:defRPr/>
             </a:pPr>
             <a:r>
-              <a:rPr lang="en-US" dirty="0" smtClean="0"/>
+              <a:rPr lang="en-US" dirty="0"/>
               <a:t>TeamSTARS "tsWxGTUI_PyVx" Toolkit prepared &amp; presented by Richard S. Gordon</a:t>
             </a:r>
-            <a:endParaRPr lang="en-US" dirty="0"/>
           </a:p>
         </p:txBody>
       </p:sp>
@@ -5063,7 +5054,7 @@
             </a:pPr>
             <a:fld id="{7A68BEE5-7335-4799-9F53-F65CFD274630}" type="datetime1">
               <a:rPr lang="en-US" smtClean="0"/>
-              <a:t>12/4/2015</a:t>
+              <a:t>12/23/2016</a:t>
             </a:fld>
             <a:endParaRPr lang="en-US"/>
           </a:p>
@@ -5094,10 +5085,9 @@
               <a:defRPr/>
             </a:pPr>
             <a:r>
-              <a:rPr lang="en-US" dirty="0" smtClean="0"/>
+              <a:rPr lang="en-US" dirty="0"/>
               <a:t>TeamSTARS "tsWxGTUI_PyVx" Toolkit prepared &amp; presented by Richard S. Gordon</a:t>
             </a:r>
-            <a:endParaRPr lang="en-US" dirty="0"/>
           </a:p>
         </p:txBody>
       </p:sp>
@@ -5477,7 +5467,7 @@
           <a:p>
             <a:pPr lvl="0"/>
             <a:r>
-              <a:rPr lang="en-US" smtClean="0"/>
+              <a:rPr lang="en-US"/>
               <a:t>Click to edit Master title style</a:t>
             </a:r>
           </a:p>
@@ -5519,35 +5509,35 @@
           <a:p>
             <a:pPr lvl="0"/>
             <a:r>
-              <a:rPr lang="en-US" smtClean="0"/>
+              <a:rPr lang="en-US"/>
               <a:t>Click to edit Master text styles</a:t>
             </a:r>
           </a:p>
           <a:p>
             <a:pPr lvl="1"/>
             <a:r>
-              <a:rPr lang="en-US" smtClean="0"/>
+              <a:rPr lang="en-US"/>
               <a:t>Second level</a:t>
             </a:r>
           </a:p>
           <a:p>
             <a:pPr lvl="2"/>
             <a:r>
-              <a:rPr lang="en-US" smtClean="0"/>
+              <a:rPr lang="en-US"/>
               <a:t>Third level</a:t>
             </a:r>
           </a:p>
           <a:p>
             <a:pPr lvl="3"/>
             <a:r>
-              <a:rPr lang="en-US" smtClean="0"/>
+              <a:rPr lang="en-US"/>
               <a:t>Fourth level</a:t>
             </a:r>
           </a:p>
           <a:p>
             <a:pPr lvl="4"/>
             <a:r>
-              <a:rPr lang="en-US" smtClean="0"/>
+              <a:rPr lang="en-US"/>
               <a:t>Fifth level</a:t>
             </a:r>
           </a:p>
@@ -5597,7 +5587,7 @@
             </a:pPr>
             <a:fld id="{45A933D1-86C7-45FF-B83F-CA5ED825AD11}" type="datetime1">
               <a:rPr lang="en-US" smtClean="0"/>
-              <a:t>12/4/2015</a:t>
+              <a:t>12/23/2016</a:t>
             </a:fld>
             <a:endParaRPr lang="en-US"/>
           </a:p>
@@ -5646,10 +5636,9 @@
               <a:defRPr/>
             </a:pPr>
             <a:r>
-              <a:rPr lang="en-US" dirty="0" smtClean="0"/>
+              <a:rPr lang="en-US" dirty="0"/>
               <a:t>TeamSTARS "tsWxGTUI_PyVx" Toolkit prepared &amp; presented by Richard S. Gordon</a:t>
             </a:r>
-            <a:endParaRPr lang="en-US" dirty="0"/>
           </a:p>
         </p:txBody>
       </p:sp>
@@ -6181,10 +6170,9 @@
           <a:lstStyle/>
           <a:p>
             <a:r>
-              <a:rPr lang="en-US" dirty="0" smtClean="0"/>
+              <a:rPr lang="en-US" dirty="0"/>
               <a:t>UseCase_5_Graphical_User_Interface</a:t>
             </a:r>
-            <a:endParaRPr lang="en-US" dirty="0"/>
           </a:p>
         </p:txBody>
       </p:sp>
@@ -6207,14 +6195,14 @@
               <a:buFont typeface="Wingdings" pitchFamily="2" charset="2"/>
               <a:buNone/>
             </a:pPr>
-            <a:endParaRPr lang="en-US" sz="2800" smtClean="0"/>
+            <a:endParaRPr lang="en-US" sz="2800"/>
           </a:p>
           <a:p>
             <a:pPr marL="0" indent="0" algn="ctr" eaLnBrk="1" hangingPunct="1">
               <a:buFont typeface="Wingdings" pitchFamily="2" charset="2"/>
               <a:buNone/>
             </a:pPr>
-            <a:endParaRPr lang="en-US" sz="2800" smtClean="0"/>
+            <a:endParaRPr lang="en-US" sz="2800"/>
           </a:p>
         </p:txBody>
       </p:sp>
@@ -6237,9 +6225,9 @@
           <a:p>
             <a:fld id="{878D0E70-D567-4EAD-BEEC-D30EFDF84A73}" type="datetime1">
               <a:rPr lang="en-US" smtClean="0"/>
-              <a:t>12/4/2015</a:t>
+              <a:t>12/23/2016</a:t>
             </a:fld>
-            <a:endParaRPr lang="en-US" smtClean="0"/>
+            <a:endParaRPr lang="en-US"/>
           </a:p>
         </p:txBody>
       </p:sp>
@@ -6295,34 +6283,32 @@
       </p:sp>
       <p:pic>
         <p:nvPicPr>
-          <p:cNvPr id="6151" name="Picture 5" descr="tsWxGTUI_PyVx Masthead"/>
+          <p:cNvPr id="3" name="Picture 2"/>
           <p:cNvPicPr>
-            <a:picLocks noChangeAspect="1" noChangeArrowheads="1"/>
+            <a:picLocks noChangeAspect="1"/>
           </p:cNvPicPr>
           <p:nvPr/>
         </p:nvPicPr>
         <p:blipFill>
-          <a:blip r:embed="rId3"/>
-          <a:srcRect/>
+          <a:blip r:embed="rId3">
+            <a:extLst>
+              <a:ext uri="{28A0092B-C50C-407E-A947-70E740481C1C}">
+                <a14:useLocalDpi xmlns:a14="http://schemas.microsoft.com/office/drawing/2010/main" val="0"/>
+              </a:ext>
+            </a:extLst>
+          </a:blip>
           <a:stretch>
             <a:fillRect/>
           </a:stretch>
         </p:blipFill>
-        <p:spPr bwMode="auto">
+        <p:spPr>
           <a:xfrm>
-            <a:off x="1524000" y="2195513"/>
-            <a:ext cx="9196388" cy="2259012"/>
+            <a:off x="537882" y="2419350"/>
+            <a:ext cx="11008659" cy="3499004"/>
           </a:xfrm>
           <a:prstGeom prst="rect">
             <a:avLst/>
           </a:prstGeom>
-          <a:noFill/>
-          <a:ln w="9525">
-            <a:noFill/>
-            <a:miter lim="800000"/>
-            <a:headEnd/>
-            <a:tailEnd/>
-          </a:ln>
         </p:spPr>
       </p:pic>
     </p:spTree>
@@ -6331,13 +6317,6 @@
     <a:masterClrMapping/>
   </p:clrMapOvr>
   <p:transition/>
-  <p:timing>
-    <p:tnLst>
-      <p:par>
-        <p:cTn id="1" dur="indefinite" restart="never" nodeType="tmRoot"/>
-      </p:par>
-    </p:tnLst>
-  </p:timing>
 </p:sld>
 </file>
 
@@ -6379,19 +6358,11 @@
             </a:r>
             <a:r>
               <a:rPr lang="en-US"/>
-              <a:t>and </a:t>
-            </a:r>
-            <a:r>
-              <a:rPr lang="en-US" smtClean="0"/>
-              <a:t>Interface Generator </a:t>
+              <a:t>and Interface Generator </a:t>
             </a:r>
             <a:r>
               <a:rPr lang="en-US" dirty="0"/>
-              <a:t>(SWIG</a:t>
-            </a:r>
-            <a:r>
-              <a:rPr lang="en-US" dirty="0" smtClean="0"/>
-              <a:t>) </a:t>
+              <a:t>(SWIG) </a:t>
             </a:r>
             <a:r>
               <a:rPr lang="en-US" sz="2000" dirty="0"/>
@@ -6430,11 +6401,7 @@
             </a:pPr>
             <a:r>
               <a:rPr lang="en-US" dirty="0"/>
-              <a:t>From Wikipedia, the free </a:t>
-            </a:r>
-            <a:r>
-              <a:rPr lang="en-US" dirty="0" smtClean="0"/>
-              <a:t>encyclopedia:</a:t>
+              <a:t>From Wikipedia, the free encyclopedia:</a:t>
             </a:r>
           </a:p>
           <a:p>
@@ -6497,7 +6464,7 @@
             </a:pPr>
             <a:fld id="{44D06F95-D493-494F-B0EB-3EDFAA385886}" type="datetime1">
               <a:rPr lang="en-US" smtClean="0"/>
-              <a:t>12/4/2015</a:t>
+              <a:t>12/23/2016</a:t>
             </a:fld>
             <a:endParaRPr lang="en-US"/>
           </a:p>
@@ -6522,7 +6489,7 @@
               <a:defRPr/>
             </a:pPr>
             <a:r>
-              <a:rPr lang="en-US" smtClean="0"/>
+              <a:rPr lang="en-US"/>
               <a:t>TeamSTARS "tsWxGTUI_PyVx" Toolkit prepared &amp; presented by Richard S. Gordon</a:t>
             </a:r>
             <a:endParaRPr lang="en-US" dirty="0"/>
@@ -6601,25 +6568,13 @@
             <a:pPr eaLnBrk="1" hangingPunct="1"/>
             <a:r>
               <a:rPr lang="en-US" sz="2000" dirty="0"/>
-              <a:t>Virtual Platform Interface Relationship between </a:t>
-            </a:r>
-            <a:r>
-              <a:rPr lang="en-US" sz="2000" dirty="0" smtClean="0"/>
-              <a:t>“wxPython 2.8.9.2” </a:t>
-            </a:r>
-            <a:r>
+              <a:t>Virtual Platform Interface Relationship between “wxPython 2.8.9.2” API </a:t>
+            </a:r>
+            <a:br>
               <a:rPr lang="en-US" sz="2000" dirty="0"/>
-              <a:t>API </a:t>
-            </a:r>
-            <a:r>
-              <a:rPr lang="en-US" sz="2000" dirty="0" smtClean="0"/>
-              <a:t/>
-            </a:r>
-            <a:br>
-              <a:rPr lang="en-US" sz="2000" dirty="0" smtClean="0"/>
             </a:br>
             <a:r>
-              <a:rPr lang="en-US" sz="2000" dirty="0" smtClean="0"/>
+              <a:rPr lang="en-US" sz="2000" dirty="0"/>
               <a:t>Pixel-Mode and Character-Mode Emulation (</a:t>
             </a:r>
             <a:r>
@@ -6633,7 +6588,7 @@
               <a:t> full listing</a:t>
             </a:r>
             <a:r>
-              <a:rPr lang="en-US" sz="2000" dirty="0" smtClean="0"/>
+              <a:rPr lang="en-US" sz="2000" dirty="0"/>
               <a:t>) </a:t>
             </a:r>
             <a:r>
@@ -6647,10 +6602,10 @@
               <a:t>Table of Contents</a:t>
             </a:r>
             <a:r>
-              <a:rPr lang="en-US" sz="1800" dirty="0" smtClean="0"/>
+              <a:rPr lang="en-US" sz="1800" dirty="0"/>
               <a:t>)</a:t>
             </a:r>
-            <a:endParaRPr lang="en-US" sz="2800" dirty="0" smtClean="0"/>
+            <a:endParaRPr lang="en-US" sz="2800" dirty="0"/>
           </a:p>
         </p:txBody>
       </p:sp>
@@ -6682,17 +6637,8 @@
             </a:pPr>
             <a:r>
               <a:rPr lang="en-US" sz="1600" b="1" dirty="0"/>
-              <a:t>“wxPython </a:t>
-            </a:r>
-            <a:r>
-              <a:rPr lang="en-US" sz="1600" b="1" dirty="0" smtClean="0"/>
-              <a:t>2.8.9.2 to 2.9.5.0” </a:t>
-            </a:r>
-            <a:r>
-              <a:rPr lang="en-US" sz="1600" b="1" dirty="0"/>
-              <a:t>Pixel-Mode API </a:t>
-            </a:r>
-            <a:endParaRPr lang="en-US" sz="1600" b="1" dirty="0" smtClean="0"/>
+              <a:t>“wxPython 2.8.9.2 to 2.9.5.0” Pixel-Mode API </a:t>
+            </a:r>
           </a:p>
           <a:p>
             <a:pPr lvl="1" eaLnBrk="1" hangingPunct="1">
@@ -6701,7 +6647,7 @@
               </a:lnSpc>
             </a:pPr>
             <a:r>
-              <a:rPr lang="en-US" sz="1200" b="1" dirty="0" smtClean="0"/>
+              <a:rPr lang="en-US" sz="1200" b="1" dirty="0"/>
               <a:t>Python 2x Application</a:t>
             </a:r>
           </a:p>
@@ -6712,180 +6658,18 @@
               </a:lnSpc>
             </a:pPr>
             <a:r>
-              <a:rPr lang="en-US" sz="1000" dirty="0" smtClean="0"/>
-              <a:t>Pixel-mode cross-platform “wxPython </a:t>
-            </a:r>
-            <a:r>
               <a:rPr lang="en-US" sz="1000" dirty="0"/>
-              <a:t>2.8.9.2-2.9.5.0” </a:t>
-            </a:r>
-            <a:r>
-              <a:rPr lang="en-US" sz="1000" dirty="0" smtClean="0"/>
-              <a:t>classes</a:t>
-            </a:r>
-            <a:r>
-              <a:rPr lang="en-US" sz="1000" dirty="0"/>
-              <a:t>, methods and functions issue service requests to </a:t>
-            </a:r>
-            <a:r>
-              <a:rPr lang="en-US" sz="1000" dirty="0" smtClean="0"/>
-              <a:t>and receive service responses using a </a:t>
-            </a:r>
-            <a:r>
-              <a:rPr lang="en-US" sz="1000" b="1" dirty="0" smtClean="0">
+              <a:t>Pixel-mode cross-platform “wxPython 2.8.9.2-2.9.5.0” classes, methods and functions issue service requests to and receive service responses using a </a:t>
+            </a:r>
+            <a:r>
+              <a:rPr lang="en-US" sz="1000" b="1" dirty="0">
                 <a:hlinkClick r:id="rId4" action="ppaction://hlinksldjump"/>
               </a:rPr>
               <a:t>SWIG</a:t>
             </a:r>
             <a:r>
-              <a:rPr lang="en-US" sz="1000" dirty="0" smtClean="0"/>
+              <a:rPr lang="en-US" sz="1000" dirty="0"/>
               <a:t> interface to cross-platform “</a:t>
-            </a:r>
-            <a:r>
-              <a:rPr lang="en-US" sz="1000" dirty="0" err="1" smtClean="0"/>
-              <a:t>wxWidgets</a:t>
-            </a:r>
-            <a:r>
-              <a:rPr lang="en-US" sz="1000" dirty="0" smtClean="0"/>
-              <a:t> </a:t>
-            </a:r>
-            <a:r>
-              <a:rPr lang="en-US" sz="1000" dirty="0"/>
-              <a:t>2.8.9.2-2.9.5.0.</a:t>
-            </a:r>
-            <a:endParaRPr lang="en-US" sz="1000" dirty="0" smtClean="0"/>
-          </a:p>
-          <a:p>
-            <a:pPr lvl="2" eaLnBrk="1" hangingPunct="1">
-              <a:lnSpc>
-                <a:spcPct val="80000"/>
-              </a:lnSpc>
-            </a:pPr>
-            <a:r>
-              <a:rPr lang="en-US" sz="1000" dirty="0" smtClean="0"/>
-              <a:t>Cross-platform “</a:t>
-            </a:r>
-            <a:r>
-              <a:rPr lang="en-US" sz="1000" dirty="0" err="1" smtClean="0"/>
-              <a:t>wxWidgets</a:t>
-            </a:r>
-            <a:r>
-              <a:rPr lang="en-US" sz="1000" dirty="0" smtClean="0"/>
-              <a:t> </a:t>
-            </a:r>
-            <a:r>
-              <a:rPr lang="en-US" sz="1000" dirty="0"/>
-              <a:t>2.8.9.2-2.9.5.0” </a:t>
-            </a:r>
-            <a:r>
-              <a:rPr lang="en-US" sz="1000" dirty="0" smtClean="0"/>
-              <a:t>issues </a:t>
-            </a:r>
-            <a:r>
-              <a:rPr lang="en-US" sz="1000" dirty="0"/>
-              <a:t>service requests to and </a:t>
-            </a:r>
-            <a:r>
-              <a:rPr lang="en-US" sz="1000" dirty="0" smtClean="0"/>
-              <a:t>receives </a:t>
-            </a:r>
-            <a:r>
-              <a:rPr lang="en-US" sz="1000" dirty="0"/>
-              <a:t>service responses </a:t>
-            </a:r>
-            <a:r>
-              <a:rPr lang="en-US" sz="1000" dirty="0" smtClean="0"/>
-              <a:t>from a “</a:t>
-            </a:r>
-            <a:r>
-              <a:rPr lang="en-US" sz="1000" dirty="0" err="1" smtClean="0"/>
-              <a:t>wxWidgets</a:t>
-            </a:r>
-            <a:r>
-              <a:rPr lang="en-US" sz="1000" dirty="0" smtClean="0"/>
-              <a:t>” Virtual Platform Interface which interfaces to the host platform’s specific GUI API.</a:t>
-            </a:r>
-            <a:endParaRPr lang="en-US" sz="1000" dirty="0"/>
-          </a:p>
-          <a:p>
-            <a:pPr marL="285750" lvl="1" eaLnBrk="1" hangingPunct="1">
-              <a:lnSpc>
-                <a:spcPct val="80000"/>
-              </a:lnSpc>
-              <a:buSzPct val="60000"/>
-            </a:pPr>
-            <a:endParaRPr lang="en-US" sz="1600" b="1" dirty="0" smtClean="0"/>
-          </a:p>
-          <a:p>
-            <a:pPr marL="285750" lvl="1" eaLnBrk="1" hangingPunct="1">
-              <a:lnSpc>
-                <a:spcPct val="80000"/>
-              </a:lnSpc>
-              <a:buSzPct val="60000"/>
-            </a:pPr>
-            <a:r>
-              <a:rPr lang="en-US" sz="1600" b="1" dirty="0" smtClean="0"/>
-              <a:t>“wxPython </a:t>
-            </a:r>
-            <a:r>
-              <a:rPr lang="en-US" sz="1600" b="1" dirty="0"/>
-              <a:t>3.0.0.0 to 3.0.2.0</a:t>
-            </a:r>
-            <a:r>
-              <a:rPr lang="en-US" sz="1600" b="1" dirty="0" smtClean="0"/>
-              <a:t>” </a:t>
-            </a:r>
-            <a:r>
-              <a:rPr lang="en-US" sz="1600" b="1" dirty="0"/>
-              <a:t>Pixel-Mode </a:t>
-            </a:r>
-            <a:r>
-              <a:rPr lang="en-US" sz="1600" b="1" dirty="0" smtClean="0"/>
-              <a:t>API</a:t>
-            </a:r>
-          </a:p>
-          <a:p>
-            <a:pPr marL="685800" lvl="2" eaLnBrk="1" hangingPunct="1">
-              <a:lnSpc>
-                <a:spcPct val="80000"/>
-              </a:lnSpc>
-              <a:buSzPct val="60000"/>
-            </a:pPr>
-            <a:r>
-              <a:rPr lang="en-US" sz="1200" b="1" dirty="0" smtClean="0"/>
-              <a:t>Python </a:t>
-            </a:r>
-            <a:r>
-              <a:rPr lang="en-US" sz="1200" b="1" dirty="0"/>
-              <a:t>2x &amp; 3x Application</a:t>
-            </a:r>
-            <a:endParaRPr lang="en-US" sz="1200" b="1" dirty="0" smtClean="0"/>
-          </a:p>
-          <a:p>
-            <a:pPr lvl="2" eaLnBrk="1" hangingPunct="1">
-              <a:lnSpc>
-                <a:spcPct val="80000"/>
-              </a:lnSpc>
-            </a:pPr>
-            <a:r>
-              <a:rPr lang="en-US" sz="1000" dirty="0"/>
-              <a:t>Pixel-mode cross-platform “wxPython </a:t>
-            </a:r>
-            <a:r>
-              <a:rPr lang="en-US" sz="1000" dirty="0" smtClean="0"/>
-              <a:t>3.0.0.0-3.0.2.0” </a:t>
-            </a:r>
-            <a:r>
-              <a:rPr lang="en-US" sz="1000" dirty="0"/>
-              <a:t>classes, methods and functions issue service requests to and receive service responses </a:t>
-            </a:r>
-            <a:r>
-              <a:rPr lang="en-US" sz="1000" dirty="0" smtClean="0"/>
-              <a:t>from the cross-platform </a:t>
-            </a:r>
-            <a:r>
-              <a:rPr lang="en-US" sz="1000" dirty="0"/>
-              <a:t>“</a:t>
             </a:r>
             <a:r>
               <a:rPr lang="en-US" sz="1000" dirty="0" err="1"/>
@@ -6893,29 +6677,87 @@
             </a:r>
             <a:r>
               <a:rPr lang="en-US" sz="1000" dirty="0"/>
-              <a:t> </a:t>
-            </a:r>
-            <a:r>
-              <a:rPr lang="en-US" sz="1000" dirty="0" smtClean="0"/>
-              <a:t>3.0.0.0-3.0.2.0 Virtual Platform Interface </a:t>
-            </a:r>
+              <a:t> 2.8.9.2-2.9.5.0.</a:t>
+            </a:r>
+          </a:p>
+          <a:p>
+            <a:pPr lvl="2" eaLnBrk="1" hangingPunct="1">
+              <a:lnSpc>
+                <a:spcPct val="80000"/>
+              </a:lnSpc>
+            </a:pPr>
             <a:r>
               <a:rPr lang="en-US" sz="1000" dirty="0"/>
-              <a:t>which </a:t>
-            </a:r>
-            <a:r>
-              <a:rPr lang="en-US" sz="1000" dirty="0" smtClean="0"/>
-              <a:t>interfaces </a:t>
+              <a:t>Cross-platform “</a:t>
+            </a:r>
+            <a:r>
+              <a:rPr lang="en-US" sz="1000" dirty="0" err="1"/>
+              <a:t>wxWidgets</a:t>
             </a:r>
             <a:r>
               <a:rPr lang="en-US" sz="1000" dirty="0"/>
-              <a:t>to the host platform’s specific GUI API</a:t>
-            </a:r>
-            <a:r>
-              <a:rPr lang="en-US" sz="1000" dirty="0" smtClean="0"/>
-              <a:t>.</a:t>
-            </a:r>
-            <a:endParaRPr lang="en-US" sz="1000" dirty="0"/>
+              <a:t> 2.8.9.2-2.9.5.0” issues service requests to and receives service responses from a “</a:t>
+            </a:r>
+            <a:r>
+              <a:rPr lang="en-US" sz="1000" dirty="0" err="1"/>
+              <a:t>wxWidgets</a:t>
+            </a:r>
+            <a:r>
+              <a:rPr lang="en-US" sz="1000" dirty="0"/>
+              <a:t>” Virtual Platform Interface which interfaces to the host platform’s specific GUI API.</a:t>
+            </a:r>
+          </a:p>
+          <a:p>
+            <a:pPr marL="285750" lvl="1" eaLnBrk="1" hangingPunct="1">
+              <a:lnSpc>
+                <a:spcPct val="80000"/>
+              </a:lnSpc>
+              <a:buSzPct val="60000"/>
+            </a:pPr>
+            <a:endParaRPr lang="en-US" sz="1600" b="1" dirty="0"/>
+          </a:p>
+          <a:p>
+            <a:pPr marL="285750" lvl="1" eaLnBrk="1" hangingPunct="1">
+              <a:lnSpc>
+                <a:spcPct val="80000"/>
+              </a:lnSpc>
+              <a:buSzPct val="60000"/>
+            </a:pPr>
+            <a:r>
+              <a:rPr lang="en-US" sz="1600" b="1" dirty="0"/>
+              <a:t>“wxPython 3.0.0.0 to 3.0.2.0” Pixel-Mode API</a:t>
+            </a:r>
+          </a:p>
+          <a:p>
+            <a:pPr marL="685800" lvl="2" eaLnBrk="1" hangingPunct="1">
+              <a:lnSpc>
+                <a:spcPct val="80000"/>
+              </a:lnSpc>
+              <a:buSzPct val="60000"/>
+            </a:pPr>
+            <a:r>
+              <a:rPr lang="en-US" sz="1200" b="1" dirty="0"/>
+              <a:t>Python 2x &amp; 3x Application</a:t>
+            </a:r>
+          </a:p>
+          <a:p>
+            <a:pPr lvl="2" eaLnBrk="1" hangingPunct="1">
+              <a:lnSpc>
+                <a:spcPct val="80000"/>
+              </a:lnSpc>
+            </a:pPr>
+            <a:r>
+              <a:rPr lang="en-US" sz="1000" dirty="0"/>
+              <a:t>Pixel-mode cross-platform “wxPython 3.0.0.0-3.0.2.0” classes, methods and functions issue service requests to and receive service responses from the cross-platform “</a:t>
+            </a:r>
+            <a:r>
+              <a:rPr lang="en-US" sz="1000" dirty="0" err="1"/>
+              <a:t>wxWidgets</a:t>
+            </a:r>
+            <a:r>
+              <a:rPr lang="en-US" sz="1000" dirty="0"/>
+              <a:t> 3.0.0.0-3.0.2.0 Virtual Platform Interface which interfaces to the host platform’s specific GUI API.</a:t>
+            </a:r>
           </a:p>
         </p:txBody>
       </p:sp>
@@ -6950,11 +6792,7 @@
             </a:pPr>
             <a:r>
               <a:rPr lang="en-US" sz="1600" b="1" dirty="0"/>
-              <a:t>“wxPython 2.8.9.2” Character-Mode Emulation </a:t>
-            </a:r>
-            <a:r>
-              <a:rPr lang="en-US" sz="1600" b="1" dirty="0" smtClean="0"/>
-              <a:t>API </a:t>
+              <a:t>“wxPython 2.8.9.2” Character-Mode Emulation API </a:t>
             </a:r>
             <a:endParaRPr lang="en-US" sz="2000" b="1" dirty="0"/>
           </a:p>
@@ -6977,47 +6815,7 @@
             </a:pPr>
             <a:r>
               <a:rPr lang="en-US" sz="1000" dirty="0"/>
-              <a:t>Pixel-style </a:t>
-            </a:r>
-            <a:r>
-              <a:rPr lang="en-US" sz="1000" dirty="0" smtClean="0"/>
-              <a:t>“</a:t>
-            </a:r>
-            <a:r>
-              <a:rPr lang="en-US" sz="1000" dirty="0"/>
-              <a:t>wxPython 2.8.9.2” classes, methods and functions </a:t>
-            </a:r>
-            <a:r>
-              <a:rPr lang="en-US" sz="1000" dirty="0" smtClean="0"/>
-              <a:t>issue </a:t>
-            </a:r>
-            <a:r>
-              <a:rPr lang="en-US" sz="1000" dirty="0"/>
-              <a:t>service requests to and receive service responses using a </a:t>
-            </a:r>
-            <a:r>
-              <a:rPr lang="en-US" sz="1000" dirty="0" smtClean="0"/>
-              <a:t>cross-platform Python “Curses” </a:t>
-            </a:r>
-            <a:r>
-              <a:rPr lang="en-US" sz="1000" dirty="0"/>
-              <a:t>Virtual Platform </a:t>
-            </a:r>
-            <a:r>
-              <a:rPr lang="en-US" sz="1000" dirty="0" smtClean="0"/>
-              <a:t>Interface which </a:t>
-            </a:r>
-            <a:r>
-              <a:rPr lang="en-US" sz="1000" dirty="0"/>
-              <a:t>interfaces to the host platform’s specific GUI API</a:t>
-            </a:r>
-            <a:r>
-              <a:rPr lang="en-US" sz="1000" dirty="0" smtClean="0"/>
-              <a:t>. The character-mode emulation uses </a:t>
-            </a:r>
-            <a:r>
-              <a:rPr lang="en-US" sz="1000" dirty="0"/>
-              <a:t>“</a:t>
+              <a:t>Pixel-style “wxPython 2.8.9.2” classes, methods and functions issue service requests to and receive service responses using a cross-platform Python “Curses” Virtual Platform Interface which interfaces to the host platform’s specific GUI API. The character-mode emulation uses “</a:t>
             </a:r>
             <a:r>
               <a:rPr lang="en-US" sz="1000" dirty="0" err="1"/>
@@ -7025,29 +6823,9 @@
             </a:r>
             <a:r>
               <a:rPr lang="en-US" sz="1000" dirty="0"/>
-              <a:t>” prefix on file </a:t>
-            </a:r>
-            <a:r>
-              <a:rPr lang="en-US" sz="1000" dirty="0" smtClean="0"/>
-              <a:t>names and on internal methods, constants </a:t>
-            </a:r>
-            <a:r>
-              <a:rPr lang="en-US" sz="1000" dirty="0"/>
-              <a:t>and </a:t>
-            </a:r>
-            <a:r>
-              <a:rPr lang="en-US" sz="1000" dirty="0" smtClean="0"/>
-              <a:t>variables. It otherwise retains same wxPython class</a:t>
-            </a:r>
-            <a:r>
-              <a:rPr lang="en-US" sz="1000" dirty="0"/>
-              <a:t>, method and function names and </a:t>
-            </a:r>
-            <a:r>
-              <a:rPr lang="en-US" sz="1000" dirty="0" smtClean="0"/>
-              <a:t>parameters.</a:t>
-            </a:r>
-            <a:endParaRPr lang="en-US" sz="1600" b="1" dirty="0" smtClean="0"/>
+              <a:t>” prefix on file names and on internal methods, constants and variables. It otherwise retains same wxPython class, method and function names and parameters.</a:t>
+            </a:r>
+            <a:endParaRPr lang="en-US" sz="1600" b="1" dirty="0"/>
           </a:p>
           <a:p>
             <a:pPr marL="285750" lvl="1" eaLnBrk="1" hangingPunct="1">
@@ -7071,7 +6849,7 @@
               </a:buClr>
               <a:buSzPct val="60000"/>
             </a:pPr>
-            <a:endParaRPr lang="en-US" sz="1200" b="1" dirty="0" smtClean="0"/>
+            <a:endParaRPr lang="en-US" sz="1200" b="1" dirty="0"/>
           </a:p>
           <a:p>
             <a:pPr marL="285750" lvl="1" eaLnBrk="1" hangingPunct="1">
@@ -7095,7 +6873,7 @@
               </a:buClr>
               <a:buSzPct val="60000"/>
             </a:pPr>
-            <a:endParaRPr lang="en-US" sz="1200" b="1" dirty="0" smtClean="0"/>
+            <a:endParaRPr lang="en-US" sz="1200" b="1" dirty="0"/>
           </a:p>
           <a:p>
             <a:pPr marL="285750" lvl="1" eaLnBrk="1" hangingPunct="1">
@@ -7107,7 +6885,7 @@
               </a:buClr>
               <a:buSzPct val="60000"/>
             </a:pPr>
-            <a:endParaRPr lang="en-US" sz="1200" b="1" dirty="0" smtClean="0"/>
+            <a:endParaRPr lang="en-US" sz="1200" b="1" dirty="0"/>
           </a:p>
           <a:p>
             <a:pPr marL="285750" lvl="1" eaLnBrk="1" hangingPunct="1">
@@ -7120,27 +6898,11 @@
               <a:buSzPct val="60000"/>
             </a:pPr>
             <a:r>
-              <a:rPr lang="en-US" sz="1600" b="1" dirty="0" smtClean="0"/>
-              <a:t>“</a:t>
-            </a:r>
-            <a:r>
               <a:rPr lang="en-US" sz="1600" b="1" dirty="0"/>
-              <a:t>wxPython </a:t>
-            </a:r>
-            <a:r>
-              <a:rPr lang="en-US" sz="1600" b="1" dirty="0" smtClean="0"/>
-              <a:t>3.0.2.0” Character-Mode </a:t>
-            </a:r>
-            <a:r>
-              <a:rPr lang="en-US" sz="1600" b="1" dirty="0"/>
-              <a:t>Emulation API </a:t>
-            </a:r>
-            <a:r>
-              <a:rPr lang="en-US" sz="1600" b="1" dirty="0" smtClean="0"/>
-              <a:t> (</a:t>
-            </a:r>
-            <a:r>
-              <a:rPr lang="en-US" sz="1600" b="1" i="1" dirty="0" smtClean="0">
+              <a:t>“wxPython 3.0.2.0” Character-Mode Emulation API  (</a:t>
+            </a:r>
+            <a:r>
+              <a:rPr lang="en-US" sz="1600" b="1" i="1" dirty="0">
                 <a:solidFill>
                   <a:srgbClr val="FF0000"/>
                 </a:solidFill>
@@ -7148,7 +6910,7 @@
               <a:t>Future</a:t>
             </a:r>
             <a:r>
-              <a:rPr lang="en-US" sz="1600" b="1" dirty="0" smtClean="0"/>
+              <a:rPr lang="en-US" sz="1600" b="1" dirty="0"/>
               <a:t>)</a:t>
             </a:r>
           </a:p>
@@ -7170,12 +6932,8 @@
               </a:lnSpc>
             </a:pPr>
             <a:r>
-              <a:rPr lang="en-US" sz="1000" dirty="0" smtClean="0"/>
-              <a:t>Pixel-style</a:t>
-            </a:r>
-            <a:r>
               <a:rPr lang="en-US" sz="1000" dirty="0"/>
-              <a:t> (have “</a:t>
+              <a:t>Pixel-style (have “</a:t>
             </a:r>
             <a:r>
               <a:rPr lang="en-US" sz="1000" dirty="0" err="1"/>
@@ -7183,31 +6941,7 @@
             </a:r>
             <a:r>
               <a:rPr lang="en-US" sz="1000" dirty="0"/>
-              <a:t>” prefix on file names but use same names and parameters) </a:t>
-            </a:r>
-            <a:r>
-              <a:rPr lang="en-US" sz="1000" dirty="0" smtClean="0"/>
-              <a:t> </a:t>
-            </a:r>
-            <a:r>
-              <a:rPr lang="en-US" sz="1000" dirty="0"/>
-              <a:t>“wxPython </a:t>
-            </a:r>
-            <a:r>
-              <a:rPr lang="en-US" sz="1000" dirty="0" smtClean="0"/>
-              <a:t>3.0.2”.0 </a:t>
-            </a:r>
-            <a:r>
-              <a:rPr lang="en-US" sz="1000" dirty="0"/>
-              <a:t>classes, methods and </a:t>
-            </a:r>
-            <a:r>
-              <a:rPr lang="en-US" sz="1000" dirty="0" smtClean="0"/>
-              <a:t>functions</a:t>
-            </a:r>
-            <a:r>
-              <a:rPr lang="en-US" sz="1000" dirty="0"/>
-              <a:t> (have “</a:t>
+              <a:t>” prefix on file names but use same names and parameters)  “wxPython 3.0.2”.0 classes, methods and functions (have “</a:t>
             </a:r>
             <a:r>
               <a:rPr lang="en-US" sz="1000" dirty="0" err="1"/>
@@ -7215,23 +6949,7 @@
             </a:r>
             <a:r>
               <a:rPr lang="en-US" sz="1000" dirty="0"/>
-              <a:t>” prefix on file names but use same names and parameters) </a:t>
-            </a:r>
-            <a:r>
-              <a:rPr lang="en-US" sz="1000" dirty="0" smtClean="0"/>
-              <a:t>issue </a:t>
-            </a:r>
-            <a:r>
-              <a:rPr lang="en-US" sz="1000" dirty="0"/>
-              <a:t>service requests to and receive service responses using a cross-platform Python “Curses” Virtual Platform Interface which interfaces to the host platform’s specific GUI API</a:t>
-            </a:r>
-            <a:r>
-              <a:rPr lang="en-US" sz="1000" dirty="0" smtClean="0"/>
-              <a:t>.</a:t>
-            </a:r>
-            <a:r>
-              <a:rPr lang="en-US" sz="1000" dirty="0"/>
-              <a:t> The character-mode emulation uses “</a:t>
+              <a:t>” prefix on file names but use same names and parameters) issue service requests to and receive service responses using a cross-platform Python “Curses” Virtual Platform Interface which interfaces to the host platform’s specific GUI API. The character-mode emulation uses “</a:t>
             </a:r>
             <a:r>
               <a:rPr lang="en-US" sz="1000" dirty="0" err="1"/>
@@ -7239,37 +6957,8 @@
             </a:r>
             <a:r>
               <a:rPr lang="en-US" sz="1000" dirty="0"/>
-              <a:t>” prefix on file names and on internal </a:t>
-            </a:r>
-            <a:r>
-              <a:rPr lang="en-US" sz="1000" dirty="0" smtClean="0"/>
-              <a:t>methods, constants </a:t>
-            </a:r>
-            <a:r>
-              <a:rPr lang="en-US" sz="1000" dirty="0"/>
-              <a:t>and variables. It otherwise </a:t>
-            </a:r>
-            <a:r>
-              <a:rPr lang="en-US" sz="1000" dirty="0" smtClean="0"/>
-              <a:t>retains </a:t>
-            </a:r>
-            <a:r>
-              <a:rPr lang="en-US" sz="1000" dirty="0"/>
-              <a:t>same wxPython </a:t>
-            </a:r>
-            <a:r>
-              <a:rPr lang="en-US" sz="1000" dirty="0" smtClean="0"/>
-              <a:t>class</a:t>
-            </a:r>
-            <a:r>
-              <a:rPr lang="en-US" sz="1000" dirty="0"/>
-              <a:t>, method and function names and parameters</a:t>
-            </a:r>
-            <a:r>
-              <a:rPr lang="en-US" sz="1000" dirty="0" smtClean="0"/>
-              <a:t>.</a:t>
-            </a:r>
-            <a:endParaRPr lang="en-US" sz="1000" dirty="0"/>
+              <a:t>” prefix on file names and on internal methods, constants and variables. It otherwise retains same wxPython class, method and function names and parameters.</a:t>
+            </a:r>
           </a:p>
           <a:p>
             <a:pPr marL="0" lvl="1" indent="0" eaLnBrk="1" hangingPunct="1">
@@ -7305,9 +6994,9 @@
           <a:p>
             <a:fld id="{82CC87A2-1781-440A-9FCF-DC78272C75A5}" type="datetime1">
               <a:rPr lang="en-US" smtClean="0"/>
-              <a:t>12/4/2015</a:t>
+              <a:t>12/23/2016</a:t>
             </a:fld>
-            <a:endParaRPr lang="en-US" dirty="0" smtClean="0"/>
+            <a:endParaRPr lang="en-US" dirty="0"/>
           </a:p>
         </p:txBody>
       </p:sp>
@@ -7329,7 +7018,7 @@
           <a:lstStyle/>
           <a:p>
             <a:r>
-              <a:rPr lang="en-US" dirty="0" smtClean="0"/>
+              <a:rPr lang="en-US" dirty="0"/>
               <a:t>TeamSTARS "tsWxGTUI_PyVx" Toolkit prepared &amp; presented by Richard S. Gordon</a:t>
             </a:r>
           </a:p>
@@ -7372,13 +7061,6 @@
     <a:masterClrMapping/>
   </p:clrMapOvr>
   <p:transition/>
-  <p:timing>
-    <p:tnLst>
-      <p:par>
-        <p:cTn id="1" dur="indefinite" restart="never" nodeType="tmRoot"/>
-      </p:par>
-    </p:tnLst>
-  </p:timing>
 </p:sld>
 </file>
 
@@ -7417,25 +7099,13 @@
             <a:pPr eaLnBrk="1" hangingPunct="1"/>
             <a:r>
               <a:rPr lang="en-US" sz="2000" dirty="0"/>
-              <a:t>Virtual Platform Interface Relationship between </a:t>
-            </a:r>
-            <a:r>
-              <a:rPr lang="en-US" sz="2000" dirty="0" smtClean="0"/>
-              <a:t>“wxPython 2.8.9.2” </a:t>
-            </a:r>
-            <a:r>
+              <a:t>Virtual Platform Interface Relationship between “wxPython 2.8.9.2” API </a:t>
+            </a:r>
+            <a:br>
               <a:rPr lang="en-US" sz="2000" dirty="0"/>
-              <a:t>API </a:t>
-            </a:r>
-            <a:r>
-              <a:rPr lang="en-US" sz="2000" dirty="0" smtClean="0"/>
-              <a:t/>
-            </a:r>
-            <a:br>
-              <a:rPr lang="en-US" sz="2000" dirty="0" smtClean="0"/>
             </a:br>
             <a:r>
-              <a:rPr lang="en-US" sz="2000" dirty="0" smtClean="0"/>
+              <a:rPr lang="en-US" sz="2000" dirty="0"/>
               <a:t>Pixel-Mode and Character-Mode Emulation (</a:t>
             </a:r>
             <a:r>
@@ -7449,7 +7119,7 @@
               <a:t> full listing</a:t>
             </a:r>
             <a:r>
-              <a:rPr lang="en-US" sz="2000" dirty="0" smtClean="0"/>
+              <a:rPr lang="en-US" sz="2000" dirty="0"/>
               <a:t>) </a:t>
             </a:r>
             <a:r>
@@ -7463,10 +7133,10 @@
               <a:t>Table of Contents</a:t>
             </a:r>
             <a:r>
-              <a:rPr lang="en-US" sz="1800" dirty="0" smtClean="0"/>
+              <a:rPr lang="en-US" sz="1800" dirty="0"/>
               <a:t>)</a:t>
             </a:r>
-            <a:endParaRPr lang="en-US" sz="2800" dirty="0" smtClean="0"/>
+            <a:endParaRPr lang="en-US" sz="2800" dirty="0"/>
           </a:p>
         </p:txBody>
       </p:sp>
@@ -7496,14 +7166,9 @@
               </a:lnSpc>
             </a:pPr>
             <a:r>
-              <a:rPr lang="en-US" sz="1800" b="1" dirty="0" smtClean="0"/>
-              <a:t>“wxPython 2.8.9.2” </a:t>
-            </a:r>
-            <a:r>
               <a:rPr lang="en-US" sz="1800" b="1" dirty="0"/>
-              <a:t>Pixel-Mode API </a:t>
-            </a:r>
-            <a:endParaRPr lang="en-US" sz="1800" b="1" dirty="0" smtClean="0"/>
+              <a:t>“wxPython 2.8.9.2” Pixel-Mode API </a:t>
+            </a:r>
           </a:p>
           <a:p>
             <a:pPr lvl="1" eaLnBrk="1" hangingPunct="1">
@@ -7512,7 +7177,7 @@
               </a:lnSpc>
             </a:pPr>
             <a:r>
-              <a:rPr lang="en-US" sz="1400" dirty="0" smtClean="0"/>
+              <a:rPr lang="en-US" sz="1400" dirty="0"/>
               <a:t>Pixel-mode “wxPython 2.8.9.2” classes, methods and functions issue service requests to a “wxPython 2.8.9.2” Virtual Platform.</a:t>
             </a:r>
           </a:p>
@@ -7523,7 +7188,7 @@
               </a:lnSpc>
             </a:pPr>
             <a:r>
-              <a:rPr lang="en-US" sz="1400" dirty="0" smtClean="0"/>
+              <a:rPr lang="en-US" sz="1400" dirty="0"/>
               <a:t>“wxPython 2.8.9.2-Host” Virtual Platform components:</a:t>
             </a:r>
           </a:p>
@@ -7534,7 +7199,7 @@
               </a:lnSpc>
             </a:pPr>
             <a:r>
-              <a:rPr lang="en-US" sz="1400" dirty="0" smtClean="0"/>
+              <a:rPr lang="en-US" sz="1400" dirty="0"/>
               <a:t>Convert the “wxPython 2.8.9.2 service requests into the form used by the Host platform’s Operating System and GUI. </a:t>
             </a:r>
           </a:p>
@@ -7545,7 +7210,7 @@
               </a:lnSpc>
             </a:pPr>
             <a:r>
-              <a:rPr lang="en-US" sz="1400" dirty="0" smtClean="0"/>
+              <a:rPr lang="en-US" sz="1400" dirty="0"/>
               <a:t>Transmit the converted service requests to the Host Operating.</a:t>
             </a:r>
           </a:p>
@@ -7556,24 +7221,19 @@
               </a:lnSpc>
             </a:pPr>
             <a:r>
-              <a:rPr lang="en-US" sz="1400" dirty="0" smtClean="0"/>
-              <a:t>Receive </a:t>
-            </a:r>
-            <a:r>
               <a:rPr lang="en-US" sz="1400" dirty="0"/>
-              <a:t>the Host platform’s </a:t>
-            </a:r>
-            <a:r>
-              <a:rPr lang="en-US" sz="1400" dirty="0" smtClean="0"/>
-              <a:t>service request </a:t>
-            </a:r>
+              <a:t>Receive the Host platform’s service request response.</a:t>
+            </a:r>
+          </a:p>
+          <a:p>
+            <a:pPr lvl="2" eaLnBrk="1" hangingPunct="1">
+              <a:lnSpc>
+                <a:spcPct val="80000"/>
+              </a:lnSpc>
+            </a:pPr>
             <a:r>
               <a:rPr lang="en-US" sz="1400" dirty="0"/>
-              <a:t>response</a:t>
-            </a:r>
-            <a:r>
-              <a:rPr lang="en-US" sz="1400" dirty="0" smtClean="0"/>
-              <a:t>.</a:t>
+              <a:t>Convert the Host platform’s response into the form used for the “wxPython 2.8.9.2” Virtual Platform’s response.</a:t>
             </a:r>
           </a:p>
           <a:p>
@@ -7583,51 +7243,8 @@
               </a:lnSpc>
             </a:pPr>
             <a:r>
-              <a:rPr lang="en-US" sz="1400" dirty="0" smtClean="0"/>
-              <a:t>Convert the Host </a:t>
-            </a:r>
-            <a:r>
               <a:rPr lang="en-US" sz="1400" dirty="0"/>
-              <a:t>platform’s </a:t>
-            </a:r>
-            <a:r>
-              <a:rPr lang="en-US" sz="1400" dirty="0" smtClean="0"/>
-              <a:t>response into the form used for the “wxPython 2.8.9.2” </a:t>
-            </a:r>
-            <a:r>
-              <a:rPr lang="en-US" sz="1400" dirty="0"/>
-              <a:t>Virtual </a:t>
-            </a:r>
-            <a:r>
-              <a:rPr lang="en-US" sz="1400" dirty="0" smtClean="0"/>
-              <a:t>Platform’s response.</a:t>
-            </a:r>
-          </a:p>
-          <a:p>
-            <a:pPr lvl="2" eaLnBrk="1" hangingPunct="1">
-              <a:lnSpc>
-                <a:spcPct val="80000"/>
-              </a:lnSpc>
-            </a:pPr>
-            <a:r>
-              <a:rPr lang="en-US" sz="1400" dirty="0" smtClean="0"/>
-              <a:t>Return the </a:t>
-            </a:r>
-            <a:r>
-              <a:rPr lang="en-US" sz="1400" dirty="0"/>
-              <a:t>converted Host platform’s </a:t>
-            </a:r>
-            <a:r>
-              <a:rPr lang="en-US" sz="1400" dirty="0" smtClean="0"/>
-              <a:t>response to “wxPython 2.8.9.2” </a:t>
-            </a:r>
-            <a:r>
-              <a:rPr lang="en-US" sz="1400" dirty="0"/>
-              <a:t>classes, methods and function</a:t>
-            </a:r>
-            <a:r>
-              <a:rPr lang="en-US" sz="1400" dirty="0" smtClean="0"/>
-              <a:t>.</a:t>
+              <a:t>Return the converted Host platform’s response to “wxPython 2.8.9.2” classes, methods and function.</a:t>
             </a:r>
           </a:p>
         </p:txBody>
@@ -7658,18 +7275,9 @@
               </a:lnSpc>
             </a:pPr>
             <a:r>
-              <a:rPr lang="en-US" sz="1800" b="1" dirty="0" smtClean="0"/>
-              <a:t>“wxPython 2.8.9.2” </a:t>
-            </a:r>
-            <a:r>
               <a:rPr lang="en-US" sz="1800" b="1" dirty="0"/>
-              <a:t>Character-Mode Emulation </a:t>
-            </a:r>
-            <a:r>
-              <a:rPr lang="en-US" sz="1800" b="1" dirty="0" smtClean="0"/>
-              <a:t>API</a:t>
-            </a:r>
-            <a:endParaRPr lang="en-US" sz="1800" b="1" dirty="0"/>
+              <a:t>“wxPython 2.8.9.2” Character-Mode Emulation API</a:t>
+            </a:r>
           </a:p>
           <a:p>
             <a:pPr lvl="1" eaLnBrk="1" hangingPunct="1">
@@ -7678,24 +7286,19 @@
               </a:lnSpc>
             </a:pPr>
             <a:r>
-              <a:rPr lang="en-US" sz="1400" dirty="0" smtClean="0"/>
-              <a:t>Emulation-specific “wxPython 2.8.9.2” classes</a:t>
-            </a:r>
-            <a:r>
               <a:rPr lang="en-US" sz="1400" dirty="0"/>
-              <a:t>, methods and functions issue service requests to a </a:t>
-            </a:r>
-            <a:r>
-              <a:rPr lang="en-US" sz="1400" dirty="0" smtClean="0"/>
-              <a:t>“Python Curses-Host” </a:t>
-            </a:r>
+              <a:t>Emulation-specific “wxPython 2.8.9.2” classes, methods and functions issue service requests to a “Python Curses-Host” Virtual Platform.</a:t>
+            </a:r>
+          </a:p>
+          <a:p>
+            <a:pPr lvl="2" eaLnBrk="1" hangingPunct="1">
+              <a:lnSpc>
+                <a:spcPct val="80000"/>
+              </a:lnSpc>
+            </a:pPr>
             <a:r>
               <a:rPr lang="en-US" sz="1400" dirty="0"/>
-              <a:t>Virtual Platform</a:t>
-            </a:r>
-            <a:r>
-              <a:rPr lang="en-US" sz="1400" dirty="0" smtClean="0"/>
-              <a:t>.</a:t>
+              <a:t>Use Python’s popular, low-level character-mode “Curses” GUI API and run time library.</a:t>
             </a:r>
           </a:p>
           <a:p>
@@ -7705,12 +7308,8 @@
               </a:lnSpc>
             </a:pPr>
             <a:r>
-              <a:rPr lang="en-US" sz="1400" dirty="0" smtClean="0"/>
-              <a:t>Use </a:t>
-            </a:r>
-            <a:r>
               <a:rPr lang="en-US" sz="1400" dirty="0"/>
-              <a:t>Python’s popular, low-level character-mode “Curses” GUI API and run time library.</a:t>
+              <a:t>Convert API argument height and width dimensions from the number of pixels to the number of courier font mono-spaced character cells.</a:t>
             </a:r>
           </a:p>
           <a:p>
@@ -7720,12 +7319,8 @@
               </a:lnSpc>
             </a:pPr>
             <a:r>
-              <a:rPr lang="en-US" sz="1400" dirty="0" smtClean="0"/>
-              <a:t>Convert </a:t>
-            </a:r>
-            <a:r>
               <a:rPr lang="en-US" sz="1400" dirty="0"/>
-              <a:t>API argument height and width dimensions from the number of pixels to the number of courier font mono-spaced character cells.</a:t>
+              <a:t>Associate mouse clicks with GUI objects by tracking parent-child relationships between objects.</a:t>
             </a:r>
           </a:p>
           <a:p>
@@ -7735,12 +7330,19 @@
               </a:lnSpc>
             </a:pPr>
             <a:r>
-              <a:rPr lang="en-US" sz="1400" dirty="0" smtClean="0"/>
-              <a:t>Associate </a:t>
-            </a:r>
-            <a:r>
               <a:rPr lang="en-US" sz="1400" dirty="0"/>
-              <a:t>mouse clicks with GUI objects by tracking parent-child relationships between objects.</a:t>
+              <a:t>Generate 68-color “wxPython 2.8.9.2” color palette when platform permits or else make substitutions from built-in “Curses” 8-/16-color palette.</a:t>
+            </a:r>
+          </a:p>
+          <a:p>
+            <a:pPr lvl="1" eaLnBrk="1" hangingPunct="1">
+              <a:lnSpc>
+                <a:spcPct val="80000"/>
+              </a:lnSpc>
+            </a:pPr>
+            <a:r>
+              <a:rPr lang="en-US" sz="1600" dirty="0"/>
+              <a:t>“Python Curses-Host” Virtual Platform components:</a:t>
             </a:r>
           </a:p>
           <a:p>
@@ -7750,52 +7352,19 @@
               </a:lnSpc>
             </a:pPr>
             <a:r>
-              <a:rPr lang="en-US" sz="1400" dirty="0" smtClean="0"/>
-              <a:t>Generate </a:t>
-            </a:r>
-            <a:r>
               <a:rPr lang="en-US" sz="1400" dirty="0"/>
-              <a:t>68-color </a:t>
-            </a:r>
-            <a:r>
-              <a:rPr lang="en-US" sz="1400" dirty="0" smtClean="0"/>
-              <a:t>“wxPython 2.8.9.2” </a:t>
-            </a:r>
+              <a:t>Convert the “wxPython 2.8.9.2 service requests into the form used by the Python Curses-Host platform. </a:t>
+            </a:r>
+          </a:p>
+          <a:p>
+            <a:pPr lvl="2" eaLnBrk="1" hangingPunct="1">
+              <a:lnSpc>
+                <a:spcPct val="80000"/>
+              </a:lnSpc>
+            </a:pPr>
             <a:r>
               <a:rPr lang="en-US" sz="1400" dirty="0"/>
-              <a:t>color palette when platform permits or else make substitutions from built-in “Curses” 8-/16-color palette</a:t>
-            </a:r>
-            <a:r>
-              <a:rPr lang="en-US" sz="1400" dirty="0" smtClean="0"/>
-              <a:t>.</a:t>
-            </a:r>
-            <a:endParaRPr lang="en-US" sz="1400" dirty="0"/>
-          </a:p>
-          <a:p>
-            <a:pPr lvl="1" eaLnBrk="1" hangingPunct="1">
-              <a:lnSpc>
-                <a:spcPct val="80000"/>
-              </a:lnSpc>
-            </a:pPr>
-            <a:r>
-              <a:rPr lang="en-US" sz="1600" dirty="0" smtClean="0"/>
-              <a:t>“Python Curses-Host</a:t>
-            </a:r>
-            <a:r>
-              <a:rPr lang="en-US" sz="1600" dirty="0"/>
-              <a:t>” </a:t>
-            </a:r>
-            <a:r>
-              <a:rPr lang="en-US" sz="1600" dirty="0" smtClean="0"/>
-              <a:t>Virtual Platform </a:t>
-            </a:r>
-            <a:r>
-              <a:rPr lang="en-US" sz="1600" dirty="0"/>
-              <a:t>components</a:t>
-            </a:r>
-            <a:r>
-              <a:rPr lang="en-US" sz="1600" dirty="0" smtClean="0"/>
-              <a:t>:</a:t>
+              <a:t>Transmit the converted service requests to the Python Curses-Host.</a:t>
             </a:r>
           </a:p>
           <a:p>
@@ -7805,26 +7374,20 @@
               </a:lnSpc>
             </a:pPr>
             <a:r>
-              <a:rPr lang="en-US" sz="1400" dirty="0" smtClean="0"/>
-              <a:t>Convert </a:t>
-            </a:r>
-            <a:r>
               <a:rPr lang="en-US" sz="1400" dirty="0"/>
-              <a:t>the </a:t>
-            </a:r>
-            <a:r>
-              <a:rPr lang="en-US" sz="1400" dirty="0" smtClean="0"/>
-              <a:t>“wxPython 2.8.9.2 </a:t>
-            </a:r>
+              <a:t>Receive the Python Curses-Host platform’s service request response.</a:t>
+            </a:r>
+          </a:p>
+          <a:p>
+            <a:pPr lvl="2" eaLnBrk="1" hangingPunct="1">
+              <a:lnSpc>
+                <a:spcPct val="80000"/>
+              </a:lnSpc>
+            </a:pPr>
             <a:r>
               <a:rPr lang="en-US" sz="1400" dirty="0"/>
-              <a:t>service requests into the form used by the Python Curses-Host </a:t>
-            </a:r>
-            <a:r>
-              <a:rPr lang="en-US" sz="1400" dirty="0" smtClean="0"/>
-              <a:t>platform. </a:t>
-            </a:r>
-            <a:endParaRPr lang="en-US" sz="1400" dirty="0"/>
+              <a:t>Convert the Python Curses-Host platform’s response into the form used for the “wxPython 2.8.9.2” Virtual Platform’s response.</a:t>
+            </a:r>
           </a:p>
           <a:p>
             <a:pPr lvl="2" eaLnBrk="1" hangingPunct="1">
@@ -7834,90 +7397,7 @@
             </a:pPr>
             <a:r>
               <a:rPr lang="en-US" sz="1400" dirty="0"/>
-              <a:t>Transmit the converted service requests to the Python </a:t>
-            </a:r>
-            <a:r>
-              <a:rPr lang="en-US" sz="1400" dirty="0" smtClean="0"/>
-              <a:t>Curses-Host.</a:t>
-            </a:r>
-            <a:endParaRPr lang="en-US" sz="1400" dirty="0"/>
-          </a:p>
-          <a:p>
-            <a:pPr lvl="2" eaLnBrk="1" hangingPunct="1">
-              <a:lnSpc>
-                <a:spcPct val="80000"/>
-              </a:lnSpc>
-            </a:pPr>
-            <a:r>
-              <a:rPr lang="en-US" sz="1400" dirty="0"/>
-              <a:t>Receive the Python Curses-Host </a:t>
-            </a:r>
-            <a:r>
-              <a:rPr lang="en-US" sz="1400" dirty="0" smtClean="0"/>
-              <a:t>platform’s </a:t>
-            </a:r>
-            <a:r>
-              <a:rPr lang="en-US" sz="1400" dirty="0"/>
-              <a:t>service request response.</a:t>
-            </a:r>
-          </a:p>
-          <a:p>
-            <a:pPr lvl="2" eaLnBrk="1" hangingPunct="1">
-              <a:lnSpc>
-                <a:spcPct val="80000"/>
-              </a:lnSpc>
-            </a:pPr>
-            <a:r>
-              <a:rPr lang="en-US" sz="1400" dirty="0"/>
-              <a:t>Convert the Python Curses-Host </a:t>
-            </a:r>
-            <a:r>
-              <a:rPr lang="en-US" sz="1400" dirty="0" smtClean="0"/>
-              <a:t>platform’s </a:t>
-            </a:r>
-            <a:r>
-              <a:rPr lang="en-US" sz="1400" dirty="0"/>
-              <a:t>response into the form used </a:t>
-            </a:r>
-            <a:r>
-              <a:rPr lang="en-US" sz="1400" dirty="0" smtClean="0"/>
-              <a:t>for the “wxPython 2.8.9.2” </a:t>
-            </a:r>
-            <a:r>
-              <a:rPr lang="en-US" sz="1400" dirty="0"/>
-              <a:t>Virtual </a:t>
-            </a:r>
-            <a:r>
-              <a:rPr lang="en-US" sz="1400" dirty="0" smtClean="0"/>
-              <a:t>Platform’s response.</a:t>
-            </a:r>
-            <a:endParaRPr lang="en-US" sz="1400" dirty="0"/>
-          </a:p>
-          <a:p>
-            <a:pPr lvl="2" eaLnBrk="1" hangingPunct="1">
-              <a:lnSpc>
-                <a:spcPct val="80000"/>
-              </a:lnSpc>
-            </a:pPr>
-            <a:r>
-              <a:rPr lang="en-US" sz="1400" dirty="0"/>
-              <a:t>Return the converted Python Curses-Host </a:t>
-            </a:r>
-            <a:r>
-              <a:rPr lang="en-US" sz="1400" dirty="0" smtClean="0"/>
-              <a:t>platform’s </a:t>
-            </a:r>
-            <a:r>
-              <a:rPr lang="en-US" sz="1400" dirty="0"/>
-              <a:t>response to </a:t>
-            </a:r>
-            <a:r>
-              <a:rPr lang="en-US" sz="1400" dirty="0" smtClean="0"/>
-              <a:t>“wxPython 2.8.9.2” </a:t>
-            </a:r>
-            <a:r>
-              <a:rPr lang="en-US" sz="1400" dirty="0"/>
-              <a:t>classes, methods and function.</a:t>
+              <a:t>Return the converted Python Curses-Host platform’s response to “wxPython 2.8.9.2” classes, methods and function.</a:t>
             </a:r>
           </a:p>
         </p:txBody>
@@ -7941,9 +7421,9 @@
           <a:p>
             <a:fld id="{82CC87A2-1781-440A-9FCF-DC78272C75A5}" type="datetime1">
               <a:rPr lang="en-US" smtClean="0"/>
-              <a:t>12/4/2015</a:t>
+              <a:t>12/23/2016</a:t>
             </a:fld>
-            <a:endParaRPr lang="en-US" dirty="0" smtClean="0"/>
+            <a:endParaRPr lang="en-US" dirty="0"/>
           </a:p>
         </p:txBody>
       </p:sp>
@@ -7965,7 +7445,7 @@
           <a:lstStyle/>
           <a:p>
             <a:r>
-              <a:rPr lang="en-US" dirty="0" smtClean="0"/>
+              <a:rPr lang="en-US" dirty="0"/>
               <a:t>TeamSTARS "tsWxGTUI_PyVx" Toolkit prepared &amp; presented by Richard S. Gordon</a:t>
             </a:r>
           </a:p>
@@ -8008,13 +7488,6 @@
     <a:masterClrMapping/>
   </p:clrMapOvr>
   <p:transition/>
-  <p:timing>
-    <p:tnLst>
-      <p:par>
-        <p:cTn id="1" dur="indefinite" restart="never" nodeType="tmRoot"/>
-      </p:par>
-    </p:tnLst>
-  </p:timing>
 </p:sld>
 </file>
 
@@ -8052,32 +7525,8 @@
           <a:p>
             <a:pPr eaLnBrk="1" hangingPunct="1"/>
             <a:r>
-              <a:rPr lang="en-US" sz="2000" dirty="0" smtClean="0"/>
-              <a:t>Architecture Differences </a:t>
-            </a:r>
-            <a:r>
               <a:rPr lang="en-US" sz="2000" dirty="0"/>
-              <a:t>between </a:t>
-            </a:r>
-            <a:r>
-              <a:rPr lang="en-US" sz="2000" dirty="0" smtClean="0"/>
-              <a:t>“wxPython 2.8.9.2” </a:t>
-            </a:r>
-            <a:r>
-              <a:rPr lang="en-US" sz="2000" dirty="0"/>
-              <a:t>API </a:t>
-            </a:r>
-            <a:r>
-              <a:rPr lang="en-US" sz="2000" dirty="0" smtClean="0"/>
-              <a:t>Pixel-Mode </a:t>
-            </a:r>
-            <a:r>
-              <a:rPr lang="en-US" sz="2000" dirty="0"/>
-              <a:t>and Character-Mode Virtual Platform Interface </a:t>
-            </a:r>
-            <a:r>
-              <a:rPr lang="en-US" sz="2000" dirty="0" smtClean="0"/>
-              <a:t>(</a:t>
+              <a:t>Architecture Differences between “wxPython 2.8.9.2” API Pixel-Mode and Character-Mode Virtual Platform Interface (</a:t>
             </a:r>
             <a:r>
               <a:rPr lang="en-US" sz="2000" dirty="0" err="1">
@@ -8090,7 +7539,7 @@
               <a:t> full listing</a:t>
             </a:r>
             <a:r>
-              <a:rPr lang="en-US" sz="2000" dirty="0" smtClean="0"/>
+              <a:rPr lang="en-US" sz="2000" dirty="0"/>
               <a:t>) </a:t>
             </a:r>
             <a:r>
@@ -8104,7 +7553,7 @@
               <a:t>Table of Contents</a:t>
             </a:r>
             <a:r>
-              <a:rPr lang="en-US" sz="1800" dirty="0" smtClean="0"/>
+              <a:rPr lang="en-US" sz="1800" dirty="0"/>
               <a:t>)</a:t>
             </a:r>
           </a:p>
@@ -8137,7 +7586,7 @@
               <a:buNone/>
             </a:pPr>
             <a:r>
-              <a:rPr lang="en-US" sz="1800" b="1" u="sng" dirty="0" smtClean="0"/>
+              <a:rPr lang="en-US" sz="1800" b="1" u="sng" dirty="0"/>
               <a:t>Application (Python language)</a:t>
             </a:r>
           </a:p>
@@ -8149,7 +7598,7 @@
               <a:buNone/>
             </a:pPr>
             <a:r>
-              <a:rPr lang="en-US" sz="1600" dirty="0" smtClean="0"/>
+              <a:rPr lang="en-US" sz="1600" dirty="0"/>
               <a:t>“wxPython 2.8.9.2” API Pixel-Mode</a:t>
             </a:r>
           </a:p>
@@ -8161,19 +7610,7 @@
             </a:pPr>
             <a:r>
               <a:rPr lang="en-US" sz="1600" dirty="0"/>
-              <a:t>Issue </a:t>
-            </a:r>
-            <a:r>
-              <a:rPr lang="en-US" sz="1600" dirty="0" smtClean="0"/>
-              <a:t>service </a:t>
-            </a:r>
-            <a:r>
-              <a:rPr lang="en-US" sz="1600" dirty="0"/>
-              <a:t>requests </a:t>
-            </a:r>
-            <a:r>
-              <a:rPr lang="en-US" sz="1600" dirty="0" smtClean="0"/>
-              <a:t>to and receive responses from “</a:t>
+              <a:t>Issue service requests to and receive responses from “</a:t>
             </a:r>
             <a:r>
               <a:rPr lang="en-US" sz="1600" dirty="0" err="1"/>
@@ -8181,19 +7618,7 @@
             </a:r>
             <a:r>
               <a:rPr lang="en-US" sz="1600" dirty="0"/>
-              <a:t> 2.8.9.2” API </a:t>
-            </a:r>
-            <a:r>
-              <a:rPr lang="en-US" sz="1600" dirty="0" smtClean="0"/>
-              <a:t>(“C/C++“ </a:t>
-            </a:r>
-            <a:r>
-              <a:rPr lang="en-US" sz="1600" dirty="0"/>
-              <a:t>language</a:t>
-            </a:r>
-            <a:r>
-              <a:rPr lang="en-US" sz="1600" dirty="0" smtClean="0"/>
-              <a:t>)</a:t>
+              <a:t> 2.8.9.2” API (“C/C++“ language)</a:t>
             </a:r>
           </a:p>
           <a:p>
@@ -8203,20 +7628,8 @@
               </a:lnSpc>
             </a:pPr>
             <a:r>
-              <a:rPr lang="en-US" sz="1400" dirty="0" smtClean="0"/>
-              <a:t>Issue</a:t>
-            </a:r>
-            <a:r>
               <a:rPr lang="en-US" sz="1400" dirty="0"/>
-              <a:t> service requests to and receive responses from</a:t>
-            </a:r>
-            <a:r>
-              <a:rPr lang="en-US" sz="1400" dirty="0" smtClean="0"/>
-              <a:t> </a:t>
-            </a:r>
-            <a:r>
-              <a:rPr lang="en-US" sz="1400" dirty="0"/>
-              <a:t>“</a:t>
+              <a:t>Issue service requests to and receive responses from “</a:t>
             </a:r>
             <a:r>
               <a:rPr lang="en-US" sz="1400" dirty="0" err="1"/>
@@ -8224,11 +7637,7 @@
             </a:r>
             <a:r>
               <a:rPr lang="en-US" sz="1400" dirty="0"/>
-              <a:t>” Virtual </a:t>
-            </a:r>
-            <a:r>
-              <a:rPr lang="en-US" sz="1400" dirty="0" smtClean="0"/>
-              <a:t>Platform Interface API (“C/C++“ language)</a:t>
+              <a:t>” Virtual Platform Interface API (“C/C++“ language)</a:t>
             </a:r>
           </a:p>
           <a:p>
@@ -8239,27 +7648,7 @@
             </a:pPr>
             <a:r>
               <a:rPr lang="en-US" sz="1200" dirty="0"/>
-              <a:t>Issue service requests to and receive responses from </a:t>
-            </a:r>
-            <a:r>
-              <a:rPr lang="en-US" sz="1200" dirty="0" smtClean="0"/>
-              <a:t>Host Platform </a:t>
-            </a:r>
-            <a:r>
-              <a:rPr lang="en-US" sz="1200" dirty="0"/>
-              <a:t>Interface </a:t>
-            </a:r>
-            <a:r>
-              <a:rPr lang="en-US" sz="1200" dirty="0" smtClean="0"/>
-              <a:t>GUI API (“C/C++“ </a:t>
-            </a:r>
-            <a:r>
-              <a:rPr lang="en-US" sz="1200" dirty="0"/>
-              <a:t>language</a:t>
-            </a:r>
-            <a:r>
-              <a:rPr lang="en-US" sz="1200" dirty="0" smtClean="0"/>
-              <a:t>):</a:t>
+              <a:t>Issue service requests to and receive responses from Host Platform Interface GUI API (“C/C++“ language):</a:t>
             </a:r>
           </a:p>
           <a:p>
@@ -8269,7 +7658,7 @@
               </a:lnSpc>
             </a:pPr>
             <a:r>
-              <a:rPr lang="en-US" sz="1100" dirty="0" smtClean="0"/>
+              <a:rPr lang="en-US" sz="1100" dirty="0"/>
               <a:t>Linux Host OS GUI API</a:t>
             </a:r>
           </a:p>
@@ -8280,7 +7669,7 @@
               </a:lnSpc>
             </a:pPr>
             <a:r>
-              <a:rPr lang="en-US" sz="1100" dirty="0" smtClean="0"/>
+              <a:rPr lang="en-US" sz="1100" dirty="0"/>
               <a:t>Mac OS X Host GUI API</a:t>
             </a:r>
           </a:p>
@@ -8291,7 +7680,7 @@
               </a:lnSpc>
             </a:pPr>
             <a:r>
-              <a:rPr lang="en-US" sz="1100" dirty="0" smtClean="0"/>
+              <a:rPr lang="en-US" sz="1100" dirty="0"/>
               <a:t>Microsoft Windows Host GUI API</a:t>
             </a:r>
           </a:p>
@@ -8302,10 +7691,9 @@
               </a:lnSpc>
             </a:pPr>
             <a:r>
-              <a:rPr lang="en-US" sz="1100" dirty="0" smtClean="0"/>
+              <a:rPr lang="en-US" sz="1100" dirty="0"/>
               <a:t>Unix Host GUI API</a:t>
             </a:r>
-            <a:endParaRPr lang="en-US" sz="1100" dirty="0"/>
           </a:p>
           <a:p>
             <a:pPr lvl="2" eaLnBrk="1" hangingPunct="1">
@@ -8356,18 +7744,9 @@
               <a:buNone/>
             </a:pPr>
             <a:r>
-              <a:rPr lang="en-US" sz="1600" dirty="0" smtClean="0"/>
-              <a:t>“wxPython 2.8.9.2” </a:t>
-            </a:r>
-            <a:r>
               <a:rPr lang="en-US" sz="1600" dirty="0"/>
-              <a:t>API </a:t>
-            </a:r>
-            <a:r>
-              <a:rPr lang="en-US" sz="1600" dirty="0" smtClean="0"/>
-              <a:t>Character-Mode Emulation</a:t>
-            </a:r>
-            <a:endParaRPr lang="en-US" sz="1600" dirty="0"/>
+              <a:t>“wxPython 2.8.9.2” API Character-Mode Emulation</a:t>
+            </a:r>
           </a:p>
           <a:p>
             <a:pPr eaLnBrk="1" hangingPunct="1">
@@ -8377,21 +7756,8 @@
             </a:pPr>
             <a:r>
               <a:rPr lang="en-US" sz="1600" dirty="0"/>
-              <a:t>Issue service requests to and receive responses from </a:t>
-            </a:r>
-            <a:r>
-              <a:rPr lang="en-US" sz="1600" dirty="0" smtClean="0"/>
-              <a:t>“tsLibGUI” </a:t>
-            </a:r>
-            <a:r>
-              <a:rPr lang="en-US" sz="1600" dirty="0"/>
-              <a:t>“wxPython 2.8.9.2” API (Python </a:t>
-            </a:r>
-            <a:r>
-              <a:rPr lang="en-US" sz="1600" dirty="0" smtClean="0"/>
-              <a:t>language) </a:t>
-            </a:r>
-            <a:endParaRPr lang="en-US" sz="1600" dirty="0"/>
+              <a:t>Issue service requests to and receive responses from “tsLibGUI” “wxPython 2.8.9.2” API (Python language) </a:t>
+            </a:r>
           </a:p>
           <a:p>
             <a:pPr lvl="1" eaLnBrk="1" hangingPunct="1">
@@ -8400,28 +7766,8 @@
               </a:lnSpc>
             </a:pPr>
             <a:r>
-              <a:rPr lang="en-US" sz="1400" dirty="0" smtClean="0"/>
-              <a:t>Issue </a:t>
-            </a:r>
-            <a:r>
               <a:rPr lang="en-US" sz="1400" dirty="0"/>
-              <a:t>service requests to and receive responses from </a:t>
-            </a:r>
-            <a:r>
-              <a:rPr lang="en-US" sz="1400" dirty="0" smtClean="0"/>
-              <a:t>Python “Curses” </a:t>
-            </a:r>
-            <a:r>
-              <a:rPr lang="en-US" sz="1400" dirty="0"/>
-              <a:t>API </a:t>
-            </a:r>
-            <a:r>
-              <a:rPr lang="en-US" sz="1400" dirty="0" smtClean="0"/>
-              <a:t>(Python </a:t>
-            </a:r>
-            <a:r>
-              <a:rPr lang="en-US" sz="1400" dirty="0"/>
-              <a:t>language)</a:t>
+              <a:t>Issue service requests to and receive responses from Python “Curses” API (Python language)</a:t>
             </a:r>
           </a:p>
           <a:p>
@@ -8431,24 +7777,8 @@
               </a:lnSpc>
             </a:pPr>
             <a:r>
-              <a:rPr lang="en-US" sz="1200" dirty="0" smtClean="0"/>
-              <a:t>Issue </a:t>
-            </a:r>
-            <a:r>
               <a:rPr lang="en-US" sz="1200" dirty="0"/>
-              <a:t>service requests to and receive responses from </a:t>
-            </a:r>
-            <a:r>
-              <a:rPr lang="en-US" sz="1200" dirty="0" smtClean="0"/>
-              <a:t>Host “Curses” API </a:t>
-            </a:r>
-            <a:r>
-              <a:rPr lang="en-US" sz="1200" dirty="0"/>
-              <a:t>(“C/C++” language</a:t>
-            </a:r>
-            <a:r>
-              <a:rPr lang="en-US" sz="1200" dirty="0" smtClean="0"/>
-              <a:t>)</a:t>
+              <a:t>Issue service requests to and receive responses from Host “Curses” API (“C/C++” language)</a:t>
             </a:r>
             <a:endParaRPr lang="en-US" sz="1400" dirty="0"/>
           </a:p>
@@ -8493,11 +7823,7 @@
             </a:pPr>
             <a:r>
               <a:rPr lang="en-US" sz="1100" dirty="0"/>
-              <a:t>Unix Host GUI </a:t>
-            </a:r>
-            <a:r>
-              <a:rPr lang="en-US" sz="1100" dirty="0" smtClean="0"/>
-              <a:t>API</a:t>
+              <a:t>Unix Host GUI API</a:t>
             </a:r>
           </a:p>
           <a:p>
@@ -8508,15 +7834,7 @@
             </a:pPr>
             <a:r>
               <a:rPr lang="en-US" sz="1600" dirty="0"/>
-              <a:t>Issue service requests to and receive responses from internal, “tsLibGUI” Virtual Platform Interface API (Python language) </a:t>
-            </a:r>
-            <a:r>
-              <a:rPr lang="en-US" sz="1600" dirty="0" smtClean="0"/>
-              <a:t>associated </a:t>
-            </a:r>
-            <a:r>
-              <a:rPr lang="en-US" sz="1600" dirty="0"/>
-              <a:t>with:</a:t>
+              <a:t>Issue service requests to and receive responses from internal, “tsLibGUI” Virtual Platform Interface API (Python language) associated with:</a:t>
             </a:r>
           </a:p>
           <a:p>
@@ -8527,56 +7845,19 @@
             </a:pPr>
             <a:r>
               <a:rPr lang="en-US" sz="1400" dirty="0"/>
-              <a:t>Generation and mapping of </a:t>
-            </a:r>
-            <a:r>
-              <a:rPr lang="en-US" sz="1400" dirty="0" smtClean="0"/>
-              <a:t>“wxPython</a:t>
-            </a:r>
+              <a:t>Generation and mapping of “wxPython” 68-color and non-color palette into available terminal emulator color (8, 16 or 256) or non-color “curses” palette.</a:t>
+            </a:r>
+          </a:p>
+          <a:p>
+            <a:pPr lvl="1" eaLnBrk="1" hangingPunct="1">
+              <a:lnSpc>
+                <a:spcPct val="80000"/>
+              </a:lnSpc>
+            </a:pPr>
             <a:r>
               <a:rPr lang="en-US" sz="1400" dirty="0"/>
-              <a:t>” </a:t>
-            </a:r>
-            <a:r>
-              <a:rPr lang="en-US" sz="1400" dirty="0" smtClean="0"/>
-              <a:t>68-color </a:t>
-            </a:r>
-            <a:r>
-              <a:rPr lang="en-US" sz="1400" dirty="0"/>
-              <a:t>and non-color palette into available terminal emulator color </a:t>
-            </a:r>
-            <a:r>
-              <a:rPr lang="en-US" sz="1400" dirty="0" smtClean="0"/>
-              <a:t>(8, 16 or 256) </a:t>
-            </a:r>
-            <a:r>
-              <a:rPr lang="en-US" sz="1400" dirty="0"/>
-              <a:t>or non-color “curses” palette.</a:t>
-            </a:r>
-          </a:p>
-          <a:p>
-            <a:pPr lvl="1" eaLnBrk="1" hangingPunct="1">
-              <a:lnSpc>
-                <a:spcPct val="80000"/>
-              </a:lnSpc>
-            </a:pPr>
-            <a:r>
-              <a:rPr lang="en-US" sz="1400" dirty="0"/>
-              <a:t>Generation of “wxPython” event notification by </a:t>
-            </a:r>
-            <a:r>
-              <a:rPr lang="en-US" sz="1400" dirty="0" smtClean="0"/>
-              <a:t>using parent-child relationships to map “curses</a:t>
-            </a:r>
-            <a:r>
-              <a:rPr lang="en-US" sz="1400" dirty="0"/>
-              <a:t>” mouse clicks to the “wxPython” event triggering and event handling “wxPython” GUI objects</a:t>
-            </a:r>
-            <a:r>
-              <a:rPr lang="en-US" sz="1400" dirty="0" smtClean="0"/>
-              <a:t>.</a:t>
-            </a:r>
-            <a:endParaRPr lang="en-US" sz="1400" dirty="0"/>
+              <a:t>Generation of “wxPython” event notification by using parent-child relationships to map “curses” mouse clicks to the “wxPython” event triggering and event handling “wxPython” GUI objects.</a:t>
+            </a:r>
           </a:p>
         </p:txBody>
       </p:sp>
@@ -8599,9 +7880,9 @@
           <a:p>
             <a:fld id="{82CC87A2-1781-440A-9FCF-DC78272C75A5}" type="datetime1">
               <a:rPr lang="en-US" smtClean="0"/>
-              <a:t>12/4/2015</a:t>
+              <a:t>12/23/2016</a:t>
             </a:fld>
-            <a:endParaRPr lang="en-US" dirty="0" smtClean="0"/>
+            <a:endParaRPr lang="en-US" dirty="0"/>
           </a:p>
         </p:txBody>
       </p:sp>
@@ -8623,7 +7904,7 @@
           <a:lstStyle/>
           <a:p>
             <a:r>
-              <a:rPr lang="en-US" dirty="0" smtClean="0"/>
+              <a:rPr lang="en-US" dirty="0"/>
               <a:t>TeamSTARS "tsWxGTUI_PyVx" Toolkit prepared &amp; presented by Richard S. Gordon</a:t>
             </a:r>
           </a:p>
@@ -8666,13 +7947,6 @@
     <a:masterClrMapping/>
   </p:clrMapOvr>
   <p:transition/>
-  <p:timing>
-    <p:tnLst>
-      <p:par>
-        <p:cTn id="1" dur="indefinite" restart="never" nodeType="tmRoot"/>
-      </p:par>
-    </p:tnLst>
-  </p:timing>
 </p:sld>
 </file>
 
@@ -8711,17 +7985,13 @@
             <a:pPr eaLnBrk="1" hangingPunct="1"/>
             <a:r>
               <a:rPr lang="en-US" sz="2400" dirty="0"/>
-              <a:t>Virtual Platform </a:t>
-            </a:r>
-            <a:r>
-              <a:rPr lang="en-US" sz="2400" dirty="0" smtClean="0"/>
-              <a:t>Interface</a:t>
+              <a:t>Virtual Platform Interface</a:t>
             </a:r>
             <a:br>
-              <a:rPr lang="en-US" sz="2400" dirty="0" smtClean="0"/>
+              <a:rPr lang="en-US" sz="2400" dirty="0"/>
             </a:br>
             <a:r>
-              <a:rPr lang="en-US" sz="2400" dirty="0" smtClean="0"/>
+              <a:rPr lang="en-US" sz="2400" dirty="0"/>
               <a:t>“wxPython 2.8.9.2” API Building Blocks (</a:t>
             </a:r>
             <a:r>
@@ -8735,24 +8005,24 @@
               <a:t> full listing</a:t>
             </a:r>
             <a:r>
-              <a:rPr lang="en-US" sz="2400" dirty="0" smtClean="0"/>
+              <a:rPr lang="en-US" sz="2400" dirty="0"/>
               <a:t>) </a:t>
             </a:r>
             <a:r>
-              <a:rPr lang="en-US" sz="1600" dirty="0" smtClean="0"/>
+              <a:rPr lang="en-US" sz="1600" dirty="0"/>
               <a:t>(</a:t>
             </a:r>
             <a:r>
-              <a:rPr lang="en-US" sz="1600" dirty="0" smtClean="0">
+              <a:rPr lang="en-US" sz="1600" dirty="0">
                 <a:hlinkClick r:id="rId4" action="ppaction://hlinksldjump"/>
               </a:rPr>
               <a:t>Table of Contents</a:t>
             </a:r>
             <a:r>
-              <a:rPr lang="en-US" sz="1600" dirty="0" smtClean="0"/>
+              <a:rPr lang="en-US" sz="1600" dirty="0"/>
               <a:t>)</a:t>
             </a:r>
-            <a:endParaRPr lang="en-US" sz="2400" dirty="0" smtClean="0"/>
+            <a:endParaRPr lang="en-US" sz="2400" dirty="0"/>
           </a:p>
         </p:txBody>
       </p:sp>
@@ -8802,15 +8072,7 @@
             </a:pPr>
             <a:r>
               <a:rPr lang="en-US" sz="1600" dirty="0"/>
-              <a:t>Curses </a:t>
-            </a:r>
-            <a:r>
-              <a:rPr lang="en-US" sz="1600" dirty="0" smtClean="0"/>
-              <a:t>(wxPython 2.8.9.2) </a:t>
-            </a:r>
-            <a:r>
-              <a:rPr lang="en-US" sz="1600" dirty="0"/>
-              <a:t>Configuration</a:t>
+              <a:t>Curses (wxPython 2.8.9.2) Configuration</a:t>
             </a:r>
           </a:p>
           <a:p>
@@ -8831,7 +8093,7 @@
               </a:lnSpc>
             </a:pPr>
             <a:r>
-              <a:rPr lang="en-US" sz="1600" dirty="0" smtClean="0"/>
+              <a:rPr lang="en-US" sz="1600" dirty="0"/>
               <a:t>Curses Launcher</a:t>
             </a:r>
           </a:p>
@@ -8842,10 +8104,9 @@
               </a:lnSpc>
             </a:pPr>
             <a:r>
-              <a:rPr lang="en-US" sz="1200" dirty="0" smtClean="0"/>
+              <a:rPr lang="en-US" sz="1200" dirty="0"/>
               <a:t>tsWxMultiFrameEnv.py</a:t>
             </a:r>
-            <a:endParaRPr lang="en-US" sz="1200" dirty="0"/>
           </a:p>
           <a:p>
             <a:pPr eaLnBrk="1" hangingPunct="1">
@@ -8854,7 +8115,7 @@
               </a:lnSpc>
             </a:pPr>
             <a:r>
-              <a:rPr lang="en-US" sz="1600" dirty="0" smtClean="0"/>
+              <a:rPr lang="en-US" sz="1600" dirty="0"/>
               <a:t>Curses Supervisor</a:t>
             </a:r>
           </a:p>
@@ -8865,7 +8126,7 @@
               </a:lnSpc>
             </a:pPr>
             <a:r>
-              <a:rPr lang="en-US" sz="1200" dirty="0" smtClean="0"/>
+              <a:rPr lang="en-US" sz="1200" dirty="0"/>
               <a:t>tsWxGraphicalTextUserInterface.py</a:t>
             </a:r>
           </a:p>
@@ -8876,7 +8137,7 @@
               </a:lnSpc>
             </a:pPr>
             <a:r>
-              <a:rPr lang="en-US" sz="1200" dirty="0" smtClean="0"/>
+              <a:rPr lang="en-US" sz="1200" dirty="0"/>
               <a:t>tsWxScrollBarButton.py</a:t>
             </a:r>
           </a:p>
@@ -8887,10 +8148,9 @@
               </a:lnSpc>
             </a:pPr>
             <a:r>
-              <a:rPr lang="en-US" sz="1200" dirty="0" smtClean="0"/>
+              <a:rPr lang="en-US" sz="1200" dirty="0"/>
               <a:t>tsWxScrollBarGauge.py</a:t>
             </a:r>
-            <a:endParaRPr lang="en-US" sz="1200" dirty="0"/>
           </a:p>
           <a:p>
             <a:pPr lvl="1" eaLnBrk="1" hangingPunct="1">
@@ -8922,11 +8182,7 @@
             </a:pPr>
             <a:r>
               <a:rPr lang="en-US" sz="1600" dirty="0"/>
-              <a:t>Curses </a:t>
-            </a:r>
-            <a:r>
-              <a:rPr lang="en-US" sz="1600" dirty="0" smtClean="0"/>
-              <a:t>Event Handler</a:t>
+              <a:t>Curses Event Handler</a:t>
             </a:r>
           </a:p>
           <a:p>
@@ -8936,10 +8192,9 @@
               </a:lnSpc>
             </a:pPr>
             <a:r>
-              <a:rPr lang="en-US" sz="1200" dirty="0" smtClean="0"/>
+              <a:rPr lang="en-US" sz="1200" dirty="0"/>
               <a:t>tsWxEvtHandler.py</a:t>
             </a:r>
-            <a:endParaRPr lang="en-US" sz="1200" dirty="0"/>
           </a:p>
           <a:p>
             <a:pPr eaLnBrk="1" hangingPunct="1">
@@ -8948,14 +8203,9 @@
               </a:lnSpc>
             </a:pPr>
             <a:r>
-              <a:rPr lang="en-US" sz="1600" dirty="0" smtClean="0"/>
-              <a:t>Curses </a:t>
-            </a:r>
-            <a:r>
               <a:rPr lang="en-US" sz="1600" dirty="0"/>
-              <a:t>Utilities</a:t>
-            </a:r>
-            <a:endParaRPr lang="en-US" sz="1600" dirty="0" smtClean="0"/>
+              <a:t>Curses Utilities</a:t>
+            </a:r>
           </a:p>
           <a:p>
             <a:pPr lvl="1" eaLnBrk="1" hangingPunct="1">
@@ -8964,14 +8214,13 @@
               </a:lnSpc>
             </a:pPr>
             <a:r>
-              <a:rPr lang="en-US" sz="1200" dirty="0" err="1" smtClean="0"/>
+              <a:rPr lang="en-US" sz="1200" dirty="0" err="1"/>
               <a:t>tswxPython</a:t>
             </a:r>
             <a:r>
-              <a:rPr lang="en-US" sz="1200" dirty="0" smtClean="0"/>
+              <a:rPr lang="en-US" sz="1200" dirty="0"/>
               <a:t> 2.8.9.2PrivateLogger.py</a:t>
             </a:r>
-            <a:endParaRPr lang="en-US" sz="1200" dirty="0"/>
           </a:p>
           <a:p>
             <a:pPr lvl="1" eaLnBrk="1" hangingPunct="1">
@@ -8980,10 +8229,9 @@
               </a:lnSpc>
             </a:pPr>
             <a:r>
-              <a:rPr lang="en-US" sz="1200" dirty="0" smtClean="0"/>
+              <a:rPr lang="en-US" sz="1200" dirty="0"/>
               <a:t>tsWxCursesServices.py</a:t>
             </a:r>
-            <a:endParaRPr lang="en-US" sz="1200" dirty="0"/>
           </a:p>
           <a:p>
             <a:pPr lvl="1" eaLnBrk="1" hangingPunct="1">
@@ -8992,7 +8240,7 @@
               </a:lnSpc>
             </a:pPr>
             <a:r>
-              <a:rPr lang="en-US" sz="1200" dirty="0" smtClean="0"/>
+              <a:rPr lang="en-US" sz="1200" dirty="0"/>
               <a:t>tsWxWindowCurses.py</a:t>
             </a:r>
           </a:p>
@@ -9043,12 +8291,8 @@
               </a:lnSpc>
             </a:pPr>
             <a:r>
-              <a:rPr lang="en-US" sz="1600" dirty="0" smtClean="0"/>
-              <a:t>Curses </a:t>
-            </a:r>
-            <a:r>
               <a:rPr lang="en-US" sz="1600" dirty="0"/>
-              <a:t>Keyboard</a:t>
+              <a:t>Curses Keyboard</a:t>
             </a:r>
           </a:p>
           <a:p>
@@ -9091,12 +8335,8 @@
               </a:lnSpc>
             </a:pPr>
             <a:r>
-              <a:rPr lang="en-US" sz="1600" dirty="0" smtClean="0"/>
-              <a:t>Curses </a:t>
-            </a:r>
-            <a:r>
               <a:rPr lang="en-US" sz="1600" dirty="0"/>
-              <a:t>Display</a:t>
+              <a:t>Curses Display</a:t>
             </a:r>
           </a:p>
           <a:p>
@@ -9139,14 +8379,13 @@
               </a:lnSpc>
             </a:pPr>
             <a:r>
-              <a:rPr lang="en-US" sz="1200" dirty="0" err="1" smtClean="0"/>
+              <a:rPr lang="en-US" sz="1200" dirty="0" err="1"/>
               <a:t>tswxPython</a:t>
             </a:r>
             <a:r>
-              <a:rPr lang="en-US" sz="1200" dirty="0" smtClean="0"/>
+              <a:rPr lang="en-US" sz="1200" dirty="0"/>
               <a:t> 2.8.9.2 Color16DataBase.py</a:t>
             </a:r>
-            <a:endParaRPr lang="en-US" sz="1200" dirty="0"/>
           </a:p>
           <a:p>
             <a:pPr lvl="1" eaLnBrk="1" hangingPunct="1">
@@ -9155,14 +8394,13 @@
               </a:lnSpc>
             </a:pPr>
             <a:r>
-              <a:rPr lang="en-US" sz="1200" dirty="0" err="1" smtClean="0"/>
+              <a:rPr lang="en-US" sz="1200" dirty="0" err="1"/>
               <a:t>tswxPython</a:t>
             </a:r>
             <a:r>
-              <a:rPr lang="en-US" sz="1200" dirty="0" smtClean="0"/>
+              <a:rPr lang="en-US" sz="1200" dirty="0"/>
               <a:t> 2.8.9.2 Color16SubstitutionMap.py</a:t>
             </a:r>
-            <a:endParaRPr lang="en-US" sz="1200" dirty="0"/>
           </a:p>
           <a:p>
             <a:pPr lvl="1" eaLnBrk="1" hangingPunct="1">
@@ -9171,14 +8409,13 @@
               </a:lnSpc>
             </a:pPr>
             <a:r>
-              <a:rPr lang="en-US" sz="1200" dirty="0" err="1" smtClean="0"/>
+              <a:rPr lang="en-US" sz="1200" dirty="0" err="1"/>
               <a:t>tswxPython</a:t>
             </a:r>
             <a:r>
-              <a:rPr lang="en-US" sz="1200" dirty="0" smtClean="0"/>
+              <a:rPr lang="en-US" sz="1200" dirty="0"/>
               <a:t> 2.8.9.2 Color256DataBase.py</a:t>
             </a:r>
-            <a:endParaRPr lang="en-US" sz="1200" dirty="0"/>
           </a:p>
           <a:p>
             <a:pPr lvl="1" eaLnBrk="1" hangingPunct="1">
@@ -9187,14 +8424,13 @@
               </a:lnSpc>
             </a:pPr>
             <a:r>
-              <a:rPr lang="en-US" sz="1200" dirty="0" err="1" smtClean="0"/>
+              <a:rPr lang="en-US" sz="1200" dirty="0" err="1"/>
               <a:t>tswxPython</a:t>
             </a:r>
             <a:r>
-              <a:rPr lang="en-US" sz="1200" dirty="0" smtClean="0"/>
+              <a:rPr lang="en-US" sz="1200" dirty="0"/>
               <a:t> 2.8.9.2 Color88DataBase.py</a:t>
             </a:r>
-            <a:endParaRPr lang="en-US" sz="1200" dirty="0"/>
           </a:p>
           <a:p>
             <a:pPr lvl="1" eaLnBrk="1" hangingPunct="1">
@@ -9203,14 +8439,13 @@
               </a:lnSpc>
             </a:pPr>
             <a:r>
-              <a:rPr lang="en-US" sz="1200" dirty="0" err="1" smtClean="0"/>
+              <a:rPr lang="en-US" sz="1200" dirty="0" err="1"/>
               <a:t>tswxPython</a:t>
             </a:r>
             <a:r>
-              <a:rPr lang="en-US" sz="1200" dirty="0" smtClean="0"/>
+              <a:rPr lang="en-US" sz="1200" dirty="0"/>
               <a:t> 2.8.9.2 Color8DataBase.py</a:t>
             </a:r>
-            <a:endParaRPr lang="en-US" sz="1200" dirty="0"/>
           </a:p>
           <a:p>
             <a:pPr lvl="1" eaLnBrk="1" hangingPunct="1">
@@ -9219,14 +8454,13 @@
               </a:lnSpc>
             </a:pPr>
             <a:r>
-              <a:rPr lang="en-US" sz="1200" dirty="0" err="1" smtClean="0"/>
+              <a:rPr lang="en-US" sz="1200" dirty="0" err="1"/>
               <a:t>tswxPython</a:t>
             </a:r>
             <a:r>
-              <a:rPr lang="en-US" sz="1200" dirty="0" smtClean="0"/>
+              <a:rPr lang="en-US" sz="1200" dirty="0"/>
               <a:t> 2.8.9.2 Color8SubstitutionMap.py</a:t>
             </a:r>
-            <a:endParaRPr lang="en-US" sz="1200" dirty="0"/>
           </a:p>
           <a:p>
             <a:pPr lvl="1" eaLnBrk="1" hangingPunct="1">
@@ -9235,14 +8469,13 @@
               </a:lnSpc>
             </a:pPr>
             <a:r>
-              <a:rPr lang="en-US" sz="1200" dirty="0" err="1" smtClean="0"/>
+              <a:rPr lang="en-US" sz="1200" dirty="0" err="1"/>
               <a:t>tswxPython</a:t>
             </a:r>
             <a:r>
-              <a:rPr lang="en-US" sz="1200" dirty="0" smtClean="0"/>
+              <a:rPr lang="en-US" sz="1200" dirty="0"/>
               <a:t> 2.8.9.2 ColorDataBaseRGB.py</a:t>
             </a:r>
-            <a:endParaRPr lang="en-US" sz="1200" dirty="0"/>
           </a:p>
           <a:p>
             <a:pPr lvl="1" eaLnBrk="1" hangingPunct="1">
@@ -9251,14 +8484,13 @@
               </a:lnSpc>
             </a:pPr>
             <a:r>
-              <a:rPr lang="en-US" sz="1200" dirty="0" err="1" smtClean="0"/>
+              <a:rPr lang="en-US" sz="1200" dirty="0" err="1"/>
               <a:t>tswxPython</a:t>
             </a:r>
             <a:r>
-              <a:rPr lang="en-US" sz="1200" dirty="0" smtClean="0"/>
+              <a:rPr lang="en-US" sz="1200" dirty="0"/>
               <a:t> 2.8.9.2 ColorNames.py</a:t>
             </a:r>
-            <a:endParaRPr lang="en-US" sz="1200" dirty="0"/>
           </a:p>
           <a:p>
             <a:pPr lvl="1" eaLnBrk="1" hangingPunct="1">
@@ -9267,14 +8499,13 @@
               </a:lnSpc>
             </a:pPr>
             <a:r>
-              <a:rPr lang="en-US" sz="1200" dirty="0" err="1" smtClean="0"/>
+              <a:rPr lang="en-US" sz="1200" dirty="0" err="1"/>
               <a:t>tswxPython</a:t>
             </a:r>
             <a:r>
-              <a:rPr lang="en-US" sz="1200" dirty="0" smtClean="0"/>
+              <a:rPr lang="en-US" sz="1200" dirty="0"/>
               <a:t> 2.8.9.2 ColorRGBNames.py</a:t>
             </a:r>
-            <a:endParaRPr lang="en-US" sz="1200" dirty="0"/>
           </a:p>
           <a:p>
             <a:pPr lvl="1" eaLnBrk="1" hangingPunct="1">
@@ -9283,14 +8514,13 @@
               </a:lnSpc>
             </a:pPr>
             <a:r>
-              <a:rPr lang="en-US" sz="1200" dirty="0" err="1" smtClean="0"/>
+              <a:rPr lang="en-US" sz="1200" dirty="0" err="1"/>
               <a:t>tswxPython</a:t>
             </a:r>
             <a:r>
-              <a:rPr lang="en-US" sz="1200" dirty="0" smtClean="0"/>
+              <a:rPr lang="en-US" sz="1200" dirty="0"/>
               <a:t> 2.8.9.2 ColorRGBValues.py</a:t>
             </a:r>
-            <a:endParaRPr lang="en-US" sz="1200" dirty="0"/>
           </a:p>
           <a:p>
             <a:pPr lvl="1" eaLnBrk="1" hangingPunct="1">
@@ -9299,14 +8529,13 @@
               </a:lnSpc>
             </a:pPr>
             <a:r>
-              <a:rPr lang="en-US" sz="1200" dirty="0" err="1" smtClean="0"/>
+              <a:rPr lang="en-US" sz="1200" dirty="0" err="1"/>
               <a:t>tswxPython</a:t>
             </a:r>
             <a:r>
-              <a:rPr lang="en-US" sz="1200" dirty="0" smtClean="0"/>
+              <a:rPr lang="en-US" sz="1200" dirty="0"/>
               <a:t> 2.8.9.2 MonochromeDataBase.py</a:t>
             </a:r>
-            <a:endParaRPr lang="en-US" sz="1200" dirty="0"/>
           </a:p>
         </p:txBody>
       </p:sp>
@@ -9329,9 +8558,9 @@
           <a:p>
             <a:fld id="{82CC87A2-1781-440A-9FCF-DC78272C75A5}" type="datetime1">
               <a:rPr lang="en-US" smtClean="0"/>
-              <a:t>12/4/2015</a:t>
+              <a:t>12/23/2016</a:t>
             </a:fld>
-            <a:endParaRPr lang="en-US" smtClean="0"/>
+            <a:endParaRPr lang="en-US"/>
           </a:p>
         </p:txBody>
       </p:sp>
@@ -9353,7 +8582,7 @@
           <a:lstStyle/>
           <a:p>
             <a:r>
-              <a:rPr lang="en-US" dirty="0" smtClean="0"/>
+              <a:rPr lang="en-US" dirty="0"/>
               <a:t>TeamSTARS "tsWxGTUI_PyVx" Toolkit prepared &amp; presented by Richard S. Gordon</a:t>
             </a:r>
           </a:p>
@@ -9396,13 +8625,6 @@
     <a:masterClrMapping/>
   </p:clrMapOvr>
   <p:transition/>
-  <p:timing>
-    <p:tnLst>
-      <p:par>
-        <p:cTn id="1" dur="indefinite" restart="never" nodeType="tmRoot"/>
-      </p:par>
-    </p:tnLst>
-  </p:timing>
 </p:sld>
 </file>
 
@@ -9440,11 +8662,11 @@
           <a:p>
             <a:pPr lvl="1" eaLnBrk="1" hangingPunct="1"/>
             <a:r>
-              <a:rPr lang="en-US" dirty="0" smtClean="0"/>
+              <a:rPr lang="en-US" dirty="0"/>
               <a:t>"wxPython 2.8.9.2" API Character-Mode Emulation </a:t>
             </a:r>
             <a:r>
-              <a:rPr lang="en-US" sz="4000" dirty="0" smtClean="0"/>
+              <a:rPr lang="en-US" sz="4000" dirty="0"/>
               <a:t>(</a:t>
             </a:r>
             <a:r>
@@ -9458,16 +8680,12 @@
               <a:t> full listing</a:t>
             </a:r>
             <a:r>
-              <a:rPr lang="en-US" dirty="0" smtClean="0"/>
+              <a:rPr lang="en-US" dirty="0"/>
               <a:t>)</a:t>
             </a:r>
             <a:r>
-              <a:rPr lang="en-US" sz="2000" dirty="0" smtClean="0"/>
-              <a:t>  </a:t>
-            </a:r>
-            <a:r>
               <a:rPr lang="en-US" sz="2000" dirty="0"/>
-              <a:t>(</a:t>
+              <a:t>  (</a:t>
             </a:r>
             <a:r>
               <a:rPr lang="en-US" sz="2000" dirty="0">
@@ -9476,7 +8694,7 @@
               <a:t>Table of Contents</a:t>
             </a:r>
             <a:r>
-              <a:rPr lang="en-US" sz="2000" dirty="0" smtClean="0"/>
+              <a:rPr lang="en-US" sz="2000" dirty="0"/>
               <a:t>)</a:t>
             </a:r>
           </a:p>
@@ -9503,10 +8721,10 @@
               </a:lnSpc>
             </a:pPr>
             <a:r>
-              <a:rPr lang="en-US" sz="2000" b="1" dirty="0" err="1" smtClean="0"/>
+              <a:rPr lang="en-US" sz="2000" b="1" dirty="0" err="1"/>
               <a:t>tsWxFrame</a:t>
             </a:r>
-            <a:endParaRPr lang="en-US" sz="2000" b="1" dirty="0" smtClean="0"/>
+            <a:endParaRPr lang="en-US" sz="2000" b="1" dirty="0"/>
           </a:p>
           <a:p>
             <a:pPr lvl="1" eaLnBrk="1" hangingPunct="1">
@@ -9515,44 +8733,8 @@
               </a:lnSpc>
             </a:pPr>
             <a:r>
-              <a:rPr lang="en-US" sz="1600" dirty="0" smtClean="0"/>
-              <a:t>A window </a:t>
-            </a:r>
-            <a:r>
               <a:rPr lang="en-US" sz="1600" dirty="0"/>
-              <a:t>whose size and position can (usually) be changed </a:t>
-            </a:r>
-            <a:r>
-              <a:rPr lang="en-US" sz="1600" dirty="0" smtClean="0"/>
-              <a:t>by </a:t>
-            </a:r>
-            <a:r>
-              <a:rPr lang="en-US" sz="1600" dirty="0"/>
-              <a:t>the user. It usually has thick borders and a title bar, and </a:t>
-            </a:r>
-            <a:r>
-              <a:rPr lang="en-US" sz="1600" dirty="0" smtClean="0"/>
-              <a:t>can optionally </a:t>
-            </a:r>
-            <a:r>
-              <a:rPr lang="en-US" sz="1600" dirty="0"/>
-              <a:t>contain a menu bar, toolbar and status bar. A frame </a:t>
-            </a:r>
-            <a:r>
-              <a:rPr lang="en-US" sz="1600" dirty="0" smtClean="0"/>
-              <a:t>can contain </a:t>
-            </a:r>
-            <a:r>
-              <a:rPr lang="en-US" sz="1600" dirty="0"/>
-              <a:t>any window that is not a Frame or Dialog. It is one of the </a:t>
-            </a:r>
-            <a:r>
-              <a:rPr lang="en-US" sz="1600" dirty="0" smtClean="0"/>
-              <a:t>most fundamental </a:t>
-            </a:r>
-            <a:r>
-              <a:rPr lang="en-US" sz="1600" dirty="0"/>
-              <a:t>of the </a:t>
+              <a:t>A window whose size and position can (usually) be changed by the user. It usually has thick borders and a title bar, and can optionally contain a menu bar, toolbar and status bar. A frame can contain any window that is not a Frame or Dialog. It is one of the most fundamental of the </a:t>
             </a:r>
             <a:r>
               <a:rPr lang="en-US" sz="1600" dirty="0" err="1"/>
@@ -9570,28 +8752,16 @@
               </a:lnSpc>
             </a:pPr>
             <a:r>
-              <a:rPr lang="en-US" sz="1600" dirty="0" smtClean="0"/>
-              <a:t>A </a:t>
-            </a:r>
-            <a:r>
               <a:rPr lang="en-US" sz="1600" dirty="0"/>
-              <a:t>Frame that has a status bar and toolbar created via </a:t>
-            </a:r>
-            <a:r>
-              <a:rPr lang="en-US" sz="1600" dirty="0" smtClean="0"/>
-              <a:t>the </a:t>
-            </a:r>
-            <a:r>
-              <a:rPr lang="en-US" sz="1600" dirty="0" err="1" smtClean="0"/>
+              <a:t>A Frame that has a status bar and toolbar created via the </a:t>
+            </a:r>
+            <a:r>
+              <a:rPr lang="en-US" sz="1600" dirty="0" err="1"/>
               <a:t>CreateStatusBar</a:t>
             </a:r>
             <a:r>
-              <a:rPr lang="en-US" sz="1600" dirty="0" smtClean="0"/>
-              <a:t> </a:t>
-            </a:r>
-            <a:r>
               <a:rPr lang="en-US" sz="1600" dirty="0"/>
-              <a:t>/ </a:t>
+              <a:t> / </a:t>
             </a:r>
             <a:r>
               <a:rPr lang="en-US" sz="1600" dirty="0" err="1"/>
@@ -9599,15 +8769,7 @@
             </a:r>
             <a:r>
               <a:rPr lang="en-US" sz="1600" dirty="0"/>
-              <a:t> functions manages these windows, </a:t>
-            </a:r>
-            <a:r>
-              <a:rPr lang="en-US" sz="1600" dirty="0" smtClean="0"/>
-              <a:t>and adjusts </a:t>
-            </a:r>
-            <a:r>
-              <a:rPr lang="en-US" sz="1600" dirty="0"/>
-              <a:t>the value returned by </a:t>
+              <a:t> functions manages these windows, and adjusts the value returned by </a:t>
             </a:r>
             <a:r>
               <a:rPr lang="en-US" sz="1600" dirty="0" err="1"/>
@@ -9615,16 +8777,31 @@
             </a:r>
             <a:r>
               <a:rPr lang="en-US" sz="1600" dirty="0"/>
-              <a:t> to reflect the </a:t>
-            </a:r>
-            <a:r>
-              <a:rPr lang="en-US" sz="1600" dirty="0" smtClean="0"/>
-              <a:t>remaining </a:t>
-            </a:r>
+              <a:t> to reflect the remaining size available to application windows.</a:t>
+            </a:r>
+          </a:p>
+          <a:p>
+            <a:pPr lvl="1" eaLnBrk="1" hangingPunct="1">
+              <a:lnSpc>
+                <a:spcPct val="80000"/>
+              </a:lnSpc>
+            </a:pPr>
             <a:r>
               <a:rPr lang="en-US" sz="1600" dirty="0"/>
-              <a:t>size available to application windows.</a:t>
-            </a:r>
+              <a:t>By itself, a Frame is not too useful, but with the addition of Panels and other child objects, it user interfaces are constructed.</a:t>
+            </a:r>
+          </a:p>
+          <a:p>
+            <a:pPr eaLnBrk="1" hangingPunct="1">
+              <a:lnSpc>
+                <a:spcPct val="80000"/>
+              </a:lnSpc>
+            </a:pPr>
+            <a:r>
+              <a:rPr lang="en-US" sz="2000" b="1" dirty="0" err="1"/>
+              <a:t>tsWxDialog</a:t>
+            </a:r>
+            <a:endParaRPr lang="en-US" sz="2000" b="1" dirty="0"/>
           </a:p>
           <a:p>
             <a:pPr lvl="1" eaLnBrk="1" hangingPunct="1">
@@ -9633,151 +8810,30 @@
               </a:lnSpc>
             </a:pPr>
             <a:r>
-              <a:rPr lang="en-US" sz="1600" dirty="0" smtClean="0"/>
-              <a:t>By </a:t>
-            </a:r>
-            <a:r>
               <a:rPr lang="en-US" sz="1600" dirty="0"/>
-              <a:t>itself, a Frame is not too useful, but with the addition of </a:t>
-            </a:r>
-            <a:r>
-              <a:rPr lang="en-US" sz="1600" dirty="0" smtClean="0"/>
-              <a:t>Panels and </a:t>
-            </a:r>
+              <a:t>A window with a title bar and sometimes a system menu, which can be moved around the screen. It can contain controls and other windows and is often used to allow the user to make some choice or to answer a question.</a:t>
+            </a:r>
+          </a:p>
+          <a:p>
+            <a:pPr lvl="1" eaLnBrk="1" hangingPunct="1">
+              <a:lnSpc>
+                <a:spcPct val="80000"/>
+              </a:lnSpc>
+            </a:pPr>
             <a:r>
               <a:rPr lang="en-US" sz="1600" dirty="0"/>
-              <a:t>other child objects, it </a:t>
-            </a:r>
-            <a:r>
-              <a:rPr lang="en-US" sz="1600" dirty="0" smtClean="0"/>
-              <a:t>user </a:t>
-            </a:r>
+              <a:t>Dialogs can be made scrollable, automatically, for computers with low resolution screens.</a:t>
+            </a:r>
+          </a:p>
+          <a:p>
+            <a:pPr lvl="1" eaLnBrk="1" hangingPunct="1">
+              <a:lnSpc>
+                <a:spcPct val="80000"/>
+              </a:lnSpc>
+            </a:pPr>
             <a:r>
               <a:rPr lang="en-US" sz="1600" dirty="0"/>
-              <a:t>interfaces are constructed.</a:t>
-            </a:r>
-            <a:endParaRPr lang="en-US" sz="1600" dirty="0" smtClean="0"/>
-          </a:p>
-          <a:p>
-            <a:pPr eaLnBrk="1" hangingPunct="1">
-              <a:lnSpc>
-                <a:spcPct val="80000"/>
-              </a:lnSpc>
-            </a:pPr>
-            <a:r>
-              <a:rPr lang="en-US" sz="2000" b="1" dirty="0" err="1" smtClean="0"/>
-              <a:t>tsWxDialog</a:t>
-            </a:r>
-            <a:endParaRPr lang="en-US" sz="2000" b="1" dirty="0" smtClean="0"/>
-          </a:p>
-          <a:p>
-            <a:pPr lvl="1" eaLnBrk="1" hangingPunct="1">
-              <a:lnSpc>
-                <a:spcPct val="80000"/>
-              </a:lnSpc>
-            </a:pPr>
-            <a:r>
-              <a:rPr lang="en-US" sz="1600" dirty="0" smtClean="0"/>
-              <a:t>A </a:t>
-            </a:r>
-            <a:r>
-              <a:rPr lang="en-US" sz="1600" dirty="0"/>
-              <a:t>window with a title bar </a:t>
-            </a:r>
-            <a:r>
-              <a:rPr lang="en-US" sz="1600" dirty="0" smtClean="0"/>
-              <a:t>and sometimes </a:t>
-            </a:r>
-            <a:r>
-              <a:rPr lang="en-US" sz="1600" dirty="0"/>
-              <a:t>a system menu, which can be moved around the screen</a:t>
-            </a:r>
-            <a:r>
-              <a:rPr lang="en-US" sz="1600" dirty="0" smtClean="0"/>
-              <a:t>. It </a:t>
-            </a:r>
-            <a:r>
-              <a:rPr lang="en-US" sz="1600" dirty="0"/>
-              <a:t>can contain controls and other windows and is often </a:t>
-            </a:r>
-            <a:r>
-              <a:rPr lang="en-US" sz="1600" dirty="0" smtClean="0"/>
-              <a:t>used to </a:t>
-            </a:r>
-            <a:r>
-              <a:rPr lang="en-US" sz="1600" dirty="0"/>
-              <a:t>allow the user to make some choice or to answer a question.</a:t>
-            </a:r>
-          </a:p>
-          <a:p>
-            <a:pPr lvl="1" eaLnBrk="1" hangingPunct="1">
-              <a:lnSpc>
-                <a:spcPct val="80000"/>
-              </a:lnSpc>
-            </a:pPr>
-            <a:r>
-              <a:rPr lang="en-US" sz="1600" dirty="0" smtClean="0"/>
-              <a:t>Dialogs </a:t>
-            </a:r>
-            <a:r>
-              <a:rPr lang="en-US" sz="1600" dirty="0"/>
-              <a:t>can be made scrollable, automatically, for </a:t>
-            </a:r>
-            <a:r>
-              <a:rPr lang="en-US" sz="1600" dirty="0" smtClean="0"/>
-              <a:t>computers with </a:t>
-            </a:r>
-            <a:r>
-              <a:rPr lang="en-US" sz="1600" dirty="0"/>
-              <a:t>low resolution </a:t>
-            </a:r>
-            <a:r>
-              <a:rPr lang="en-US" sz="1600" dirty="0" smtClean="0"/>
-              <a:t>screens.</a:t>
-            </a:r>
-            <a:endParaRPr lang="en-US" sz="1600" dirty="0"/>
-          </a:p>
-          <a:p>
-            <a:pPr lvl="1" eaLnBrk="1" hangingPunct="1">
-              <a:lnSpc>
-                <a:spcPct val="80000"/>
-              </a:lnSpc>
-            </a:pPr>
-            <a:r>
-              <a:rPr lang="en-US" sz="1600" dirty="0" smtClean="0"/>
-              <a:t>Dialogs </a:t>
-            </a:r>
-            <a:r>
-              <a:rPr lang="en-US" sz="1600" dirty="0"/>
-              <a:t>usually contains either a single button allowing </a:t>
-            </a:r>
-            <a:r>
-              <a:rPr lang="en-US" sz="1600" dirty="0" smtClean="0"/>
-              <a:t>to close </a:t>
-            </a:r>
-            <a:r>
-              <a:rPr lang="en-US" sz="1600" dirty="0"/>
-              <a:t>the dialog or two buttons, one accepting the changes </a:t>
-            </a:r>
-            <a:r>
-              <a:rPr lang="en-US" sz="1600" dirty="0" smtClean="0"/>
-              <a:t>and the </a:t>
-            </a:r>
-            <a:r>
-              <a:rPr lang="en-US" sz="1600" dirty="0"/>
-              <a:t>other one discarding them (such button, if present, </a:t>
-            </a:r>
-            <a:r>
-              <a:rPr lang="en-US" sz="1600" dirty="0" smtClean="0"/>
-              <a:t>is automatically </a:t>
-            </a:r>
-            <a:r>
-              <a:rPr lang="en-US" sz="1600" dirty="0"/>
-              <a:t>activated if the user presses the "Esc" key</a:t>
-            </a:r>
-            <a:r>
-              <a:rPr lang="en-US" sz="1600" dirty="0" smtClean="0"/>
-              <a:t>).</a:t>
+              <a:t>Dialogs usually contains either a single button allowing to close the dialog or two buttons, one accepting the changes and the other one discarding them (such button, if present, is automatically activated if the user presses the "Esc" key).</a:t>
             </a:r>
           </a:p>
         </p:txBody>
@@ -9801,9 +8857,9 @@
           <a:p>
             <a:fld id="{82CC87A2-1781-440A-9FCF-DC78272C75A5}" type="datetime1">
               <a:rPr lang="en-US" smtClean="0"/>
-              <a:t>12/4/2015</a:t>
+              <a:t>12/23/2016</a:t>
             </a:fld>
-            <a:endParaRPr lang="en-US" smtClean="0"/>
+            <a:endParaRPr lang="en-US"/>
           </a:p>
         </p:txBody>
       </p:sp>
@@ -9825,7 +8881,7 @@
           <a:lstStyle/>
           <a:p>
             <a:r>
-              <a:rPr lang="en-US" dirty="0" smtClean="0"/>
+              <a:rPr lang="en-US" dirty="0"/>
               <a:t>TeamSTARS "tsWxGTUI_PyVx" Toolkit prepared &amp; presented by Richard S. Gordon</a:t>
             </a:r>
           </a:p>
@@ -9868,13 +8924,6 @@
     <a:masterClrMapping/>
   </p:clrMapOvr>
   <p:transition/>
-  <p:timing>
-    <p:tnLst>
-      <p:par>
-        <p:cTn id="1" dur="indefinite" restart="never" nodeType="tmRoot"/>
-      </p:par>
-    </p:tnLst>
-  </p:timing>
 </p:sld>
 </file>
 
@@ -9912,15 +8961,11 @@
           <a:p>
             <a:pPr eaLnBrk="1" hangingPunct="1"/>
             <a:r>
-              <a:rPr lang="en-US" dirty="0" smtClean="0"/>
-              <a:t>"wxPython 2.8.9.2" </a:t>
-            </a:r>
-            <a:r>
               <a:rPr lang="en-US" dirty="0"/>
-              <a:t>API Character-Mode Emulation </a:t>
-            </a:r>
-            <a:r>
-              <a:rPr lang="en-US" sz="4000" dirty="0" smtClean="0"/>
+              <a:t>"wxPython 2.8.9.2" API Character-Mode Emulation </a:t>
+            </a:r>
+            <a:r>
+              <a:rPr lang="en-US" sz="4000" dirty="0"/>
               <a:t>(</a:t>
             </a:r>
             <a:r>
@@ -9934,7 +8979,7 @@
               <a:t> full listing</a:t>
             </a:r>
             <a:r>
-              <a:rPr lang="en-US" sz="4000" dirty="0" smtClean="0"/>
+              <a:rPr lang="en-US" sz="4000" dirty="0"/>
               <a:t>)  </a:t>
             </a:r>
             <a:r>
@@ -9951,7 +8996,6 @@
               <a:rPr lang="en-US" sz="2000" dirty="0"/>
               <a:t>)</a:t>
             </a:r>
-            <a:endParaRPr lang="en-US" sz="2000" dirty="0" smtClean="0"/>
           </a:p>
         </p:txBody>
       </p:sp>
@@ -9976,10 +9020,10 @@
               </a:lnSpc>
             </a:pPr>
             <a:r>
-              <a:rPr lang="en-US" sz="2000" b="1" dirty="0" err="1" smtClean="0"/>
+              <a:rPr lang="en-US" sz="2000" b="1" dirty="0" err="1"/>
               <a:t>tsWxPanel</a:t>
             </a:r>
-            <a:endParaRPr lang="en-US" sz="2000" b="1" dirty="0" smtClean="0"/>
+            <a:endParaRPr lang="en-US" sz="2000" b="1" dirty="0"/>
           </a:p>
           <a:p>
             <a:pPr lvl="1" eaLnBrk="1" hangingPunct="1">
@@ -9989,15 +9033,7 @@
             </a:pPr>
             <a:r>
               <a:rPr lang="en-US" sz="1600" dirty="0"/>
-              <a:t>A window </a:t>
-            </a:r>
-            <a:r>
-              <a:rPr lang="en-US" sz="1600" dirty="0" smtClean="0"/>
-              <a:t>on which </a:t>
-            </a:r>
-            <a:r>
-              <a:rPr lang="en-US" sz="1600" dirty="0"/>
-              <a:t>controls are placed. It is usually placed within a frame.</a:t>
+              <a:t>A window on which controls are placed. It is usually placed within a frame.</a:t>
             </a:r>
           </a:p>
           <a:p>
@@ -10016,29 +9052,31 @@
             </a:r>
             <a:r>
               <a:rPr lang="en-US" sz="1600" dirty="0"/>
-              <a:t> is code </a:t>
-            </a:r>
-            <a:r>
-              <a:rPr lang="en-US" sz="1600" dirty="0" smtClean="0"/>
-              <a:t>for handling </a:t>
-            </a:r>
+              <a:t> is code for handling child windows and TAB traversal.</a:t>
+            </a:r>
+          </a:p>
+          <a:p>
+            <a:pPr eaLnBrk="1" hangingPunct="1">
+              <a:lnSpc>
+                <a:spcPct val="80000"/>
+              </a:lnSpc>
+            </a:pPr>
+            <a:r>
+              <a:rPr lang="en-US" sz="2000" b="1" dirty="0" err="1"/>
+              <a:t>tsWxStatusBar</a:t>
+            </a:r>
+            <a:endParaRPr lang="en-US" sz="2000" b="1" dirty="0"/>
+          </a:p>
+          <a:p>
+            <a:pPr lvl="1" eaLnBrk="1" hangingPunct="1">
+              <a:lnSpc>
+                <a:spcPct val="80000"/>
+              </a:lnSpc>
+            </a:pPr>
             <a:r>
               <a:rPr lang="en-US" sz="1600" dirty="0"/>
-              <a:t>child windows and TAB traversal.</a:t>
-            </a:r>
-            <a:endParaRPr lang="en-US" sz="1600" dirty="0" smtClean="0"/>
-          </a:p>
-          <a:p>
-            <a:pPr eaLnBrk="1" hangingPunct="1">
-              <a:lnSpc>
-                <a:spcPct val="80000"/>
-              </a:lnSpc>
-            </a:pPr>
-            <a:r>
-              <a:rPr lang="en-US" sz="2000" b="1" dirty="0" err="1" smtClean="0"/>
-              <a:t>tsWxStatusBar</a:t>
-            </a:r>
-            <a:endParaRPr lang="en-US" sz="2000" b="1" dirty="0" smtClean="0"/>
+              <a:t>A narrow window that can be placed along the bottom of a frame to give small amounts of status information. </a:t>
+            </a:r>
           </a:p>
           <a:p>
             <a:pPr lvl="1" eaLnBrk="1" hangingPunct="1">
@@ -10047,22 +9085,9 @@
               </a:lnSpc>
             </a:pPr>
             <a:r>
-              <a:rPr lang="en-US" sz="1600" dirty="0" smtClean="0"/>
-              <a:t>A narrow window </a:t>
-            </a:r>
-            <a:r>
               <a:rPr lang="en-US" sz="1600" dirty="0"/>
-              <a:t>that can be placed along the bottom of a frame to </a:t>
-            </a:r>
-            <a:r>
-              <a:rPr lang="en-US" sz="1600" dirty="0" smtClean="0"/>
-              <a:t>give small </a:t>
-            </a:r>
-            <a:r>
-              <a:rPr lang="en-US" sz="1600" dirty="0"/>
-              <a:t>amounts of status information. </a:t>
-            </a:r>
-            <a:endParaRPr lang="en-US" sz="1600" dirty="0" smtClean="0"/>
+              <a:t>It can contain one or more fields, one or more of which can be variable length according to the size of the window.</a:t>
+            </a:r>
           </a:p>
           <a:p>
             <a:pPr lvl="1" eaLnBrk="1" hangingPunct="1">
@@ -10070,38 +9095,7 @@
                 <a:spcPct val="80000"/>
               </a:lnSpc>
             </a:pPr>
-            <a:r>
-              <a:rPr lang="en-US" sz="1600" dirty="0" smtClean="0"/>
-              <a:t>It </a:t>
-            </a:r>
-            <a:r>
-              <a:rPr lang="en-US" sz="1600" dirty="0"/>
-              <a:t>can contain one </a:t>
-            </a:r>
-            <a:r>
-              <a:rPr lang="en-US" sz="1600" dirty="0" smtClean="0"/>
-              <a:t>or more </a:t>
-            </a:r>
-            <a:r>
-              <a:rPr lang="en-US" sz="1600" dirty="0"/>
-              <a:t>fields, one or more of which can be variable </a:t>
-            </a:r>
-            <a:r>
-              <a:rPr lang="en-US" sz="1600" dirty="0" smtClean="0"/>
-              <a:t>length according </a:t>
-            </a:r>
-            <a:r>
-              <a:rPr lang="en-US" sz="1600" dirty="0"/>
-              <a:t>to the size of the window.</a:t>
-            </a:r>
-          </a:p>
-          <a:p>
-            <a:pPr lvl="1" eaLnBrk="1" hangingPunct="1">
-              <a:lnSpc>
-                <a:spcPct val="80000"/>
-              </a:lnSpc>
-            </a:pPr>
-            <a:endParaRPr lang="en-US" sz="1600" dirty="0" smtClean="0"/>
+            <a:endParaRPr lang="en-US" sz="1600" dirty="0"/>
           </a:p>
         </p:txBody>
       </p:sp>
@@ -10124,9 +9118,9 @@
           <a:p>
             <a:fld id="{82CC87A2-1781-440A-9FCF-DC78272C75A5}" type="datetime1">
               <a:rPr lang="en-US" smtClean="0"/>
-              <a:t>12/4/2015</a:t>
+              <a:t>12/23/2016</a:t>
             </a:fld>
-            <a:endParaRPr lang="en-US" smtClean="0"/>
+            <a:endParaRPr lang="en-US"/>
           </a:p>
         </p:txBody>
       </p:sp>
@@ -10148,7 +9142,7 @@
           <a:lstStyle/>
           <a:p>
             <a:r>
-              <a:rPr lang="en-US" dirty="0" smtClean="0"/>
+              <a:rPr lang="en-US" dirty="0"/>
               <a:t>TeamSTARS "tsWxGTUI_PyVx" Toolkit prepared &amp; presented by Richard S. Gordon</a:t>
             </a:r>
           </a:p>
@@ -10191,13 +9185,6 @@
     <a:masterClrMapping/>
   </p:clrMapOvr>
   <p:transition/>
-  <p:timing>
-    <p:tnLst>
-      <p:par>
-        <p:cTn id="1" dur="indefinite" restart="never" nodeType="tmRoot"/>
-      </p:par>
-    </p:tnLst>
-  </p:timing>
 </p:sld>
 </file>
 
@@ -10235,15 +9222,11 @@
           <a:p>
             <a:pPr eaLnBrk="1" hangingPunct="1"/>
             <a:r>
-              <a:rPr lang="en-US" dirty="0" smtClean="0"/>
-              <a:t>"wxPython 2.8.9.2" </a:t>
-            </a:r>
-            <a:r>
               <a:rPr lang="en-US" dirty="0"/>
-              <a:t>API Character-Mode Emulation </a:t>
-            </a:r>
-            <a:r>
-              <a:rPr lang="en-US" sz="4000" dirty="0" smtClean="0"/>
+              <a:t>"wxPython 2.8.9.2" API Character-Mode Emulation </a:t>
+            </a:r>
+            <a:r>
+              <a:rPr lang="en-US" sz="4000" dirty="0"/>
               <a:t>(</a:t>
             </a:r>
             <a:r>
@@ -10257,7 +9240,7 @@
               <a:t> full listing</a:t>
             </a:r>
             <a:r>
-              <a:rPr lang="en-US" sz="4000" dirty="0" smtClean="0"/>
+              <a:rPr lang="en-US" sz="4000" dirty="0"/>
               <a:t>)  </a:t>
             </a:r>
             <a:r>
@@ -10274,7 +9257,6 @@
               <a:rPr lang="en-US" sz="2000" dirty="0"/>
               <a:t>)</a:t>
             </a:r>
-            <a:endParaRPr lang="en-US" sz="2000" dirty="0" smtClean="0"/>
           </a:p>
         </p:txBody>
       </p:sp>
@@ -10299,10 +9281,10 @@
               </a:lnSpc>
             </a:pPr>
             <a:r>
-              <a:rPr lang="en-US" sz="1400" b="1" dirty="0" err="1" smtClean="0"/>
+              <a:rPr lang="en-US" sz="1400" b="1" dirty="0" err="1"/>
               <a:t>wxWxButton</a:t>
             </a:r>
-            <a:endParaRPr lang="en-US" sz="1400" b="1" dirty="0" smtClean="0"/>
+            <a:endParaRPr lang="en-US" sz="1400" b="1" dirty="0"/>
           </a:p>
           <a:p>
             <a:pPr lvl="1" eaLnBrk="1" hangingPunct="1">
@@ -10311,111 +9293,31 @@
               </a:lnSpc>
             </a:pPr>
             <a:r>
-              <a:rPr lang="en-US" sz="1400" dirty="0" smtClean="0"/>
-              <a:t>A control that </a:t>
-            </a:r>
-            <a:r>
               <a:rPr lang="en-US" sz="1400" dirty="0"/>
-              <a:t>contains a text string. It is one of the most common </a:t>
-            </a:r>
-            <a:r>
-              <a:rPr lang="en-US" sz="1400" dirty="0" smtClean="0"/>
-              <a:t>elements of </a:t>
-            </a:r>
+              <a:t>A control that contains a text string. It is one of the most common elements of a GUI. It may be placed on a dialog box or panel, or indeed almost any other window.</a:t>
+            </a:r>
+          </a:p>
+          <a:p>
+            <a:pPr eaLnBrk="1" hangingPunct="1">
+              <a:lnSpc>
+                <a:spcPct val="80000"/>
+              </a:lnSpc>
+            </a:pPr>
+            <a:r>
+              <a:rPr lang="en-US" sz="1400" b="1" dirty="0" err="1"/>
+              <a:t>tsWxCheckbox</a:t>
+            </a:r>
+            <a:endParaRPr lang="en-US" sz="1400" b="1" dirty="0"/>
+          </a:p>
+          <a:p>
+            <a:pPr lvl="1" eaLnBrk="1" hangingPunct="1">
+              <a:lnSpc>
+                <a:spcPct val="80000"/>
+              </a:lnSpc>
+            </a:pPr>
             <a:r>
               <a:rPr lang="en-US" sz="1400" dirty="0"/>
-              <a:t>a </a:t>
-            </a:r>
-            <a:r>
-              <a:rPr lang="en-US" sz="1400" dirty="0" smtClean="0"/>
-              <a:t>GUI. It </a:t>
-            </a:r>
-            <a:r>
-              <a:rPr lang="en-US" sz="1400" dirty="0"/>
-              <a:t>may be placed on a dialog box or panel, or </a:t>
-            </a:r>
-            <a:r>
-              <a:rPr lang="en-US" sz="1400" dirty="0" smtClean="0"/>
-              <a:t>indeed almost </a:t>
-            </a:r>
-            <a:r>
-              <a:rPr lang="en-US" sz="1400" dirty="0"/>
-              <a:t>any other window</a:t>
-            </a:r>
-            <a:r>
-              <a:rPr lang="en-US" sz="1400" dirty="0" smtClean="0"/>
-              <a:t>.</a:t>
-            </a:r>
-          </a:p>
-          <a:p>
-            <a:pPr eaLnBrk="1" hangingPunct="1">
-              <a:lnSpc>
-                <a:spcPct val="80000"/>
-              </a:lnSpc>
-            </a:pPr>
-            <a:r>
-              <a:rPr lang="en-US" sz="1400" b="1" dirty="0" err="1" smtClean="0"/>
-              <a:t>tsWxCheckbox</a:t>
-            </a:r>
-            <a:endParaRPr lang="en-US" sz="1400" b="1" dirty="0" smtClean="0"/>
-          </a:p>
-          <a:p>
-            <a:pPr lvl="1" eaLnBrk="1" hangingPunct="1">
-              <a:lnSpc>
-                <a:spcPct val="80000"/>
-              </a:lnSpc>
-            </a:pPr>
-            <a:r>
-              <a:rPr lang="en-US" sz="1400" dirty="0" smtClean="0"/>
-              <a:t>A labelled </a:t>
-            </a:r>
-            <a:r>
-              <a:rPr lang="en-US" sz="1400" dirty="0"/>
-              <a:t>box that by default is either on (the </a:t>
-            </a:r>
-            <a:r>
-              <a:rPr lang="en-US" sz="1400" dirty="0" smtClean="0"/>
-              <a:t>checkmark is </a:t>
-            </a:r>
-            <a:r>
-              <a:rPr lang="en-US" sz="1400" dirty="0"/>
-              <a:t>visible) or off (no checkmark). </a:t>
-            </a:r>
-            <a:r>
-              <a:rPr lang="en-US" sz="1400" dirty="0" smtClean="0"/>
-              <a:t> Optionally </a:t>
-            </a:r>
-            <a:r>
-              <a:rPr lang="en-US" sz="1400" dirty="0"/>
-              <a:t>(When </a:t>
-            </a:r>
-            <a:r>
-              <a:rPr lang="en-US" sz="1400" dirty="0" smtClean="0"/>
-              <a:t>the wx.CHK_3STATE </a:t>
-            </a:r>
-            <a:r>
-              <a:rPr lang="en-US" sz="1400" dirty="0"/>
-              <a:t>style flag is set) it can have a third state</a:t>
-            </a:r>
-            <a:r>
-              <a:rPr lang="en-US" sz="1400" dirty="0" smtClean="0"/>
-              <a:t>, called </a:t>
-            </a:r>
-            <a:r>
-              <a:rPr lang="en-US" sz="1400" dirty="0"/>
-              <a:t>the mixed or undetermined state. Often this is </a:t>
-            </a:r>
-            <a:r>
-              <a:rPr lang="en-US" sz="1400" dirty="0" smtClean="0"/>
-              <a:t>used as </a:t>
-            </a:r>
-            <a:r>
-              <a:rPr lang="en-US" sz="1400" dirty="0"/>
-              <a:t>a "Does Not Apply" state</a:t>
-            </a:r>
-            <a:r>
-              <a:rPr lang="en-US" sz="1400" dirty="0" smtClean="0"/>
-              <a:t>.</a:t>
+              <a:t>A labelled box that by default is either on (the checkmark is visible) or off (no checkmark).  Optionally (When the wx.CHK_3STATE style flag is set) it can have a third state, called the mixed or undetermined state. Often this is used as a "Does Not Apply" state.</a:t>
             </a:r>
           </a:p>
           <a:p>
@@ -10438,26 +9340,22 @@
             </a:pPr>
             <a:r>
               <a:rPr lang="en-US" sz="1400" dirty="0"/>
-              <a:t>A labelled box which by default is either on (the checkmark is visible) or off (no checkmark</a:t>
-            </a:r>
-            <a:r>
-              <a:rPr lang="en-US" sz="1400" dirty="0" smtClean="0"/>
-              <a:t>). When the operator turns one </a:t>
-            </a:r>
-            <a:r>
-              <a:rPr lang="en-US" sz="1400" dirty="0" err="1" smtClean="0"/>
+              <a:t>A labelled box which by default is either on (the checkmark is visible) or off (no checkmark). When the operator turns one </a:t>
+            </a:r>
+            <a:r>
+              <a:rPr lang="en-US" sz="1400" dirty="0" err="1"/>
               <a:t>RadioButton</a:t>
             </a:r>
             <a:r>
-              <a:rPr lang="en-US" sz="1400" dirty="0" smtClean="0"/>
+              <a:rPr lang="en-US" sz="1400" dirty="0"/>
               <a:t> on, all other Radio Buttons within the same </a:t>
             </a:r>
             <a:r>
-              <a:rPr lang="en-US" sz="1400" dirty="0" err="1" smtClean="0"/>
+              <a:rPr lang="en-US" sz="1400" dirty="0" err="1"/>
               <a:t>RadioBox</a:t>
             </a:r>
             <a:r>
-              <a:rPr lang="en-US" sz="1400" dirty="0" smtClean="0"/>
+              <a:rPr lang="en-US" sz="1400" dirty="0"/>
               <a:t> group are automatically turned off.  </a:t>
             </a:r>
           </a:p>
@@ -10481,11 +9379,7 @@
             </a:pPr>
             <a:r>
               <a:rPr lang="en-US" sz="1400" dirty="0"/>
-              <a:t>Aa series of menus accessible from the top of a frame</a:t>
-            </a:r>
-            <a:r>
-              <a:rPr lang="en-US" sz="1400" dirty="0" smtClean="0"/>
-              <a:t>.</a:t>
+              <a:t>Aa series of menus accessible from the top of a frame.</a:t>
             </a:r>
           </a:p>
         </p:txBody>
@@ -10511,7 +9405,7 @@
               </a:lnSpc>
             </a:pPr>
             <a:r>
-              <a:rPr lang="en-US" sz="1400" b="1" dirty="0" err="1" smtClean="0"/>
+              <a:rPr lang="en-US" sz="1400" b="1" dirty="0" err="1"/>
               <a:t>tsWxGauge</a:t>
             </a:r>
             <a:endParaRPr lang="en-US" sz="1400" b="1" dirty="0"/>
@@ -10548,11 +9442,7 @@
             </a:r>
             <a:r>
               <a:rPr lang="en-US" sz="1400" dirty="0"/>
-              <a:t>()) while the second can be used when the program is doing some processing but you do not know how much progress is being done. In this case, you can periodically call the Pulse() function to make the progress bar switch to indeterminate mode (graphically it is usually a set of blocks which move or bounce in the bar control</a:t>
-            </a:r>
-            <a:r>
-              <a:rPr lang="en-US" sz="1400" dirty="0" smtClean="0"/>
-              <a:t>).</a:t>
+              <a:t>()) while the second can be used when the program is doing some processing but you do not know how much progress is being done. In this case, you can periodically call the Pulse() function to make the progress bar switch to indeterminate mode (graphically it is usually a set of blocks which move or bounce in the bar control).</a:t>
             </a:r>
           </a:p>
           <a:p>
@@ -10585,14 +9475,13 @@
               </a:lnSpc>
             </a:pPr>
             <a:r>
-              <a:rPr lang="en-US" sz="1400" b="1" dirty="0" err="1" smtClean="0"/>
+              <a:rPr lang="en-US" sz="1400" b="1" dirty="0" err="1"/>
               <a:t>tsWxTaskBar</a:t>
             </a:r>
             <a:r>
-              <a:rPr lang="en-US" sz="1400" b="1" dirty="0" smtClean="0"/>
+              <a:rPr lang="en-US" sz="1400" b="1" dirty="0"/>
               <a:t> (buttons)</a:t>
             </a:r>
-            <a:endParaRPr lang="en-US" sz="1400" b="1" dirty="0"/>
           </a:p>
           <a:p>
             <a:pPr lvl="1" eaLnBrk="1" hangingPunct="1">
@@ -10602,13 +9491,8 @@
             </a:pPr>
             <a:r>
               <a:rPr lang="en-US" sz="1400" dirty="0"/>
-              <a:t>A narrow window with a taskbar icon (button) for each top level window (frame, dialog etc.). A taskbar icon appears in the "system tray" and responds to mouse clicks, optionally with a tooltip above it to help provide information</a:t>
-            </a:r>
-            <a:r>
-              <a:rPr lang="en-US" sz="1400" dirty="0" smtClean="0"/>
-              <a:t>.</a:t>
-            </a:r>
-            <a:endParaRPr lang="en-US" sz="1400" dirty="0"/>
+              <a:t>A narrow window with a taskbar icon (button) for each top level window (frame, dialog etc.). A taskbar icon appears in the "system tray" and responds to mouse clicks, optionally with a tooltip above it to help provide information.</a:t>
+            </a:r>
           </a:p>
         </p:txBody>
       </p:sp>
@@ -10631,9 +9515,9 @@
           <a:p>
             <a:fld id="{82CC87A2-1781-440A-9FCF-DC78272C75A5}" type="datetime1">
               <a:rPr lang="en-US" smtClean="0"/>
-              <a:t>12/4/2015</a:t>
+              <a:t>12/23/2016</a:t>
             </a:fld>
-            <a:endParaRPr lang="en-US" dirty="0" smtClean="0"/>
+            <a:endParaRPr lang="en-US" dirty="0"/>
           </a:p>
         </p:txBody>
       </p:sp>
@@ -10655,7 +9539,7 @@
           <a:lstStyle/>
           <a:p>
             <a:r>
-              <a:rPr lang="en-US" dirty="0" smtClean="0"/>
+              <a:rPr lang="en-US" dirty="0"/>
               <a:t>TeamSTARS "tsWxGTUI_PyVx" Toolkit prepared &amp; presented by Richard S. Gordon</a:t>
             </a:r>
           </a:p>
@@ -10698,13 +9582,6 @@
     <a:masterClrMapping/>
   </p:clrMapOvr>
   <p:transition/>
-  <p:timing>
-    <p:tnLst>
-      <p:par>
-        <p:cTn id="1" dur="indefinite" restart="never" nodeType="tmRoot"/>
-      </p:par>
-    </p:tnLst>
-  </p:timing>
 </p:sld>
 </file>
 
@@ -10742,15 +9619,11 @@
           <a:p>
             <a:pPr eaLnBrk="1" hangingPunct="1"/>
             <a:r>
-              <a:rPr lang="en-US" dirty="0" smtClean="0"/>
-              <a:t>"wxPython 2.8.9.2" </a:t>
-            </a:r>
-            <a:r>
               <a:rPr lang="en-US" dirty="0"/>
-              <a:t>API Character-Mode Emulation </a:t>
-            </a:r>
-            <a:r>
-              <a:rPr lang="en-US" sz="4000" dirty="0" smtClean="0"/>
+              <a:t>"wxPython 2.8.9.2" API Character-Mode Emulation </a:t>
+            </a:r>
+            <a:r>
+              <a:rPr lang="en-US" sz="4000" dirty="0"/>
               <a:t>(</a:t>
             </a:r>
             <a:r>
@@ -10764,7 +9637,7 @@
               <a:t> full listing</a:t>
             </a:r>
             <a:r>
-              <a:rPr lang="en-US" sz="4000" dirty="0" smtClean="0"/>
+              <a:rPr lang="en-US" sz="4000" dirty="0"/>
               <a:t>)  </a:t>
             </a:r>
             <a:r>
@@ -10781,7 +9654,6 @@
               <a:rPr lang="en-US" sz="2000" dirty="0"/>
               <a:t>)</a:t>
             </a:r>
-            <a:endParaRPr lang="en-US" sz="2000" dirty="0" smtClean="0"/>
           </a:p>
         </p:txBody>
       </p:sp>
@@ -10806,10 +9678,9 @@
               </a:lnSpc>
             </a:pPr>
             <a:r>
-              <a:rPr lang="en-US" sz="1800" b="1" dirty="0" smtClean="0"/>
+              <a:rPr lang="en-US" sz="1800" b="1" dirty="0"/>
               <a:t>Keyboard</a:t>
             </a:r>
-            <a:endParaRPr lang="en-US" sz="1800" b="1" dirty="0"/>
           </a:p>
           <a:p>
             <a:pPr lvl="1" eaLnBrk="1" hangingPunct="1">
@@ -10819,11 +9690,7 @@
             </a:pPr>
             <a:r>
               <a:rPr lang="en-US" sz="2000" dirty="0"/>
-              <a:t>An event class that </a:t>
-            </a:r>
-            <a:r>
-              <a:rPr lang="en-US" sz="2000" dirty="0" smtClean="0"/>
-              <a:t>contains:</a:t>
+              <a:t>An event class that contains:</a:t>
             </a:r>
           </a:p>
           <a:p>
@@ -10833,7 +9700,7 @@
               </a:lnSpc>
             </a:pPr>
             <a:r>
-              <a:rPr lang="en-US" sz="1800" dirty="0" smtClean="0"/>
+              <a:rPr lang="en-US" sz="1800" dirty="0"/>
               <a:t>key identifier</a:t>
             </a:r>
           </a:p>
@@ -10844,10 +9711,9 @@
               </a:lnSpc>
             </a:pPr>
             <a:r>
-              <a:rPr lang="en-US" sz="1800" dirty="0" smtClean="0"/>
+              <a:rPr lang="en-US" sz="1800" dirty="0"/>
               <a:t>key pressed/released state</a:t>
             </a:r>
-            <a:endParaRPr lang="en-US" sz="1800" dirty="0"/>
           </a:p>
           <a:p>
             <a:pPr eaLnBrk="1" hangingPunct="1">
@@ -10856,10 +9722,9 @@
               </a:lnSpc>
             </a:pPr>
             <a:r>
-              <a:rPr lang="en-US" sz="1800" b="1" dirty="0" smtClean="0"/>
+              <a:rPr lang="en-US" sz="1800" b="1" dirty="0"/>
               <a:t>Mouse</a:t>
             </a:r>
-            <a:endParaRPr lang="en-US" sz="1800" b="1" dirty="0"/>
           </a:p>
           <a:p>
             <a:pPr lvl="1" eaLnBrk="1" hangingPunct="1">
@@ -10869,11 +9734,7 @@
             </a:pPr>
             <a:r>
               <a:rPr lang="en-US" sz="2000" dirty="0"/>
-              <a:t>An event class that </a:t>
-            </a:r>
-            <a:r>
-              <a:rPr lang="en-US" sz="2000" dirty="0" smtClean="0"/>
-              <a:t>contains:</a:t>
+              <a:t>An event class that contains:</a:t>
             </a:r>
           </a:p>
           <a:p>
@@ -10883,7 +9744,7 @@
               </a:lnSpc>
             </a:pPr>
             <a:r>
-              <a:rPr lang="en-US" sz="1800" dirty="0" smtClean="0"/>
+              <a:rPr lang="en-US" sz="1800" dirty="0"/>
               <a:t>mouse identifier</a:t>
             </a:r>
           </a:p>
@@ -10894,7 +9755,7 @@
               </a:lnSpc>
             </a:pPr>
             <a:r>
-              <a:rPr lang="en-US" sz="1800" dirty="0" smtClean="0"/>
+              <a:rPr lang="en-US" sz="1800" dirty="0"/>
               <a:t>button identifier</a:t>
             </a:r>
           </a:p>
@@ -10905,16 +9766,8 @@
               </a:lnSpc>
             </a:pPr>
             <a:r>
-              <a:rPr lang="en-US" sz="1800" dirty="0" smtClean="0"/>
-              <a:t>button state (pressed, released, single-clicked</a:t>
-            </a:r>
-            <a:r>
               <a:rPr lang="en-US" sz="1800" dirty="0"/>
-              <a:t>, </a:t>
-            </a:r>
-            <a:r>
-              <a:rPr lang="en-US" sz="1800" dirty="0" smtClean="0"/>
-              <a:t>double-clicked, triple-clicked)</a:t>
+              <a:t>button state (pressed, released, single-clicked, double-clicked, triple-clicked)</a:t>
             </a:r>
           </a:p>
           <a:p>
@@ -10924,18 +9777,9 @@
               </a:lnSpc>
             </a:pPr>
             <a:r>
-              <a:rPr lang="en-US" sz="1800" dirty="0" smtClean="0"/>
-              <a:t>current cursor </a:t>
-            </a:r>
-            <a:r>
               <a:rPr lang="en-US" sz="1800" dirty="0"/>
-              <a:t>position </a:t>
-            </a:r>
-            <a:r>
-              <a:rPr lang="en-US" sz="1800" dirty="0" smtClean="0"/>
-              <a:t>(display screen character cell row/column coordinates)</a:t>
-            </a:r>
-            <a:endParaRPr lang="en-US" sz="1800" dirty="0"/>
+              <a:t>current cursor position (display screen character cell row/column coordinates)</a:t>
+            </a:r>
           </a:p>
           <a:p>
             <a:pPr eaLnBrk="1" hangingPunct="1">
@@ -10944,7 +9788,7 @@
               </a:lnSpc>
             </a:pPr>
             <a:r>
-              <a:rPr lang="en-US" sz="1800" b="1" dirty="0" smtClean="0"/>
+              <a:rPr lang="en-US" sz="1800" b="1" dirty="0"/>
               <a:t>Timer</a:t>
             </a:r>
           </a:p>
@@ -10955,59 +9799,19 @@
               </a:lnSpc>
             </a:pPr>
             <a:r>
-              <a:rPr lang="en-US" sz="2000" dirty="0" smtClean="0"/>
-              <a:t>An event </a:t>
-            </a:r>
-            <a:r>
               <a:rPr lang="en-US" sz="2000" dirty="0"/>
-              <a:t>class </a:t>
-            </a:r>
-            <a:r>
-              <a:rPr lang="en-US" sz="2000" dirty="0" smtClean="0"/>
-              <a:t>to </a:t>
-            </a:r>
+              <a:t>An event class to allow you to execute code at specified intervals.</a:t>
+            </a:r>
+          </a:p>
+          <a:p>
+            <a:pPr lvl="1" eaLnBrk="1" hangingPunct="1">
+              <a:lnSpc>
+                <a:spcPct val="80000"/>
+              </a:lnSpc>
+            </a:pPr>
             <a:r>
               <a:rPr lang="en-US" sz="2000" dirty="0"/>
-              <a:t>allow you to execute code at </a:t>
-            </a:r>
-            <a:r>
-              <a:rPr lang="en-US" sz="2000" dirty="0" smtClean="0"/>
-              <a:t>specified intervals.</a:t>
-            </a:r>
-          </a:p>
-          <a:p>
-            <a:pPr lvl="1" eaLnBrk="1" hangingPunct="1">
-              <a:lnSpc>
-                <a:spcPct val="80000"/>
-              </a:lnSpc>
-            </a:pPr>
-            <a:r>
-              <a:rPr lang="en-US" sz="2000" dirty="0" smtClean="0"/>
-              <a:t>Its </a:t>
-            </a:r>
-            <a:r>
-              <a:rPr lang="en-US" sz="2000" dirty="0"/>
-              <a:t>precision is platform-dependent, but in </a:t>
-            </a:r>
-            <a:r>
-              <a:rPr lang="en-US" sz="2000" dirty="0" smtClean="0"/>
-              <a:t>general will </a:t>
-            </a:r>
-            <a:r>
-              <a:rPr lang="en-US" sz="2000" dirty="0"/>
-              <a:t>not be better than </a:t>
-            </a:r>
-            <a:r>
-              <a:rPr lang="en-US" sz="2000" dirty="0" smtClean="0"/>
-              <a:t>1 millisecond </a:t>
-            </a:r>
-            <a:r>
-              <a:rPr lang="en-US" sz="2000" dirty="0"/>
-              <a:t>nor worse than </a:t>
-            </a:r>
-            <a:r>
-              <a:rPr lang="en-US" sz="2000" dirty="0" smtClean="0"/>
-              <a:t>1 second.</a:t>
+              <a:t>Its precision is platform-dependent, but in general will not be better than 1 millisecond nor worse than 1 second.</a:t>
             </a:r>
           </a:p>
         </p:txBody>
@@ -11031,9 +9835,9 @@
           <a:p>
             <a:fld id="{82CC87A2-1781-440A-9FCF-DC78272C75A5}" type="datetime1">
               <a:rPr lang="en-US" smtClean="0"/>
-              <a:t>12/4/2015</a:t>
+              <a:t>12/23/2016</a:t>
             </a:fld>
-            <a:endParaRPr lang="en-US" smtClean="0"/>
+            <a:endParaRPr lang="en-US"/>
           </a:p>
         </p:txBody>
       </p:sp>
@@ -11055,7 +9859,7 @@
           <a:lstStyle/>
           <a:p>
             <a:r>
-              <a:rPr lang="en-US" dirty="0" smtClean="0"/>
+              <a:rPr lang="en-US" dirty="0"/>
               <a:t>TeamSTARS "tsWxGTUI_PyVx" Toolkit prepared &amp; presented by Richard S. Gordon</a:t>
             </a:r>
           </a:p>
@@ -11098,13 +9902,6 @@
     <a:masterClrMapping/>
   </p:clrMapOvr>
   <p:transition/>
-  <p:timing>
-    <p:tnLst>
-      <p:par>
-        <p:cTn id="1" dur="indefinite" restart="never" nodeType="tmRoot"/>
-      </p:par>
-    </p:tnLst>
-  </p:timing>
 </p:sld>
 </file>
 
@@ -11142,15 +9939,11 @@
           <a:p>
             <a:pPr eaLnBrk="1" hangingPunct="1"/>
             <a:r>
-              <a:rPr lang="en-US" dirty="0" smtClean="0"/>
-              <a:t>"wxPython 2.8.9.2" </a:t>
-            </a:r>
-            <a:r>
               <a:rPr lang="en-US" dirty="0"/>
-              <a:t>API Character-Mode Emulation </a:t>
-            </a:r>
-            <a:r>
-              <a:rPr lang="en-US" sz="4000" dirty="0" smtClean="0"/>
+              <a:t>"wxPython 2.8.9.2" API Character-Mode Emulation </a:t>
+            </a:r>
+            <a:r>
+              <a:rPr lang="en-US" sz="4000" dirty="0"/>
               <a:t>(</a:t>
             </a:r>
             <a:r>
@@ -11164,7 +9957,7 @@
               <a:t> full listing</a:t>
             </a:r>
             <a:r>
-              <a:rPr lang="en-US" sz="4000" dirty="0" smtClean="0"/>
+              <a:rPr lang="en-US" sz="4000" dirty="0"/>
               <a:t>)  </a:t>
             </a:r>
             <a:r>
@@ -11181,7 +9974,6 @@
               <a:rPr lang="en-US" sz="2000" dirty="0"/>
               <a:t>)</a:t>
             </a:r>
-            <a:endParaRPr lang="en-US" sz="2000" dirty="0" smtClean="0"/>
           </a:p>
         </p:txBody>
       </p:sp>
@@ -11206,10 +9998,10 @@
               </a:lnSpc>
             </a:pPr>
             <a:r>
-              <a:rPr lang="en-US" sz="2000" b="1" dirty="0" err="1" smtClean="0"/>
+              <a:rPr lang="en-US" sz="2000" b="1" dirty="0" err="1"/>
               <a:t>tsWxBoxSizer</a:t>
             </a:r>
-            <a:endParaRPr lang="en-US" sz="2000" b="1" dirty="0" smtClean="0"/>
+            <a:endParaRPr lang="en-US" sz="2000" b="1" dirty="0"/>
           </a:p>
           <a:p>
             <a:pPr lvl="1" eaLnBrk="1" hangingPunct="1">
@@ -11219,37 +10011,17 @@
             </a:pPr>
             <a:r>
               <a:rPr lang="en-US" sz="1600" dirty="0"/>
-              <a:t>The basic idea behind a box sizer is that windows will most often </a:t>
-            </a:r>
-            <a:r>
-              <a:rPr lang="en-US" sz="1600" dirty="0" smtClean="0"/>
-              <a:t>be laid </a:t>
-            </a:r>
+              <a:t>The basic idea behind a box sizer is that windows will most often be laid out in rather simple basic geometry, typically in a row or a column or nested hierarchies of either.</a:t>
+            </a:r>
+          </a:p>
+          <a:p>
+            <a:pPr lvl="1" eaLnBrk="1" hangingPunct="1">
+              <a:lnSpc>
+                <a:spcPct val="80000"/>
+              </a:lnSpc>
+            </a:pPr>
             <a:r>
               <a:rPr lang="en-US" sz="1600" dirty="0"/>
-              <a:t>out in rather simple basic geometry, typically in a row or </a:t>
-            </a:r>
-            <a:r>
-              <a:rPr lang="en-US" sz="1600" dirty="0" smtClean="0"/>
-              <a:t>a column </a:t>
-            </a:r>
-            <a:r>
-              <a:rPr lang="en-US" sz="1600" dirty="0"/>
-              <a:t>or nested hierarchies of </a:t>
-            </a:r>
-            <a:r>
-              <a:rPr lang="en-US" sz="1600" dirty="0" smtClean="0"/>
-              <a:t>either.</a:t>
-            </a:r>
-          </a:p>
-          <a:p>
-            <a:pPr lvl="1" eaLnBrk="1" hangingPunct="1">
-              <a:lnSpc>
-                <a:spcPct val="80000"/>
-              </a:lnSpc>
-            </a:pPr>
-            <a:r>
-              <a:rPr lang="en-US" sz="1600" dirty="0" smtClean="0"/>
               <a:t>A </a:t>
             </a:r>
             <a:r>
@@ -11258,27 +10030,7 @@
             </a:r>
             <a:r>
               <a:rPr lang="en-US" sz="1600" dirty="0"/>
-              <a:t> will lay </a:t>
-            </a:r>
-            <a:r>
-              <a:rPr lang="en-US" sz="1600" dirty="0" smtClean="0"/>
-              <a:t>out its </a:t>
-            </a:r>
-            <a:r>
-              <a:rPr lang="en-US" sz="1600" dirty="0"/>
-              <a:t>items in a simple row or column, depending on the </a:t>
-            </a:r>
-            <a:r>
-              <a:rPr lang="en-US" sz="1600" dirty="0" smtClean="0"/>
-              <a:t>orientation parameter </a:t>
-            </a:r>
-            <a:r>
-              <a:rPr lang="en-US" sz="1600" dirty="0"/>
-              <a:t>passed to the </a:t>
-            </a:r>
-            <a:r>
-              <a:rPr lang="en-US" sz="1600" dirty="0" smtClean="0"/>
-              <a:t>constructor.</a:t>
+              <a:t> will lay out its items in a simple row or column, depending on the orientation parameter passed to the constructor.</a:t>
             </a:r>
           </a:p>
         </p:txBody>
@@ -11377,9 +10129,9 @@
           <a:p>
             <a:fld id="{82CC87A2-1781-440A-9FCF-DC78272C75A5}" type="datetime1">
               <a:rPr lang="en-US" smtClean="0"/>
-              <a:t>12/4/2015</a:t>
+              <a:t>12/23/2016</a:t>
             </a:fld>
-            <a:endParaRPr lang="en-US" smtClean="0"/>
+            <a:endParaRPr lang="en-US"/>
           </a:p>
         </p:txBody>
       </p:sp>
@@ -11401,7 +10153,7 @@
           <a:lstStyle/>
           <a:p>
             <a:r>
-              <a:rPr lang="en-US" dirty="0" smtClean="0"/>
+              <a:rPr lang="en-US" dirty="0"/>
               <a:t>TeamSTARS "tsWxGTUI_PyVx" Toolkit prepared &amp; presented by Richard S. Gordon</a:t>
             </a:r>
           </a:p>
@@ -11444,13 +10196,6 @@
     <a:masterClrMapping/>
   </p:clrMapOvr>
   <p:transition/>
-  <p:timing>
-    <p:tnLst>
-      <p:par>
-        <p:cTn id="1" dur="indefinite" restart="never" nodeType="tmRoot"/>
-      </p:par>
-    </p:tnLst>
-  </p:timing>
 </p:sld>
 </file>
 
@@ -11488,23 +10233,23 @@
           <a:p>
             <a:pPr eaLnBrk="1" hangingPunct="1"/>
             <a:r>
-              <a:rPr lang="en-US" dirty="0" smtClean="0"/>
+              <a:rPr lang="en-US" dirty="0"/>
               <a:t>Table of Contents </a:t>
             </a:r>
             <a:r>
-              <a:rPr lang="en-US" sz="2000" dirty="0" smtClean="0"/>
+              <a:rPr lang="en-US" sz="2000" dirty="0"/>
               <a:t>(</a:t>
             </a:r>
             <a:r>
-              <a:rPr lang="en-US" sz="2000" i="1" dirty="0" smtClean="0"/>
+              <a:rPr lang="en-US" sz="2000" i="1" dirty="0"/>
               <a:t>with slide show</a:t>
             </a:r>
             <a:r>
-              <a:rPr lang="en-US" sz="2000" dirty="0" smtClean="0"/>
+              <a:rPr lang="en-US" sz="2000" dirty="0"/>
               <a:t> </a:t>
             </a:r>
             <a:r>
-              <a:rPr lang="en-US" sz="2000" u="sng" dirty="0" smtClean="0">
+              <a:rPr lang="en-US" sz="2000" u="sng" dirty="0">
                 <a:solidFill>
                   <a:srgbClr val="FF0000"/>
                 </a:solidFill>
@@ -11512,7 +10257,7 @@
               <a:t>Hyperlinks</a:t>
             </a:r>
             <a:r>
-              <a:rPr lang="en-US" sz="2000" dirty="0" smtClean="0"/>
+              <a:rPr lang="en-US" sz="2000" dirty="0"/>
               <a:t>)</a:t>
             </a:r>
           </a:p>
@@ -11539,10 +10284,10 @@
               </a:lnSpc>
             </a:pPr>
             <a:r>
-              <a:rPr lang="en-US" sz="2400" dirty="0" smtClean="0"/>
+              <a:rPr lang="en-US" sz="2400" dirty="0"/>
               <a:t>Introduction</a:t>
             </a:r>
-            <a:endParaRPr lang="en-US" dirty="0" smtClean="0"/>
+            <a:endParaRPr lang="en-US" dirty="0"/>
           </a:p>
           <a:p>
             <a:pPr lvl="1" eaLnBrk="1" hangingPunct="1">
@@ -11551,48 +10296,48 @@
               </a:lnSpc>
             </a:pPr>
             <a:r>
-              <a:rPr lang="en-US" sz="1800" dirty="0" smtClean="0"/>
+              <a:rPr lang="en-US" sz="1800" dirty="0"/>
               <a:t>WEB browser link to role model  </a:t>
             </a:r>
             <a:r>
-              <a:rPr lang="en-US" sz="1800" dirty="0" smtClean="0">
+              <a:rPr lang="en-US" sz="1800" dirty="0">
                 <a:hlinkClick r:id="rId3"/>
               </a:rPr>
               <a:t>"wxPython“ interface to “</a:t>
             </a:r>
             <a:r>
-              <a:rPr lang="en-US" sz="1800" dirty="0" err="1" smtClean="0">
+              <a:rPr lang="en-US" sz="1800" dirty="0" err="1">
                 <a:hlinkClick r:id="rId3"/>
               </a:rPr>
               <a:t>wxWidgets</a:t>
             </a:r>
             <a:r>
-              <a:rPr lang="en-US" sz="1800" dirty="0" smtClean="0">
+              <a:rPr lang="en-US" sz="1800" dirty="0">
                 <a:hlinkClick r:id="rId3"/>
               </a:rPr>
               <a:t>”</a:t>
             </a:r>
-            <a:endParaRPr lang="en-US" sz="1800" dirty="0" smtClean="0"/>
+            <a:endParaRPr lang="en-US" sz="1800" dirty="0"/>
           </a:p>
           <a:p>
             <a:pPr lvl="1" eaLnBrk="1" hangingPunct="1"/>
             <a:r>
-              <a:rPr lang="en-US" sz="1800" dirty="0" smtClean="0">
+              <a:rPr lang="en-US" sz="1800" dirty="0">
                 <a:hlinkClick r:id="rId4" action="ppaction://hlinksldjump"/>
               </a:rPr>
               <a:t>"wxPython“ High Level Pixel-Mode Graphical User Interface API </a:t>
             </a:r>
-            <a:endParaRPr lang="en-US" sz="1800" dirty="0" smtClean="0"/>
+            <a:endParaRPr lang="en-US" sz="1800" dirty="0"/>
           </a:p>
           <a:p>
             <a:pPr lvl="1" eaLnBrk="1" hangingPunct="1"/>
             <a:r>
-              <a:rPr lang="en-US" sz="1800" dirty="0" smtClean="0">
+              <a:rPr lang="en-US" sz="1800" dirty="0">
                 <a:hlinkClick r:id="rId5" action="ppaction://hlinksldjump"/>
               </a:rPr>
               <a:t>Curses Terminal Control Library and Low Level Graphical Widgets</a:t>
             </a:r>
-            <a:endParaRPr lang="en-US" sz="1800" dirty="0" smtClean="0"/>
+            <a:endParaRPr lang="en-US" sz="1800" dirty="0"/>
           </a:p>
           <a:p>
             <a:pPr lvl="1" eaLnBrk="1" hangingPunct="1">
@@ -11600,17 +10345,11 @@
                 <a:spcPct val="80000"/>
               </a:lnSpc>
             </a:pPr>
-            <a:r>
-              <a:rPr lang="en-US" sz="1800" dirty="0" smtClean="0">
-                <a:hlinkClick r:id="rId6" action="ppaction://hlinksldjump"/>
-              </a:rPr>
-              <a:t>Block </a:t>
-            </a:r>
             <a:r>
               <a:rPr lang="en-US" sz="1800" dirty="0">
                 <a:hlinkClick r:id="rId6" action="ppaction://hlinksldjump"/>
               </a:rPr>
-              <a:t>Diagram Relationship Between GUI-Mode, CLI-Mode &amp; User</a:t>
+              <a:t>Block Diagram Relationship Between GUI-Mode, CLI-Mode &amp; User</a:t>
             </a:r>
             <a:endParaRPr lang="en-US" sz="1800" dirty="0"/>
           </a:p>
@@ -11621,12 +10360,12 @@
               </a:lnSpc>
             </a:pPr>
             <a:r>
-              <a:rPr lang="fr-FR" sz="1800" dirty="0" smtClean="0">
+              <a:rPr lang="fr-FR" sz="1800" dirty="0">
                 <a:hlinkClick r:id="rId7" action="ppaction://hlinksldjump"/>
               </a:rPr>
               <a:t>“wxPython” API Classes</a:t>
             </a:r>
-            <a:endParaRPr lang="fr-FR" sz="1800" dirty="0" smtClean="0"/>
+            <a:endParaRPr lang="fr-FR" sz="1800" dirty="0"/>
           </a:p>
           <a:p>
             <a:pPr lvl="1" eaLnBrk="1" hangingPunct="1">
@@ -11634,25 +10373,13 @@
                 <a:spcPct val="80000"/>
               </a:lnSpc>
             </a:pPr>
-            <a:r>
-              <a:rPr lang="en-US" sz="1800" dirty="0" smtClean="0">
-                <a:hlinkClick r:id="rId8" action="ppaction://hlinksldjump"/>
-              </a:rPr>
-              <a:t>Sample “wxPython” Character-Mode </a:t>
-            </a:r>
             <a:r>
               <a:rPr lang="en-US" sz="1800" dirty="0">
                 <a:hlinkClick r:id="rId8" action="ppaction://hlinksldjump"/>
               </a:rPr>
-              <a:t>Emulation Display (GUI</a:t>
-            </a:r>
-            <a:r>
-              <a:rPr lang="en-US" sz="1800" dirty="0" smtClean="0">
-                <a:hlinkClick r:id="rId8" action="ppaction://hlinksldjump"/>
-              </a:rPr>
-              <a:t>)</a:t>
-            </a:r>
-            <a:endParaRPr lang="en-US" sz="1800" dirty="0" smtClean="0"/>
+              <a:t>Sample “wxPython” Character-Mode Emulation Display (GUI)</a:t>
+            </a:r>
+            <a:endParaRPr lang="en-US" sz="1800" dirty="0"/>
           </a:p>
         </p:txBody>
       </p:sp>
@@ -11673,11 +10400,7 @@
           <a:p>
             <a:r>
               <a:rPr lang="en-US" sz="2400" dirty="0"/>
-              <a:t>Differences between </a:t>
-            </a:r>
-            <a:r>
-              <a:rPr lang="en-US" sz="2400" dirty="0" smtClean="0"/>
-              <a:t>Pixel-Mode "wxPython" role model and its Character-Mode Emulation</a:t>
+              <a:t>Differences between Pixel-Mode "wxPython" role model and its Character-Mode Emulation</a:t>
             </a:r>
           </a:p>
           <a:p>
@@ -11690,15 +10413,9 @@
               <a:rPr lang="en-US" sz="1800" dirty="0">
                 <a:hlinkClick r:id="rId9" action="ppaction://hlinksldjump"/>
               </a:rPr>
-              <a:t>Architecture </a:t>
-            </a:r>
-            <a:r>
-              <a:rPr lang="en-US" sz="1800" dirty="0" smtClean="0">
-                <a:hlinkClick r:id="rId9" action="ppaction://hlinksldjump"/>
-              </a:rPr>
-              <a:t>Differences</a:t>
-            </a:r>
-            <a:endParaRPr lang="en-US" sz="1800" dirty="0" smtClean="0">
+              <a:t>Architecture Differences</a:t>
+            </a:r>
+            <a:endParaRPr lang="en-US" sz="1800" dirty="0">
               <a:hlinkClick r:id="rId10" action="ppaction://hlinksldjump"/>
             </a:endParaRPr>
           </a:p>
@@ -11708,23 +10425,11 @@
                 <a:spcPct val="80000"/>
               </a:lnSpc>
             </a:pPr>
-            <a:r>
-              <a:rPr lang="en-US" sz="1800" dirty="0" smtClean="0">
-                <a:hlinkClick r:id="rId10" action="ppaction://hlinksldjump"/>
-              </a:rPr>
-              <a:t>Input </a:t>
-            </a:r>
             <a:r>
               <a:rPr lang="en-US" sz="1800" dirty="0">
                 <a:hlinkClick r:id="rId10" action="ppaction://hlinksldjump"/>
               </a:rPr>
-              <a:t>&amp; Output </a:t>
-            </a:r>
-            <a:r>
-              <a:rPr lang="en-US" sz="1800" dirty="0" smtClean="0">
-                <a:hlinkClick r:id="rId10" action="ppaction://hlinksldjump"/>
-              </a:rPr>
-              <a:t>Differences</a:t>
+              <a:t>Input &amp; Output Differences</a:t>
             </a:r>
             <a:endParaRPr lang="en-US" sz="1800" dirty="0"/>
           </a:p>
@@ -11738,13 +10443,7 @@
               <a:rPr lang="en-US" sz="1800" dirty="0">
                 <a:hlinkClick r:id="rId11" action="ppaction://hlinksldjump"/>
               </a:rPr>
-              <a:t>Import &amp; Usage </a:t>
-            </a:r>
-            <a:r>
-              <a:rPr lang="en-US" sz="1800" dirty="0" smtClean="0">
-                <a:hlinkClick r:id="rId11" action="ppaction://hlinksldjump"/>
-              </a:rPr>
-              <a:t>Differences</a:t>
+              <a:t>Import &amp; Usage Differences</a:t>
             </a:r>
             <a:endParaRPr lang="en-US" sz="1800" dirty="0"/>
           </a:p>
@@ -11758,15 +10457,9 @@
               <a:rPr lang="en-US" sz="1800" dirty="0">
                 <a:hlinkClick r:id="rId12" action="ppaction://hlinksldjump"/>
               </a:rPr>
-              <a:t>Virtual Platform Interface </a:t>
-            </a:r>
-            <a:r>
-              <a:rPr lang="en-US" sz="1800" dirty="0" smtClean="0">
-                <a:hlinkClick r:id="rId12" action="ppaction://hlinksldjump"/>
-              </a:rPr>
-              <a:t>Differences Emulation</a:t>
-            </a:r>
-            <a:endParaRPr lang="en-US" sz="1800" dirty="0" smtClean="0"/>
+              <a:t>Virtual Platform Interface Differences Emulation</a:t>
+            </a:r>
+            <a:endParaRPr lang="en-US" sz="1800" dirty="0"/>
           </a:p>
           <a:p>
             <a:pPr lvl="1" eaLnBrk="1" hangingPunct="1">
@@ -11806,13 +10499,7 @@
               <a:rPr lang="en-US" sz="1400" dirty="0">
                 <a:hlinkClick r:id="rId14"/>
               </a:rPr>
-              <a:t>Third </a:t>
-            </a:r>
-            <a:r>
-              <a:rPr lang="en-US" sz="1400" dirty="0" smtClean="0">
-                <a:hlinkClick r:id="rId14"/>
-              </a:rPr>
-              <a:t>Generation</a:t>
+              <a:t>Third Generation</a:t>
             </a:r>
             <a:endParaRPr lang="en-US" sz="1400" dirty="0"/>
           </a:p>
@@ -11837,9 +10524,9 @@
           <a:p>
             <a:fld id="{594743C1-DE31-4E12-9F9F-1BA9DE6E7B96}" type="datetime1">
               <a:rPr lang="en-US" smtClean="0"/>
-              <a:t>12/4/2015</a:t>
+              <a:t>12/23/2016</a:t>
             </a:fld>
-            <a:endParaRPr lang="en-US" dirty="0" smtClean="0"/>
+            <a:endParaRPr lang="en-US" dirty="0"/>
           </a:p>
         </p:txBody>
       </p:sp>
@@ -11899,13 +10586,6 @@
     <a:masterClrMapping/>
   </p:clrMapOvr>
   <p:transition/>
-  <p:timing>
-    <p:tnLst>
-      <p:par>
-        <p:cTn id="1" dur="indefinite" restart="never" nodeType="tmRoot"/>
-      </p:par>
-    </p:tnLst>
-  </p:timing>
 </p:sld>
 </file>
 
@@ -11943,15 +10623,11 @@
           <a:p>
             <a:pPr eaLnBrk="1" hangingPunct="1"/>
             <a:r>
-              <a:rPr lang="en-US" dirty="0" smtClean="0"/>
-              <a:t>"wxPython 2.8.9.2" </a:t>
-            </a:r>
-            <a:r>
               <a:rPr lang="en-US" dirty="0"/>
-              <a:t>API Character-Mode Emulation </a:t>
-            </a:r>
-            <a:r>
-              <a:rPr lang="en-US" sz="4000" dirty="0" smtClean="0"/>
+              <a:t>"wxPython 2.8.9.2" API Character-Mode Emulation </a:t>
+            </a:r>
+            <a:r>
+              <a:rPr lang="en-US" sz="4000" dirty="0"/>
               <a:t>(</a:t>
             </a:r>
             <a:r>
@@ -11965,7 +10641,7 @@
               <a:t> full listing</a:t>
             </a:r>
             <a:r>
-              <a:rPr lang="en-US" sz="4000" dirty="0" smtClean="0"/>
+              <a:rPr lang="en-US" sz="4000" dirty="0"/>
               <a:t>)  </a:t>
             </a:r>
             <a:r>
@@ -11982,7 +10658,7 @@
               <a:rPr lang="en-US" sz="2000" dirty="0"/>
               <a:t>)</a:t>
             </a:r>
-            <a:endParaRPr lang="en-US" sz="1800" dirty="0" smtClean="0"/>
+            <a:endParaRPr lang="en-US" sz="1800" dirty="0"/>
           </a:p>
         </p:txBody>
       </p:sp>
@@ -12007,7 +10683,7 @@
               </a:lnSpc>
             </a:pPr>
             <a:r>
-              <a:rPr lang="en-US" sz="1600" b="1" dirty="0" smtClean="0"/>
+              <a:rPr lang="en-US" sz="1600" b="1" dirty="0"/>
               <a:t>tsWxGraphicalTextUserInterface</a:t>
             </a:r>
           </a:p>
@@ -12019,35 +10695,37 @@
             </a:pPr>
             <a:r>
               <a:rPr lang="en-US" sz="1600" dirty="0"/>
-              <a:t>Class uses the </a:t>
-            </a:r>
-            <a:r>
-              <a:rPr lang="en-US" sz="1600" dirty="0" smtClean="0"/>
-              <a:t>Standard Python </a:t>
-            </a:r>
+              <a:t>Class uses the Standard Python Curses API to initialize, manage and shutdown input (from a keyboard and mouse) and output (to a two-dimensional display screen).</a:t>
+            </a:r>
+          </a:p>
+          <a:p>
+            <a:pPr lvl="1" eaLnBrk="1" hangingPunct="1">
+              <a:lnSpc>
+                <a:spcPct val="80000"/>
+              </a:lnSpc>
+            </a:pPr>
             <a:r>
               <a:rPr lang="en-US" sz="1600" dirty="0"/>
-              <a:t>Curses API to initialize, manage and shutdown </a:t>
-            </a:r>
-            <a:r>
-              <a:rPr lang="en-US" sz="1600" dirty="0" smtClean="0"/>
-              <a:t>input (</a:t>
+              <a:t>Uses built-in or builds monochrome or “wxPython 2.8.9.2” 68-color palette for operator designated terminal or terminal emulator (vt100-family or </a:t>
+            </a:r>
+            <a:r>
+              <a:rPr lang="en-US" sz="1600" dirty="0" err="1"/>
+              <a:t>xterm</a:t>
             </a:r>
             <a:r>
               <a:rPr lang="en-US" sz="1600" dirty="0"/>
-              <a:t>from a keyboard and mouse) and output (to a </a:t>
-            </a:r>
-            <a:r>
-              <a:rPr lang="en-US" sz="1600" dirty="0" smtClean="0"/>
-              <a:t>two-dimensional display </a:t>
-            </a:r>
+              <a:t>-family). </a:t>
+            </a:r>
+          </a:p>
+          <a:p>
+            <a:pPr lvl="1" eaLnBrk="1" hangingPunct="1">
+              <a:lnSpc>
+                <a:spcPct val="80000"/>
+              </a:lnSpc>
+            </a:pPr>
             <a:r>
               <a:rPr lang="en-US" sz="1600" dirty="0"/>
-              <a:t>screen</a:t>
-            </a:r>
-            <a:r>
-              <a:rPr lang="en-US" sz="1600" dirty="0" smtClean="0"/>
-              <a:t>).</a:t>
+              <a:t>When appropriate, it substitutes available “Curses” 8-/16-colors for those “wxPython 2.8.9.2” 68-colors which are NOT available.</a:t>
             </a:r>
           </a:p>
           <a:p>
@@ -12057,16 +10735,16 @@
               </a:lnSpc>
             </a:pPr>
             <a:r>
-              <a:rPr lang="en-US" sz="1600" dirty="0" smtClean="0"/>
-              <a:t>Uses built-in or builds monochrome or “wxPython 2.8.9.2” 68-color palette for operator designated terminal or terminal emulator (vt100-family or </a:t>
-            </a:r>
-            <a:r>
-              <a:rPr lang="en-US" sz="1600" dirty="0" err="1" smtClean="0"/>
+              <a:rPr lang="en-US" sz="1600" dirty="0"/>
+              <a:t>When appropriate, it synthesizes a single click “Curses” </a:t>
+            </a:r>
+            <a:r>
+              <a:rPr lang="en-US" sz="1600" dirty="0" err="1"/>
               <a:t>xterm</a:t>
             </a:r>
             <a:r>
-              <a:rPr lang="en-US" sz="1600" dirty="0" smtClean="0"/>
-              <a:t>-family). </a:t>
+              <a:rPr lang="en-US" sz="1600" dirty="0"/>
+              <a:t>-family mouse button input from a sequence of available press-release vt100-family mouse button input.</a:t>
             </a:r>
           </a:p>
           <a:p>
@@ -12076,97 +10754,15 @@
               </a:lnSpc>
             </a:pPr>
             <a:r>
-              <a:rPr lang="en-US" sz="1600" dirty="0" smtClean="0"/>
-              <a:t>When appropriate, it substitutes available </a:t>
-            </a:r>
-            <a:r>
               <a:rPr lang="en-US" sz="1600" dirty="0"/>
-              <a:t>“Curses” </a:t>
-            </a:r>
-            <a:r>
-              <a:rPr lang="en-US" sz="1600" dirty="0" smtClean="0"/>
-              <a:t>8-/16-colors for those “wxPython 2.8.9.2” 68-colors</a:t>
-            </a:r>
-            <a:r>
-              <a:rPr lang="en-US" sz="1600" dirty="0"/>
-              <a:t> </a:t>
-            </a:r>
-            <a:r>
-              <a:rPr lang="en-US" sz="1600" dirty="0" smtClean="0"/>
-              <a:t>which </a:t>
-            </a:r>
-            <a:r>
-              <a:rPr lang="en-US" sz="1600" dirty="0"/>
-              <a:t>are NOT available</a:t>
-            </a:r>
-            <a:r>
-              <a:rPr lang="en-US" sz="1600" dirty="0" smtClean="0"/>
-              <a:t>.</a:t>
-            </a:r>
-          </a:p>
-          <a:p>
-            <a:pPr lvl="1" eaLnBrk="1" hangingPunct="1">
-              <a:lnSpc>
-                <a:spcPct val="80000"/>
-              </a:lnSpc>
-            </a:pPr>
-            <a:r>
-              <a:rPr lang="en-US" sz="1600" dirty="0"/>
-              <a:t>When appropriate, it </a:t>
-            </a:r>
-            <a:r>
-              <a:rPr lang="en-US" sz="1600" dirty="0" smtClean="0"/>
-              <a:t>synthesizes a single click “Curses</a:t>
-            </a:r>
-            <a:r>
-              <a:rPr lang="en-US" sz="1600" dirty="0"/>
-              <a:t>” </a:t>
-            </a:r>
-            <a:r>
-              <a:rPr lang="en-US" sz="1600" dirty="0" err="1" smtClean="0"/>
-              <a:t>xterm</a:t>
-            </a:r>
-            <a:r>
-              <a:rPr lang="en-US" sz="1600" dirty="0" smtClean="0"/>
-              <a:t>-family mouse button input from a sequence of available </a:t>
-            </a:r>
-            <a:r>
-              <a:rPr lang="en-US" sz="1600" dirty="0"/>
-              <a:t>press-release </a:t>
-            </a:r>
-            <a:r>
-              <a:rPr lang="en-US" sz="1600" dirty="0" smtClean="0"/>
-              <a:t>vt100-family </a:t>
-            </a:r>
-            <a:r>
-              <a:rPr lang="en-US" sz="1600" dirty="0"/>
-              <a:t>mouse </a:t>
-            </a:r>
-            <a:r>
-              <a:rPr lang="en-US" sz="1600" dirty="0" smtClean="0"/>
-              <a:t>button input.</a:t>
-            </a:r>
-          </a:p>
-          <a:p>
-            <a:pPr lvl="1" eaLnBrk="1" hangingPunct="1">
-              <a:lnSpc>
-                <a:spcPct val="80000"/>
-              </a:lnSpc>
-            </a:pPr>
-            <a:r>
-              <a:rPr lang="en-US" sz="1600" dirty="0" smtClean="0"/>
-              <a:t>Builds platform-specific splash screen </a:t>
-            </a:r>
-            <a:r>
-              <a:rPr lang="en-US" sz="1600" dirty="0"/>
-              <a:t>from configuration data extracted from </a:t>
+              <a:t>Builds platform-specific splash screen from configuration data extracted from </a:t>
             </a:r>
             <a:r>
               <a:rPr lang="en-US" sz="1600" dirty="0" err="1"/>
               <a:t>txCxGlobals</a:t>
             </a:r>
             <a:r>
-              <a:rPr lang="en-US" sz="1600" dirty="0" smtClean="0"/>
+              <a:rPr lang="en-US" sz="1600" dirty="0"/>
               <a:t>.</a:t>
             </a:r>
             <a:endParaRPr lang="en-US" sz="1400" dirty="0"/>
@@ -12186,7 +10782,7 @@
               </a:lnSpc>
               <a:buNone/>
             </a:pPr>
-            <a:endParaRPr lang="en-US" sz="1200" dirty="0" smtClean="0"/>
+            <a:endParaRPr lang="en-US" sz="1200" dirty="0"/>
           </a:p>
         </p:txBody>
       </p:sp>
@@ -12253,22 +10849,21 @@
               </a:lnSpc>
             </a:pPr>
             <a:r>
-              <a:rPr lang="en-US" sz="1400" b="1" dirty="0" err="1" smtClean="0"/>
+              <a:rPr lang="en-US" sz="1400" b="1" dirty="0" err="1"/>
               <a:t>tsWx</a:t>
             </a:r>
             <a:r>
-              <a:rPr lang="en-US" sz="1400" b="1" dirty="0" smtClean="0"/>
+              <a:rPr lang="en-US" sz="1400" b="1" dirty="0"/>
               <a:t> (</a:t>
             </a:r>
             <a:r>
-              <a:rPr lang="en-US" sz="1400" b="1" dirty="0" err="1" smtClean="0"/>
+              <a:rPr lang="en-US" sz="1400" b="1" dirty="0" err="1"/>
               <a:t>Wx</a:t>
             </a:r>
             <a:r>
-              <a:rPr lang="en-US" sz="1400" b="1" dirty="0" smtClean="0"/>
+              <a:rPr lang="en-US" sz="1400" b="1" dirty="0"/>
               <a:t>)</a:t>
             </a:r>
-            <a:endParaRPr lang="en-US" sz="1400" b="1" dirty="0"/>
           </a:p>
           <a:p>
             <a:pPr lvl="1" eaLnBrk="1" hangingPunct="1">
@@ -12278,11 +10873,7 @@
             </a:pPr>
             <a:r>
               <a:rPr lang="en-US" sz="1200" dirty="0"/>
-              <a:t>Module to load all symbols that should appear within the </a:t>
-            </a:r>
-            <a:r>
-              <a:rPr lang="en-US" sz="1200" dirty="0" smtClean="0"/>
-              <a:t>wxPython 2.8.9.2 </a:t>
+              <a:t>Module to load all symbols that should appear within the wxPython 2.8.9.2 </a:t>
             </a:r>
             <a:r>
               <a:rPr lang="en-US" sz="1200" dirty="0" err="1"/>
@@ -12301,15 +10892,7 @@
             </a:pPr>
             <a:r>
               <a:rPr lang="en-US" sz="1200" dirty="0"/>
-              <a:t>Includes various classes, constants, functions and methods available for use by applications built with components from the </a:t>
-            </a:r>
-            <a:r>
-              <a:rPr lang="en-US" sz="1200" dirty="0" smtClean="0"/>
-              <a:t>“wxPython 2.8.9.2” </a:t>
-            </a:r>
-            <a:r>
-              <a:rPr lang="en-US" sz="1200" dirty="0"/>
-              <a:t>emulation infrastructure.</a:t>
+              <a:t>Includes various classes, constants, functions and methods available for use by applications built with components from the “wxPython 2.8.9.2” emulation infrastructure.</a:t>
             </a:r>
           </a:p>
           <a:p>
@@ -12368,15 +10951,7 @@
             </a:r>
             <a:r>
               <a:rPr lang="en-US" sz="1200" dirty="0"/>
-              <a:t>” API and the </a:t>
-            </a:r>
-            <a:r>
-              <a:rPr lang="en-US" sz="1200" dirty="0" smtClean="0"/>
-              <a:t>wxPython 2.8.9.2 </a:t>
-            </a:r>
-            <a:r>
-              <a:rPr lang="en-US" sz="1200" dirty="0"/>
-              <a:t>interface wrapper used by Python programmers.</a:t>
+              <a:t>” API and the wxPython 2.8.9.2 interface wrapper used by Python programmers.</a:t>
             </a:r>
           </a:p>
           <a:p>
@@ -12398,16 +10973,12 @@
               <a:t> module and emulated </a:t>
             </a:r>
             <a:r>
-              <a:rPr lang="en-US" sz="1200" dirty="0" err="1" smtClean="0"/>
+              <a:rPr lang="en-US" sz="1200" dirty="0" err="1"/>
               <a:t>tswxPython</a:t>
             </a:r>
             <a:r>
-              <a:rPr lang="en-US" sz="1200" dirty="0" smtClean="0"/>
-              <a:t> 2.8.9.2 </a:t>
-            </a:r>
-            <a:r>
               <a:rPr lang="en-US" sz="1200" dirty="0"/>
-              <a:t>classes and methods are then imported by the </a:t>
+              <a:t> 2.8.9.2 classes and methods are then imported by the </a:t>
             </a:r>
             <a:r>
               <a:rPr lang="en-US" sz="1200" dirty="0" err="1"/>
@@ -12415,11 +10986,7 @@
             </a:r>
             <a:r>
               <a:rPr lang="en-US" sz="1200" dirty="0"/>
-              <a:t> module to emulate the </a:t>
-            </a:r>
-            <a:r>
-              <a:rPr lang="en-US" sz="1200" dirty="0" smtClean="0"/>
-              <a:t>“wxPython 2.8.9.2” </a:t>
+              <a:t> module to emulate the “wxPython 2.8.9.2” </a:t>
             </a:r>
             <a:r>
               <a:rPr lang="en-US" sz="1200" dirty="0" err="1"/>
@@ -12427,13 +10994,8 @@
             </a:r>
             <a:r>
               <a:rPr lang="en-US" sz="1200" dirty="0"/>
-              <a:t> module</a:t>
-            </a:r>
-            <a:r>
-              <a:rPr lang="en-US" sz="1200" dirty="0" smtClean="0"/>
-              <a:t>.</a:t>
-            </a:r>
-            <a:endParaRPr lang="en-US" sz="1200" dirty="0"/>
+              <a:t> module.</a:t>
+            </a:r>
           </a:p>
         </p:txBody>
       </p:sp>
@@ -12456,9 +11018,9 @@
           <a:p>
             <a:fld id="{82CC87A2-1781-440A-9FCF-DC78272C75A5}" type="datetime1">
               <a:rPr lang="en-US" smtClean="0"/>
-              <a:t>12/4/2015</a:t>
+              <a:t>12/23/2016</a:t>
             </a:fld>
-            <a:endParaRPr lang="en-US" smtClean="0"/>
+            <a:endParaRPr lang="en-US"/>
           </a:p>
         </p:txBody>
       </p:sp>
@@ -12480,7 +11042,7 @@
           <a:lstStyle/>
           <a:p>
             <a:r>
-              <a:rPr lang="en-US" dirty="0" smtClean="0"/>
+              <a:rPr lang="en-US" dirty="0"/>
               <a:t>TeamSTARS "tsWxGTUI_PyVx" Toolkit prepared &amp; presented by Richard S. Gordon</a:t>
             </a:r>
           </a:p>
@@ -12523,13 +11085,6 @@
     <a:masterClrMapping/>
   </p:clrMapOvr>
   <p:transition/>
-  <p:timing>
-    <p:tnLst>
-      <p:par>
-        <p:cTn id="1" dur="indefinite" restart="never" nodeType="tmRoot"/>
-      </p:par>
-    </p:tnLst>
-  </p:timing>
 </p:sld>
 </file>
 
@@ -12567,15 +11122,11 @@
           <a:p>
             <a:pPr eaLnBrk="1" hangingPunct="1"/>
             <a:r>
-              <a:rPr lang="en-US" dirty="0" smtClean="0"/>
-              <a:t>"wxPython 2.8.9.2" </a:t>
-            </a:r>
-            <a:r>
               <a:rPr lang="en-US" dirty="0"/>
-              <a:t>API Character-Mode Emulation </a:t>
-            </a:r>
-            <a:r>
-              <a:rPr lang="en-US" sz="4000" dirty="0" smtClean="0"/>
+              <a:t>"wxPython 2.8.9.2" API Character-Mode Emulation </a:t>
+            </a:r>
+            <a:r>
+              <a:rPr lang="en-US" sz="4000" dirty="0"/>
               <a:t>(</a:t>
             </a:r>
             <a:r>
@@ -12589,7 +11140,7 @@
               <a:t> full listing</a:t>
             </a:r>
             <a:r>
-              <a:rPr lang="en-US" sz="4000" dirty="0" smtClean="0"/>
+              <a:rPr lang="en-US" sz="4000" dirty="0"/>
               <a:t>)  </a:t>
             </a:r>
             <a:r>
@@ -12606,7 +11157,6 @@
               <a:rPr lang="en-US" sz="2000" dirty="0"/>
               <a:t>)</a:t>
             </a:r>
-            <a:endParaRPr lang="en-US" sz="2000" dirty="0" smtClean="0"/>
           </a:p>
         </p:txBody>
       </p:sp>
@@ -12631,7 +11181,7 @@
               </a:lnSpc>
             </a:pPr>
             <a:r>
-              <a:rPr lang="en-US" sz="2000" b="1" dirty="0" smtClean="0"/>
+              <a:rPr lang="en-US" sz="2000" b="1" dirty="0"/>
               <a:t>tsWxGraphicalTextUserInterface</a:t>
             </a:r>
           </a:p>
@@ -12642,7 +11192,7 @@
               </a:lnSpc>
             </a:pPr>
             <a:r>
-              <a:rPr lang="en-US" sz="1600" dirty="0" smtClean="0"/>
+              <a:rPr lang="en-US" sz="1600" dirty="0"/>
               <a:t>Logs the following platform configuration information:</a:t>
             </a:r>
           </a:p>
@@ -12654,11 +11204,7 @@
             </a:pPr>
             <a:r>
               <a:rPr lang="en-US" sz="1400" dirty="0"/>
-              <a:t>“Curses” GUI </a:t>
-            </a:r>
-            <a:r>
-              <a:rPr lang="en-US" sz="1400" dirty="0" smtClean="0"/>
-              <a:t>platform configuration constants</a:t>
+              <a:t>“Curses” GUI platform configuration constants</a:t>
             </a:r>
           </a:p>
           <a:p>
@@ -12668,18 +11214,9 @@
               </a:lnSpc>
             </a:pPr>
             <a:r>
-              <a:rPr lang="en-US" sz="1200" dirty="0" smtClean="0"/>
-              <a:t>Keyboard</a:t>
-            </a:r>
-            <a:r>
               <a:rPr lang="en-US" sz="1200" dirty="0"/>
-              <a:t>, Mouse, </a:t>
-            </a:r>
-            <a:r>
-              <a:rPr lang="en-US" sz="1200" dirty="0" smtClean="0"/>
-              <a:t>Display</a:t>
-            </a:r>
-            <a:endParaRPr lang="en-US" sz="1200" dirty="0"/>
+              <a:t>Keyboard, Mouse, Display</a:t>
+            </a:r>
           </a:p>
           <a:p>
             <a:pPr lvl="2" eaLnBrk="1" hangingPunct="1">
@@ -12689,11 +11226,7 @@
             </a:pPr>
             <a:r>
               <a:rPr lang="en-US" sz="1400" dirty="0"/>
-              <a:t>“Curses” GUI </a:t>
-            </a:r>
-            <a:r>
-              <a:rPr lang="en-US" sz="1400" dirty="0" smtClean="0"/>
-              <a:t>operator-designated run time configuration</a:t>
+              <a:t>“Curses” GUI operator-designated run time configuration</a:t>
             </a:r>
           </a:p>
           <a:p>
@@ -12703,7 +11236,7 @@
               </a:lnSpc>
             </a:pPr>
             <a:r>
-              <a:rPr lang="en-US" sz="1200" dirty="0" smtClean="0"/>
+              <a:rPr lang="en-US" sz="1200" dirty="0"/>
               <a:t>Terminal Name / Type</a:t>
             </a:r>
           </a:p>
@@ -12714,7 +11247,7 @@
               </a:lnSpc>
             </a:pPr>
             <a:r>
-              <a:rPr lang="en-US" sz="1200" dirty="0" smtClean="0"/>
+              <a:rPr lang="en-US" sz="1200" dirty="0"/>
               <a:t>Terminal Has Colors</a:t>
             </a:r>
           </a:p>
@@ -12725,7 +11258,7 @@
               </a:lnSpc>
             </a:pPr>
             <a:r>
-              <a:rPr lang="en-US" sz="1200" dirty="0" smtClean="0"/>
+              <a:rPr lang="en-US" sz="1200" dirty="0"/>
               <a:t>Number of Colors</a:t>
             </a:r>
           </a:p>
@@ -12736,7 +11269,7 @@
               </a:lnSpc>
             </a:pPr>
             <a:r>
-              <a:rPr lang="en-US" sz="1200" dirty="0" smtClean="0"/>
+              <a:rPr lang="en-US" sz="1200" dirty="0"/>
               <a:t>Number of Color-Pairs</a:t>
             </a:r>
           </a:p>
@@ -12747,7 +11280,7 @@
               </a:lnSpc>
             </a:pPr>
             <a:r>
-              <a:rPr lang="en-US" sz="1200" dirty="0" smtClean="0"/>
+              <a:rPr lang="en-US" sz="1200" dirty="0"/>
               <a:t>Built-in Color Palette</a:t>
             </a:r>
           </a:p>
@@ -12758,7 +11291,7 @@
               </a:lnSpc>
             </a:pPr>
             <a:r>
-              <a:rPr lang="en-US" sz="1200" dirty="0" smtClean="0"/>
+              <a:rPr lang="en-US" sz="1200" dirty="0"/>
               <a:t>Generated “wxPython 2.8.9.2”-style Color Palette</a:t>
             </a:r>
           </a:p>
@@ -12769,7 +11302,7 @@
               </a:lnSpc>
             </a:pPr>
             <a:r>
-              <a:rPr lang="en-US" sz="1400" dirty="0" smtClean="0"/>
+              <a:rPr lang="en-US" sz="1400" dirty="0"/>
               <a:t>“wxPython 2.8.9.2”-style GUI Object configuration (including parent-child relationship(s), type, position, size, style, color-pair, title, label, border and curses GUI object handle etc.)</a:t>
             </a:r>
           </a:p>
@@ -12780,26 +11313,10 @@
               </a:lnSpc>
             </a:pPr>
             <a:r>
-              <a:rPr lang="en-US" sz="1800" dirty="0" smtClean="0"/>
-              <a:t>Logs </a:t>
-            </a:r>
-            <a:r>
               <a:rPr lang="en-US" sz="1800" dirty="0"/>
-              <a:t>the following </a:t>
-            </a:r>
-            <a:r>
-              <a:rPr lang="en-US" sz="1800" dirty="0" smtClean="0"/>
-              <a:t>run time event </a:t>
-            </a:r>
-            <a:r>
-              <a:rPr lang="en-US" sz="1800" dirty="0"/>
-              <a:t>notification </a:t>
-            </a:r>
-            <a:r>
-              <a:rPr lang="en-US" sz="1800" dirty="0" smtClean="0"/>
-              <a:t>information:</a:t>
-            </a:r>
-            <a:endParaRPr lang="en-US" sz="1400" dirty="0" smtClean="0"/>
+              <a:t>Logs the following run time event notification information:</a:t>
+            </a:r>
+            <a:endParaRPr lang="en-US" sz="1400" dirty="0"/>
           </a:p>
           <a:p>
             <a:pPr lvl="2" eaLnBrk="1" hangingPunct="1">
@@ -12808,7 +11325,7 @@
               </a:lnSpc>
             </a:pPr>
             <a:r>
-              <a:rPr lang="en-US" sz="1400" dirty="0" smtClean="0"/>
+              <a:rPr lang="en-US" sz="1400" dirty="0"/>
               <a:t>Equipment Operator event notifications</a:t>
             </a:r>
           </a:p>
@@ -12819,16 +11336,8 @@
               </a:lnSpc>
             </a:pPr>
             <a:r>
-              <a:rPr lang="en-US" sz="1400" dirty="0" smtClean="0"/>
-              <a:t>Maintenance / </a:t>
-            </a:r>
-            <a:r>
               <a:rPr lang="en-US" sz="1400" dirty="0"/>
-              <a:t>Field Service </a:t>
-            </a:r>
-            <a:r>
-              <a:rPr lang="en-US" sz="1400" dirty="0" smtClean="0"/>
-              <a:t>event notifications</a:t>
+              <a:t>Maintenance / Field Service event notifications</a:t>
             </a:r>
           </a:p>
           <a:p>
@@ -12839,19 +11348,7 @@
             </a:pPr>
             <a:r>
               <a:rPr lang="en-US" sz="1400" dirty="0"/>
-              <a:t>Developer </a:t>
-            </a:r>
-            <a:r>
-              <a:rPr lang="en-US" sz="1400" dirty="0" smtClean="0"/>
-              <a:t>Debug </a:t>
-            </a:r>
-            <a:r>
-              <a:rPr lang="en-US" sz="1400" dirty="0"/>
-              <a:t>event </a:t>
-            </a:r>
-            <a:r>
-              <a:rPr lang="en-US" sz="1400" dirty="0" smtClean="0"/>
-              <a:t>notifications</a:t>
+              <a:t>Developer Debug event notifications</a:t>
             </a:r>
           </a:p>
           <a:p>
@@ -12866,13 +11363,8 @@
             </a:r>
             <a:r>
               <a:rPr lang="en-US" sz="2400" dirty="0"/>
-              <a:t> (</a:t>
-            </a:r>
-            <a:r>
-              <a:rPr lang="en-US" sz="2400" dirty="0" smtClean="0"/>
-              <a:t>Future Log)</a:t>
-            </a:r>
-            <a:endParaRPr lang="en-US" sz="2400" dirty="0"/>
+              <a:t> (Future Log)</a:t>
+            </a:r>
           </a:p>
         </p:txBody>
       </p:sp>
@@ -12895,9 +11387,9 @@
           <a:p>
             <a:fld id="{82CC87A2-1781-440A-9FCF-DC78272C75A5}" type="datetime1">
               <a:rPr lang="en-US" smtClean="0"/>
-              <a:t>12/4/2015</a:t>
+              <a:t>12/23/2016</a:t>
             </a:fld>
-            <a:endParaRPr lang="en-US" smtClean="0"/>
+            <a:endParaRPr lang="en-US"/>
           </a:p>
         </p:txBody>
       </p:sp>
@@ -12919,7 +11411,7 @@
           <a:lstStyle/>
           <a:p>
             <a:r>
-              <a:rPr lang="en-US" dirty="0" smtClean="0"/>
+              <a:rPr lang="en-US" dirty="0"/>
               <a:t>TeamSTARS "tsWxGTUI_PyVx" Toolkit prepared &amp; presented by Richard S. Gordon</a:t>
             </a:r>
           </a:p>
@@ -12962,13 +11454,6 @@
     <a:masterClrMapping/>
   </p:clrMapOvr>
   <p:transition/>
-  <p:timing>
-    <p:tnLst>
-      <p:par>
-        <p:cTn id="1" dur="indefinite" restart="never" nodeType="tmRoot"/>
-      </p:par>
-    </p:tnLst>
-  </p:timing>
 </p:sld>
 </file>
 
@@ -13006,15 +11491,11 @@
           <a:p>
             <a:pPr eaLnBrk="1" hangingPunct="1"/>
             <a:r>
-              <a:rPr lang="en-US" dirty="0" smtClean="0"/>
-              <a:t>"wxPython 2.8.9.2" </a:t>
-            </a:r>
-            <a:r>
               <a:rPr lang="en-US" dirty="0"/>
-              <a:t>API Character-Mode Emulation </a:t>
-            </a:r>
-            <a:r>
-              <a:rPr lang="en-US" sz="4000" dirty="0" smtClean="0"/>
+              <a:t>"wxPython 2.8.9.2" API Character-Mode Emulation </a:t>
+            </a:r>
+            <a:r>
+              <a:rPr lang="en-US" sz="4000" dirty="0"/>
               <a:t>(</a:t>
             </a:r>
             <a:r>
@@ -13028,7 +11509,7 @@
               <a:t> full listing</a:t>
             </a:r>
             <a:r>
-              <a:rPr lang="en-US" sz="4000" dirty="0" smtClean="0"/>
+              <a:rPr lang="en-US" sz="4000" dirty="0"/>
               <a:t>)  </a:t>
             </a:r>
             <a:r>
@@ -13045,7 +11526,6 @@
               <a:rPr lang="en-US" sz="2000" dirty="0"/>
               <a:t>)</a:t>
             </a:r>
-            <a:endParaRPr lang="en-US" sz="2000" dirty="0" smtClean="0"/>
           </a:p>
         </p:txBody>
       </p:sp>
@@ -13070,22 +11550,21 @@
               </a:lnSpc>
             </a:pPr>
             <a:r>
-              <a:rPr lang="en-US" sz="1600" b="1" dirty="0" err="1" smtClean="0"/>
+              <a:rPr lang="en-US" sz="1600" b="1" dirty="0" err="1"/>
               <a:t>tsWxPyApp</a:t>
             </a:r>
             <a:r>
-              <a:rPr lang="en-US" sz="1600" b="1" dirty="0" smtClean="0"/>
+              <a:rPr lang="en-US" sz="1600" b="1" dirty="0"/>
               <a:t> (</a:t>
             </a:r>
             <a:r>
-              <a:rPr lang="en-US" sz="1600" b="1" dirty="0" err="1" smtClean="0"/>
+              <a:rPr lang="en-US" sz="1600" b="1" dirty="0" err="1"/>
               <a:t>PyApp</a:t>
             </a:r>
             <a:r>
-              <a:rPr lang="en-US" sz="1600" b="1" dirty="0" smtClean="0"/>
+              <a:rPr lang="en-US" sz="1600" b="1" dirty="0"/>
               <a:t>)</a:t>
             </a:r>
-            <a:endParaRPr lang="en-US" sz="1600" b="1" dirty="0"/>
           </a:p>
           <a:p>
             <a:pPr lvl="1" eaLnBrk="1" hangingPunct="1">
@@ -13094,28 +11573,20 @@
               </a:lnSpc>
             </a:pPr>
             <a:r>
-              <a:rPr lang="en-US" sz="1400" dirty="0" err="1" smtClean="0"/>
+              <a:rPr lang="en-US" sz="1400" dirty="0" err="1"/>
               <a:t>PyApp</a:t>
             </a:r>
             <a:r>
-              <a:rPr lang="en-US" sz="1400" dirty="0" smtClean="0"/>
-              <a:t> class, based </a:t>
-            </a:r>
-            <a:r>
               <a:rPr lang="en-US" sz="1400" dirty="0"/>
-              <a:t>on </a:t>
-            </a:r>
-            <a:r>
-              <a:rPr lang="en-US" sz="1400" dirty="0" err="1" smtClean="0"/>
+              <a:t> class, based on </a:t>
+            </a:r>
+            <a:r>
+              <a:rPr lang="en-US" sz="1400" dirty="0" err="1"/>
               <a:t>tsWxEvtHandler</a:t>
             </a:r>
             <a:r>
-              <a:rPr lang="en-US" sz="1400" dirty="0" smtClean="0"/>
-              <a:t>, </a:t>
-            </a:r>
-            <a:r>
               <a:rPr lang="en-US" sz="1400" dirty="0"/>
-              <a:t>to represent the application and is used to:</a:t>
+              <a:t>, to represent the application and is used to:</a:t>
             </a:r>
           </a:p>
           <a:p>
@@ -13126,15 +11597,7 @@
             </a:pPr>
             <a:r>
               <a:rPr lang="en-US" sz="1200" dirty="0"/>
-              <a:t>Bootstrap the </a:t>
-            </a:r>
-            <a:r>
-              <a:rPr lang="en-US" sz="1200" dirty="0" smtClean="0"/>
-              <a:t>“wxPython 2.8.9.2”-</a:t>
-            </a:r>
-            <a:r>
-              <a:rPr lang="en-US" sz="1200" dirty="0"/>
-              <a:t>style system and initialize the underlying GUI  toolkit</a:t>
+              <a:t>Bootstrap the “wxPython 2.8.9.2”-style system and initialize the underlying GUI  toolkit</a:t>
             </a:r>
           </a:p>
           <a:p>
@@ -13156,13 +11619,8 @@
             </a:pPr>
             <a:r>
               <a:rPr lang="en-US" sz="1200" dirty="0"/>
-              <a:t>Implement the windowing system main message or event loop, and to dispatch events to window </a:t>
-            </a:r>
-            <a:r>
-              <a:rPr lang="en-US" sz="1200" dirty="0" smtClean="0"/>
-              <a:t>instances. </a:t>
-            </a:r>
-            <a:endParaRPr lang="en-US" sz="1200" dirty="0"/>
+              <a:t>Implement the windowing system main message or event loop, and to dispatch events to window instances. </a:t>
+            </a:r>
           </a:p>
           <a:p>
             <a:pPr eaLnBrk="1" hangingPunct="1">
@@ -13171,14 +11629,14 @@
               </a:lnSpc>
             </a:pPr>
             <a:r>
-              <a:rPr lang="en-US" sz="1600" b="1" dirty="0" err="1" smtClean="0"/>
+              <a:rPr lang="en-US" sz="1600" b="1" dirty="0" err="1"/>
               <a:t>tsWxApp</a:t>
             </a:r>
             <a:r>
-              <a:rPr lang="en-US" sz="1600" b="1" dirty="0" smtClean="0"/>
+              <a:rPr lang="en-US" sz="1600" b="1" dirty="0"/>
               <a:t> (App)</a:t>
             </a:r>
-            <a:endParaRPr lang="en-US" sz="1800" b="1" dirty="0" smtClean="0"/>
+            <a:endParaRPr lang="en-US" sz="1800" b="1" dirty="0"/>
           </a:p>
           <a:p>
             <a:pPr lvl="1" eaLnBrk="1" hangingPunct="1">
@@ -13187,31 +11645,19 @@
               </a:lnSpc>
             </a:pPr>
             <a:r>
-              <a:rPr lang="en-US" sz="1400" dirty="0" smtClean="0"/>
-              <a:t>App class</a:t>
-            </a:r>
-            <a:r>
               <a:rPr lang="en-US" sz="1400" dirty="0"/>
-              <a:t>, based on </a:t>
-            </a:r>
-            <a:r>
-              <a:rPr lang="en-US" sz="1400" dirty="0" err="1" smtClean="0"/>
+              <a:t>App class, based on </a:t>
+            </a:r>
+            <a:r>
+              <a:rPr lang="en-US" sz="1400" dirty="0" err="1"/>
               <a:t>tsWxPyApp</a:t>
             </a:r>
             <a:r>
-              <a:rPr lang="en-US" sz="1400" dirty="0" smtClean="0"/>
-              <a:t>, </a:t>
-            </a:r>
-            <a:r>
               <a:rPr lang="en-US" sz="1400" dirty="0"/>
-              <a:t>to represent the application and is used </a:t>
-            </a:r>
-            <a:r>
-              <a:rPr lang="en-US" sz="1400" dirty="0" smtClean="0"/>
-              <a:t>to do the same things</a:t>
-            </a:r>
-            <a:r>
-              <a:rPr lang="en-US" sz="1200" dirty="0" smtClean="0"/>
+              <a:t>, to represent the application and is used to do the same things</a:t>
+            </a:r>
+            <a:r>
+              <a:rPr lang="en-US" sz="1200" dirty="0"/>
               <a:t>. </a:t>
             </a:r>
           </a:p>
@@ -13222,19 +11668,19 @@
               </a:lnSpc>
             </a:pPr>
             <a:r>
-              <a:rPr lang="en-US" sz="1600" b="1" dirty="0" err="1" smtClean="0"/>
+              <a:rPr lang="en-US" sz="1600" b="1" dirty="0" err="1"/>
               <a:t>tsWxPySimpleApp</a:t>
             </a:r>
             <a:r>
-              <a:rPr lang="en-US" sz="1600" b="1" dirty="0" smtClean="0"/>
+              <a:rPr lang="en-US" sz="1600" b="1" dirty="0"/>
               <a:t> (</a:t>
             </a:r>
             <a:r>
-              <a:rPr lang="en-US" sz="1600" b="1" dirty="0" err="1" smtClean="0"/>
+              <a:rPr lang="en-US" sz="1600" b="1" dirty="0" err="1"/>
               <a:t>PySimpleApp</a:t>
             </a:r>
             <a:r>
-              <a:rPr lang="en-US" sz="1600" b="1" dirty="0" smtClean="0"/>
+              <a:rPr lang="en-US" sz="1600" b="1" dirty="0"/>
               <a:t>)</a:t>
             </a:r>
             <a:endParaRPr lang="en-US" sz="1800" b="1" dirty="0"/>
@@ -13246,19 +11692,15 @@
               </a:lnSpc>
             </a:pPr>
             <a:r>
-              <a:rPr lang="en-US" sz="1400" dirty="0" err="1" smtClean="0"/>
+              <a:rPr lang="en-US" sz="1400" dirty="0" err="1"/>
               <a:t>PySimple</a:t>
             </a:r>
             <a:r>
-              <a:rPr lang="en-US" sz="1400" dirty="0" smtClean="0"/>
-              <a:t> is a simple application class</a:t>
-            </a:r>
-            <a:r>
               <a:rPr lang="en-US" sz="1400" dirty="0"/>
-              <a:t>, based on </a:t>
-            </a:r>
-            <a:r>
-              <a:rPr lang="en-US" sz="1400" dirty="0" err="1" smtClean="0"/>
+              <a:t> is a simple application class, based on </a:t>
+            </a:r>
+            <a:r>
+              <a:rPr lang="en-US" sz="1400" dirty="0" err="1"/>
               <a:t>tsWxApp</a:t>
             </a:r>
             <a:r>
@@ -13316,22 +11758,21 @@
               </a:lnSpc>
             </a:pPr>
             <a:r>
-              <a:rPr lang="en-US" sz="1600" b="1" dirty="0" err="1" smtClean="0"/>
+              <a:rPr lang="en-US" sz="1600" b="1" dirty="0" err="1"/>
               <a:t>tsWxPyOnDemandOutputWindow</a:t>
             </a:r>
             <a:r>
-              <a:rPr lang="en-US" sz="1600" b="1" dirty="0" smtClean="0"/>
+              <a:rPr lang="en-US" sz="1600" b="1" dirty="0"/>
               <a:t>  (</a:t>
             </a:r>
             <a:r>
-              <a:rPr lang="en-US" sz="1800" b="1" dirty="0" err="1" smtClean="0"/>
+              <a:rPr lang="en-US" sz="1800" b="1" dirty="0" err="1"/>
               <a:t>PyOnDemandOutputWindow</a:t>
             </a:r>
             <a:r>
-              <a:rPr lang="en-US" sz="1800" b="1" dirty="0" smtClean="0"/>
+              <a:rPr lang="en-US" sz="1800" b="1" dirty="0"/>
               <a:t>)</a:t>
             </a:r>
-            <a:endParaRPr lang="en-US" sz="1800" b="1" dirty="0"/>
           </a:p>
           <a:p>
             <a:pPr lvl="1" eaLnBrk="1" hangingPunct="1">
@@ -13340,16 +11781,12 @@
               </a:lnSpc>
             </a:pPr>
             <a:r>
-              <a:rPr lang="en-US" sz="1400" dirty="0" err="1" smtClean="0"/>
+              <a:rPr lang="en-US" sz="1400" dirty="0" err="1"/>
               <a:t>PyOnDemandOutputWindow</a:t>
             </a:r>
             <a:r>
-              <a:rPr lang="en-US" sz="1400" dirty="0" smtClean="0"/>
-              <a:t> class </a:t>
-            </a:r>
-            <a:r>
               <a:rPr lang="en-US" sz="1400" dirty="0"/>
-              <a:t>that can be used for redirecting Python </a:t>
+              <a:t> class that can be used for redirecting Python </a:t>
             </a:r>
             <a:r>
               <a:rPr lang="en-US" sz="1400" dirty="0" err="1"/>
@@ -13381,7 +11818,7 @@
           </a:p>
           <a:p>
             <a:r>
-              <a:rPr lang="en-US" sz="1600" b="1" dirty="0" err="1" smtClean="0"/>
+              <a:rPr lang="en-US" sz="1600" b="1" dirty="0" err="1"/>
               <a:t>tsWxMultiFrameEnv</a:t>
             </a:r>
             <a:endParaRPr lang="en-US" b="1" dirty="0"/>
@@ -13389,88 +11826,31 @@
           <a:p>
             <a:pPr lvl="1"/>
             <a:r>
-              <a:rPr lang="en-US" sz="1400" dirty="0" err="1" smtClean="0"/>
+              <a:rPr lang="en-US" sz="1400" dirty="0" err="1"/>
               <a:t>MultiFrameEnv</a:t>
             </a:r>
             <a:r>
-              <a:rPr lang="en-US" sz="1400" b="1" dirty="0" smtClean="0"/>
+              <a:rPr lang="en-US" sz="1400" b="1" dirty="0"/>
               <a:t> c</a:t>
             </a:r>
             <a:r>
-              <a:rPr lang="en-US" sz="1400" dirty="0" smtClean="0"/>
-              <a:t>lass </a:t>
-            </a:r>
-            <a:r>
               <a:rPr lang="en-US" sz="1400" dirty="0"/>
-              <a:t>to enable an application using </a:t>
-            </a:r>
-            <a:r>
-              <a:rPr lang="en-US" sz="1400" dirty="0" smtClean="0"/>
-              <a:t>a Command </a:t>
-            </a:r>
+              <a:t>lass to enable an application using a Command Line Interface (CLI) to launch and use the same character-mode terminal with a Graphical-style User Interface (GUI).</a:t>
+            </a:r>
+          </a:p>
+          <a:p>
+            <a:pPr lvl="1"/>
             <a:r>
               <a:rPr lang="en-US" sz="1400" dirty="0"/>
-              <a:t>Line Interface (CLI) to launch and use the same </a:t>
-            </a:r>
-            <a:r>
-              <a:rPr lang="en-US" sz="1400" dirty="0" smtClean="0"/>
-              <a:t>character-mode </a:t>
-            </a:r>
+              <a:t>It uses application specified configuration keyword-value pair options to initialize any application specific logger(s)</a:t>
+            </a:r>
+          </a:p>
+          <a:p>
+            <a:pPr lvl="1"/>
             <a:r>
               <a:rPr lang="en-US" sz="1400" dirty="0"/>
-              <a:t>terminal with a Graphical-style User Interface (GUI).</a:t>
-            </a:r>
-          </a:p>
-          <a:p>
-            <a:pPr lvl="1"/>
-            <a:r>
-              <a:rPr lang="en-US" sz="1400" dirty="0"/>
-              <a:t>It uses application specified configuration keyword-value </a:t>
-            </a:r>
-            <a:r>
-              <a:rPr lang="en-US" sz="1400" dirty="0" smtClean="0"/>
-              <a:t>pair options </a:t>
-            </a:r>
-            <a:r>
-              <a:rPr lang="en-US" sz="1400" dirty="0"/>
-              <a:t>to initialize any application specific logger(s)</a:t>
-            </a:r>
-          </a:p>
-          <a:p>
-            <a:pPr lvl="1"/>
-            <a:r>
-              <a:rPr lang="en-US" sz="1400" dirty="0"/>
-              <a:t>It wraps the CLI, underlying the GUI, and the GUI with </a:t>
-            </a:r>
-            <a:r>
-              <a:rPr lang="en-US" sz="1400" dirty="0" smtClean="0"/>
-              <a:t>exception handlers </a:t>
-            </a:r>
-            <a:r>
-              <a:rPr lang="en-US" sz="1400" dirty="0"/>
-              <a:t>to control the exit codes and </a:t>
-            </a:r>
-            <a:r>
-              <a:rPr lang="en-US" sz="1400" dirty="0" smtClean="0"/>
-              <a:t>messages </a:t>
-            </a:r>
-            <a:r>
-              <a:rPr lang="en-US" sz="1400" dirty="0"/>
-              <a:t>used </a:t>
-            </a:r>
-            <a:r>
-              <a:rPr lang="en-US" sz="1400" dirty="0" smtClean="0"/>
-              <a:t>to coordinate </a:t>
-            </a:r>
-            <a:r>
-              <a:rPr lang="en-US" sz="1400" dirty="0"/>
-              <a:t>other application programs</a:t>
-            </a:r>
-            <a:r>
-              <a:rPr lang="en-US" sz="1400" dirty="0" smtClean="0"/>
-              <a:t>.</a:t>
-            </a:r>
-            <a:endParaRPr lang="en-US" sz="1400" dirty="0"/>
+              <a:t>It wraps the CLI, underlying the GUI, and the GUI with exception handlers to control the exit codes and messages used to coordinate other application programs.</a:t>
+            </a:r>
           </a:p>
         </p:txBody>
       </p:sp>
@@ -13493,9 +11873,9 @@
           <a:p>
             <a:fld id="{82CC87A2-1781-440A-9FCF-DC78272C75A5}" type="datetime1">
               <a:rPr lang="en-US" smtClean="0"/>
-              <a:t>12/4/2015</a:t>
+              <a:t>12/23/2016</a:t>
             </a:fld>
-            <a:endParaRPr lang="en-US" smtClean="0"/>
+            <a:endParaRPr lang="en-US"/>
           </a:p>
         </p:txBody>
       </p:sp>
@@ -13517,7 +11897,7 @@
           <a:lstStyle/>
           <a:p>
             <a:r>
-              <a:rPr lang="en-US" dirty="0" smtClean="0"/>
+              <a:rPr lang="en-US" dirty="0"/>
               <a:t>TeamSTARS "tsWxGTUI_PyVx" Toolkit prepared &amp; presented by Richard S. Gordon</a:t>
             </a:r>
           </a:p>
@@ -13560,13 +11940,6 @@
     <a:masterClrMapping/>
   </p:clrMapOvr>
   <p:transition/>
-  <p:timing>
-    <p:tnLst>
-      <p:par>
-        <p:cTn id="1" dur="indefinite" restart="never" nodeType="tmRoot"/>
-      </p:par>
-    </p:tnLst>
-  </p:timing>
 </p:sld>
 </file>
 
@@ -13604,24 +11977,8 @@
           <a:p>
             <a:pPr eaLnBrk="1" hangingPunct="1"/>
             <a:r>
-              <a:rPr lang="en-US" dirty="0" smtClean="0"/>
-              <a:t>“wxPython 2.8.9.2” </a:t>
-            </a:r>
-            <a:r>
               <a:rPr lang="en-US" dirty="0"/>
-              <a:t>API </a:t>
-            </a:r>
-            <a:r>
-              <a:rPr lang="en-US" dirty="0" smtClean="0"/>
-              <a:t>Character-Mode </a:t>
-            </a:r>
-            <a:r>
-              <a:rPr lang="en-US" dirty="0"/>
-              <a:t>Emulation </a:t>
-            </a:r>
-            <a:r>
-              <a:rPr lang="en-US" dirty="0" smtClean="0"/>
-              <a:t>(</a:t>
+              <a:t>“wxPython 2.8.9.2” API Character-Mode Emulation (</a:t>
             </a:r>
             <a:r>
               <a:rPr lang="en-US" dirty="0" err="1">
@@ -13634,24 +11991,24 @@
               <a:t> full listing</a:t>
             </a:r>
             <a:r>
-              <a:rPr lang="en-US" smtClean="0"/>
+              <a:rPr lang="en-US"/>
               <a:t>) </a:t>
             </a:r>
             <a:r>
-              <a:rPr lang="en-US" sz="2000" dirty="0" smtClean="0"/>
+              <a:rPr lang="en-US" sz="2000" dirty="0"/>
               <a:t>(</a:t>
             </a:r>
             <a:r>
-              <a:rPr lang="en-US" sz="2000" dirty="0" smtClean="0">
+              <a:rPr lang="en-US" sz="2000" dirty="0">
                 <a:hlinkClick r:id="rId4" action="ppaction://hlinksldjump"/>
               </a:rPr>
               <a:t>Table of Contents</a:t>
             </a:r>
             <a:r>
-              <a:rPr lang="en-US" sz="2000" dirty="0" smtClean="0"/>
+              <a:rPr lang="en-US" sz="2000" dirty="0"/>
               <a:t>)</a:t>
             </a:r>
-            <a:endParaRPr lang="en-US" sz="3200" dirty="0" smtClean="0"/>
+            <a:endParaRPr lang="en-US" sz="3200" dirty="0"/>
           </a:p>
         </p:txBody>
       </p:sp>
@@ -13676,10 +12033,9 @@
               </a:lnSpc>
             </a:pPr>
             <a:r>
-              <a:rPr lang="en-US" sz="2000" dirty="0" smtClean="0"/>
+              <a:rPr lang="en-US" sz="2000" dirty="0"/>
               <a:t>tsWxDisplay.py</a:t>
             </a:r>
-            <a:endParaRPr lang="en-US" sz="2000" dirty="0"/>
           </a:p>
           <a:p>
             <a:pPr eaLnBrk="1" hangingPunct="1">
@@ -13710,14 +12066,13 @@
               </a:lnSpc>
             </a:pPr>
             <a:r>
-              <a:rPr lang="en-US" sz="2000" dirty="0" err="1" smtClean="0"/>
+              <a:rPr lang="en-US" sz="2000" dirty="0" err="1"/>
               <a:t>tswxPython</a:t>
             </a:r>
             <a:r>
-              <a:rPr lang="en-US" sz="2000" dirty="0" smtClean="0"/>
+              <a:rPr lang="en-US" sz="2000" dirty="0"/>
               <a:t> 2.8.9.2 Color16DataBase.py</a:t>
             </a:r>
-            <a:endParaRPr lang="en-US" sz="2000" dirty="0"/>
           </a:p>
           <a:p>
             <a:pPr eaLnBrk="1" hangingPunct="1">
@@ -13726,14 +12081,13 @@
               </a:lnSpc>
             </a:pPr>
             <a:r>
-              <a:rPr lang="en-US" sz="2000" dirty="0" err="1" smtClean="0"/>
+              <a:rPr lang="en-US" sz="2000" dirty="0" err="1"/>
               <a:t>tswxPython</a:t>
             </a:r>
             <a:r>
-              <a:rPr lang="en-US" sz="2000" dirty="0" smtClean="0"/>
+              <a:rPr lang="en-US" sz="2000" dirty="0"/>
               <a:t> 2.8.9.2 Color16SubstitutionMap.py</a:t>
             </a:r>
-            <a:endParaRPr lang="en-US" sz="2000" dirty="0"/>
           </a:p>
           <a:p>
             <a:pPr eaLnBrk="1" hangingPunct="1">
@@ -13742,14 +12096,13 @@
               </a:lnSpc>
             </a:pPr>
             <a:r>
-              <a:rPr lang="en-US" sz="2000" dirty="0" err="1" smtClean="0"/>
+              <a:rPr lang="en-US" sz="2000" dirty="0" err="1"/>
               <a:t>tswxPython</a:t>
             </a:r>
             <a:r>
-              <a:rPr lang="en-US" sz="2000" dirty="0" smtClean="0"/>
+              <a:rPr lang="en-US" sz="2000" dirty="0"/>
               <a:t> 2.8.9.2 Color256DataBase.py</a:t>
             </a:r>
-            <a:endParaRPr lang="en-US" sz="2000" dirty="0"/>
           </a:p>
           <a:p>
             <a:pPr eaLnBrk="1" hangingPunct="1">
@@ -13758,14 +12111,13 @@
               </a:lnSpc>
             </a:pPr>
             <a:r>
-              <a:rPr lang="en-US" sz="2000" dirty="0" err="1" smtClean="0"/>
+              <a:rPr lang="en-US" sz="2000" dirty="0" err="1"/>
               <a:t>tswxPython</a:t>
             </a:r>
             <a:r>
-              <a:rPr lang="en-US" sz="2000" dirty="0" smtClean="0"/>
+              <a:rPr lang="en-US" sz="2000" dirty="0"/>
               <a:t> 2.8.9.2 Color88DataBase.py</a:t>
             </a:r>
-            <a:endParaRPr lang="en-US" sz="2000" dirty="0"/>
           </a:p>
           <a:p>
             <a:pPr eaLnBrk="1" hangingPunct="1">
@@ -13774,14 +12126,13 @@
               </a:lnSpc>
             </a:pPr>
             <a:r>
-              <a:rPr lang="en-US" sz="2000" dirty="0" err="1" smtClean="0"/>
+              <a:rPr lang="en-US" sz="2000" dirty="0" err="1"/>
               <a:t>tswxPython</a:t>
             </a:r>
             <a:r>
-              <a:rPr lang="en-US" sz="2000" dirty="0" smtClean="0"/>
+              <a:rPr lang="en-US" sz="2000" dirty="0"/>
               <a:t> 2.8.9.2 Color8DataBase.py</a:t>
             </a:r>
-            <a:endParaRPr lang="en-US" sz="2000" dirty="0"/>
           </a:p>
           <a:p>
             <a:pPr eaLnBrk="1" hangingPunct="1">
@@ -13790,14 +12141,13 @@
               </a:lnSpc>
             </a:pPr>
             <a:r>
-              <a:rPr lang="en-US" sz="2000" dirty="0" err="1" smtClean="0"/>
+              <a:rPr lang="en-US" sz="2000" dirty="0" err="1"/>
               <a:t>tswxPython</a:t>
             </a:r>
             <a:r>
-              <a:rPr lang="en-US" sz="2000" dirty="0" smtClean="0"/>
+              <a:rPr lang="en-US" sz="2000" dirty="0"/>
               <a:t> 2.8.9.2 Color8SubstitutionMap.py</a:t>
             </a:r>
-            <a:endParaRPr lang="en-US" sz="2000" dirty="0"/>
           </a:p>
           <a:p>
             <a:pPr eaLnBrk="1" hangingPunct="1">
@@ -13806,14 +12156,13 @@
               </a:lnSpc>
             </a:pPr>
             <a:r>
-              <a:rPr lang="en-US" sz="2000" dirty="0" err="1" smtClean="0"/>
+              <a:rPr lang="en-US" sz="2000" dirty="0" err="1"/>
               <a:t>tswxPython</a:t>
             </a:r>
             <a:r>
-              <a:rPr lang="en-US" sz="2000" dirty="0" smtClean="0"/>
+              <a:rPr lang="en-US" sz="2000" dirty="0"/>
               <a:t> 2.8.9.2 ColorDataBaseRGB.py</a:t>
             </a:r>
-            <a:endParaRPr lang="en-US" sz="2000" dirty="0"/>
           </a:p>
           <a:p>
             <a:pPr eaLnBrk="1" hangingPunct="1">
@@ -13822,14 +12171,13 @@
               </a:lnSpc>
             </a:pPr>
             <a:r>
-              <a:rPr lang="en-US" sz="2000" dirty="0" err="1" smtClean="0"/>
+              <a:rPr lang="en-US" sz="2000" dirty="0" err="1"/>
               <a:t>tswxPython</a:t>
             </a:r>
             <a:r>
-              <a:rPr lang="en-US" sz="2000" dirty="0" smtClean="0"/>
+              <a:rPr lang="en-US" sz="2000" dirty="0"/>
               <a:t> 2.8.9.2 ColorNames.py</a:t>
             </a:r>
-            <a:endParaRPr lang="en-US" sz="2000" dirty="0"/>
           </a:p>
           <a:p>
             <a:pPr eaLnBrk="1" hangingPunct="1">
@@ -13838,14 +12186,13 @@
               </a:lnSpc>
             </a:pPr>
             <a:r>
-              <a:rPr lang="en-US" sz="2000" dirty="0" err="1" smtClean="0"/>
+              <a:rPr lang="en-US" sz="2000" dirty="0" err="1"/>
               <a:t>tswxPython</a:t>
             </a:r>
             <a:r>
-              <a:rPr lang="en-US" sz="2000" dirty="0" smtClean="0"/>
+              <a:rPr lang="en-US" sz="2000" dirty="0"/>
               <a:t> 2.8.9.2 ColorRGBNames.py</a:t>
             </a:r>
-            <a:endParaRPr lang="en-US" sz="2000" dirty="0"/>
           </a:p>
           <a:p>
             <a:pPr eaLnBrk="1" hangingPunct="1">
@@ -13854,14 +12201,13 @@
               </a:lnSpc>
             </a:pPr>
             <a:r>
-              <a:rPr lang="en-US" sz="2000" dirty="0" err="1" smtClean="0"/>
+              <a:rPr lang="en-US" sz="2000" dirty="0" err="1"/>
               <a:t>tswxPython</a:t>
             </a:r>
             <a:r>
-              <a:rPr lang="en-US" sz="2000" dirty="0" smtClean="0"/>
+              <a:rPr lang="en-US" sz="2000" dirty="0"/>
               <a:t> 2.8.9.2 ColorRGBValues.py</a:t>
             </a:r>
-            <a:endParaRPr lang="en-US" sz="2000" dirty="0"/>
           </a:p>
           <a:p>
             <a:pPr eaLnBrk="1" hangingPunct="1">
@@ -13870,11 +12216,11 @@
               </a:lnSpc>
             </a:pPr>
             <a:r>
-              <a:rPr lang="en-US" sz="2000" dirty="0" err="1" smtClean="0"/>
+              <a:rPr lang="en-US" sz="2000" dirty="0" err="1"/>
               <a:t>tswxPython</a:t>
             </a:r>
             <a:r>
-              <a:rPr lang="en-US" sz="2000" smtClean="0"/>
+              <a:rPr lang="en-US" sz="2000"/>
               <a:t> 2.8.9.2 MonochromeDataBase.py</a:t>
             </a:r>
             <a:endParaRPr lang="en-US" sz="2000" dirty="0"/>
@@ -13900,9 +12246,9 @@
           <a:p>
             <a:fld id="{82CC87A2-1781-440A-9FCF-DC78272C75A5}" type="datetime1">
               <a:rPr lang="en-US" smtClean="0"/>
-              <a:t>12/4/2015</a:t>
+              <a:t>12/23/2016</a:t>
             </a:fld>
-            <a:endParaRPr lang="en-US" smtClean="0"/>
+            <a:endParaRPr lang="en-US"/>
           </a:p>
         </p:txBody>
       </p:sp>
@@ -13924,7 +12270,7 @@
           <a:lstStyle/>
           <a:p>
             <a:r>
-              <a:rPr lang="en-US" dirty="0" smtClean="0"/>
+              <a:rPr lang="en-US" dirty="0"/>
               <a:t>TeamSTARS "tsWxGTUI_PyVx" Toolkit prepared &amp; presented by Richard S. Gordon</a:t>
             </a:r>
           </a:p>
@@ -13967,13 +12313,6 @@
     <a:masterClrMapping/>
   </p:clrMapOvr>
   <p:transition/>
-  <p:timing>
-    <p:tnLst>
-      <p:par>
-        <p:cTn id="1" dur="indefinite" restart="never" nodeType="tmRoot"/>
-      </p:par>
-    </p:tnLst>
-  </p:timing>
 </p:sld>
 </file>
 
@@ -14010,12 +12349,8 @@
           <a:lstStyle/>
           <a:p>
             <a:r>
-              <a:rPr lang="en-US" dirty="0" smtClean="0"/>
-              <a:t>"wxPython" High Level Pixel-Mode Graphical User Interface </a:t>
-            </a:r>
-            <a:r>
               <a:rPr lang="en-US" dirty="0"/>
-              <a:t>API </a:t>
+              <a:t>"wxPython" High Level Pixel-Mode Graphical User Interface API </a:t>
             </a:r>
             <a:r>
               <a:rPr lang="en-US" sz="2000" dirty="0"/>
@@ -14055,35 +12390,15 @@
           <a:lstStyle/>
           <a:p>
             <a:r>
-              <a:rPr lang="en-US" sz="1800" dirty="0" smtClean="0"/>
-              <a:t>"wxPython" Releases</a:t>
-            </a:r>
-            <a:r>
               <a:rPr lang="en-US" sz="1800" dirty="0"/>
-              <a:t>:</a:t>
+              <a:t>"wxPython" Releases:</a:t>
             </a:r>
           </a:p>
           <a:p>
             <a:pPr lvl="1"/>
             <a:r>
               <a:rPr lang="en-US" sz="1600" dirty="0"/>
-              <a:t>Mature, </a:t>
-            </a:r>
-            <a:r>
-              <a:rPr lang="en-US" sz="1600" dirty="0" smtClean="0"/>
-              <a:t>second generation </a:t>
-            </a:r>
-            <a:r>
-              <a:rPr lang="en-US" sz="1600" dirty="0"/>
-              <a:t>(2.0.0.0-2.9.5.0) was first released in </a:t>
-            </a:r>
-            <a:r>
-              <a:rPr lang="en-US" sz="1600" dirty="0" smtClean="0"/>
-              <a:t>1999 </a:t>
-            </a:r>
-            <a:r>
-              <a:rPr lang="en-US" sz="1600" dirty="0"/>
-              <a:t>and is no longer supported or available at “</a:t>
+              <a:t>Mature, second generation (2.0.0.0-2.9.5.0) was first released in 1999 and is no longer supported or available at “</a:t>
             </a:r>
             <a:r>
               <a:rPr lang="en-US" sz="1600" dirty="0">
@@ -14107,23 +12422,7 @@
             <a:pPr lvl="1"/>
             <a:r>
               <a:rPr lang="en-US" sz="1600" dirty="0"/>
-              <a:t>Evolving, </a:t>
-            </a:r>
-            <a:r>
-              <a:rPr lang="en-US" sz="1600" dirty="0" smtClean="0"/>
-              <a:t>third generation </a:t>
-            </a:r>
-            <a:r>
-              <a:rPr lang="en-US" sz="1600" dirty="0"/>
-              <a:t>(3.0.0.0-3.0.2.0) was first released in </a:t>
-            </a:r>
-            <a:r>
-              <a:rPr lang="en-US" sz="1600" dirty="0" smtClean="0"/>
-              <a:t>2013 </a:t>
-            </a:r>
-            <a:r>
-              <a:rPr lang="en-US" sz="1600" dirty="0"/>
-              <a:t>and is supported and available at “</a:t>
+              <a:t>Evolving, third generation (3.0.0.0-3.0.2.0) was first released in 2013 and is supported and available at “</a:t>
             </a:r>
             <a:r>
               <a:rPr lang="en-US" sz="1600" dirty="0">
@@ -14140,86 +12439,42 @@
             <a:pPr lvl="2"/>
             <a:r>
               <a:rPr lang="en-US" sz="1200" dirty="0"/>
-              <a:t>”wxPython” 3.x API will ultimately become the prototype for the Character-Mode Emulation</a:t>
-            </a:r>
-            <a:r>
-              <a:rPr lang="en-US" sz="1200" dirty="0" smtClean="0"/>
-              <a:t>.</a:t>
-            </a:r>
-            <a:endParaRPr lang="en-US" sz="1800" dirty="0" smtClean="0"/>
-          </a:p>
-          <a:p>
-            <a:r>
-              <a:rPr lang="en-US" sz="1800" dirty="0" smtClean="0"/>
-              <a:t>Excerpts </a:t>
-            </a:r>
+              <a:t>”wxPython” 3.x API will ultimately become the prototype for the Character-Mode Emulation.</a:t>
+            </a:r>
+            <a:endParaRPr lang="en-US" sz="1800" dirty="0"/>
+          </a:p>
+          <a:p>
             <a:r>
               <a:rPr lang="en-US" sz="1800" dirty="0"/>
-              <a:t>From Wikipedia, the free encyclopedia:</a:t>
+              <a:t>Excerpts From Wikipedia, the free encyclopedia:</a:t>
             </a:r>
           </a:p>
           <a:p>
             <a:pPr lvl="1"/>
             <a:r>
-              <a:rPr lang="en-US" sz="1600" dirty="0" smtClean="0"/>
-              <a:t>“wxPython </a:t>
-            </a:r>
-            <a:r>
               <a:rPr lang="en-US" sz="1600" dirty="0"/>
-              <a:t>is a wrapper for the cross-platform GUI API (often referred to as a 'toolkit') </a:t>
-            </a:r>
-            <a:r>
-              <a:rPr lang="en-US" sz="1600" dirty="0" smtClean="0"/>
-              <a:t>wxWidgets </a:t>
-            </a:r>
+              <a:t>“wxPython is a wrapper for the cross-platform GUI API (often referred to as a 'toolkit') wxWidgets (which is written in C++) for the Python programming language.”</a:t>
+            </a:r>
+          </a:p>
+          <a:p>
+            <a:pPr lvl="2"/>
+            <a:r>
+              <a:rPr lang="en-US" sz="1200" dirty="0"/>
+              <a:t>“In computer programming, an application programming interface (API) is a set of routines, protocols, and tools for building software applications. An API expresses a software component in terms of its operations, inputs, outputs, and underlying types. An API defines functionalities that are independent of their respective implementations, which allows definitions and implementations to vary without compromising the interface. A good API makes it easier to develop a program by providing all the building blocks. A programmer then puts the blocks together.”</a:t>
+            </a:r>
+          </a:p>
+          <a:p>
+            <a:pPr lvl="1"/>
             <a:r>
               <a:rPr lang="en-US" sz="1600" dirty="0"/>
-              <a:t>(which is written in C++) for the Python programming language</a:t>
-            </a:r>
-            <a:r>
-              <a:rPr lang="en-US" sz="1600" dirty="0" smtClean="0"/>
-              <a:t>.”</a:t>
-            </a:r>
-          </a:p>
-          <a:p>
-            <a:pPr lvl="2"/>
-            <a:r>
-              <a:rPr lang="en-US" sz="1200" dirty="0"/>
-              <a:t>“In computer programming, an application programming interface (API) is a set of routines, protocols, and tools for building software applications. An API expresses a software component in terms of its operations, inputs, outputs, and underlying types. An API defines functionalities that are independent of their respective implementations, which allows definitions and implementations to vary without compromising the interface. A good API makes it easier to develop a program by providing all the building blocks. A programmer then puts the blocks together</a:t>
-            </a:r>
-            <a:r>
-              <a:rPr lang="en-US" sz="1200" dirty="0" smtClean="0"/>
-              <a:t>.”</a:t>
+              <a:t>“It is implemented as a Python extension module (native code).“</a:t>
             </a:r>
           </a:p>
           <a:p>
             <a:pPr lvl="1"/>
             <a:r>
-              <a:rPr lang="en-US" sz="1600" dirty="0" smtClean="0"/>
-              <a:t>“It </a:t>
-            </a:r>
-            <a:r>
               <a:rPr lang="en-US" sz="1600" dirty="0"/>
-              <a:t>is implemented as a Python extension module (native code</a:t>
-            </a:r>
-            <a:r>
-              <a:rPr lang="en-US" sz="1600" dirty="0" smtClean="0"/>
-              <a:t>).“</a:t>
-            </a:r>
-          </a:p>
-          <a:p>
-            <a:pPr lvl="1"/>
-            <a:r>
-              <a:rPr lang="en-US" sz="1600" dirty="0" smtClean="0"/>
-              <a:t>“Like </a:t>
-            </a:r>
-            <a:r>
-              <a:rPr lang="en-US" sz="1600" dirty="0"/>
-              <a:t>wxWidgets, wxPython is free software</a:t>
-            </a:r>
-            <a:r>
-              <a:rPr lang="en-US" sz="1600" dirty="0" smtClean="0"/>
-              <a:t>.”</a:t>
+              <a:t>“Like wxWidgets, wxPython is free software.”</a:t>
             </a:r>
           </a:p>
         </p:txBody>
@@ -14244,7 +12499,7 @@
             </a:pPr>
             <a:fld id="{65B11A62-63AA-4067-ACEB-AA6A42CE3A38}" type="datetime1">
               <a:rPr lang="en-US" smtClean="0"/>
-              <a:t>12/4/2015</a:t>
+              <a:t>12/23/2016</a:t>
             </a:fld>
             <a:endParaRPr lang="en-US"/>
           </a:p>
@@ -14269,10 +12524,9 @@
               <a:defRPr/>
             </a:pPr>
             <a:r>
-              <a:rPr lang="en-US" dirty="0" smtClean="0"/>
+              <a:rPr lang="en-US" dirty="0"/>
               <a:t>TeamSTARS "tsWxGTUI_PyVx" Toolkit prepared &amp; presented by Richard S. Gordon</a:t>
             </a:r>
-            <a:endParaRPr lang="en-US" dirty="0"/>
           </a:p>
         </p:txBody>
       </p:sp>
@@ -14310,13 +12564,6 @@
   <p:clrMapOvr>
     <a:masterClrMapping/>
   </p:clrMapOvr>
-  <p:timing>
-    <p:tnLst>
-      <p:par>
-        <p:cTn id="1" dur="indefinite" restart="never" nodeType="tmRoot"/>
-      </p:par>
-    </p:tnLst>
-  </p:timing>
 </p:sld>
 </file>
 
@@ -14354,14 +12601,10 @@
           <a:p>
             <a:r>
               <a:rPr lang="en-US" sz="4000" dirty="0"/>
-              <a:t>Curses Terminal Control </a:t>
-            </a:r>
-            <a:r>
-              <a:rPr lang="en-US" sz="4000" dirty="0" smtClean="0"/>
-              <a:t>Library and Low Level Graphical Widgets </a:t>
-            </a:r>
-            <a:r>
-              <a:rPr lang="en-US" sz="2000" dirty="0" smtClean="0"/>
+              <a:t>Curses Terminal Control Library and Low Level Graphical Widgets </a:t>
+            </a:r>
+            <a:r>
+              <a:rPr lang="en-US" sz="2000" dirty="0"/>
               <a:t>(</a:t>
             </a:r>
             <a:r>
@@ -14371,7 +12614,7 @@
               <a:t>Table of Contents</a:t>
             </a:r>
             <a:r>
-              <a:rPr lang="en-US" sz="2000" dirty="0" smtClean="0"/>
+              <a:rPr lang="en-US" sz="2000" dirty="0"/>
               <a:t>)</a:t>
             </a:r>
             <a:endParaRPr lang="en-US" sz="3200" dirty="0"/>
@@ -14457,7 +12700,7 @@
           </a:p>
           <a:p>
             <a:r>
-              <a:rPr lang="en-US" sz="1800" smtClean="0"/>
+              <a:rPr lang="en-US" sz="1800"/>
               <a:t>Excerpts </a:t>
             </a:r>
             <a:r>
@@ -14468,24 +12711,8 @@
           <a:p>
             <a:pPr lvl="1"/>
             <a:r>
-              <a:rPr lang="en-US" sz="1200" dirty="0" smtClean="0"/>
-              <a:t>“The </a:t>
-            </a:r>
-            <a:r>
               <a:rPr lang="en-US" sz="1200" dirty="0"/>
-              <a:t>first </a:t>
-            </a:r>
-            <a:r>
-              <a:rPr lang="en-US" sz="1200" dirty="0" smtClean="0"/>
-              <a:t>curses library </a:t>
-            </a:r>
-            <a:r>
-              <a:rPr lang="en-US" sz="1200" dirty="0"/>
-              <a:t>was written by Ken Arnold and originally released with BSD UNIX, where it was used for several games, most notably Rogue. Some improvements were made to the BSD library in the 1990s as "4.4BSD" curses, e.g., to provide more than one type of video highlighting. However, those are not widely used</a:t>
-            </a:r>
-            <a:r>
-              <a:rPr lang="en-US" sz="1200" dirty="0" smtClean="0"/>
-              <a:t>.”</a:t>
+              <a:t>“The first curses library was written by Ken Arnold and originally released with BSD UNIX, where it was used for several games, most notably Rogue. Some improvements were made to the BSD library in the 1990s as "4.4BSD" curses, e.g., to provide more than one type of video highlighting. However, those are not widely used.”</a:t>
             </a:r>
           </a:p>
           <a:p>
@@ -14519,36 +12746,27 @@
               <a:t> to support his editor THE (started in 1987) as well as </a:t>
             </a:r>
             <a:r>
-              <a:rPr lang="en-US" sz="1200" dirty="0" err="1" smtClean="0"/>
+              <a:rPr lang="en-US" sz="1200" dirty="0" err="1"/>
               <a:t>Rexx</a:t>
             </a:r>
             <a:r>
-              <a:rPr lang="en-US" sz="1200" dirty="0" smtClean="0"/>
-              <a:t>/Curses, </a:t>
-            </a:r>
-            <a:r>
               <a:rPr lang="en-US" sz="1200" dirty="0"/>
-              <a:t>and PC curses (version 1.4 and earlier by Bjorn Larsson based inspired by Pavel Curtis' library before 1990.)”</a:t>
-            </a:r>
-            <a:endParaRPr lang="en-US" sz="1200" dirty="0" smtClean="0"/>
+              <a:t>/Curses, and PC curses (version 1.4 and earlier by Bjorn Larsson based inspired by Pavel Curtis' library before 1990.)”</a:t>
+            </a:r>
           </a:p>
           <a:p>
             <a:pPr lvl="1"/>
             <a:r>
-              <a:rPr lang="en-US" sz="1200" dirty="0" smtClean="0"/>
+              <a:rPr lang="en-US" sz="1200" dirty="0"/>
               <a:t>“</a:t>
             </a:r>
             <a:r>
-              <a:rPr lang="en-US" sz="1200" dirty="0" err="1" smtClean="0"/>
+              <a:rPr lang="en-US" sz="1200" dirty="0" err="1"/>
               <a:t>ncurses</a:t>
             </a:r>
             <a:r>
-              <a:rPr lang="en-US" sz="1200" dirty="0" smtClean="0"/>
-              <a:t> </a:t>
-            </a:r>
-            <a:r>
               <a:rPr lang="en-US" sz="1200" dirty="0"/>
-              <a:t>(new curses) "originated as </a:t>
+              <a:t> (new curses) "originated as </a:t>
             </a:r>
             <a:r>
               <a:rPr lang="en-US" sz="1200" dirty="0" err="1"/>
@@ -14564,11 +12782,7 @@
             </a:r>
             <a:r>
               <a:rPr lang="en-US" sz="1200" dirty="0"/>
-              <a:t> 1.8.1 in late 1993</a:t>
-            </a:r>
-            <a:r>
-              <a:rPr lang="en-US" sz="1200" dirty="0" smtClean="0"/>
-              <a:t>". </a:t>
+              <a:t> 1.8.1 in late 1993". </a:t>
             </a:r>
             <a:r>
               <a:rPr lang="en-US" sz="1200" dirty="0" err="1"/>
@@ -14584,61 +12798,29 @@
             </a:r>
             <a:r>
               <a:rPr lang="en-US" sz="1200" dirty="0"/>
-              <a:t> project</a:t>
-            </a:r>
-            <a:r>
-              <a:rPr lang="en-US" sz="1200" dirty="0" smtClean="0"/>
-              <a:t>.”</a:t>
+              <a:t> project.”</a:t>
             </a:r>
           </a:p>
           <a:p>
             <a:pPr lvl="1"/>
             <a:r>
-              <a:rPr lang="en-US" sz="1200" dirty="0" smtClean="0"/>
-              <a:t>“Curses-based </a:t>
-            </a:r>
-            <a:r>
               <a:rPr lang="en-US" sz="1200" dirty="0"/>
-              <a:t>software is software whose user interface is implemented through the </a:t>
-            </a:r>
-            <a:r>
-              <a:rPr lang="en-US" sz="1200" dirty="0" smtClean="0"/>
-              <a:t>Curses </a:t>
-            </a:r>
+              <a:t>“Curses-based software is software whose user interface is implemented through the Curses library, or a compatible library (such as New Curses).”</a:t>
+            </a:r>
+            <a:endParaRPr lang="en-US" sz="1200" u="sng" dirty="0"/>
+          </a:p>
+          <a:p>
+            <a:pPr lvl="1"/>
             <a:r>
               <a:rPr lang="en-US" sz="1200" dirty="0"/>
-              <a:t>library, or a compatible library (such as </a:t>
-            </a:r>
-            <a:r>
-              <a:rPr lang="en-US" sz="1200" dirty="0" smtClean="0"/>
-              <a:t>New Curses).”</a:t>
-            </a:r>
-            <a:endParaRPr lang="en-US" sz="1200" u="sng" dirty="0"/>
+              <a:t>“Curses is designed to facilitate GUI-like functionality on a text-only device, such as a PC running in console mode, a hardware ANSI terminal, a Telnet or SSH client, or similar.”</a:t>
+            </a:r>
           </a:p>
           <a:p>
             <a:pPr lvl="1"/>
             <a:r>
-              <a:rPr lang="en-US" sz="1200" dirty="0" smtClean="0"/>
-              <a:t>“Curses </a:t>
-            </a:r>
-            <a:r>
               <a:rPr lang="en-US" sz="1200" dirty="0"/>
-              <a:t>is designed to facilitate GUI-like functionality on a text-only device, such as a PC running in console mode, a hardware ANSI terminal, a Telnet or SSH client, or similar</a:t>
-            </a:r>
-            <a:r>
-              <a:rPr lang="en-US" sz="1200" dirty="0" smtClean="0"/>
-              <a:t>.”</a:t>
-            </a:r>
-          </a:p>
-          <a:p>
-            <a:pPr lvl="1"/>
-            <a:r>
-              <a:rPr lang="en-US" sz="1200" dirty="0"/>
-              <a:t>“Curses-based programs often have a user interface that resembles a traditional graphical user interface, including 'widgets' such as text boxes and scrollable lists, rather than the command line interface (CLI) most commonly found on text-only devices. This can make them more user-friendly than a CLI-based program, while still being able to run on text-only devices</a:t>
-            </a:r>
-            <a:r>
-              <a:rPr lang="en-US" sz="1200" dirty="0" smtClean="0"/>
-              <a:t>.”</a:t>
+              <a:t>“Curses-based programs often have a user interface that resembles a traditional graphical user interface, including 'widgets' such as text boxes and scrollable lists, rather than the command line interface (CLI) most commonly found on text-only devices. This can make them more user-friendly than a CLI-based program, while still being able to run on text-only devices.”</a:t>
             </a:r>
           </a:p>
         </p:txBody>
@@ -14663,7 +12845,7 @@
             </a:pPr>
             <a:fld id="{65B11A62-63AA-4067-ACEB-AA6A42CE3A38}" type="datetime1">
               <a:rPr lang="en-US" smtClean="0"/>
-              <a:t>12/4/2015</a:t>
+              <a:t>12/23/2016</a:t>
             </a:fld>
             <a:endParaRPr lang="en-US" dirty="0"/>
           </a:p>
@@ -14688,10 +12870,9 @@
               <a:defRPr/>
             </a:pPr>
             <a:r>
-              <a:rPr lang="en-US" dirty="0" smtClean="0"/>
+              <a:rPr lang="en-US" dirty="0"/>
               <a:t>TeamSTARS "tsWxGTUI_PyVx" Toolkit prepared &amp; presented by Richard S. Gordon</a:t>
             </a:r>
-            <a:endParaRPr lang="en-US" dirty="0"/>
           </a:p>
         </p:txBody>
       </p:sp>
@@ -14729,13 +12910,6 @@
   <p:clrMapOvr>
     <a:masterClrMapping/>
   </p:clrMapOvr>
-  <p:timing>
-    <p:tnLst>
-      <p:par>
-        <p:cTn id="1" dur="indefinite" restart="never" nodeType="tmRoot"/>
-      </p:par>
-    </p:tnLst>
-  </p:timing>
 </p:sld>
 </file>
 
@@ -14781,19 +12955,15 @@
               <a:rPr lang="en-US" sz="3600" dirty="0"/>
               <a:t>Block Diagram Relationship between</a:t>
             </a:r>
-            <a:r>
-              <a:rPr lang="en-US" sz="3600" dirty="0" smtClean="0"/>
-              <a:t/>
-            </a:r>
             <a:br>
-              <a:rPr lang="en-US" sz="3600" dirty="0" smtClean="0"/>
+              <a:rPr lang="en-US" sz="3600" dirty="0"/>
             </a:br>
             <a:r>
-              <a:rPr lang="en-US" sz="3600" dirty="0" smtClean="0"/>
+              <a:rPr lang="en-US" sz="3600" dirty="0"/>
               <a:t>GUI-Mode, CLI-Mode &amp; User</a:t>
             </a:r>
             <a:r>
-              <a:rPr lang="en-US" sz="4000" dirty="0" smtClean="0"/>
+              <a:rPr lang="en-US" sz="4000" dirty="0"/>
               <a:t> </a:t>
             </a:r>
             <a:r>
@@ -14807,10 +12977,10 @@
               <a:t>Table of Contents</a:t>
             </a:r>
             <a:r>
-              <a:rPr lang="en-US" sz="2000" dirty="0" smtClean="0"/>
+              <a:rPr lang="en-US" sz="2000" dirty="0"/>
               <a:t>)</a:t>
             </a:r>
-            <a:endParaRPr lang="en-US" sz="3200" dirty="0" smtClean="0"/>
+            <a:endParaRPr lang="en-US" sz="3200" dirty="0"/>
           </a:p>
         </p:txBody>
       </p:sp>
@@ -14861,141 +13031,117 @@
             <a:pPr eaLnBrk="1" hangingPunct="1"/>
             <a:r>
               <a:rPr lang="en-US" sz="1600" b="1" dirty="0"/>
-              <a:t>Graphical User </a:t>
-            </a:r>
-            <a:r>
-              <a:rPr lang="en-US" sz="1600" b="1" dirty="0" smtClean="0"/>
-              <a:t>Interface</a:t>
-            </a:r>
-            <a:endParaRPr lang="en-US" sz="1600" dirty="0" smtClean="0"/>
+              <a:t>Graphical User Interface</a:t>
+            </a:r>
+            <a:endParaRPr lang="en-US" sz="1600" dirty="0"/>
           </a:p>
           <a:p>
             <a:pPr lvl="1" eaLnBrk="1" hangingPunct="1"/>
             <a:r>
-              <a:rPr lang="en-US" sz="1400" dirty="0" smtClean="0"/>
+              <a:rPr lang="en-US" sz="1400" dirty="0"/>
               <a:t>High-level GUI</a:t>
             </a:r>
           </a:p>
           <a:p>
             <a:pPr lvl="2" eaLnBrk="1" hangingPunct="1"/>
             <a:r>
-              <a:rPr lang="en-US" sz="1200" dirty="0" smtClean="0"/>
+              <a:rPr lang="en-US" sz="1200" dirty="0"/>
               <a:t>Character-mode emulation of popular pixel-mode </a:t>
             </a:r>
             <a:r>
-              <a:rPr lang="en-US" sz="1200" b="1" dirty="0" smtClean="0"/>
+              <a:rPr lang="en-US" sz="1200" b="1" dirty="0"/>
               <a:t>"wxPython" 2.8.9.2</a:t>
             </a:r>
             <a:r>
-              <a:rPr lang="en-US" sz="1200" dirty="0" smtClean="0"/>
+              <a:rPr lang="en-US" sz="1200" dirty="0"/>
               <a:t> GUI API</a:t>
             </a:r>
           </a:p>
           <a:p>
             <a:pPr lvl="1" eaLnBrk="1" hangingPunct="1"/>
             <a:r>
-              <a:rPr lang="en-US" sz="1400" dirty="0" smtClean="0"/>
+              <a:rPr lang="en-US" sz="1400" dirty="0"/>
               <a:t>Low-Level Virtual Platform GUI</a:t>
             </a:r>
           </a:p>
           <a:p>
             <a:pPr lvl="2" eaLnBrk="1" hangingPunct="1"/>
             <a:r>
-              <a:rPr lang="en-US" sz="1200" dirty="0" smtClean="0"/>
-              <a:t>Popular, </a:t>
-            </a:r>
-            <a:r>
               <a:rPr lang="en-US" sz="1200" dirty="0"/>
-              <a:t>Python </a:t>
-            </a:r>
-            <a:r>
-              <a:rPr lang="en-US" sz="1200" dirty="0" smtClean="0"/>
-              <a:t>character-mode </a:t>
-            </a:r>
-            <a:r>
-              <a:rPr lang="en-US" sz="1200" b="1" dirty="0" smtClean="0"/>
+              <a:t>Popular, Python character-mode </a:t>
+            </a:r>
+            <a:r>
+              <a:rPr lang="en-US" sz="1200" b="1" dirty="0"/>
               <a:t>Curses</a:t>
             </a:r>
             <a:r>
-              <a:rPr lang="en-US" sz="1200" dirty="0" smtClean="0"/>
+              <a:rPr lang="en-US" sz="1200" dirty="0"/>
               <a:t> GUI API</a:t>
             </a:r>
-            <a:endParaRPr lang="en-US" sz="1400" b="1" dirty="0" smtClean="0"/>
+            <a:endParaRPr lang="en-US" sz="1400" b="1" dirty="0"/>
           </a:p>
           <a:p>
             <a:pPr eaLnBrk="1" hangingPunct="1"/>
             <a:r>
-              <a:rPr lang="en-US" sz="1600" b="1" dirty="0" smtClean="0"/>
+              <a:rPr lang="en-US" sz="1600" b="1" dirty="0"/>
               <a:t>Command Line Interface</a:t>
             </a:r>
-            <a:endParaRPr lang="en-US" sz="1600" dirty="0" smtClean="0"/>
+            <a:endParaRPr lang="en-US" sz="1600" dirty="0"/>
           </a:p>
           <a:p>
             <a:pPr lvl="1" eaLnBrk="1" hangingPunct="1"/>
             <a:r>
               <a:rPr lang="en-US" sz="1400" dirty="0"/>
-              <a:t>High-level </a:t>
-            </a:r>
-            <a:r>
-              <a:rPr lang="en-US" sz="1400" dirty="0" smtClean="0"/>
-              <a:t>CLI</a:t>
+              <a:t>High-level CLI</a:t>
             </a:r>
           </a:p>
           <a:p>
             <a:pPr lvl="2" eaLnBrk="1" hangingPunct="1"/>
             <a:r>
-              <a:rPr lang="en-US" sz="1200" dirty="0" smtClean="0"/>
+              <a:rPr lang="en-US" sz="1200" dirty="0"/>
               <a:t>Popular, industry standard </a:t>
             </a:r>
             <a:r>
-              <a:rPr lang="en-US" sz="1200" b="1" dirty="0" smtClean="0"/>
+              <a:rPr lang="en-US" sz="1200" b="1" dirty="0"/>
               <a:t>POSIX</a:t>
             </a:r>
             <a:r>
-              <a:rPr lang="en-US" sz="1200" dirty="0" smtClean="0"/>
+              <a:rPr lang="en-US" sz="1200" dirty="0"/>
               <a:t> API</a:t>
             </a:r>
           </a:p>
           <a:p>
             <a:pPr lvl="2" eaLnBrk="1" hangingPunct="1"/>
             <a:r>
-              <a:rPr lang="en-US" sz="1200" dirty="0" smtClean="0"/>
+              <a:rPr lang="en-US" sz="1200" dirty="0"/>
               <a:t>Available on </a:t>
             </a:r>
             <a:r>
-              <a:rPr lang="en-US" sz="1200" b="1" dirty="0" smtClean="0"/>
+              <a:rPr lang="en-US" sz="1200" b="1" dirty="0"/>
               <a:t>Linux</a:t>
             </a:r>
             <a:r>
-              <a:rPr lang="en-US" sz="1200" dirty="0" smtClean="0"/>
+              <a:rPr lang="en-US" sz="1200" dirty="0"/>
               <a:t>, </a:t>
             </a:r>
             <a:r>
-              <a:rPr lang="en-US" sz="1200" b="1" dirty="0" smtClean="0"/>
+              <a:rPr lang="en-US" sz="1200" b="1" dirty="0"/>
               <a:t>Mac OS X</a:t>
             </a:r>
             <a:r>
-              <a:rPr lang="en-US" sz="1200" dirty="0" smtClean="0"/>
+              <a:rPr lang="en-US" sz="1200" dirty="0"/>
               <a:t>, </a:t>
             </a:r>
             <a:r>
-              <a:rPr lang="en-US" sz="1200" b="1" dirty="0" smtClean="0"/>
+              <a:rPr lang="en-US" sz="1200" b="1" dirty="0"/>
               <a:t>Microsoft Windows </a:t>
             </a:r>
             <a:r>
-              <a:rPr lang="en-US" sz="1200" dirty="0" smtClean="0"/>
-              <a:t>(with free </a:t>
-            </a:r>
-            <a:r>
               <a:rPr lang="en-US" sz="1200" dirty="0"/>
-              <a:t>nisKayuna959Cygwin </a:t>
-            </a:r>
-            <a:r>
-              <a:rPr lang="en-US" sz="1200" dirty="0" smtClean="0"/>
-              <a:t>plug-in from Red Hat) and </a:t>
-            </a:r>
-            <a:r>
-              <a:rPr lang="en-US" sz="1200" b="1" dirty="0" smtClean="0"/>
+              <a:t>(with free nisKayuna959Cygwin plug-in from Red Hat) and </a:t>
+            </a:r>
+            <a:r>
+              <a:rPr lang="en-US" sz="1200" b="1" dirty="0"/>
               <a:t>Unix</a:t>
             </a:r>
           </a:p>
@@ -15003,96 +13149,91 @@
             <a:pPr lvl="1" eaLnBrk="1" hangingPunct="1"/>
             <a:r>
               <a:rPr lang="en-US" sz="1400" dirty="0"/>
-              <a:t>Low-Level Virtual Platform </a:t>
-            </a:r>
-            <a:r>
-              <a:rPr lang="en-US" sz="1400" dirty="0" smtClean="0"/>
-              <a:t>CLI</a:t>
-            </a:r>
-            <a:endParaRPr lang="en-US" sz="1400" dirty="0"/>
+              <a:t>Low-Level Virtual Platform CLI</a:t>
+            </a:r>
           </a:p>
           <a:p>
             <a:pPr lvl="2" eaLnBrk="1" hangingPunct="1"/>
             <a:r>
-              <a:rPr lang="en-US" sz="1200" dirty="0" smtClean="0"/>
+              <a:rPr lang="en-US" sz="1200" dirty="0"/>
               <a:t>Python “</a:t>
             </a:r>
             <a:r>
-              <a:rPr lang="en-US" sz="1200" b="1" dirty="0" err="1" smtClean="0"/>
+              <a:rPr lang="en-US" sz="1200" b="1" dirty="0" err="1"/>
               <a:t>argparse</a:t>
             </a:r>
             <a:r>
-              <a:rPr lang="en-US" sz="1200" dirty="0" smtClean="0"/>
+              <a:rPr lang="en-US" sz="1200" dirty="0"/>
               <a:t>”, “</a:t>
             </a:r>
             <a:r>
-              <a:rPr lang="en-US" sz="1200" b="1" dirty="0" err="1" smtClean="0"/>
+              <a:rPr lang="en-US" sz="1200" b="1" dirty="0" err="1"/>
               <a:t>optparse</a:t>
             </a:r>
             <a:r>
-              <a:rPr lang="en-US" sz="1200" dirty="0" smtClean="0"/>
+              <a:rPr lang="en-US" sz="1200" dirty="0"/>
               <a:t>” or “</a:t>
             </a:r>
             <a:r>
-              <a:rPr lang="en-US" sz="1200" b="1" dirty="0" err="1" smtClean="0"/>
+              <a:rPr lang="en-US" sz="1200" b="1" dirty="0" err="1"/>
               <a:t>getopt</a:t>
             </a:r>
             <a:r>
-              <a:rPr lang="en-US" sz="1200" dirty="0" smtClean="0"/>
+              <a:rPr lang="en-US" sz="1200" dirty="0"/>
               <a:t>” API</a:t>
             </a:r>
-            <a:endParaRPr lang="en-US" sz="1400" b="1" dirty="0" smtClean="0"/>
+            <a:endParaRPr lang="en-US" sz="1400" b="1" dirty="0"/>
           </a:p>
           <a:p>
             <a:pPr eaLnBrk="1" hangingPunct="1"/>
             <a:r>
-              <a:rPr lang="en-US" sz="1600" b="1" dirty="0" smtClean="0"/>
+              <a:rPr lang="en-US" sz="1600" b="1" dirty="0"/>
               <a:t>Operator’s Computer Terminal</a:t>
             </a:r>
           </a:p>
           <a:p>
             <a:pPr lvl="1" eaLnBrk="1" hangingPunct="1"/>
             <a:r>
-              <a:rPr lang="en-US" sz="1400" dirty="0" smtClean="0"/>
+              <a:rPr lang="en-US" sz="1400" dirty="0"/>
               <a:t>Output (Text or optional Graphics </a:t>
             </a:r>
             <a:r>
-              <a:rPr lang="en-US" sz="1400" b="1" dirty="0" smtClean="0"/>
+              <a:rPr lang="en-US" sz="1400" b="1" dirty="0"/>
               <a:t>Display</a:t>
             </a:r>
             <a:r>
-              <a:rPr lang="en-US" sz="1400" dirty="0" smtClean="0"/>
+              <a:rPr lang="en-US" sz="1400" dirty="0"/>
               <a:t> and optional </a:t>
             </a:r>
             <a:r>
-              <a:rPr lang="en-US" sz="1400" b="1" dirty="0" smtClean="0"/>
+              <a:rPr lang="en-US" sz="1400" b="1" dirty="0"/>
               <a:t>Printer</a:t>
             </a:r>
             <a:r>
-              <a:rPr lang="en-US" sz="1400" dirty="0" smtClean="0"/>
+              <a:rPr lang="en-US" sz="1400" dirty="0"/>
               <a:t>)</a:t>
             </a:r>
           </a:p>
           <a:p>
             <a:pPr lvl="1" eaLnBrk="1" hangingPunct="1"/>
             <a:r>
-              <a:rPr lang="en-US" sz="1400" dirty="0" smtClean="0"/>
+              <a:rPr lang="en-US" sz="1400" dirty="0"/>
               <a:t>Input (</a:t>
             </a:r>
             <a:r>
-              <a:rPr lang="en-US" sz="1400" b="1" dirty="0" smtClean="0"/>
+              <a:rPr lang="en-US" sz="1400" b="1" dirty="0"/>
               <a:t>Keyboard</a:t>
             </a:r>
             <a:r>
-              <a:rPr lang="en-US" sz="1400" dirty="0" smtClean="0"/>
+              <a:rPr lang="en-US" sz="1400" dirty="0"/>
               <a:t> and </a:t>
             </a:r>
             <a:r>
-              <a:rPr lang="en-US" sz="1400" b="1" dirty="0" smtClean="0"/>
+              <a:rPr lang="en-US" sz="1400" b="1" dirty="0"/>
               <a:t>Mouse</a:t>
             </a:r>
             <a:r>
-              <a:rPr lang="en-US" sz="1400" dirty="0" smtClean="0"/>
+              <a:rPr lang="en-US" sz="1400" dirty="0"/>
               <a:t>)</a:t>
             </a:r>
           </a:p>
@@ -15117,9 +13258,9 @@
           <a:p>
             <a:fld id="{C4CD0F24-D883-406C-B918-66E9EB5E340B}" type="datetime1">
               <a:rPr lang="en-US" smtClean="0"/>
-              <a:t>12/4/2015</a:t>
+              <a:t>12/23/2016</a:t>
             </a:fld>
-            <a:endParaRPr lang="en-US" smtClean="0"/>
+            <a:endParaRPr lang="en-US"/>
           </a:p>
         </p:txBody>
       </p:sp>
@@ -15141,7 +13282,7 @@
           <a:lstStyle/>
           <a:p>
             <a:r>
-              <a:rPr lang="en-US" dirty="0" smtClean="0"/>
+              <a:rPr lang="en-US" dirty="0"/>
               <a:t>TeamSTARS "tsWxGTUI_PyVx" Toolkit prepared &amp; presented by Richard S. Gordon</a:t>
             </a:r>
           </a:p>
@@ -15184,13 +13325,6 @@
     <a:masterClrMapping/>
   </p:clrMapOvr>
   <p:transition/>
-  <p:timing>
-    <p:tnLst>
-      <p:par>
-        <p:cTn id="1" dur="indefinite" restart="never" nodeType="tmRoot"/>
-      </p:par>
-    </p:tnLst>
-  </p:timing>
 </p:sld>
 </file>
 
@@ -15229,14 +13363,10 @@
             <a:pPr lvl="1" eaLnBrk="1" hangingPunct="1"/>
             <a:r>
               <a:rPr lang="en-US" sz="3600" dirty="0"/>
-              <a:t>Sample “wxPython” </a:t>
-            </a:r>
-            <a:r>
-              <a:rPr lang="en-US" sz="3600" dirty="0" smtClean="0"/>
-              <a:t>Character-Mode Emulation Display (GUI) </a:t>
-            </a:r>
-            <a:r>
-              <a:rPr lang="en-US" sz="2000" dirty="0" smtClean="0"/>
+              <a:t>Sample “wxPython” Character-Mode Emulation Display (GUI) </a:t>
+            </a:r>
+            <a:r>
+              <a:rPr lang="en-US" sz="2000" dirty="0"/>
               <a:t>(</a:t>
             </a:r>
             <a:r>
@@ -15246,10 +13376,10 @@
               <a:t>Table of Contents</a:t>
             </a:r>
             <a:r>
-              <a:rPr lang="en-US" sz="2000" dirty="0" smtClean="0"/>
+              <a:rPr lang="en-US" sz="2000" dirty="0"/>
               <a:t>)</a:t>
             </a:r>
-            <a:endParaRPr lang="en-US" sz="3200" dirty="0" smtClean="0"/>
+            <a:endParaRPr lang="en-US" sz="3200" dirty="0"/>
           </a:p>
         </p:txBody>
       </p:sp>
@@ -15282,59 +13412,15 @@
           <a:p>
             <a:pPr lvl="1" eaLnBrk="1" hangingPunct="1"/>
             <a:r>
-              <a:rPr lang="en-US" sz="1200" dirty="0" smtClean="0"/>
-              <a:t>An organized assortment of pictorial icons (buttons, checkboxes, radio boxes &amp; buttons, scrollbar arrows &amp; gauges etc.), visual </a:t>
-            </a:r>
-            <a:r>
               <a:rPr lang="en-US" sz="1200" dirty="0"/>
-              <a:t>indicators </a:t>
-            </a:r>
-            <a:r>
-              <a:rPr lang="en-US" sz="1200" dirty="0" smtClean="0"/>
-              <a:t>(border &amp; separator lines, boxes, and textual titles, labels and content) which appear only when needed, </a:t>
-            </a:r>
-            <a:r>
-              <a:rPr lang="en-US" sz="1200" dirty="0"/>
-              <a:t>as </a:t>
-            </a:r>
-            <a:r>
-              <a:rPr lang="en-US" sz="1200" dirty="0" smtClean="0"/>
-              <a:t>opposed </a:t>
-            </a:r>
-            <a:r>
-              <a:rPr lang="en-US" sz="1200" dirty="0"/>
-              <a:t>to </a:t>
-            </a:r>
-            <a:r>
-              <a:rPr lang="en-US" sz="1200" dirty="0" smtClean="0"/>
-              <a:t>the </a:t>
-            </a:r>
-            <a:r>
-              <a:rPr lang="en-US" sz="1200" dirty="0"/>
-              <a:t>scrolled </a:t>
-            </a:r>
-            <a:r>
-              <a:rPr lang="en-US" sz="1200" dirty="0" smtClean="0"/>
-              <a:t>chronological </a:t>
-            </a:r>
-            <a:r>
-              <a:rPr lang="en-US" sz="1200" dirty="0"/>
-              <a:t>text-only </a:t>
-            </a:r>
-            <a:r>
-              <a:rPr lang="en-US" sz="1200" dirty="0" smtClean="0"/>
-              <a:t>output of a Command Line Interface.</a:t>
+              <a:t>An organized assortment of pictorial icons (buttons, checkboxes, radio boxes &amp; buttons, scrollbar arrows &amp; gauges etc.), visual indicators (border &amp; separator lines, boxes, and textual titles, labels and content) which appear only when needed, as opposed to the scrolled chronological text-only output of a Command Line Interface.</a:t>
             </a:r>
           </a:p>
           <a:p>
             <a:pPr lvl="2" eaLnBrk="1" hangingPunct="1"/>
             <a:r>
-              <a:rPr lang="en-US" sz="1000" b="1" dirty="0" smtClean="0"/>
-              <a:t>Blue </a:t>
-            </a:r>
-            <a:r>
               <a:rPr lang="en-US" sz="1000" b="1" dirty="0"/>
-              <a:t>Frame </a:t>
+              <a:t>Blue Frame </a:t>
             </a:r>
             <a:r>
               <a:rPr lang="en-US" sz="1000" dirty="0"/>
@@ -15361,12 +13447,8 @@
               <a:t>partially hidden</a:t>
             </a:r>
             <a:r>
-              <a:rPr lang="en-US" sz="1000" dirty="0" smtClean="0"/>
-              <a:t>) with </a:t>
-            </a:r>
-            <a:r>
               <a:rPr lang="en-US" sz="1000" dirty="0"/>
-              <a:t>Title, Menu Bar, Horizontal &amp; Vertical Gauges, Check Boxes and Status Bar</a:t>
+              <a:t>) with Title, Menu Bar, Horizontal &amp; Vertical Gauges, Check Boxes and Status Bar</a:t>
             </a:r>
           </a:p>
           <a:p>
@@ -15388,12 +13470,8 @@
               <a:t>Application</a:t>
             </a:r>
             <a:r>
-              <a:rPr lang="en-US" sz="1000" dirty="0" smtClean="0"/>
-              <a:t>) with </a:t>
-            </a:r>
-            <a:r>
               <a:rPr lang="en-US" sz="1000" dirty="0"/>
-              <a:t>Title, Window Control Buttons, Radio Boxes and Radio Buttons</a:t>
+              <a:t>) with Title, Window Control Buttons, Radio Boxes and Radio Buttons</a:t>
             </a:r>
           </a:p>
           <a:p>
@@ -15427,40 +13505,12 @@
               <a:t>Application Option</a:t>
             </a:r>
             <a:r>
-              <a:rPr lang="en-US" sz="1000" b="1" dirty="0" smtClean="0"/>
+              <a:rPr lang="en-US" sz="1000" b="1" dirty="0"/>
               <a:t>) w</a:t>
             </a:r>
             <a:r>
-              <a:rPr lang="en-US" sz="1000" dirty="0" smtClean="0"/>
-              <a:t>ith </a:t>
-            </a:r>
-            <a:r>
               <a:rPr lang="en-US" sz="1000" dirty="0"/>
-              <a:t>Title and Output of </a:t>
-            </a:r>
-            <a:r>
-              <a:rPr lang="en-US" sz="1000" dirty="0" smtClean="0"/>
-              <a:t>Date</a:t>
-            </a:r>
-            <a:r>
-              <a:rPr lang="en-US" sz="1000" dirty="0"/>
-              <a:t>, Time &amp; Severity-level </a:t>
-            </a:r>
-            <a:r>
-              <a:rPr lang="en-US" sz="1000" dirty="0" smtClean="0"/>
-              <a:t>() </a:t>
-            </a:r>
-            <a:r>
-              <a:rPr lang="en-US" sz="1000" dirty="0"/>
-              <a:t>CRITICAL, ERROR, ALARM, INFO, </a:t>
-            </a:r>
-            <a:r>
-              <a:rPr lang="en-US" sz="1000" dirty="0" smtClean="0"/>
-              <a:t>DEBUG etc.) stamped </a:t>
-            </a:r>
-            <a:r>
-              <a:rPr lang="en-US" sz="1000" dirty="0"/>
-              <a:t>event notifications (</a:t>
+              <a:t>ith Title and Output of Date, Time &amp; Severity-level () CRITICAL, ERROR, ALARM, INFO, DEBUG etc.) stamped event notifications (</a:t>
             </a:r>
             <a:r>
               <a:rPr lang="en-US" sz="1000" b="1" dirty="0">
@@ -15514,62 +13564,33 @@
               <a:t>Application Option</a:t>
             </a:r>
             <a:r>
-              <a:rPr lang="en-US" sz="1000" b="1" dirty="0" smtClean="0"/>
+              <a:rPr lang="en-US" sz="1000" b="1" dirty="0"/>
               <a:t>) w</a:t>
             </a:r>
             <a:r>
-              <a:rPr lang="en-US" sz="1000" dirty="0" smtClean="0"/>
-              <a:t>ith </a:t>
-            </a:r>
-            <a:r>
               <a:rPr lang="en-US" sz="1000" dirty="0"/>
-              <a:t>Title, Application Frame &amp; Dialog Focus Control Buttons and Output </a:t>
-            </a:r>
-            <a:r>
-              <a:rPr lang="en-US" sz="1000" dirty="0" smtClean="0"/>
-              <a:t>of Network </a:t>
-            </a:r>
-            <a:r>
-              <a:rPr lang="en-US" sz="1000" dirty="0"/>
-              <a:t>(Name or IP-Address) &amp;  Program </a:t>
-            </a:r>
-            <a:r>
-              <a:rPr lang="en-US" sz="1000" dirty="0" smtClean="0"/>
-              <a:t>Name; Idle </a:t>
-            </a:r>
-            <a:r>
-              <a:rPr lang="en-US" sz="1000" dirty="0"/>
-              <a:t>Time Spinner and Current Date &amp; </a:t>
-            </a:r>
-            <a:r>
-              <a:rPr lang="en-US" sz="1000" dirty="0" smtClean="0"/>
-              <a:t>Time</a:t>
-            </a:r>
-            <a:endParaRPr lang="en-US" sz="1000" dirty="0"/>
+              <a:t>ith Title, Application Frame &amp; Dialog Focus Control Buttons and Output of Network (Name or IP-Address) &amp;  Program Name; Idle Time Spinner and Current Date &amp; Time</a:t>
+            </a:r>
           </a:p>
           <a:p>
             <a:pPr eaLnBrk="1" hangingPunct="1"/>
             <a:r>
               <a:rPr lang="en-US" sz="1400" b="1" dirty="0"/>
-              <a:t>Input from the User</a:t>
-            </a:r>
-            <a:r>
-              <a:rPr lang="en-US" sz="1400" b="1" dirty="0" smtClean="0"/>
-              <a:t>: </a:t>
+              <a:t>Input from the User: </a:t>
             </a:r>
           </a:p>
           <a:p>
             <a:pPr lvl="1" eaLnBrk="1" hangingPunct="1"/>
             <a:r>
-              <a:rPr lang="en-US" sz="1200" b="1" dirty="0" smtClean="0"/>
+              <a:rPr lang="en-US" sz="1200" b="1" dirty="0"/>
               <a:t>Mouse Button </a:t>
             </a:r>
             <a:r>
-              <a:rPr lang="en-US" sz="1200" dirty="0" smtClean="0"/>
+              <a:rPr lang="en-US" sz="1200" dirty="0"/>
               <a:t>pressed, released, clicked (single, double, triple) (</a:t>
             </a:r>
             <a:r>
-              <a:rPr lang="en-US" sz="1200" b="1" dirty="0" smtClean="0">
+              <a:rPr lang="en-US" sz="1200" b="1" dirty="0">
                 <a:solidFill>
                   <a:srgbClr val="FF0000"/>
                 </a:solidFill>
@@ -15577,30 +13598,22 @@
               <a:t>none in this example</a:t>
             </a:r>
             <a:r>
-              <a:rPr lang="en-US" sz="1200" dirty="0" smtClean="0"/>
+              <a:rPr lang="en-US" sz="1200" dirty="0"/>
               <a:t>) </a:t>
             </a:r>
           </a:p>
           <a:p>
             <a:pPr lvl="1" eaLnBrk="1" hangingPunct="1"/>
             <a:r>
-              <a:rPr lang="en-US" sz="1200" b="1" dirty="0" smtClean="0"/>
+              <a:rPr lang="en-US" sz="1200" b="1" dirty="0"/>
               <a:t>Keyboard Button </a:t>
             </a:r>
             <a:r>
-              <a:rPr lang="en-US" sz="1200" dirty="0" smtClean="0"/>
-              <a:t>with </a:t>
-            </a:r>
-            <a:r>
               <a:rPr lang="en-US" sz="1200" dirty="0"/>
-              <a:t>text input </a:t>
-            </a:r>
-            <a:r>
-              <a:rPr lang="en-US" sz="1200" dirty="0" smtClean="0"/>
-              <a:t>(</a:t>
-            </a:r>
-            <a:r>
-              <a:rPr lang="en-US" sz="1200" b="1" dirty="0" smtClean="0">
+              <a:t>with text input (</a:t>
+            </a:r>
+            <a:r>
+              <a:rPr lang="en-US" sz="1200" b="1" dirty="0">
                 <a:solidFill>
                   <a:srgbClr val="FF0000"/>
                 </a:solidFill>
@@ -15608,24 +13621,8 @@
               <a:t>none in this example</a:t>
             </a:r>
             <a:r>
-              <a:rPr lang="en-US" sz="1200" dirty="0" smtClean="0"/>
-              <a:t>)  inserted</a:t>
-            </a:r>
-            <a:r>
               <a:rPr lang="en-US" sz="1200" dirty="0"/>
-              <a:t>, within </a:t>
-            </a:r>
-            <a:r>
-              <a:rPr lang="en-US" sz="1200" dirty="0" smtClean="0"/>
-              <a:t>any application designated </a:t>
-            </a:r>
-            <a:r>
-              <a:rPr lang="en-US" sz="1200" dirty="0"/>
-              <a:t>GUI </a:t>
-            </a:r>
-            <a:r>
-              <a:rPr lang="en-US" sz="1200" dirty="0" smtClean="0"/>
-              <a:t>object, as it is echoed in front of the moving cursor prompt character (under-line/block) with optional blink.</a:t>
+              <a:t>)  inserted, within any application designated GUI object, as it is echoed in front of the moving cursor prompt character (under-line/block) with optional blink.</a:t>
             </a:r>
           </a:p>
         </p:txBody>
@@ -15649,9 +13646,9 @@
           <a:p>
             <a:fld id="{C3FB1654-67BB-4BFC-9431-2E9085587B48}" type="datetime1">
               <a:rPr lang="en-US" smtClean="0"/>
-              <a:t>12/4/2015</a:t>
+              <a:t>12/23/2016</a:t>
             </a:fld>
-            <a:endParaRPr lang="en-US" smtClean="0"/>
+            <a:endParaRPr lang="en-US"/>
           </a:p>
         </p:txBody>
       </p:sp>
@@ -15673,7 +13670,7 @@
           <a:lstStyle/>
           <a:p>
             <a:r>
-              <a:rPr lang="en-US" dirty="0" smtClean="0"/>
+              <a:rPr lang="en-US" dirty="0"/>
               <a:t>TeamSTARS "tsWxGTUI_PyVx" Toolkit prepared &amp; presented by Richard S. Gordon</a:t>
             </a:r>
           </a:p>
@@ -15740,13 +13737,6 @@
     <a:masterClrMapping/>
   </p:clrMapOvr>
   <p:transition/>
-  <p:timing>
-    <p:tnLst>
-      <p:par>
-        <p:cTn id="1" dur="indefinite" restart="never" nodeType="tmRoot"/>
-      </p:par>
-    </p:tnLst>
-  </p:timing>
 </p:sld>
 </file>
 
@@ -15789,33 +13779,29 @@
           <a:p>
             <a:pPr lvl="1" eaLnBrk="1" hangingPunct="1"/>
             <a:r>
-              <a:rPr lang="en-US" sz="6000" dirty="0" smtClean="0"/>
+              <a:rPr lang="en-US" sz="6000" dirty="0"/>
               <a:t>“wxPython” API Classes </a:t>
             </a:r>
             <a:r>
-              <a:rPr lang="en-US" dirty="0" smtClean="0"/>
+              <a:rPr lang="en-US" dirty="0"/>
               <a:t>(</a:t>
             </a:r>
             <a:r>
-              <a:rPr lang="en-US" dirty="0" err="1" smtClean="0">
+              <a:rPr lang="en-US" dirty="0" err="1">
                 <a:hlinkClick r:id="rId3"/>
               </a:rPr>
               <a:t>tsLibGUI</a:t>
             </a:r>
             <a:r>
               <a:rPr lang="en-US" i="1" dirty="0"/>
-              <a:t> full </a:t>
-            </a:r>
-            <a:r>
-              <a:rPr lang="en-US" i="1" dirty="0" smtClean="0"/>
-              <a:t>listing</a:t>
-            </a:r>
-            <a:r>
-              <a:rPr lang="en-US" dirty="0" smtClean="0"/>
+              <a:t> full listing</a:t>
+            </a:r>
+            <a:r>
+              <a:rPr lang="en-US" dirty="0"/>
               <a:t>)</a:t>
             </a:r>
             <a:r>
-              <a:rPr lang="en-US" sz="4000" dirty="0" smtClean="0"/>
+              <a:rPr lang="en-US" sz="4000" dirty="0"/>
               <a:t> </a:t>
             </a:r>
             <a:r>
@@ -15829,10 +13815,10 @@
               <a:t>Table of Contents</a:t>
             </a:r>
             <a:r>
-              <a:rPr lang="en-US" sz="2000" dirty="0" smtClean="0"/>
+              <a:rPr lang="en-US" sz="2000" dirty="0"/>
               <a:t>)</a:t>
             </a:r>
-            <a:endParaRPr lang="en-US" sz="2800" dirty="0" smtClean="0"/>
+            <a:endParaRPr lang="en-US" sz="2800" dirty="0"/>
           </a:p>
         </p:txBody>
       </p:sp>
@@ -15858,19 +13844,19 @@
               <a:buNone/>
             </a:pPr>
             <a:r>
-              <a:rPr lang="en-US" sz="1800" b="1" i="1" dirty="0" smtClean="0"/>
+              <a:rPr lang="en-US" sz="1800" b="1" i="1" dirty="0"/>
               <a:t>Category: </a:t>
             </a:r>
             <a:r>
-              <a:rPr lang="en-US" sz="1800" i="1" dirty="0" smtClean="0"/>
+              <a:rPr lang="en-US" sz="1800" i="1" dirty="0"/>
               <a:t>Module</a:t>
             </a:r>
             <a:r>
-              <a:rPr lang="en-US" sz="1800" b="1" i="1" dirty="0" smtClean="0"/>
+              <a:rPr lang="en-US" sz="1800" b="1" i="1" dirty="0"/>
               <a:t> </a:t>
             </a:r>
             <a:r>
-              <a:rPr lang="en-US" sz="1800" i="1" dirty="0" smtClean="0"/>
+              <a:rPr lang="en-US" sz="1800" i="1" dirty="0"/>
               <a:t>File Name (Class Name)</a:t>
             </a:r>
           </a:p>
@@ -15881,16 +13867,8 @@
               </a:lnSpc>
             </a:pPr>
             <a:r>
-              <a:rPr lang="en-US" sz="1800" b="1" dirty="0" smtClean="0"/>
-              <a:t>"wxPython" 2.8.9.2 </a:t>
-            </a:r>
-            <a:r>
               <a:rPr lang="en-US" sz="1800" b="1" dirty="0"/>
-              <a:t>Application </a:t>
-            </a:r>
-            <a:r>
-              <a:rPr lang="en-US" sz="1800" b="1" dirty="0" smtClean="0"/>
-              <a:t>Launchers</a:t>
+              <a:t>"wxPython" 2.8.9.2 Application Launchers</a:t>
             </a:r>
           </a:p>
           <a:p>
@@ -15900,11 +13878,11 @@
               </a:lnSpc>
             </a:pPr>
             <a:r>
-              <a:rPr lang="en-US" sz="1600" dirty="0" smtClean="0"/>
+              <a:rPr lang="en-US" sz="1600" dirty="0"/>
               <a:t>tsWxPyApp.py (</a:t>
             </a:r>
             <a:r>
-              <a:rPr lang="en-US" sz="1600" dirty="0" err="1" smtClean="0"/>
+              <a:rPr lang="en-US" sz="1600" dirty="0" err="1"/>
               <a:t>PyApp</a:t>
             </a:r>
             <a:r>
@@ -15919,8 +13897,24 @@
               </a:lnSpc>
             </a:pPr>
             <a:r>
-              <a:rPr lang="en-US" sz="1600" dirty="0" smtClean="0"/>
-              <a:t>tsWxApp.py (App</a:t>
+              <a:rPr lang="en-US" sz="1600" dirty="0"/>
+              <a:t>tsWxApp.py (App)</a:t>
+            </a:r>
+            <a:endParaRPr lang="en-US" sz="1800" dirty="0"/>
+          </a:p>
+          <a:p>
+            <a:pPr lvl="1" eaLnBrk="1" hangingPunct="1">
+              <a:lnSpc>
+                <a:spcPct val="80000"/>
+              </a:lnSpc>
+            </a:pPr>
+            <a:r>
+              <a:rPr lang="en-US" sz="1600" dirty="0"/>
+              <a:t>tsWxPySimpleApp.py (</a:t>
+            </a:r>
+            <a:r>
+              <a:rPr lang="en-US" sz="1600" dirty="0" err="1"/>
+              <a:t>PySimpleApp</a:t>
             </a:r>
             <a:r>
               <a:rPr lang="en-US" sz="1600" dirty="0"/>
@@ -15929,24 +13923,67 @@
             <a:endParaRPr lang="en-US" sz="1800" dirty="0"/>
           </a:p>
           <a:p>
+            <a:pPr eaLnBrk="1" hangingPunct="1">
+              <a:lnSpc>
+                <a:spcPct val="80000"/>
+              </a:lnSpc>
+            </a:pPr>
+            <a:r>
+              <a:rPr lang="en-US" sz="1800" b="1" dirty="0"/>
+              <a:t>Top-Level "wxPython" 2.8.9.2 Objects</a:t>
+            </a:r>
+          </a:p>
+          <a:p>
             <a:pPr lvl="1" eaLnBrk="1" hangingPunct="1">
               <a:lnSpc>
                 <a:spcPct val="80000"/>
               </a:lnSpc>
             </a:pPr>
             <a:r>
-              <a:rPr lang="en-US" sz="1600" dirty="0" smtClean="0"/>
-              <a:t>tsWxPySimpleApp.py (</a:t>
-            </a:r>
-            <a:r>
-              <a:rPr lang="en-US" sz="1600" dirty="0" err="1" smtClean="0"/>
-              <a:t>PySimpleApp</a:t>
-            </a:r>
-            <a:r>
-              <a:rPr lang="en-US" sz="1600" dirty="0" smtClean="0"/>
+              <a:rPr lang="en-US" sz="1600" dirty="0"/>
+              <a:t>tsWxFrame.py (Frame)</a:t>
+            </a:r>
+          </a:p>
+          <a:p>
+            <a:pPr lvl="1" eaLnBrk="1" hangingPunct="1">
+              <a:lnSpc>
+                <a:spcPct val="80000"/>
+              </a:lnSpc>
+            </a:pPr>
+            <a:r>
+              <a:rPr lang="en-US" sz="1600" dirty="0"/>
+              <a:t>tsWxDialog.py (Dialog)</a:t>
+            </a:r>
+          </a:p>
+          <a:p>
+            <a:pPr lvl="1" eaLnBrk="1" hangingPunct="1">
+              <a:lnSpc>
+                <a:spcPct val="80000"/>
+              </a:lnSpc>
+            </a:pPr>
+            <a:r>
+              <a:rPr lang="en-US" sz="1600" dirty="0"/>
+              <a:t>tsWxPyOnDemandOutputWindow.py (Frame for </a:t>
+            </a:r>
+            <a:r>
+              <a:rPr lang="en-US" sz="1600" dirty="0" err="1"/>
+              <a:t>RedirectedOutput</a:t>
+            </a:r>
+            <a:r>
+              <a:rPr lang="en-US" sz="1600" dirty="0"/>
               <a:t>)</a:t>
             </a:r>
-            <a:endParaRPr lang="en-US" sz="1800" dirty="0" smtClean="0"/>
+          </a:p>
+          <a:p>
+            <a:pPr lvl="1" eaLnBrk="1" hangingPunct="1">
+              <a:lnSpc>
+                <a:spcPct val="80000"/>
+              </a:lnSpc>
+            </a:pPr>
+            <a:r>
+              <a:rPr lang="en-US" sz="1600" dirty="0"/>
+              <a:t>tsWxTaskBar.py (Frame)</a:t>
+            </a:r>
           </a:p>
           <a:p>
             <a:pPr eaLnBrk="1" hangingPunct="1">
@@ -15955,80 +13992,8 @@
               </a:lnSpc>
             </a:pPr>
             <a:r>
-              <a:rPr lang="en-US" sz="1800" b="1" dirty="0" smtClean="0"/>
-              <a:t>Top-Level "wxPython" 2.8.9.2 </a:t>
-            </a:r>
-            <a:r>
               <a:rPr lang="en-US" sz="1800" b="1" dirty="0"/>
-              <a:t>Objects</a:t>
-            </a:r>
-          </a:p>
-          <a:p>
-            <a:pPr lvl="1" eaLnBrk="1" hangingPunct="1">
-              <a:lnSpc>
-                <a:spcPct val="80000"/>
-              </a:lnSpc>
-            </a:pPr>
-            <a:r>
-              <a:rPr lang="en-US" sz="1600" dirty="0" smtClean="0"/>
-              <a:t>tsWxFrame.py (Frame)</a:t>
-            </a:r>
-            <a:endParaRPr lang="en-US" sz="1600" dirty="0"/>
-          </a:p>
-          <a:p>
-            <a:pPr lvl="1" eaLnBrk="1" hangingPunct="1">
-              <a:lnSpc>
-                <a:spcPct val="80000"/>
-              </a:lnSpc>
-            </a:pPr>
-            <a:r>
-              <a:rPr lang="en-US" sz="1600" dirty="0" smtClean="0"/>
-              <a:t>tsWxDialog.py (Dialog)</a:t>
-            </a:r>
-          </a:p>
-          <a:p>
-            <a:pPr lvl="1" eaLnBrk="1" hangingPunct="1">
-              <a:lnSpc>
-                <a:spcPct val="80000"/>
-              </a:lnSpc>
-            </a:pPr>
-            <a:r>
-              <a:rPr lang="en-US" sz="1600" dirty="0" smtClean="0"/>
-              <a:t>tsWxPyOnDemandOutputWindow.py (Frame for </a:t>
-            </a:r>
-            <a:r>
-              <a:rPr lang="en-US" sz="1600" dirty="0" err="1" smtClean="0"/>
-              <a:t>RedirectedOutput</a:t>
-            </a:r>
-            <a:r>
-              <a:rPr lang="en-US" sz="1600" dirty="0" smtClean="0"/>
-              <a:t>)</a:t>
-            </a:r>
-          </a:p>
-          <a:p>
-            <a:pPr lvl="1" eaLnBrk="1" hangingPunct="1">
-              <a:lnSpc>
-                <a:spcPct val="80000"/>
-              </a:lnSpc>
-            </a:pPr>
-            <a:r>
-              <a:rPr lang="en-US" sz="1600" dirty="0" smtClean="0"/>
-              <a:t>tsWxTaskBar.py (Frame)</a:t>
-            </a:r>
-          </a:p>
-          <a:p>
-            <a:pPr eaLnBrk="1" hangingPunct="1">
-              <a:lnSpc>
-                <a:spcPct val="80000"/>
-              </a:lnSpc>
-            </a:pPr>
-            <a:r>
-              <a:rPr lang="en-US" sz="1800" b="1" dirty="0" smtClean="0"/>
-              <a:t>"wxPython" 2.8.9.2 </a:t>
-            </a:r>
-            <a:r>
-              <a:rPr lang="en-US" sz="1800" b="1" dirty="0"/>
-              <a:t>Controls</a:t>
+              <a:t>"wxPython" 2.8.9.2 Controls</a:t>
             </a:r>
           </a:p>
           <a:p>
@@ -16076,10 +14041,9 @@
               <a:t>RadioButton</a:t>
             </a:r>
             <a:r>
-              <a:rPr lang="en-US" sz="1600" dirty="0" smtClean="0"/>
+              <a:rPr lang="en-US" sz="1600" dirty="0"/>
               <a:t>)</a:t>
             </a:r>
-            <a:endParaRPr lang="en-US" sz="1600" dirty="0"/>
           </a:p>
         </p:txBody>
       </p:sp>
@@ -16117,16 +14081,8 @@
               <a:t> </a:t>
             </a:r>
             <a:r>
-              <a:rPr lang="en-US" sz="1800" i="1" dirty="0" smtClean="0"/>
-              <a:t>File </a:t>
-            </a:r>
-            <a:r>
               <a:rPr lang="en-US" sz="1800" i="1" dirty="0"/>
-              <a:t>Name (Class Name</a:t>
-            </a:r>
-            <a:r>
-              <a:rPr lang="en-US" sz="1800" i="1" dirty="0" smtClean="0"/>
-              <a:t>)</a:t>
+              <a:t>File Name (Class Name)</a:t>
             </a:r>
           </a:p>
           <a:p>
@@ -16137,15 +14093,7 @@
             </a:pPr>
             <a:r>
               <a:rPr lang="en-US" sz="1800" b="1" dirty="0"/>
-              <a:t>Lower-Level </a:t>
-            </a:r>
-            <a:r>
-              <a:rPr lang="en-US" sz="1800" b="1" dirty="0" smtClean="0"/>
-              <a:t>"wxPython" 2.8.9.2 </a:t>
-            </a:r>
-            <a:r>
-              <a:rPr lang="en-US" sz="1800" b="1" dirty="0"/>
-              <a:t>Objects</a:t>
+              <a:t>Lower-Level "wxPython" 2.8.9.2 Objects</a:t>
             </a:r>
           </a:p>
           <a:p>
@@ -16166,12 +14114,8 @@
               </a:lnSpc>
             </a:pPr>
             <a:r>
-              <a:rPr lang="en-US" sz="1600" dirty="0" smtClean="0"/>
-              <a:t>tsWxMenuBar.py </a:t>
-            </a:r>
-            <a:r>
               <a:rPr lang="en-US" sz="1600" dirty="0"/>
-              <a:t>(</a:t>
+              <a:t>tsWxMenuBar.py (</a:t>
             </a:r>
             <a:r>
               <a:rPr lang="en-US" sz="1600" dirty="0" err="1"/>
@@ -16189,12 +14133,8 @@
               </a:lnSpc>
             </a:pPr>
             <a:r>
-              <a:rPr lang="en-US" sz="1600" dirty="0" smtClean="0"/>
-              <a:t>tsWxPanel.py </a:t>
-            </a:r>
-            <a:r>
               <a:rPr lang="en-US" sz="1600" dirty="0"/>
-              <a:t>(Panel)</a:t>
+              <a:t>tsWxPanel.py (Panel)</a:t>
             </a:r>
           </a:p>
           <a:p>
@@ -16242,12 +14182,8 @@
               </a:lnSpc>
             </a:pPr>
             <a:r>
-              <a:rPr lang="en-US" sz="1600" dirty="0" smtClean="0"/>
-              <a:t>tsWxStatusBar.py </a:t>
-            </a:r>
-            <a:r>
               <a:rPr lang="en-US" sz="1600" dirty="0"/>
-              <a:t>(</a:t>
+              <a:t>tsWxStatusBar.py (</a:t>
             </a:r>
             <a:r>
               <a:rPr lang="en-US" sz="1600" dirty="0" err="1"/>
@@ -16265,12 +14201,8 @@
               </a:lnSpc>
             </a:pPr>
             <a:r>
-              <a:rPr lang="en-US" sz="1800" b="1" dirty="0" smtClean="0"/>
-              <a:t>"wxPython" 2.8.9.2 </a:t>
-            </a:r>
-            <a:r>
               <a:rPr lang="en-US" sz="1800" b="1" dirty="0"/>
-              <a:t>Sizers</a:t>
+              <a:t>"wxPython" 2.8.9.2 Sizers</a:t>
             </a:r>
           </a:p>
           <a:p>
@@ -16318,12 +14250,8 @@
               </a:lnSpc>
             </a:pPr>
             <a:r>
-              <a:rPr lang="en-US" sz="1800" b="1" dirty="0" smtClean="0"/>
-              <a:t>"wxPython" 2.8.9.2 </a:t>
-            </a:r>
-            <a:r>
               <a:rPr lang="en-US" sz="1800" b="1" dirty="0"/>
-              <a:t>Events</a:t>
+              <a:t>"wxPython" 2.8.9.2 Events</a:t>
             </a:r>
           </a:p>
           <a:p>
@@ -16333,7 +14261,7 @@
               </a:lnSpc>
             </a:pPr>
             <a:r>
-              <a:rPr lang="en-US" sz="1600" dirty="0" smtClean="0"/>
+              <a:rPr lang="en-US" sz="1600" dirty="0"/>
               <a:t>Keyboard/Mouse/Timer</a:t>
             </a:r>
           </a:p>
@@ -16344,12 +14272,8 @@
               </a:lnSpc>
             </a:pPr>
             <a:r>
-              <a:rPr lang="en-US" sz="1800" b="1" dirty="0" smtClean="0"/>
-              <a:t>"wxPython" 2.8.9.2 </a:t>
-            </a:r>
-            <a:r>
               <a:rPr lang="en-US" sz="1800" b="1" dirty="0"/>
-              <a:t>Configuration</a:t>
+              <a:t>"wxPython" 2.8.9.2 Configuration</a:t>
             </a:r>
           </a:p>
           <a:p>
@@ -16378,7 +14302,7 @@
               </a:lnSpc>
             </a:pPr>
             <a:r>
-              <a:rPr lang="en-US" sz="1600" dirty="0" err="1" smtClean="0"/>
+              <a:rPr lang="en-US" sz="1600" dirty="0" err="1"/>
               <a:t>tsWxGlobals</a:t>
             </a:r>
             <a:endParaRPr lang="en-US" sz="1600" dirty="0"/>
@@ -16404,9 +14328,9 @@
           <a:p>
             <a:fld id="{82CC87A2-1781-440A-9FCF-DC78272C75A5}" type="datetime1">
               <a:rPr lang="en-US" smtClean="0"/>
-              <a:t>12/4/2015</a:t>
+              <a:t>12/23/2016</a:t>
             </a:fld>
-            <a:endParaRPr lang="en-US" smtClean="0"/>
+            <a:endParaRPr lang="en-US"/>
           </a:p>
         </p:txBody>
       </p:sp>
@@ -16428,7 +14352,7 @@
           <a:lstStyle/>
           <a:p>
             <a:r>
-              <a:rPr lang="en-US" dirty="0" smtClean="0"/>
+              <a:rPr lang="en-US" dirty="0"/>
               <a:t>TeamSTARS "tsWxGTUI_PyVx" Toolkit prepared &amp; presented by Richard S. Gordon</a:t>
             </a:r>
           </a:p>
@@ -16471,13 +14395,6 @@
     <a:masterClrMapping/>
   </p:clrMapOvr>
   <p:transition/>
-  <p:timing>
-    <p:tnLst>
-      <p:par>
-        <p:cTn id="1" dur="indefinite" restart="never" nodeType="tmRoot"/>
-      </p:par>
-    </p:tnLst>
-  </p:timing>
 </p:sld>
 </file>
 
@@ -16520,38 +14437,20 @@
             </a:pPr>
             <a:r>
               <a:rPr lang="en-US" sz="3200" dirty="0"/>
-              <a:t>Input &amp; Output </a:t>
-            </a:r>
-            <a:r>
-              <a:rPr lang="en-US" sz="3200" dirty="0" smtClean="0"/>
-              <a:t>Differences between “wxPython 2.8.9.2” API Pixel-Mode </a:t>
-            </a:r>
-            <a:r>
-              <a:rPr lang="en-US" sz="3200" dirty="0"/>
-              <a:t>and Character-Mode </a:t>
-            </a:r>
-            <a:r>
-              <a:rPr lang="en-US" sz="3200" dirty="0" smtClean="0"/>
-              <a:t>Emulation </a:t>
-            </a:r>
-            <a:r>
-              <a:rPr lang="en-US" sz="2000" dirty="0" smtClean="0"/>
+              <a:t>Input &amp; Output Differences between “wxPython 2.8.9.2” API Pixel-Mode and Character-Mode Emulation </a:t>
+            </a:r>
+            <a:r>
+              <a:rPr lang="en-US" sz="2000" dirty="0"/>
               <a:t>(</a:t>
-            </a:r>
-            <a:r>
-              <a:rPr lang="en-US" sz="2000" dirty="0" smtClean="0">
-                <a:hlinkClick r:id="rId3" action="ppaction://hlinksldjump"/>
-              </a:rPr>
-              <a:t>Table </a:t>
             </a:r>
             <a:r>
               <a:rPr lang="en-US" sz="2000" dirty="0">
                 <a:hlinkClick r:id="rId3" action="ppaction://hlinksldjump"/>
               </a:rPr>
-              <a:t>of Contents</a:t>
-            </a:r>
-            <a:r>
-              <a:rPr lang="en-US" sz="2000" dirty="0" smtClean="0"/>
+              <a:t>Table of Contents</a:t>
+            </a:r>
+            <a:r>
+              <a:rPr lang="en-US" sz="2000" dirty="0"/>
               <a:t>)</a:t>
             </a:r>
             <a:endParaRPr lang="en-US" sz="3200" dirty="0"/>
@@ -16580,23 +14479,19 @@
           <a:p>
             <a:pPr eaLnBrk="1" hangingPunct="1"/>
             <a:r>
-              <a:rPr lang="en-US" sz="1200" b="1" dirty="0" smtClean="0"/>
+              <a:rPr lang="en-US" sz="1200" b="1" dirty="0"/>
               <a:t>Output to the user via a terminal display device</a:t>
             </a:r>
             <a:r>
-              <a:rPr lang="en-US" sz="1200" dirty="0" smtClean="0"/>
+              <a:rPr lang="en-US" sz="1200" dirty="0"/>
               <a:t>:</a:t>
             </a:r>
           </a:p>
           <a:p>
             <a:pPr lvl="1" eaLnBrk="1" hangingPunct="1"/>
             <a:r>
-              <a:rPr lang="en-US" sz="1050" b="1" dirty="0" smtClean="0"/>
-              <a:t>Pixel-mode Icons </a:t>
-            </a:r>
-            <a:r>
               <a:rPr lang="en-US" sz="1050" b="1" dirty="0"/>
-              <a:t>are pictograms </a:t>
+              <a:t>Pixel-mode Icons are pictograms </a:t>
             </a:r>
             <a:r>
               <a:rPr lang="en-US" sz="1050" dirty="0"/>
@@ -16606,94 +14501,26 @@
           <a:p>
             <a:pPr lvl="1" eaLnBrk="1" hangingPunct="1"/>
             <a:r>
-              <a:rPr lang="en-US" sz="1050" b="1" dirty="0" smtClean="0"/>
-              <a:t>Character-mode “wxPython 2.8.9.2” </a:t>
-            </a:r>
-            <a:r>
               <a:rPr lang="en-US" sz="1050" b="1" dirty="0"/>
-              <a:t>API </a:t>
-            </a:r>
-            <a:r>
-              <a:rPr lang="en-US" sz="1050" b="1" dirty="0" smtClean="0"/>
-              <a:t>Emulation </a:t>
-            </a:r>
-            <a:r>
-              <a:rPr lang="en-US" sz="1050" dirty="0" smtClean="0"/>
-              <a:t>uses its host platform’s native Curses services to input from terminal pointing &amp; keyboard devices and to output icon characters </a:t>
+              <a:t>Character-mode “wxPython 2.8.9.2” API Emulation </a:t>
             </a:r>
             <a:r>
               <a:rPr lang="en-US" sz="1050" dirty="0"/>
-              <a:t>and </a:t>
-            </a:r>
-            <a:r>
-              <a:rPr lang="en-US" sz="1050" dirty="0" smtClean="0"/>
-              <a:t>text composed of pre-defined fixed-size character cells (hardware generated array of pixels) to </a:t>
-            </a:r>
-            <a:r>
-              <a:rPr lang="en-US" sz="1050" dirty="0"/>
-              <a:t>application-specified </a:t>
-            </a:r>
-            <a:r>
-              <a:rPr lang="en-US" sz="1050" dirty="0" smtClean="0"/>
-              <a:t>character </a:t>
-            </a:r>
-            <a:r>
-              <a:rPr lang="en-US" sz="1050" dirty="0"/>
-              <a:t>c</a:t>
-            </a:r>
-            <a:r>
-              <a:rPr lang="en-US" sz="1050" dirty="0" smtClean="0"/>
-              <a:t>ell column </a:t>
-            </a:r>
-            <a:r>
-              <a:rPr lang="en-US" sz="1050" dirty="0"/>
-              <a:t>and row (line) fields on a computer terminal display</a:t>
-            </a:r>
-            <a:r>
-              <a:rPr lang="en-US" sz="1050" dirty="0" smtClean="0"/>
-              <a:t>.</a:t>
+              <a:t>uses its host platform’s native Curses services to input from terminal pointing &amp; keyboard devices and to output icon characters and text composed of pre-defined fixed-size character cells (hardware generated array of pixels) to application-specified character cell column and row (line) fields on a computer terminal display.</a:t>
             </a:r>
           </a:p>
           <a:p>
             <a:pPr eaLnBrk="1" hangingPunct="1"/>
             <a:r>
-              <a:rPr lang="en-US" sz="1200" b="1" dirty="0" smtClean="0"/>
-              <a:t>Input </a:t>
-            </a:r>
-            <a:r>
               <a:rPr lang="en-US" sz="1200" b="1" dirty="0"/>
-              <a:t>from the user via a </a:t>
-            </a:r>
-            <a:r>
-              <a:rPr lang="en-US" sz="1200" b="1" dirty="0" smtClean="0"/>
-              <a:t>terminal </a:t>
-            </a:r>
-            <a:r>
-              <a:rPr lang="en-US" sz="1200" b="1" dirty="0"/>
-              <a:t>device:</a:t>
+              <a:t>Input from the user via a terminal device:</a:t>
             </a:r>
           </a:p>
           <a:p>
             <a:pPr lvl="1" eaLnBrk="1" hangingPunct="1"/>
             <a:r>
               <a:rPr lang="en-US" sz="1050" b="1" dirty="0"/>
-              <a:t>Pointing Device (mouse, trackball, </a:t>
-            </a:r>
-            <a:r>
-              <a:rPr lang="en-US" sz="1050" b="1" dirty="0" smtClean="0"/>
-              <a:t>touch pad </a:t>
-            </a:r>
-            <a:r>
-              <a:rPr lang="en-US" sz="1050" b="1" dirty="0"/>
-              <a:t>or </a:t>
-            </a:r>
-            <a:r>
-              <a:rPr lang="en-US" sz="1050" b="1" dirty="0" smtClean="0"/>
-              <a:t>screen</a:t>
-            </a:r>
-            <a:r>
-              <a:rPr lang="en-US" sz="1050" b="1" dirty="0"/>
-              <a:t>)</a:t>
+              <a:t>Pointing Device (mouse, trackball, touch pad or screen)</a:t>
             </a:r>
           </a:p>
           <a:p>
@@ -16722,18 +14549,14 @@
             </a:r>
             <a:r>
               <a:rPr lang="en-US" sz="1050" dirty="0"/>
-              <a:t>may be echoed as output to a reserved area of the display that is written from top to bottom and then scrolling off the top as each new line is written to the bottom of the reserved </a:t>
-            </a:r>
-            <a:r>
-              <a:rPr lang="en-US" sz="1050" dirty="0" smtClean="0"/>
-              <a:t>area</a:t>
+              <a:t>may be echoed as output to a reserved area of the display that is written from top to bottom and then scrolling off the top as each new line is written to the bottom of the reserved area</a:t>
             </a:r>
           </a:p>
           <a:p>
             <a:pPr marL="0" indent="0" eaLnBrk="1" hangingPunct="1">
               <a:buNone/>
             </a:pPr>
-            <a:endParaRPr lang="en-US" sz="1600" dirty="0" smtClean="0"/>
+            <a:endParaRPr lang="en-US" sz="1600" dirty="0"/>
           </a:p>
         </p:txBody>
       </p:sp>
@@ -16759,7 +14582,7 @@
           <a:p>
             <a:pPr eaLnBrk="1" hangingPunct="1"/>
             <a:r>
-              <a:rPr lang="en-US" sz="1200" b="1" dirty="0" smtClean="0"/>
+              <a:rPr lang="en-US" sz="1200" b="1" dirty="0"/>
               <a:t>Comparison of Pixel-mode with Character-mode Emulation</a:t>
             </a:r>
           </a:p>
@@ -16767,18 +14590,14 @@
             <a:pPr lvl="1" eaLnBrk="1" hangingPunct="1"/>
             <a:r>
               <a:rPr lang="en-US" sz="1050" b="1" dirty="0"/>
-              <a:t>P</a:t>
-            </a:r>
-            <a:r>
-              <a:rPr lang="en-US" sz="1050" b="1" dirty="0" smtClean="0"/>
-              <a:t>ixel-mode “wxPython 2.8.9.2” API u</a:t>
-            </a:r>
-            <a:r>
-              <a:rPr lang="en-US" sz="1050" dirty="0" smtClean="0"/>
+              <a:t>Pixel-mode “wxPython 2.8.9.2” API u</a:t>
+            </a:r>
+            <a:r>
+              <a:rPr lang="en-US" sz="1050" dirty="0"/>
               <a:t>ses</a:t>
             </a:r>
             <a:r>
-              <a:rPr lang="en-US" sz="1050" b="1" dirty="0" smtClean="0"/>
+              <a:rPr lang="en-US" sz="1050" b="1" dirty="0"/>
               <a:t> </a:t>
             </a:r>
             <a:r>
@@ -16790,160 +14609,60 @@
             <a:pPr lvl="1" eaLnBrk="1" hangingPunct="1"/>
             <a:r>
               <a:rPr lang="en-US" sz="1050" b="1" dirty="0"/>
-              <a:t>Character-mode </a:t>
-            </a:r>
-            <a:r>
-              <a:rPr lang="en-US" sz="1050" b="1" dirty="0" smtClean="0"/>
-              <a:t>“wxPython 2.8.9.2” </a:t>
-            </a:r>
-            <a:r>
-              <a:rPr lang="en-US" sz="1050" b="1" dirty="0"/>
-              <a:t>API Emulation </a:t>
-            </a:r>
-            <a:r>
-              <a:rPr lang="en-US" sz="1050" b="1" dirty="0" smtClean="0"/>
-              <a:t>c</a:t>
-            </a:r>
-            <a:r>
-              <a:rPr lang="en-US" sz="1050" dirty="0" smtClean="0"/>
-              <a:t>onsumes </a:t>
+              <a:t>Character-mode “wxPython 2.8.9.2” API Emulation c</a:t>
             </a:r>
             <a:r>
               <a:rPr lang="en-US" sz="1050" dirty="0"/>
-              <a:t>significantly less memory, processor time and communication bandwidth than Pixel-mode</a:t>
-            </a:r>
-            <a:r>
-              <a:rPr lang="en-US" sz="1050" dirty="0" smtClean="0"/>
-              <a:t>. For a simplified example:</a:t>
+              <a:t>onsumes significantly less memory, processor time and communication bandwidth than Pixel-mode. For a simplified example:</a:t>
             </a:r>
           </a:p>
           <a:p>
             <a:pPr lvl="2" eaLnBrk="1" hangingPunct="1"/>
             <a:r>
-              <a:rPr lang="en-US" sz="1050" dirty="0" smtClean="0"/>
-              <a:t>In Character-mode, one 8-bit-byte character </a:t>
-            </a:r>
-            <a:r>
               <a:rPr lang="en-US" sz="1050" dirty="0"/>
-              <a:t>code can designate one of 256 </a:t>
-            </a:r>
-            <a:r>
-              <a:rPr lang="en-US" sz="1050" dirty="0" smtClean="0"/>
-              <a:t>alphanumeric</a:t>
-            </a:r>
+              <a:t>In Character-mode, one 8-bit-byte character code can designate one of 256 alphanumeric, punctuation or line –drawing characters (in an 8x12 pixel font) plus a second 8-bit-byte character can represent the foreground-background color pair in a 16-color palette. As a consequence, computer-terminal communication bandwidth consumes 2 Character-mode bytes per 8x12 pixel font character cell. </a:t>
+            </a:r>
+            <a:r>
+              <a:rPr lang="en-US" sz="1050" b="1" i="1" dirty="0"/>
+              <a:t>A display update will NOT occur until a “</a:t>
+            </a:r>
+            <a:r>
+              <a:rPr lang="en-US" sz="1050" b="1" i="1" dirty="0" err="1"/>
+              <a:t>wxPython</a:t>
+            </a:r>
+            <a:r>
+              <a:rPr lang="en-US" sz="1050" b="1" i="1" dirty="0"/>
+              <a:t>”  application or event handler invokes </a:t>
+            </a:r>
+            <a:r>
+              <a:rPr lang="en-US" sz="1050" b="1" i="1"/>
+              <a:t>the  emulation’s “Show</a:t>
+            </a:r>
+            <a:r>
+              <a:rPr lang="en-US" sz="1050" b="1" i="1" dirty="0"/>
+              <a:t>’ method, which in turn invokes the “curses” “</a:t>
+            </a:r>
+            <a:r>
+              <a:rPr lang="en-US" sz="1050" b="1" i="1" dirty="0" err="1"/>
+              <a:t>window.refresh</a:t>
+            </a:r>
+            <a:r>
+              <a:rPr lang="en-US" sz="1050" b="1" i="1" dirty="0"/>
+              <a:t>” method.</a:t>
+            </a:r>
+          </a:p>
+          <a:p>
+            <a:pPr lvl="2" eaLnBrk="1" hangingPunct="1"/>
             <a:r>
               <a:rPr lang="en-US" sz="1050" dirty="0"/>
-              <a:t>, punctuation or line –drawing characters (in an 8x12 pixel font) </a:t>
-            </a:r>
-            <a:r>
-              <a:rPr lang="en-US" sz="1050" dirty="0" smtClean="0"/>
-              <a:t>plus a </a:t>
-            </a:r>
+              <a:t>In Pixel-mode, one 8-bit-byte code sets the intensity of three individual Red-Green-Blue color subpixels (for a 16-million color palette) associated with each pixel in an 8x12 font cell. As a consequence, computer-terminal communication bandwidth consumes 288 Pixel-mode bytes per 8x12 pixel font character cell.</a:t>
+            </a:r>
+          </a:p>
+          <a:p>
+            <a:pPr lvl="2" eaLnBrk="1" hangingPunct="1"/>
             <a:r>
               <a:rPr lang="en-US" sz="1050" dirty="0"/>
-              <a:t>second </a:t>
-            </a:r>
-            <a:r>
-              <a:rPr lang="en-US" sz="1050" dirty="0" smtClean="0"/>
-              <a:t>8-bit-byte character </a:t>
-            </a:r>
-            <a:r>
-              <a:rPr lang="en-US" sz="1050" dirty="0"/>
-              <a:t>can represent the foreground-background color pair in a 16-color </a:t>
-            </a:r>
-            <a:r>
-              <a:rPr lang="en-US" sz="1050" dirty="0" smtClean="0"/>
-              <a:t>palette. As a consequence, computer-terminal communication bandwidth </a:t>
-            </a:r>
-            <a:r>
-              <a:rPr lang="en-US" sz="1050" dirty="0"/>
-              <a:t>consumes 2 Character-mode </a:t>
-            </a:r>
-            <a:r>
-              <a:rPr lang="en-US" sz="1050" dirty="0" smtClean="0"/>
-              <a:t>bytes per </a:t>
-            </a:r>
-            <a:r>
-              <a:rPr lang="en-US" sz="1050" dirty="0"/>
-              <a:t>8x12 pixel font </a:t>
-            </a:r>
-            <a:r>
-              <a:rPr lang="en-US" sz="1050" dirty="0" smtClean="0"/>
-              <a:t>character cell. </a:t>
-            </a:r>
-            <a:r>
-              <a:rPr lang="en-US" sz="1050" b="1" i="1" dirty="0" smtClean="0"/>
-              <a:t>A display update will NOT occur until a “</a:t>
-            </a:r>
-            <a:r>
-              <a:rPr lang="en-US" sz="1050" b="1" i="1" dirty="0" err="1" smtClean="0"/>
-              <a:t>wxPython</a:t>
-            </a:r>
-            <a:r>
-              <a:rPr lang="en-US" sz="1050" b="1" i="1" dirty="0" smtClean="0"/>
-              <a:t>”  application or event handler invokes </a:t>
-            </a:r>
-            <a:r>
-              <a:rPr lang="en-US" sz="1050" b="1" i="1" smtClean="0"/>
-              <a:t>the  emulation’s “Show</a:t>
-            </a:r>
-            <a:r>
-              <a:rPr lang="en-US" sz="1050" b="1" i="1" dirty="0" smtClean="0"/>
-              <a:t>’ method, which in turn invokes the “curses” “</a:t>
-            </a:r>
-            <a:r>
-              <a:rPr lang="en-US" sz="1050" b="1" i="1" dirty="0" err="1" smtClean="0"/>
-              <a:t>window.refresh</a:t>
-            </a:r>
-            <a:r>
-              <a:rPr lang="en-US" sz="1050" b="1" i="1" dirty="0" smtClean="0"/>
-              <a:t>” method.</a:t>
-            </a:r>
-          </a:p>
-          <a:p>
-            <a:pPr lvl="2" eaLnBrk="1" hangingPunct="1"/>
-            <a:r>
-              <a:rPr lang="en-US" sz="1050" dirty="0" smtClean="0"/>
-              <a:t>In Pixel-mode, one 8-bit-byte code sets the intensity of three individual Red-Green-Blue color subpixels (for a 16-million color palette) associated with each pixel in an 8x12 font cell</a:t>
-            </a:r>
-            <a:r>
-              <a:rPr lang="en-US" sz="1050" dirty="0"/>
-              <a:t>. As a consequence, computer-terminal communication bandwidth consumes </a:t>
-            </a:r>
-            <a:r>
-              <a:rPr lang="en-US" sz="1050" dirty="0" smtClean="0"/>
-              <a:t>288 Pixel-mode bytes </a:t>
-            </a:r>
-            <a:r>
-              <a:rPr lang="en-US" sz="1050" dirty="0"/>
-              <a:t>per 8x12 pixel font </a:t>
-            </a:r>
-            <a:r>
-              <a:rPr lang="en-US" sz="1050" dirty="0" smtClean="0"/>
-              <a:t>character </a:t>
-            </a:r>
-            <a:r>
-              <a:rPr lang="en-US" sz="1050" dirty="0"/>
-              <a:t>cell</a:t>
-            </a:r>
-            <a:r>
-              <a:rPr lang="en-US" sz="1050" dirty="0" smtClean="0"/>
-              <a:t>.</a:t>
-            </a:r>
-          </a:p>
-          <a:p>
-            <a:pPr lvl="2" eaLnBrk="1" hangingPunct="1"/>
-            <a:r>
-              <a:rPr lang="en-US" sz="1050" dirty="0"/>
-              <a:t>Retains names of original </a:t>
-            </a:r>
-            <a:r>
-              <a:rPr lang="en-US" sz="1050" dirty="0" smtClean="0"/>
-              <a:t>“wxPython 2.8.9.2” </a:t>
-            </a:r>
-            <a:r>
-              <a:rPr lang="en-US" sz="1050" dirty="0"/>
-              <a:t>classes, methods, functions, constants and variables.</a:t>
+              <a:t>Retains names of original “wxPython 2.8.9.2” classes, methods, functions, constants and variables.</a:t>
             </a:r>
           </a:p>
           <a:p>
@@ -16966,11 +14685,7 @@
             </a:r>
             <a:r>
               <a:rPr lang="en-US" sz="1050" dirty="0"/>
-              <a:t>” prefix to names of internal classes, methods, functions, constants and variables</a:t>
-            </a:r>
-            <a:r>
-              <a:rPr lang="en-US" sz="1050" dirty="0" smtClean="0"/>
-              <a:t>.</a:t>
+              <a:t>” prefix to names of internal classes, methods, functions, constants and variables.</a:t>
             </a:r>
           </a:p>
         </p:txBody>
@@ -16994,9 +14709,9 @@
           <a:p>
             <a:fld id="{A628D7B9-A196-43FB-98FC-214F3C36C725}" type="datetime1">
               <a:rPr lang="en-US" smtClean="0"/>
-              <a:t>12/4/2015</a:t>
+              <a:t>12/23/2016</a:t>
             </a:fld>
-            <a:endParaRPr lang="en-US" dirty="0" smtClean="0"/>
+            <a:endParaRPr lang="en-US" dirty="0"/>
           </a:p>
         </p:txBody>
       </p:sp>
@@ -17018,7 +14733,7 @@
           <a:lstStyle/>
           <a:p>
             <a:r>
-              <a:rPr lang="en-US" dirty="0" smtClean="0"/>
+              <a:rPr lang="en-US" dirty="0"/>
               <a:t>TeamSTARS "tsWxGTUI_PyVx" Toolkit prepared &amp; presented by Richard S. Gordon</a:t>
             </a:r>
           </a:p>
@@ -17061,13 +14776,6 @@
     <a:masterClrMapping/>
   </p:clrMapOvr>
   <p:transition/>
-  <p:timing>
-    <p:tnLst>
-      <p:par>
-        <p:cTn id="1" dur="indefinite" restart="never" nodeType="tmRoot"/>
-      </p:par>
-    </p:tnLst>
-  </p:timing>
 </p:sld>
 </file>
 
@@ -17106,35 +14814,7 @@
             <a:pPr eaLnBrk="1" hangingPunct="1"/>
             <a:r>
               <a:rPr lang="en-US" sz="2400" dirty="0"/>
-              <a:t>Import &amp; Usage </a:t>
-            </a:r>
-            <a:r>
-              <a:rPr lang="en-US" sz="2400" dirty="0" smtClean="0"/>
-              <a:t>Differences </a:t>
-            </a:r>
-            <a:r>
-              <a:rPr lang="en-US" sz="2400" dirty="0"/>
-              <a:t>between </a:t>
-            </a:r>
-            <a:r>
-              <a:rPr lang="en-US" sz="2400" dirty="0" smtClean="0"/>
-              <a:t>“wxPython 2.8.9.2” </a:t>
-            </a:r>
-            <a:r>
-              <a:rPr lang="en-US" sz="2400" dirty="0"/>
-              <a:t>API </a:t>
-            </a:r>
-            <a:r>
-              <a:rPr lang="en-US" sz="2400" dirty="0" smtClean="0"/>
-              <a:t>Pixel-Mode </a:t>
-            </a:r>
-            <a:r>
-              <a:rPr lang="en-US" sz="2400" dirty="0"/>
-              <a:t>and Character-Mode </a:t>
-            </a:r>
-            <a:r>
-              <a:rPr lang="en-US" sz="2400" dirty="0" smtClean="0"/>
-              <a:t>Emulation (</a:t>
+              <a:t>Import &amp; Usage Differences between “wxPython 2.8.9.2” API Pixel-Mode and Character-Mode Emulation (</a:t>
             </a:r>
             <a:r>
               <a:rPr lang="en-US" sz="2400" dirty="0">
@@ -17144,11 +14824,7 @@
             </a:r>
             <a:r>
               <a:rPr lang="en-US" sz="2400" dirty="0"/>
-              <a:t>)</a:t>
-            </a:r>
-            <a:r>
-              <a:rPr lang="en-US" sz="2400" dirty="0" smtClean="0"/>
-              <a:t> </a:t>
+              <a:t>) </a:t>
             </a:r>
             <a:r>
               <a:rPr lang="en-US" sz="2000" dirty="0"/>
@@ -17161,7 +14837,7 @@
               <a:t>Table of Contents</a:t>
             </a:r>
             <a:r>
-              <a:rPr lang="en-US" sz="2000" dirty="0" smtClean="0"/>
+              <a:rPr lang="en-US" sz="2000" dirty="0"/>
               <a:t>)</a:t>
             </a:r>
           </a:p>
@@ -17188,24 +14864,56 @@
               </a:lnSpc>
             </a:pPr>
             <a:r>
-              <a:rPr lang="en-US" sz="1600" dirty="0" smtClean="0"/>
-              <a:t>Pixel-mode “wxPython 2.8.9.2-2.9.5.0” </a:t>
-            </a:r>
-            <a:r>
               <a:rPr lang="en-US" sz="1600" dirty="0"/>
-              <a:t>applications use a Python 2x / 3x version specific </a:t>
-            </a:r>
-            <a:r>
-              <a:rPr lang="en-US" sz="1600" dirty="0" smtClean="0"/>
-              <a:t>“wxPython 2.8.9.2” </a:t>
-            </a:r>
+              <a:t>Pixel-mode “wxPython 2.8.9.2-2.9.5.0” applications use a Python 2x / 3x version specific “wxPython 2.8.9.2” toolkit site-package:</a:t>
+            </a:r>
+          </a:p>
+          <a:p>
+            <a:pPr lvl="1" eaLnBrk="1" hangingPunct="1">
+              <a:lnSpc>
+                <a:spcPct val="80000"/>
+              </a:lnSpc>
+            </a:pPr>
+            <a:r>
+              <a:rPr lang="en-US" sz="1400" dirty="0"/>
+              <a:t>“import </a:t>
+            </a:r>
+            <a:r>
+              <a:rPr lang="en-US" sz="1400" dirty="0" err="1"/>
+              <a:t>wx</a:t>
+            </a:r>
+            <a:r>
+              <a:rPr lang="en-US" sz="1400" dirty="0"/>
+              <a:t>”.</a:t>
+            </a:r>
+          </a:p>
+          <a:p>
+            <a:pPr marL="57150" indent="0" eaLnBrk="1" hangingPunct="1">
+              <a:lnSpc>
+                <a:spcPct val="80000"/>
+              </a:lnSpc>
+              <a:buNone/>
+            </a:pPr>
+            <a:endParaRPr lang="en-US" sz="1600" dirty="0"/>
+          </a:p>
+          <a:p>
+            <a:pPr marL="57150" indent="0" eaLnBrk="1" hangingPunct="1">
+              <a:lnSpc>
+                <a:spcPct val="80000"/>
+              </a:lnSpc>
+              <a:buNone/>
+            </a:pPr>
+            <a:endParaRPr lang="en-US" sz="1600" dirty="0"/>
+          </a:p>
+          <a:p>
+            <a:pPr eaLnBrk="1" hangingPunct="1">
+              <a:lnSpc>
+                <a:spcPct val="80000"/>
+              </a:lnSpc>
+            </a:pPr>
             <a:r>
               <a:rPr lang="en-US" sz="1600" dirty="0"/>
-              <a:t>toolkit site-package</a:t>
-            </a:r>
-            <a:r>
-              <a:rPr lang="en-US" sz="1600" dirty="0" smtClean="0"/>
-              <a:t>:</a:t>
+              <a:t>Applications reference “wxPython 2.8.9.2-2.9.5.0” objects:</a:t>
             </a:r>
           </a:p>
           <a:p>
@@ -17215,57 +14923,16 @@
               </a:lnSpc>
             </a:pPr>
             <a:r>
-              <a:rPr lang="en-US" sz="1400" dirty="0" smtClean="0"/>
-              <a:t>“</a:t>
-            </a:r>
-            <a:r>
               <a:rPr lang="en-US" sz="1400" dirty="0"/>
-              <a:t>import </a:t>
-            </a:r>
-            <a:r>
-              <a:rPr lang="en-US" sz="1400" dirty="0" err="1" smtClean="0"/>
-              <a:t>wx</a:t>
-            </a:r>
-            <a:r>
-              <a:rPr lang="en-US" sz="1400" dirty="0" smtClean="0"/>
-              <a:t>”.</a:t>
-            </a:r>
-          </a:p>
-          <a:p>
-            <a:pPr marL="57150" indent="0" eaLnBrk="1" hangingPunct="1">
-              <a:lnSpc>
-                <a:spcPct val="80000"/>
-              </a:lnSpc>
-              <a:buNone/>
-            </a:pPr>
-            <a:endParaRPr lang="en-US" sz="1600" dirty="0"/>
-          </a:p>
-          <a:p>
-            <a:pPr marL="57150" indent="0" eaLnBrk="1" hangingPunct="1">
-              <a:lnSpc>
-                <a:spcPct val="80000"/>
-              </a:lnSpc>
-              <a:buNone/>
-            </a:pPr>
-            <a:endParaRPr lang="en-US" sz="1600" dirty="0" smtClean="0"/>
-          </a:p>
-          <a:p>
-            <a:pPr eaLnBrk="1" hangingPunct="1">
-              <a:lnSpc>
-                <a:spcPct val="80000"/>
-              </a:lnSpc>
-            </a:pPr>
-            <a:r>
-              <a:rPr lang="en-US" sz="1600" dirty="0" smtClean="0"/>
-              <a:t>Applications reference “wxPython </a:t>
-            </a:r>
-            <a:r>
-              <a:rPr lang="en-US" sz="1600" dirty="0"/>
-              <a:t>2.8.9.2-2.9.5.0” </a:t>
-            </a:r>
-            <a:r>
-              <a:rPr lang="en-US" sz="1600" dirty="0" smtClean="0"/>
-              <a:t>objects:</a:t>
+              <a:t>Classes such as “Frame” via “</a:t>
+            </a:r>
+            <a:r>
+              <a:rPr lang="en-US" sz="1400" dirty="0" err="1"/>
+              <a:t>wx.Frame</a:t>
+            </a:r>
+            <a:r>
+              <a:rPr lang="en-US" sz="1400" dirty="0"/>
+              <a:t>”</a:t>
             </a:r>
           </a:p>
           <a:p>
@@ -17276,19 +14943,15 @@
             </a:pPr>
             <a:r>
               <a:rPr lang="en-US" sz="1400" dirty="0"/>
-              <a:t>C</a:t>
-            </a:r>
-            <a:r>
-              <a:rPr lang="en-US" sz="1400" dirty="0" smtClean="0"/>
-              <a:t>lasses such as “Frame” via “</a:t>
-            </a:r>
-            <a:r>
-              <a:rPr lang="en-US" sz="1400" dirty="0" err="1" smtClean="0"/>
-              <a:t>wx.Frame</a:t>
-            </a:r>
-            <a:r>
-              <a:rPr lang="en-US" sz="1400" dirty="0" smtClean="0"/>
-              <a:t>”</a:t>
+              <a:t>Data such as “ID_ANY” via “</a:t>
+            </a:r>
+            <a:r>
+              <a:rPr lang="en-US" sz="1400" dirty="0" err="1"/>
+              <a:t>wx.ID_ANY</a:t>
+            </a:r>
+            <a:r>
+              <a:rPr lang="en-US" sz="1400" dirty="0"/>
+              <a:t>” </a:t>
             </a:r>
           </a:p>
           <a:p>
@@ -17298,39 +14961,12 @@
               </a:lnSpc>
             </a:pPr>
             <a:r>
-              <a:rPr lang="en-US" sz="1400" dirty="0" smtClean="0"/>
-              <a:t>Data such as “ID_ANY” via </a:t>
-            </a:r>
-            <a:r>
-              <a:rPr lang="en-US" sz="1400" dirty="0" smtClean="0"/>
-              <a:t>“</a:t>
-            </a:r>
-            <a:r>
-              <a:rPr lang="en-US" sz="1400" dirty="0" err="1" smtClean="0"/>
-              <a:t>wx.ID_ANY</a:t>
-            </a:r>
-            <a:r>
-              <a:rPr lang="en-US" sz="1400" dirty="0" smtClean="0"/>
-              <a:t>” </a:t>
-            </a:r>
-          </a:p>
-          <a:p>
-            <a:pPr lvl="1" eaLnBrk="1" hangingPunct="1">
-              <a:lnSpc>
-                <a:spcPct val="80000"/>
-              </a:lnSpc>
-            </a:pPr>
-            <a:r>
-              <a:rPr lang="en-US" sz="1400" dirty="0" err="1" smtClean="0"/>
+              <a:rPr lang="en-US" sz="1400" dirty="0" err="1"/>
               <a:t>myApp</a:t>
             </a:r>
             <a:r>
-              <a:rPr lang="en-US" sz="1400" dirty="0" smtClean="0"/>
-              <a:t> </a:t>
-            </a:r>
-            <a:r>
               <a:rPr lang="en-US" sz="1400" dirty="0"/>
-              <a:t>= </a:t>
+              <a:t> = </a:t>
             </a:r>
             <a:r>
               <a:rPr lang="en-US" sz="1400" dirty="0" err="1"/>
@@ -17348,16 +14984,12 @@
               </a:lnSpc>
             </a:pPr>
             <a:r>
-              <a:rPr lang="en-US" sz="1400" dirty="0" err="1" smtClean="0"/>
+              <a:rPr lang="en-US" sz="1400" dirty="0" err="1"/>
               <a:t>myFrame</a:t>
             </a:r>
             <a:r>
-              <a:rPr lang="en-US" sz="1400" dirty="0" smtClean="0"/>
-              <a:t> </a:t>
-            </a:r>
-            <a:r>
               <a:rPr lang="en-US" sz="1400" dirty="0"/>
-              <a:t>= </a:t>
+              <a:t> = </a:t>
             </a:r>
             <a:r>
               <a:rPr lang="en-US" sz="1400" dirty="0" err="1"/>
@@ -17365,11 +14997,7 @@
             </a:r>
             <a:r>
               <a:rPr lang="en-US" sz="1400" dirty="0"/>
-              <a:t>(None, title='Hello World</a:t>
-            </a:r>
-            <a:r>
-              <a:rPr lang="en-US" sz="1400" dirty="0" smtClean="0"/>
-              <a:t>')</a:t>
+              <a:t>(None, title='Hello World')</a:t>
             </a:r>
           </a:p>
           <a:p>
@@ -17399,13 +15027,8 @@
             </a:r>
             <a:r>
               <a:rPr lang="en-US" sz="1400" dirty="0"/>
-              <a:t>("BLACK</a:t>
-            </a:r>
-            <a:r>
-              <a:rPr lang="en-US" sz="1400" dirty="0" smtClean="0"/>
-              <a:t>")</a:t>
-            </a:r>
-            <a:endParaRPr lang="en-US" sz="1400" dirty="0"/>
+              <a:t>("BLACK")</a:t>
+            </a:r>
           </a:p>
           <a:p>
             <a:pPr lvl="1" eaLnBrk="1" hangingPunct="1">
@@ -17418,10 +15041,9 @@
               <a:t>myFrame.Show</a:t>
             </a:r>
             <a:r>
-              <a:rPr lang="en-US" sz="1600" dirty="0" smtClean="0"/>
+              <a:rPr lang="en-US" sz="1600" dirty="0"/>
               <a:t>()</a:t>
             </a:r>
-            <a:endParaRPr lang="en-US" sz="1600" dirty="0"/>
           </a:p>
         </p:txBody>
       </p:sp>
@@ -17447,15 +15069,7 @@
             </a:pPr>
             <a:r>
               <a:rPr lang="en-US" sz="1600" dirty="0"/>
-              <a:t>Character-mode </a:t>
-            </a:r>
-            <a:r>
-              <a:rPr lang="en-US" sz="1600" dirty="0" smtClean="0"/>
-              <a:t>“wxPython 2.8.9.2” </a:t>
-            </a:r>
-            <a:r>
-              <a:rPr lang="en-US" sz="1600" dirty="0"/>
-              <a:t>applications use a Python 2x / 3x version specific “</a:t>
+              <a:t>Character-mode “wxPython 2.8.9.2” applications use a Python 2x / 3x version specific “</a:t>
             </a:r>
             <a:r>
               <a:rPr lang="en-US" sz="1600" dirty="0" err="1"/>
@@ -17535,12 +15149,8 @@
               </a:lnSpc>
             </a:pPr>
             <a:r>
-              <a:rPr lang="en-US" sz="1600" dirty="0" smtClean="0"/>
-              <a:t>Applications reference “wxPython 2.8.9.2” </a:t>
-            </a:r>
-            <a:r>
               <a:rPr lang="en-US" sz="1600" dirty="0"/>
-              <a:t>objects:</a:t>
+              <a:t>Applications reference “wxPython 2.8.9.2” objects:</a:t>
             </a:r>
           </a:p>
           <a:p>
@@ -17570,14 +15180,10 @@
             </a:pPr>
             <a:r>
               <a:rPr lang="en-US" sz="1400" dirty="0"/>
-              <a:t>Data such as “ID_ANY” via </a:t>
-            </a:r>
-            <a:r>
-              <a:rPr lang="en-US" sz="1400" dirty="0" smtClean="0"/>
-              <a:t>“</a:t>
-            </a:r>
-            <a:r>
-              <a:rPr lang="en-US" sz="1400" smtClean="0"/>
+              <a:t>Data such as “ID_ANY” via “</a:t>
+            </a:r>
+            <a:r>
+              <a:rPr lang="en-US" sz="1400"/>
               <a:t>wx.ID_ANY</a:t>
             </a:r>
             <a:r>
@@ -17672,10 +15278,9 @@
               <a:t>myFrame.Show</a:t>
             </a:r>
             <a:r>
-              <a:rPr lang="en-US" sz="1600" dirty="0" smtClean="0"/>
+              <a:rPr lang="en-US" sz="1600" dirty="0"/>
               <a:t>()</a:t>
             </a:r>
-            <a:endParaRPr lang="en-US" sz="1600" dirty="0"/>
           </a:p>
         </p:txBody>
       </p:sp>
@@ -17698,9 +15303,9 @@
           <a:p>
             <a:fld id="{82CC87A2-1781-440A-9FCF-DC78272C75A5}" type="datetime1">
               <a:rPr lang="en-US" smtClean="0"/>
-              <a:t>12/4/2015</a:t>
+              <a:t>12/23/2016</a:t>
             </a:fld>
-            <a:endParaRPr lang="en-US" dirty="0" smtClean="0"/>
+            <a:endParaRPr lang="en-US" dirty="0"/>
           </a:p>
         </p:txBody>
       </p:sp>
@@ -17722,7 +15327,7 @@
           <a:lstStyle/>
           <a:p>
             <a:r>
-              <a:rPr lang="en-US" dirty="0" smtClean="0"/>
+              <a:rPr lang="en-US" dirty="0"/>
               <a:t>TeamSTARS "tsWxGTUI_PyVx" Toolkit prepared &amp; presented by Richard S. Gordon</a:t>
             </a:r>
           </a:p>
@@ -17765,13 +15370,6 @@
     <a:masterClrMapping/>
   </p:clrMapOvr>
   <p:transition/>
-  <p:timing>
-    <p:tnLst>
-      <p:par>
-        <p:cTn id="1" dur="indefinite" restart="never" nodeType="tmRoot"/>
-      </p:par>
-    </p:tnLst>
-  </p:timing>
 </p:sld>
 </file>
 
